--- a/Object Oriented Programming FRC Context ArmSystem.pptx
+++ b/Object Oriented Programming FRC Context ArmSystem.pptx
@@ -2,18 +2,23 @@
 <file path=ppt/presentation.xml><?xml version="1.0" encoding="utf-8"?>
 <p:presentation xmlns:a="http://schemas.openxmlformats.org/drawingml/2006/main" xmlns:r="http://schemas.openxmlformats.org/officeDocument/2006/relationships" xmlns:p="http://schemas.openxmlformats.org/presentationml/2006/main" saveSubsetFonts="1">
   <p:sldMasterIdLst>
-    <p:sldMasterId id="2147483648" r:id="rId1"/>
+    <p:sldMasterId id="2147483696" r:id="rId1"/>
   </p:sldMasterIdLst>
+  <p:notesMasterIdLst>
+    <p:notesMasterId r:id="rId13"/>
+  </p:notesMasterIdLst>
   <p:sldIdLst>
     <p:sldId id="256" r:id="rId2"/>
     <p:sldId id="261" r:id="rId3"/>
     <p:sldId id="259" r:id="rId4"/>
     <p:sldId id="262" r:id="rId5"/>
     <p:sldId id="258" r:id="rId6"/>
-    <p:sldId id="263" r:id="rId7"/>
-    <p:sldId id="264" r:id="rId8"/>
-    <p:sldId id="266" r:id="rId9"/>
-    <p:sldId id="265" r:id="rId10"/>
+    <p:sldId id="268" r:id="rId7"/>
+    <p:sldId id="263" r:id="rId8"/>
+    <p:sldId id="269" r:id="rId9"/>
+    <p:sldId id="264" r:id="rId10"/>
+    <p:sldId id="266" r:id="rId11"/>
+    <p:sldId id="265" r:id="rId12"/>
   </p:sldIdLst>
   <p:sldSz cx="12192000" cy="6858000"/>
   <p:notesSz cx="6858000" cy="9144000"/>
@@ -21,7 +26,7 @@
     <a:defPPr>
       <a:defRPr lang="en-US"/>
     </a:defPPr>
-    <a:lvl1pPr marL="0" algn="l" defTabSz="914400" rtl="0" eaLnBrk="1" latinLnBrk="0" hangingPunct="1">
+    <a:lvl1pPr marL="0" algn="l" defTabSz="457200" rtl="0" eaLnBrk="1" latinLnBrk="0" hangingPunct="1">
       <a:defRPr sz="1800" kern="1200">
         <a:solidFill>
           <a:schemeClr val="tx1"/>
@@ -31,7 +36,7 @@
         <a:cs typeface="+mn-cs"/>
       </a:defRPr>
     </a:lvl1pPr>
-    <a:lvl2pPr marL="457200" algn="l" defTabSz="914400" rtl="0" eaLnBrk="1" latinLnBrk="0" hangingPunct="1">
+    <a:lvl2pPr marL="457200" algn="l" defTabSz="457200" rtl="0" eaLnBrk="1" latinLnBrk="0" hangingPunct="1">
       <a:defRPr sz="1800" kern="1200">
         <a:solidFill>
           <a:schemeClr val="tx1"/>
@@ -41,7 +46,7 @@
         <a:cs typeface="+mn-cs"/>
       </a:defRPr>
     </a:lvl2pPr>
-    <a:lvl3pPr marL="914400" algn="l" defTabSz="914400" rtl="0" eaLnBrk="1" latinLnBrk="0" hangingPunct="1">
+    <a:lvl3pPr marL="914400" algn="l" defTabSz="457200" rtl="0" eaLnBrk="1" latinLnBrk="0" hangingPunct="1">
       <a:defRPr sz="1800" kern="1200">
         <a:solidFill>
           <a:schemeClr val="tx1"/>
@@ -51,7 +56,7 @@
         <a:cs typeface="+mn-cs"/>
       </a:defRPr>
     </a:lvl3pPr>
-    <a:lvl4pPr marL="1371600" algn="l" defTabSz="914400" rtl="0" eaLnBrk="1" latinLnBrk="0" hangingPunct="1">
+    <a:lvl4pPr marL="1371600" algn="l" defTabSz="457200" rtl="0" eaLnBrk="1" latinLnBrk="0" hangingPunct="1">
       <a:defRPr sz="1800" kern="1200">
         <a:solidFill>
           <a:schemeClr val="tx1"/>
@@ -61,7 +66,7 @@
         <a:cs typeface="+mn-cs"/>
       </a:defRPr>
     </a:lvl4pPr>
-    <a:lvl5pPr marL="1828800" algn="l" defTabSz="914400" rtl="0" eaLnBrk="1" latinLnBrk="0" hangingPunct="1">
+    <a:lvl5pPr marL="1828800" algn="l" defTabSz="457200" rtl="0" eaLnBrk="1" latinLnBrk="0" hangingPunct="1">
       <a:defRPr sz="1800" kern="1200">
         <a:solidFill>
           <a:schemeClr val="tx1"/>
@@ -71,7 +76,7 @@
         <a:cs typeface="+mn-cs"/>
       </a:defRPr>
     </a:lvl5pPr>
-    <a:lvl6pPr marL="2286000" algn="l" defTabSz="914400" rtl="0" eaLnBrk="1" latinLnBrk="0" hangingPunct="1">
+    <a:lvl6pPr marL="2286000" algn="l" defTabSz="457200" rtl="0" eaLnBrk="1" latinLnBrk="0" hangingPunct="1">
       <a:defRPr sz="1800" kern="1200">
         <a:solidFill>
           <a:schemeClr val="tx1"/>
@@ -81,7 +86,7 @@
         <a:cs typeface="+mn-cs"/>
       </a:defRPr>
     </a:lvl6pPr>
-    <a:lvl7pPr marL="2743200" algn="l" defTabSz="914400" rtl="0" eaLnBrk="1" latinLnBrk="0" hangingPunct="1">
+    <a:lvl7pPr marL="2743200" algn="l" defTabSz="457200" rtl="0" eaLnBrk="1" latinLnBrk="0" hangingPunct="1">
       <a:defRPr sz="1800" kern="1200">
         <a:solidFill>
           <a:schemeClr val="tx1"/>
@@ -91,7 +96,7 @@
         <a:cs typeface="+mn-cs"/>
       </a:defRPr>
     </a:lvl7pPr>
-    <a:lvl8pPr marL="3200400" algn="l" defTabSz="914400" rtl="0" eaLnBrk="1" latinLnBrk="0" hangingPunct="1">
+    <a:lvl8pPr marL="3200400" algn="l" defTabSz="457200" rtl="0" eaLnBrk="1" latinLnBrk="0" hangingPunct="1">
       <a:defRPr sz="1800" kern="1200">
         <a:solidFill>
           <a:schemeClr val="tx1"/>
@@ -101,7 +106,7 @@
         <a:cs typeface="+mn-cs"/>
       </a:defRPr>
     </a:lvl8pPr>
-    <a:lvl9pPr marL="3657600" algn="l" defTabSz="914400" rtl="0" eaLnBrk="1" latinLnBrk="0" hangingPunct="1">
+    <a:lvl9pPr marL="3657600" algn="l" defTabSz="457200" rtl="0" eaLnBrk="1" latinLnBrk="0" hangingPunct="1">
       <a:defRPr sz="1800" kern="1200">
         <a:solidFill>
           <a:schemeClr val="tx1"/>
@@ -116,12 +121,1626 @@
     <p:ext uri="{EFAFB233-063F-42B5-8137-9DF3F51BA10A}">
       <p15:sldGuideLst xmlns:p15="http://schemas.microsoft.com/office/powerpoint/2012/main"/>
     </p:ext>
+    <p:ext uri="{2D200454-40CA-4A62-9FC3-DE9A4176ACB9}">
+      <p15:notesGuideLst xmlns:p15="http://schemas.microsoft.com/office/powerpoint/2012/main"/>
+    </p:ext>
   </p:extLst>
 </p:presentation>
 </file>
 
+<file path=ppt/notesMasters/notesMaster1.xml><?xml version="1.0" encoding="utf-8"?>
+<p:notesMaster xmlns:a="http://schemas.openxmlformats.org/drawingml/2006/main" xmlns:r="http://schemas.openxmlformats.org/officeDocument/2006/relationships" xmlns:p="http://schemas.openxmlformats.org/presentationml/2006/main">
+  <p:cSld>
+    <p:bg>
+      <p:bgRef idx="1001">
+        <a:schemeClr val="bg1"/>
+      </p:bgRef>
+    </p:bg>
+    <p:spTree>
+      <p:nvGrpSpPr>
+        <p:cNvPr id="1" name=""/>
+        <p:cNvGrpSpPr/>
+        <p:nvPr/>
+      </p:nvGrpSpPr>
+      <p:grpSpPr>
+        <a:xfrm>
+          <a:off x="0" y="0"/>
+          <a:ext cx="0" cy="0"/>
+          <a:chOff x="0" y="0"/>
+          <a:chExt cx="0" cy="0"/>
+        </a:xfrm>
+      </p:grpSpPr>
+      <p:sp>
+        <p:nvSpPr>
+          <p:cNvPr id="2" name="Header Placeholder 1"/>
+          <p:cNvSpPr>
+            <a:spLocks noGrp="1"/>
+          </p:cNvSpPr>
+          <p:nvPr>
+            <p:ph type="hdr" sz="quarter"/>
+          </p:nvPr>
+        </p:nvSpPr>
+        <p:spPr>
+          <a:xfrm>
+            <a:off x="0" y="0"/>
+            <a:ext cx="2971800" cy="458788"/>
+          </a:xfrm>
+          <a:prstGeom prst="rect">
+            <a:avLst/>
+          </a:prstGeom>
+        </p:spPr>
+        <p:txBody>
+          <a:bodyPr vert="horz" lIns="91440" tIns="45720" rIns="91440" bIns="45720" rtlCol="0"/>
+          <a:lstStyle>
+            <a:lvl1pPr algn="l">
+              <a:defRPr sz="1200"/>
+            </a:lvl1pPr>
+          </a:lstStyle>
+          <a:p>
+            <a:endParaRPr lang="en-US"/>
+          </a:p>
+        </p:txBody>
+      </p:sp>
+      <p:sp>
+        <p:nvSpPr>
+          <p:cNvPr id="3" name="Date Placeholder 2"/>
+          <p:cNvSpPr>
+            <a:spLocks noGrp="1"/>
+          </p:cNvSpPr>
+          <p:nvPr>
+            <p:ph type="dt" idx="1"/>
+          </p:nvPr>
+        </p:nvSpPr>
+        <p:spPr>
+          <a:xfrm>
+            <a:off x="3884613" y="0"/>
+            <a:ext cx="2971800" cy="458788"/>
+          </a:xfrm>
+          <a:prstGeom prst="rect">
+            <a:avLst/>
+          </a:prstGeom>
+        </p:spPr>
+        <p:txBody>
+          <a:bodyPr vert="horz" lIns="91440" tIns="45720" rIns="91440" bIns="45720" rtlCol="0"/>
+          <a:lstStyle>
+            <a:lvl1pPr algn="r">
+              <a:defRPr sz="1200"/>
+            </a:lvl1pPr>
+          </a:lstStyle>
+          <a:p>
+            <a:fld id="{F9C1B0B9-684F-45F6-91B4-DADBEF26290F}" type="datetimeFigureOut">
+              <a:rPr lang="en-US" smtClean="0"/>
+              <a:t>10/16/2016</a:t>
+            </a:fld>
+            <a:endParaRPr lang="en-US"/>
+          </a:p>
+        </p:txBody>
+      </p:sp>
+      <p:sp>
+        <p:nvSpPr>
+          <p:cNvPr id="4" name="Slide Image Placeholder 3"/>
+          <p:cNvSpPr>
+            <a:spLocks noGrp="1" noRot="1" noChangeAspect="1"/>
+          </p:cNvSpPr>
+          <p:nvPr>
+            <p:ph type="sldImg" idx="2"/>
+          </p:nvPr>
+        </p:nvSpPr>
+        <p:spPr>
+          <a:xfrm>
+            <a:off x="685800" y="1143000"/>
+            <a:ext cx="5486400" cy="3086100"/>
+          </a:xfrm>
+          <a:prstGeom prst="rect">
+            <a:avLst/>
+          </a:prstGeom>
+          <a:noFill/>
+          <a:ln w="12700">
+            <a:solidFill>
+              <a:prstClr val="black"/>
+            </a:solidFill>
+          </a:ln>
+        </p:spPr>
+        <p:txBody>
+          <a:bodyPr vert="horz" lIns="91440" tIns="45720" rIns="91440" bIns="45720" rtlCol="0" anchor="ctr"/>
+          <a:lstStyle/>
+          <a:p>
+            <a:endParaRPr lang="en-US"/>
+          </a:p>
+        </p:txBody>
+      </p:sp>
+      <p:sp>
+        <p:nvSpPr>
+          <p:cNvPr id="5" name="Notes Placeholder 4"/>
+          <p:cNvSpPr>
+            <a:spLocks noGrp="1"/>
+          </p:cNvSpPr>
+          <p:nvPr>
+            <p:ph type="body" sz="quarter" idx="3"/>
+          </p:nvPr>
+        </p:nvSpPr>
+        <p:spPr>
+          <a:xfrm>
+            <a:off x="685800" y="4400550"/>
+            <a:ext cx="5486400" cy="3600450"/>
+          </a:xfrm>
+          <a:prstGeom prst="rect">
+            <a:avLst/>
+          </a:prstGeom>
+        </p:spPr>
+        <p:txBody>
+          <a:bodyPr vert="horz" lIns="91440" tIns="45720" rIns="91440" bIns="45720" rtlCol="0"/>
+          <a:lstStyle/>
+          <a:p>
+            <a:pPr lvl="0"/>
+            <a:r>
+              <a:rPr lang="en-US"/>
+              <a:t>Edit Master text styles</a:t>
+            </a:r>
+          </a:p>
+          <a:p>
+            <a:pPr lvl="1"/>
+            <a:r>
+              <a:rPr lang="en-US"/>
+              <a:t>Second level</a:t>
+            </a:r>
+          </a:p>
+          <a:p>
+            <a:pPr lvl="2"/>
+            <a:r>
+              <a:rPr lang="en-US"/>
+              <a:t>Third level</a:t>
+            </a:r>
+          </a:p>
+          <a:p>
+            <a:pPr lvl="3"/>
+            <a:r>
+              <a:rPr lang="en-US"/>
+              <a:t>Fourth level</a:t>
+            </a:r>
+          </a:p>
+          <a:p>
+            <a:pPr lvl="4"/>
+            <a:r>
+              <a:rPr lang="en-US"/>
+              <a:t>Fifth level</a:t>
+            </a:r>
+          </a:p>
+        </p:txBody>
+      </p:sp>
+      <p:sp>
+        <p:nvSpPr>
+          <p:cNvPr id="6" name="Footer Placeholder 5"/>
+          <p:cNvSpPr>
+            <a:spLocks noGrp="1"/>
+          </p:cNvSpPr>
+          <p:nvPr>
+            <p:ph type="ftr" sz="quarter" idx="4"/>
+          </p:nvPr>
+        </p:nvSpPr>
+        <p:spPr>
+          <a:xfrm>
+            <a:off x="0" y="8685213"/>
+            <a:ext cx="2971800" cy="458787"/>
+          </a:xfrm>
+          <a:prstGeom prst="rect">
+            <a:avLst/>
+          </a:prstGeom>
+        </p:spPr>
+        <p:txBody>
+          <a:bodyPr vert="horz" lIns="91440" tIns="45720" rIns="91440" bIns="45720" rtlCol="0" anchor="b"/>
+          <a:lstStyle>
+            <a:lvl1pPr algn="l">
+              <a:defRPr sz="1200"/>
+            </a:lvl1pPr>
+          </a:lstStyle>
+          <a:p>
+            <a:endParaRPr lang="en-US"/>
+          </a:p>
+        </p:txBody>
+      </p:sp>
+      <p:sp>
+        <p:nvSpPr>
+          <p:cNvPr id="7" name="Slide Number Placeholder 6"/>
+          <p:cNvSpPr>
+            <a:spLocks noGrp="1"/>
+          </p:cNvSpPr>
+          <p:nvPr>
+            <p:ph type="sldNum" sz="quarter" idx="5"/>
+          </p:nvPr>
+        </p:nvSpPr>
+        <p:spPr>
+          <a:xfrm>
+            <a:off x="3884613" y="8685213"/>
+            <a:ext cx="2971800" cy="458787"/>
+          </a:xfrm>
+          <a:prstGeom prst="rect">
+            <a:avLst/>
+          </a:prstGeom>
+        </p:spPr>
+        <p:txBody>
+          <a:bodyPr vert="horz" lIns="91440" tIns="45720" rIns="91440" bIns="45720" rtlCol="0" anchor="b"/>
+          <a:lstStyle>
+            <a:lvl1pPr algn="r">
+              <a:defRPr sz="1200"/>
+            </a:lvl1pPr>
+          </a:lstStyle>
+          <a:p>
+            <a:fld id="{73F8431B-E3E1-46AF-B1E9-2B8CCFB7923F}" type="slidenum">
+              <a:rPr lang="en-US" smtClean="0"/>
+              <a:t>‹#›</a:t>
+            </a:fld>
+            <a:endParaRPr lang="en-US"/>
+          </a:p>
+        </p:txBody>
+      </p:sp>
+    </p:spTree>
+    <p:extLst>
+      <p:ext uri="{BB962C8B-B14F-4D97-AF65-F5344CB8AC3E}">
+        <p14:creationId xmlns:p14="http://schemas.microsoft.com/office/powerpoint/2010/main" val="3752073112"/>
+      </p:ext>
+    </p:extLst>
+  </p:cSld>
+  <p:clrMap bg1="lt1" tx1="dk1" bg2="lt2" tx2="dk2" accent1="accent1" accent2="accent2" accent3="accent3" accent4="accent4" accent5="accent5" accent6="accent6" hlink="hlink" folHlink="folHlink"/>
+  <p:notesStyle>
+    <a:lvl1pPr marL="0" algn="l" defTabSz="914400" rtl="0" eaLnBrk="1" latinLnBrk="0" hangingPunct="1">
+      <a:defRPr sz="1200" kern="1200">
+        <a:solidFill>
+          <a:schemeClr val="tx1"/>
+        </a:solidFill>
+        <a:latin typeface="+mn-lt"/>
+        <a:ea typeface="+mn-ea"/>
+        <a:cs typeface="+mn-cs"/>
+      </a:defRPr>
+    </a:lvl1pPr>
+    <a:lvl2pPr marL="457200" algn="l" defTabSz="914400" rtl="0" eaLnBrk="1" latinLnBrk="0" hangingPunct="1">
+      <a:defRPr sz="1200" kern="1200">
+        <a:solidFill>
+          <a:schemeClr val="tx1"/>
+        </a:solidFill>
+        <a:latin typeface="+mn-lt"/>
+        <a:ea typeface="+mn-ea"/>
+        <a:cs typeface="+mn-cs"/>
+      </a:defRPr>
+    </a:lvl2pPr>
+    <a:lvl3pPr marL="914400" algn="l" defTabSz="914400" rtl="0" eaLnBrk="1" latinLnBrk="0" hangingPunct="1">
+      <a:defRPr sz="1200" kern="1200">
+        <a:solidFill>
+          <a:schemeClr val="tx1"/>
+        </a:solidFill>
+        <a:latin typeface="+mn-lt"/>
+        <a:ea typeface="+mn-ea"/>
+        <a:cs typeface="+mn-cs"/>
+      </a:defRPr>
+    </a:lvl3pPr>
+    <a:lvl4pPr marL="1371600" algn="l" defTabSz="914400" rtl="0" eaLnBrk="1" latinLnBrk="0" hangingPunct="1">
+      <a:defRPr sz="1200" kern="1200">
+        <a:solidFill>
+          <a:schemeClr val="tx1"/>
+        </a:solidFill>
+        <a:latin typeface="+mn-lt"/>
+        <a:ea typeface="+mn-ea"/>
+        <a:cs typeface="+mn-cs"/>
+      </a:defRPr>
+    </a:lvl4pPr>
+    <a:lvl5pPr marL="1828800" algn="l" defTabSz="914400" rtl="0" eaLnBrk="1" latinLnBrk="0" hangingPunct="1">
+      <a:defRPr sz="1200" kern="1200">
+        <a:solidFill>
+          <a:schemeClr val="tx1"/>
+        </a:solidFill>
+        <a:latin typeface="+mn-lt"/>
+        <a:ea typeface="+mn-ea"/>
+        <a:cs typeface="+mn-cs"/>
+      </a:defRPr>
+    </a:lvl5pPr>
+    <a:lvl6pPr marL="2286000" algn="l" defTabSz="914400" rtl="0" eaLnBrk="1" latinLnBrk="0" hangingPunct="1">
+      <a:defRPr sz="1200" kern="1200">
+        <a:solidFill>
+          <a:schemeClr val="tx1"/>
+        </a:solidFill>
+        <a:latin typeface="+mn-lt"/>
+        <a:ea typeface="+mn-ea"/>
+        <a:cs typeface="+mn-cs"/>
+      </a:defRPr>
+    </a:lvl6pPr>
+    <a:lvl7pPr marL="2743200" algn="l" defTabSz="914400" rtl="0" eaLnBrk="1" latinLnBrk="0" hangingPunct="1">
+      <a:defRPr sz="1200" kern="1200">
+        <a:solidFill>
+          <a:schemeClr val="tx1"/>
+        </a:solidFill>
+        <a:latin typeface="+mn-lt"/>
+        <a:ea typeface="+mn-ea"/>
+        <a:cs typeface="+mn-cs"/>
+      </a:defRPr>
+    </a:lvl7pPr>
+    <a:lvl8pPr marL="3200400" algn="l" defTabSz="914400" rtl="0" eaLnBrk="1" latinLnBrk="0" hangingPunct="1">
+      <a:defRPr sz="1200" kern="1200">
+        <a:solidFill>
+          <a:schemeClr val="tx1"/>
+        </a:solidFill>
+        <a:latin typeface="+mn-lt"/>
+        <a:ea typeface="+mn-ea"/>
+        <a:cs typeface="+mn-cs"/>
+      </a:defRPr>
+    </a:lvl8pPr>
+    <a:lvl9pPr marL="3657600" algn="l" defTabSz="914400" rtl="0" eaLnBrk="1" latinLnBrk="0" hangingPunct="1">
+      <a:defRPr sz="1200" kern="1200">
+        <a:solidFill>
+          <a:schemeClr val="tx1"/>
+        </a:solidFill>
+        <a:latin typeface="+mn-lt"/>
+        <a:ea typeface="+mn-ea"/>
+        <a:cs typeface="+mn-cs"/>
+      </a:defRPr>
+    </a:lvl9pPr>
+  </p:notesStyle>
+</p:notesMaster>
+</file>
+
+<file path=ppt/notesSlides/notesSlide1.xml><?xml version="1.0" encoding="utf-8"?>
+<p:notes xmlns:a="http://schemas.openxmlformats.org/drawingml/2006/main" xmlns:r="http://schemas.openxmlformats.org/officeDocument/2006/relationships" xmlns:p="http://schemas.openxmlformats.org/presentationml/2006/main">
+  <p:cSld>
+    <p:spTree>
+      <p:nvGrpSpPr>
+        <p:cNvPr id="1" name=""/>
+        <p:cNvGrpSpPr/>
+        <p:nvPr/>
+      </p:nvGrpSpPr>
+      <p:grpSpPr>
+        <a:xfrm>
+          <a:off x="0" y="0"/>
+          <a:ext cx="0" cy="0"/>
+          <a:chOff x="0" y="0"/>
+          <a:chExt cx="0" cy="0"/>
+        </a:xfrm>
+      </p:grpSpPr>
+      <p:sp>
+        <p:nvSpPr>
+          <p:cNvPr id="2" name="Slide Image Placeholder 1"/>
+          <p:cNvSpPr>
+            <a:spLocks noGrp="1" noRot="1" noChangeAspect="1"/>
+          </p:cNvSpPr>
+          <p:nvPr>
+            <p:ph type="sldImg"/>
+          </p:nvPr>
+        </p:nvSpPr>
+        <p:spPr/>
+      </p:sp>
+      <p:sp>
+        <p:nvSpPr>
+          <p:cNvPr id="3" name="Notes Placeholder 2"/>
+          <p:cNvSpPr>
+            <a:spLocks noGrp="1"/>
+          </p:cNvSpPr>
+          <p:nvPr>
+            <p:ph type="body" idx="1"/>
+          </p:nvPr>
+        </p:nvSpPr>
+        <p:spPr/>
+        <p:txBody>
+          <a:bodyPr/>
+          <a:lstStyle/>
+          <a:p>
+            <a:r>
+              <a:rPr lang="en-US" dirty="0"/>
+              <a:t>Have browser with references</a:t>
+            </a:r>
+            <a:r>
+              <a:rPr lang="en-US" baseline="0" dirty="0"/>
+              <a:t> open</a:t>
+            </a:r>
+          </a:p>
+          <a:p>
+            <a:r>
+              <a:rPr lang="en-US" baseline="0" dirty="0"/>
+              <a:t>Preferably with robot on</a:t>
+            </a:r>
+          </a:p>
+          <a:p>
+            <a:r>
+              <a:rPr lang="en-US" baseline="0" dirty="0"/>
+              <a:t>Provide background on the first two years of Java and issues</a:t>
+            </a:r>
+          </a:p>
+        </p:txBody>
+      </p:sp>
+      <p:sp>
+        <p:nvSpPr>
+          <p:cNvPr id="4" name="Slide Number Placeholder 3"/>
+          <p:cNvSpPr>
+            <a:spLocks noGrp="1"/>
+          </p:cNvSpPr>
+          <p:nvPr>
+            <p:ph type="sldNum" sz="quarter" idx="10"/>
+          </p:nvPr>
+        </p:nvSpPr>
+        <p:spPr/>
+        <p:txBody>
+          <a:bodyPr/>
+          <a:lstStyle/>
+          <a:p>
+            <a:fld id="{73F8431B-E3E1-46AF-B1E9-2B8CCFB7923F}" type="slidenum">
+              <a:rPr lang="en-US" smtClean="0"/>
+              <a:t>1</a:t>
+            </a:fld>
+            <a:endParaRPr lang="en-US"/>
+          </a:p>
+        </p:txBody>
+      </p:sp>
+    </p:spTree>
+    <p:extLst>
+      <p:ext uri="{BB962C8B-B14F-4D97-AF65-F5344CB8AC3E}">
+        <p14:creationId xmlns:p14="http://schemas.microsoft.com/office/powerpoint/2010/main" val="1599823235"/>
+      </p:ext>
+    </p:extLst>
+  </p:cSld>
+  <p:clrMapOvr>
+    <a:masterClrMapping/>
+  </p:clrMapOvr>
+</p:notes>
+</file>
+
+<file path=ppt/notesSlides/notesSlide2.xml><?xml version="1.0" encoding="utf-8"?>
+<p:notes xmlns:a="http://schemas.openxmlformats.org/drawingml/2006/main" xmlns:r="http://schemas.openxmlformats.org/officeDocument/2006/relationships" xmlns:p="http://schemas.openxmlformats.org/presentationml/2006/main">
+  <p:cSld>
+    <p:spTree>
+      <p:nvGrpSpPr>
+        <p:cNvPr id="1" name=""/>
+        <p:cNvGrpSpPr/>
+        <p:nvPr/>
+      </p:nvGrpSpPr>
+      <p:grpSpPr>
+        <a:xfrm>
+          <a:off x="0" y="0"/>
+          <a:ext cx="0" cy="0"/>
+          <a:chOff x="0" y="0"/>
+          <a:chExt cx="0" cy="0"/>
+        </a:xfrm>
+      </p:grpSpPr>
+      <p:sp>
+        <p:nvSpPr>
+          <p:cNvPr id="2" name="Slide Image Placeholder 1"/>
+          <p:cNvSpPr>
+            <a:spLocks noGrp="1" noRot="1" noChangeAspect="1"/>
+          </p:cNvSpPr>
+          <p:nvPr>
+            <p:ph type="sldImg"/>
+          </p:nvPr>
+        </p:nvSpPr>
+        <p:spPr/>
+      </p:sp>
+      <p:sp>
+        <p:nvSpPr>
+          <p:cNvPr id="3" name="Notes Placeholder 2"/>
+          <p:cNvSpPr>
+            <a:spLocks noGrp="1"/>
+          </p:cNvSpPr>
+          <p:nvPr>
+            <p:ph type="body" idx="1"/>
+          </p:nvPr>
+        </p:nvSpPr>
+        <p:spPr/>
+        <p:txBody>
+          <a:bodyPr/>
+          <a:lstStyle/>
+          <a:p>
+            <a:r>
+              <a:rPr lang="en-US" dirty="0"/>
+              <a:t>Starts with bottom level objects</a:t>
+            </a:r>
+          </a:p>
+          <a:p>
+            <a:r>
+              <a:rPr lang="en-US" dirty="0"/>
+              <a:t>Objects</a:t>
+            </a:r>
+            <a:r>
+              <a:rPr lang="en-US" baseline="0" dirty="0"/>
+              <a:t> are basic unit</a:t>
+            </a:r>
+          </a:p>
+          <a:p>
+            <a:r>
+              <a:rPr lang="en-US" baseline="0" dirty="0"/>
+              <a:t>Parameters are inputs to help define an object or for a method to use in performing its function</a:t>
+            </a:r>
+          </a:p>
+          <a:p>
+            <a:r>
+              <a:rPr lang="en-US" baseline="0" dirty="0"/>
+              <a:t>Functions are processes (</a:t>
+            </a:r>
+            <a:r>
+              <a:rPr lang="en-US" baseline="0" dirty="0" err="1"/>
+              <a:t>jave</a:t>
+            </a:r>
+            <a:r>
+              <a:rPr lang="en-US" baseline="0" dirty="0"/>
+              <a:t> methods) for the class/object</a:t>
+            </a:r>
+          </a:p>
+          <a:p>
+            <a:r>
+              <a:rPr lang="en-US" baseline="0" dirty="0"/>
+              <a:t>Object 3A extends object3 – can be a specific </a:t>
+            </a:r>
+            <a:r>
+              <a:rPr lang="en-US" baseline="0" dirty="0" err="1"/>
+              <a:t>instatiation</a:t>
+            </a:r>
+            <a:r>
+              <a:rPr lang="en-US" baseline="0" dirty="0"/>
+              <a:t> or can add extension (new methods)</a:t>
+            </a:r>
+          </a:p>
+          <a:p>
+            <a:r>
+              <a:rPr lang="en-US" baseline="0" dirty="0"/>
+              <a:t>A class is a blueprint or generic object with standard functions defined as methods</a:t>
+            </a:r>
+          </a:p>
+          <a:p>
+            <a:r>
+              <a:rPr lang="en-US" baseline="0" dirty="0"/>
+              <a:t>An object is an instance of the class (blueprint)</a:t>
+            </a:r>
+          </a:p>
+          <a:p>
+            <a:r>
+              <a:rPr lang="en-US" baseline="0" dirty="0"/>
+              <a:t>Create an object by “instantiating” a class.</a:t>
+            </a:r>
+          </a:p>
+          <a:p>
+            <a:r>
+              <a:rPr lang="en-US" baseline="0" dirty="0"/>
+              <a:t>Multiple objects can be combined to make an object with a broader definition</a:t>
+            </a:r>
+          </a:p>
+          <a:p>
+            <a:r>
+              <a:rPr lang="en-US" baseline="0" dirty="0"/>
+              <a:t>Encapsulation – keep the inner workings of the class hidden.</a:t>
+            </a:r>
+          </a:p>
+          <a:p>
+            <a:r>
+              <a:rPr lang="en-US" baseline="0" dirty="0"/>
+              <a:t>	expose methods</a:t>
+            </a:r>
+          </a:p>
+          <a:p>
+            <a:r>
+              <a:rPr lang="en-US" baseline="0" dirty="0"/>
+              <a:t>Example – big system designer specs a subsystem and puts out for bid.  They spec the functionality, not how it works internally.  </a:t>
+            </a:r>
+          </a:p>
+          <a:p>
+            <a:r>
+              <a:rPr lang="en-US" baseline="0" dirty="0"/>
+              <a:t>In FRC the best examples are speed controllers</a:t>
+            </a:r>
+          </a:p>
+          <a:p>
+            <a:r>
+              <a:rPr lang="en-US" baseline="0" dirty="0"/>
+              <a:t>We can do it to – allow build to come up with multiple hardware solutions as long as the functions are covered (public methods are the same)</a:t>
+            </a:r>
+          </a:p>
+          <a:p>
+            <a:r>
+              <a:rPr lang="en-US" baseline="0" dirty="0"/>
+              <a:t>For a test-bed, this can include “null” functions where the subsystem isn’t physically available.</a:t>
+            </a:r>
+          </a:p>
+        </p:txBody>
+      </p:sp>
+      <p:sp>
+        <p:nvSpPr>
+          <p:cNvPr id="4" name="Slide Number Placeholder 3"/>
+          <p:cNvSpPr>
+            <a:spLocks noGrp="1"/>
+          </p:cNvSpPr>
+          <p:nvPr>
+            <p:ph type="sldNum" sz="quarter" idx="10"/>
+          </p:nvPr>
+        </p:nvSpPr>
+        <p:spPr/>
+        <p:txBody>
+          <a:bodyPr/>
+          <a:lstStyle/>
+          <a:p>
+            <a:fld id="{73F8431B-E3E1-46AF-B1E9-2B8CCFB7923F}" type="slidenum">
+              <a:rPr lang="en-US" smtClean="0"/>
+              <a:t>2</a:t>
+            </a:fld>
+            <a:endParaRPr lang="en-US"/>
+          </a:p>
+        </p:txBody>
+      </p:sp>
+    </p:spTree>
+    <p:extLst>
+      <p:ext uri="{BB962C8B-B14F-4D97-AF65-F5344CB8AC3E}">
+        <p14:creationId xmlns:p14="http://schemas.microsoft.com/office/powerpoint/2010/main" val="2438584320"/>
+      </p:ext>
+    </p:extLst>
+  </p:cSld>
+  <p:clrMapOvr>
+    <a:masterClrMapping/>
+  </p:clrMapOvr>
+</p:notes>
+</file>
+
+<file path=ppt/notesSlides/notesSlide3.xml><?xml version="1.0" encoding="utf-8"?>
+<p:notes xmlns:a="http://schemas.openxmlformats.org/drawingml/2006/main" xmlns:r="http://schemas.openxmlformats.org/officeDocument/2006/relationships" xmlns:p="http://schemas.openxmlformats.org/presentationml/2006/main">
+  <p:cSld>
+    <p:spTree>
+      <p:nvGrpSpPr>
+        <p:cNvPr id="1" name=""/>
+        <p:cNvGrpSpPr/>
+        <p:nvPr/>
+      </p:nvGrpSpPr>
+      <p:grpSpPr>
+        <a:xfrm>
+          <a:off x="0" y="0"/>
+          <a:ext cx="0" cy="0"/>
+          <a:chOff x="0" y="0"/>
+          <a:chExt cx="0" cy="0"/>
+        </a:xfrm>
+      </p:grpSpPr>
+      <p:sp>
+        <p:nvSpPr>
+          <p:cNvPr id="2" name="Slide Image Placeholder 1"/>
+          <p:cNvSpPr>
+            <a:spLocks noGrp="1" noRot="1" noChangeAspect="1"/>
+          </p:cNvSpPr>
+          <p:nvPr>
+            <p:ph type="sldImg"/>
+          </p:nvPr>
+        </p:nvSpPr>
+        <p:spPr/>
+      </p:sp>
+      <p:sp>
+        <p:nvSpPr>
+          <p:cNvPr id="3" name="Notes Placeholder 2"/>
+          <p:cNvSpPr>
+            <a:spLocks noGrp="1"/>
+          </p:cNvSpPr>
+          <p:nvPr>
+            <p:ph type="body" idx="1"/>
+          </p:nvPr>
+        </p:nvSpPr>
+        <p:spPr/>
+        <p:txBody>
+          <a:bodyPr/>
+          <a:lstStyle/>
+          <a:p>
+            <a:r>
+              <a:rPr lang="en-US" dirty="0"/>
+              <a:t>Speed Controller is an INTERFACE standard</a:t>
+            </a:r>
+            <a:r>
+              <a:rPr lang="en-US" baseline="0" dirty="0"/>
+              <a:t> to all specific (make and model) motor controllers</a:t>
+            </a:r>
+          </a:p>
+          <a:p>
+            <a:r>
+              <a:rPr lang="en-US" baseline="0" dirty="0"/>
+              <a:t>Port is a required input so our code has the address of the controller</a:t>
+            </a:r>
+          </a:p>
+          <a:p>
+            <a:r>
+              <a:rPr lang="en-US" baseline="0" dirty="0"/>
+              <a:t>	PWM –wired port</a:t>
+            </a:r>
+          </a:p>
+          <a:p>
+            <a:r>
+              <a:rPr lang="en-US" baseline="0" dirty="0"/>
+              <a:t>	CAN – defined internally via web console</a:t>
+            </a:r>
+          </a:p>
+          <a:p>
+            <a:r>
+              <a:rPr lang="en-US" baseline="0" dirty="0"/>
+              <a:t>Set is a common method to send a “speed” value between -1 and 1 (zero is off) to the controller</a:t>
+            </a:r>
+          </a:p>
+          <a:p>
+            <a:r>
+              <a:rPr lang="en-US" baseline="0" dirty="0"/>
+              <a:t>The controller uses the speed range to send bus voltage (-12 to +12) to the motor</a:t>
+            </a:r>
+          </a:p>
+          <a:p>
+            <a:r>
+              <a:rPr lang="en-US" baseline="0" dirty="0"/>
+              <a:t>Digital Input can be any on/off one/zero input.  Limit switches (a spring loaded switch that has to be held to activate) are a common use.</a:t>
+            </a:r>
+          </a:p>
+          <a:p>
+            <a:r>
+              <a:rPr lang="en-US" baseline="0" dirty="0"/>
+              <a:t>	Be aware there are NO and NC switches, and “open” is considered “true” by </a:t>
+            </a:r>
+            <a:r>
+              <a:rPr lang="en-US" baseline="0" dirty="0" err="1"/>
+              <a:t>RoboRIO</a:t>
+            </a:r>
+            <a:r>
+              <a:rPr lang="en-US" baseline="0" dirty="0"/>
+              <a:t> circuitry</a:t>
+            </a:r>
+          </a:p>
+          <a:p>
+            <a:r>
+              <a:rPr lang="en-US" baseline="0" dirty="0"/>
+              <a:t>Sensors can be digital (0/1) or analog (0-1023 on </a:t>
+            </a:r>
+            <a:r>
+              <a:rPr lang="en-US" baseline="0" dirty="0" err="1"/>
+              <a:t>RoboRIO</a:t>
+            </a:r>
+            <a:r>
+              <a:rPr lang="en-US" baseline="0" dirty="0"/>
+              <a:t>)</a:t>
+            </a:r>
+            <a:endParaRPr lang="en-US" dirty="0"/>
+          </a:p>
+        </p:txBody>
+      </p:sp>
+      <p:sp>
+        <p:nvSpPr>
+          <p:cNvPr id="4" name="Slide Number Placeholder 3"/>
+          <p:cNvSpPr>
+            <a:spLocks noGrp="1"/>
+          </p:cNvSpPr>
+          <p:nvPr>
+            <p:ph type="sldNum" sz="quarter" idx="10"/>
+          </p:nvPr>
+        </p:nvSpPr>
+        <p:spPr/>
+        <p:txBody>
+          <a:bodyPr/>
+          <a:lstStyle/>
+          <a:p>
+            <a:fld id="{73F8431B-E3E1-46AF-B1E9-2B8CCFB7923F}" type="slidenum">
+              <a:rPr lang="en-US" smtClean="0"/>
+              <a:t>3</a:t>
+            </a:fld>
+            <a:endParaRPr lang="en-US"/>
+          </a:p>
+        </p:txBody>
+      </p:sp>
+    </p:spTree>
+    <p:extLst>
+      <p:ext uri="{BB962C8B-B14F-4D97-AF65-F5344CB8AC3E}">
+        <p14:creationId xmlns:p14="http://schemas.microsoft.com/office/powerpoint/2010/main" val="1039839334"/>
+      </p:ext>
+    </p:extLst>
+  </p:cSld>
+  <p:clrMapOvr>
+    <a:masterClrMapping/>
+  </p:clrMapOvr>
+</p:notes>
+</file>
+
+<file path=ppt/notesSlides/notesSlide4.xml><?xml version="1.0" encoding="utf-8"?>
+<p:notes xmlns:a="http://schemas.openxmlformats.org/drawingml/2006/main" xmlns:r="http://schemas.openxmlformats.org/officeDocument/2006/relationships" xmlns:p="http://schemas.openxmlformats.org/presentationml/2006/main">
+  <p:cSld>
+    <p:spTree>
+      <p:nvGrpSpPr>
+        <p:cNvPr id="1" name=""/>
+        <p:cNvGrpSpPr/>
+        <p:nvPr/>
+      </p:nvGrpSpPr>
+      <p:grpSpPr>
+        <a:xfrm>
+          <a:off x="0" y="0"/>
+          <a:ext cx="0" cy="0"/>
+          <a:chOff x="0" y="0"/>
+          <a:chExt cx="0" cy="0"/>
+        </a:xfrm>
+      </p:grpSpPr>
+      <p:sp>
+        <p:nvSpPr>
+          <p:cNvPr id="2" name="Slide Image Placeholder 1"/>
+          <p:cNvSpPr>
+            <a:spLocks noGrp="1" noRot="1" noChangeAspect="1"/>
+          </p:cNvSpPr>
+          <p:nvPr>
+            <p:ph type="sldImg"/>
+          </p:nvPr>
+        </p:nvSpPr>
+        <p:spPr/>
+      </p:sp>
+      <p:sp>
+        <p:nvSpPr>
+          <p:cNvPr id="3" name="Notes Placeholder 2"/>
+          <p:cNvSpPr>
+            <a:spLocks noGrp="1"/>
+          </p:cNvSpPr>
+          <p:nvPr>
+            <p:ph type="body" idx="1"/>
+          </p:nvPr>
+        </p:nvSpPr>
+        <p:spPr/>
+        <p:txBody>
+          <a:bodyPr/>
+          <a:lstStyle/>
+          <a:p>
+            <a:r>
+              <a:rPr lang="en-US" dirty="0"/>
+              <a:t>This specific implementation</a:t>
+            </a:r>
+          </a:p>
+          <a:p>
+            <a:r>
+              <a:rPr lang="en-US" dirty="0"/>
+              <a:t>Theoretical – not the actual code</a:t>
+            </a:r>
+            <a:r>
+              <a:rPr lang="en-US" baseline="0" dirty="0"/>
+              <a:t> – but a possible exercise</a:t>
+            </a:r>
+          </a:p>
+          <a:p>
+            <a:r>
+              <a:rPr lang="en-US" baseline="0" dirty="0"/>
+              <a:t>	Would be very appropriate if there were two actuators for the arm</a:t>
+            </a:r>
+          </a:p>
+          <a:p>
+            <a:r>
+              <a:rPr lang="en-US" baseline="0" dirty="0"/>
+              <a:t>Functions – methods</a:t>
+            </a:r>
+          </a:p>
+          <a:p>
+            <a:r>
+              <a:rPr lang="en-US" baseline="0" dirty="0"/>
+              <a:t>	encapsulation of the requirements of this implementation are buried inside the class</a:t>
+            </a:r>
+          </a:p>
+          <a:p>
+            <a:r>
+              <a:rPr lang="en-US" baseline="0" dirty="0"/>
+              <a:t>	motor direction</a:t>
+            </a:r>
+          </a:p>
+          <a:p>
+            <a:r>
+              <a:rPr lang="en-US" baseline="0" dirty="0"/>
+              <a:t>	NO vs NC switches</a:t>
+            </a:r>
+          </a:p>
+          <a:p>
+            <a:r>
+              <a:rPr lang="en-US" baseline="0" dirty="0"/>
+              <a:t>	Direction of the motor at the time it hits a limit switch</a:t>
+            </a:r>
+          </a:p>
+          <a:p>
+            <a:r>
+              <a:rPr lang="en-US" baseline="0" dirty="0"/>
+              <a:t>	This OO convention allows easier changes to a class, or different classes</a:t>
+            </a:r>
+          </a:p>
+          <a:p>
+            <a:r>
+              <a:rPr lang="en-US" baseline="0" dirty="0"/>
+              <a:t>	e.g. a designer can specify standard methods (functions) in a request for bids</a:t>
+            </a:r>
+          </a:p>
+          <a:p>
+            <a:r>
+              <a:rPr lang="en-US" baseline="0" dirty="0"/>
+              <a:t>	each bidder can build their internals for an object very differently, as long as the external functions produce the required result</a:t>
+            </a:r>
+            <a:endParaRPr lang="en-US" dirty="0"/>
+          </a:p>
+        </p:txBody>
+      </p:sp>
+      <p:sp>
+        <p:nvSpPr>
+          <p:cNvPr id="4" name="Slide Number Placeholder 3"/>
+          <p:cNvSpPr>
+            <a:spLocks noGrp="1"/>
+          </p:cNvSpPr>
+          <p:nvPr>
+            <p:ph type="sldNum" sz="quarter" idx="10"/>
+          </p:nvPr>
+        </p:nvSpPr>
+        <p:spPr/>
+        <p:txBody>
+          <a:bodyPr/>
+          <a:lstStyle/>
+          <a:p>
+            <a:fld id="{73F8431B-E3E1-46AF-B1E9-2B8CCFB7923F}" type="slidenum">
+              <a:rPr lang="en-US" smtClean="0"/>
+              <a:t>4</a:t>
+            </a:fld>
+            <a:endParaRPr lang="en-US"/>
+          </a:p>
+        </p:txBody>
+      </p:sp>
+    </p:spTree>
+    <p:extLst>
+      <p:ext uri="{BB962C8B-B14F-4D97-AF65-F5344CB8AC3E}">
+        <p14:creationId xmlns:p14="http://schemas.microsoft.com/office/powerpoint/2010/main" val="3838747150"/>
+      </p:ext>
+    </p:extLst>
+  </p:cSld>
+  <p:clrMapOvr>
+    <a:masterClrMapping/>
+  </p:clrMapOvr>
+</p:notes>
+</file>
+
+<file path=ppt/notesSlides/notesSlide5.xml><?xml version="1.0" encoding="utf-8"?>
+<p:notes xmlns:a="http://schemas.openxmlformats.org/drawingml/2006/main" xmlns:r="http://schemas.openxmlformats.org/officeDocument/2006/relationships" xmlns:p="http://schemas.openxmlformats.org/presentationml/2006/main">
+  <p:cSld>
+    <p:spTree>
+      <p:nvGrpSpPr>
+        <p:cNvPr id="1" name=""/>
+        <p:cNvGrpSpPr/>
+        <p:nvPr/>
+      </p:nvGrpSpPr>
+      <p:grpSpPr>
+        <a:xfrm>
+          <a:off x="0" y="0"/>
+          <a:ext cx="0" cy="0"/>
+          <a:chOff x="0" y="0"/>
+          <a:chExt cx="0" cy="0"/>
+        </a:xfrm>
+      </p:grpSpPr>
+      <p:sp>
+        <p:nvSpPr>
+          <p:cNvPr id="2" name="Slide Image Placeholder 1"/>
+          <p:cNvSpPr>
+            <a:spLocks noGrp="1" noRot="1" noChangeAspect="1"/>
+          </p:cNvSpPr>
+          <p:nvPr>
+            <p:ph type="sldImg"/>
+          </p:nvPr>
+        </p:nvSpPr>
+        <p:spPr/>
+      </p:sp>
+      <p:sp>
+        <p:nvSpPr>
+          <p:cNvPr id="3" name="Notes Placeholder 2"/>
+          <p:cNvSpPr>
+            <a:spLocks noGrp="1"/>
+          </p:cNvSpPr>
+          <p:nvPr>
+            <p:ph type="body" idx="1"/>
+          </p:nvPr>
+        </p:nvSpPr>
+        <p:spPr/>
+        <p:txBody>
+          <a:bodyPr/>
+          <a:lstStyle/>
+          <a:p>
+            <a:r>
+              <a:rPr lang="en-US" dirty="0"/>
+              <a:t>The entire </a:t>
+            </a:r>
+            <a:r>
+              <a:rPr lang="en-US" dirty="0" err="1"/>
+              <a:t>ArmSystem</a:t>
+            </a:r>
+            <a:r>
+              <a:rPr lang="en-US" baseline="0" dirty="0"/>
+              <a:t> combines</a:t>
+            </a:r>
+          </a:p>
+          <a:p>
+            <a:r>
+              <a:rPr lang="en-US" baseline="0" dirty="0"/>
+              <a:t>One (or more) linear actuators to meet the required lift capacity</a:t>
+            </a:r>
+          </a:p>
+          <a:p>
+            <a:r>
+              <a:rPr lang="en-US" baseline="0" dirty="0"/>
+              <a:t>An analog potentiometer (or encoder) to measure arm position</a:t>
+            </a:r>
+          </a:p>
+          <a:p>
+            <a:r>
+              <a:rPr lang="en-US" baseline="0" dirty="0"/>
+              <a:t>A “home” limit switch to set a standard baseline position</a:t>
+            </a:r>
+          </a:p>
+          <a:p>
+            <a:r>
+              <a:rPr lang="en-US" baseline="0" dirty="0"/>
+              <a:t>PID control implementation to be covered in more detail later</a:t>
+            </a:r>
+            <a:endParaRPr lang="en-US" dirty="0"/>
+          </a:p>
+        </p:txBody>
+      </p:sp>
+      <p:sp>
+        <p:nvSpPr>
+          <p:cNvPr id="4" name="Slide Number Placeholder 3"/>
+          <p:cNvSpPr>
+            <a:spLocks noGrp="1"/>
+          </p:cNvSpPr>
+          <p:nvPr>
+            <p:ph type="sldNum" sz="quarter" idx="10"/>
+          </p:nvPr>
+        </p:nvSpPr>
+        <p:spPr/>
+        <p:txBody>
+          <a:bodyPr/>
+          <a:lstStyle/>
+          <a:p>
+            <a:fld id="{73F8431B-E3E1-46AF-B1E9-2B8CCFB7923F}" type="slidenum">
+              <a:rPr lang="en-US" smtClean="0"/>
+              <a:t>5</a:t>
+            </a:fld>
+            <a:endParaRPr lang="en-US"/>
+          </a:p>
+        </p:txBody>
+      </p:sp>
+    </p:spTree>
+    <p:extLst>
+      <p:ext uri="{BB962C8B-B14F-4D97-AF65-F5344CB8AC3E}">
+        <p14:creationId xmlns:p14="http://schemas.microsoft.com/office/powerpoint/2010/main" val="254628274"/>
+      </p:ext>
+    </p:extLst>
+  </p:cSld>
+  <p:clrMapOvr>
+    <a:masterClrMapping/>
+  </p:clrMapOvr>
+</p:notes>
+</file>
+
+<file path=ppt/notesSlides/notesSlide6.xml><?xml version="1.0" encoding="utf-8"?>
+<p:notes xmlns:a="http://schemas.openxmlformats.org/drawingml/2006/main" xmlns:r="http://schemas.openxmlformats.org/officeDocument/2006/relationships" xmlns:p="http://schemas.openxmlformats.org/presentationml/2006/main">
+  <p:cSld>
+    <p:spTree>
+      <p:nvGrpSpPr>
+        <p:cNvPr id="1" name=""/>
+        <p:cNvGrpSpPr/>
+        <p:nvPr/>
+      </p:nvGrpSpPr>
+      <p:grpSpPr>
+        <a:xfrm>
+          <a:off x="0" y="0"/>
+          <a:ext cx="0" cy="0"/>
+          <a:chOff x="0" y="0"/>
+          <a:chExt cx="0" cy="0"/>
+        </a:xfrm>
+      </p:grpSpPr>
+      <p:sp>
+        <p:nvSpPr>
+          <p:cNvPr id="2" name="Slide Image Placeholder 1"/>
+          <p:cNvSpPr>
+            <a:spLocks noGrp="1" noRot="1" noChangeAspect="1"/>
+          </p:cNvSpPr>
+          <p:nvPr>
+            <p:ph type="sldImg"/>
+          </p:nvPr>
+        </p:nvSpPr>
+        <p:spPr/>
+      </p:sp>
+      <p:sp>
+        <p:nvSpPr>
+          <p:cNvPr id="3" name="Notes Placeholder 2"/>
+          <p:cNvSpPr>
+            <a:spLocks noGrp="1"/>
+          </p:cNvSpPr>
+          <p:nvPr>
+            <p:ph type="body" idx="1"/>
+          </p:nvPr>
+        </p:nvSpPr>
+        <p:spPr/>
+        <p:txBody>
+          <a:bodyPr/>
+          <a:lstStyle/>
+          <a:p>
+            <a:r>
+              <a:rPr lang="en-US" dirty="0"/>
+              <a:t>WARNING</a:t>
+            </a:r>
+          </a:p>
+          <a:p>
+            <a:r>
+              <a:rPr lang="en-US" dirty="0"/>
+              <a:t>The</a:t>
+            </a:r>
+            <a:r>
+              <a:rPr lang="en-US" baseline="0" dirty="0"/>
+              <a:t> logical structure of the </a:t>
+            </a:r>
+            <a:r>
+              <a:rPr lang="en-US" baseline="0" dirty="0" err="1"/>
+              <a:t>ArmSystem</a:t>
+            </a:r>
+            <a:r>
+              <a:rPr lang="en-US" baseline="0" dirty="0"/>
+              <a:t> project</a:t>
+            </a:r>
+          </a:p>
+          <a:p>
+            <a:r>
+              <a:rPr lang="en-US" baseline="0" dirty="0"/>
+              <a:t>The java “project has several “packages” or groupings of code members</a:t>
+            </a:r>
+          </a:p>
+          <a:p>
+            <a:r>
+              <a:rPr lang="en-US" baseline="0" dirty="0"/>
+              <a:t>	these are physically paths/folders in the workspace</a:t>
+            </a:r>
+          </a:p>
+          <a:p>
+            <a:r>
+              <a:rPr lang="en-US" baseline="0" dirty="0"/>
+              <a:t>	each “class” shown in Eclipse is a file</a:t>
+            </a:r>
+          </a:p>
+          <a:p>
+            <a:r>
+              <a:rPr lang="en-US" baseline="0" dirty="0"/>
+              <a:t>	a physical class can contain multiple class definitions – this can be an extensive subject on its own out of scope right now</a:t>
+            </a:r>
+          </a:p>
+          <a:p>
+            <a:r>
+              <a:rPr lang="en-US" baseline="0" dirty="0"/>
+              <a:t>OI, </a:t>
+            </a:r>
+            <a:r>
+              <a:rPr lang="en-US" baseline="0" dirty="0" err="1"/>
+              <a:t>RobotMap</a:t>
+            </a:r>
+            <a:r>
+              <a:rPr lang="en-US" baseline="0" dirty="0"/>
+              <a:t>, and Robot are grouped in the same package for FRC convention</a:t>
+            </a:r>
+          </a:p>
+          <a:p>
+            <a:r>
+              <a:rPr lang="en-US" baseline="0" dirty="0"/>
+              <a:t>Commands are in another package</a:t>
+            </a:r>
+          </a:p>
+          <a:p>
+            <a:r>
+              <a:rPr lang="en-US" baseline="0" dirty="0"/>
+              <a:t>	seen from another team was adding packages to group commands by the subsystem they work with (e.g. all Arm together, all Drive together, etc.)</a:t>
+            </a:r>
+          </a:p>
+          <a:p>
+            <a:r>
+              <a:rPr lang="en-US" baseline="0" dirty="0"/>
+              <a:t>Subsystems are in a package</a:t>
+            </a:r>
+          </a:p>
+          <a:p>
+            <a:r>
+              <a:rPr lang="en-US" baseline="0" dirty="0"/>
+              <a:t>Classes are the distinct blueprints for each object</a:t>
+            </a:r>
+          </a:p>
+          <a:p>
+            <a:r>
+              <a:rPr lang="en-US" baseline="0" dirty="0" err="1"/>
+              <a:t>RobotBuilder</a:t>
+            </a:r>
+            <a:r>
+              <a:rPr lang="en-US" baseline="0" dirty="0"/>
+              <a:t> as a tool is something we’ve used the last two seasons to kick-start code</a:t>
+            </a:r>
+          </a:p>
+          <a:p>
+            <a:r>
+              <a:rPr lang="en-US" baseline="0" dirty="0"/>
+              <a:t>The </a:t>
+            </a:r>
+            <a:r>
+              <a:rPr lang="en-US" baseline="0" dirty="0" err="1"/>
+              <a:t>wpilib</a:t>
+            </a:r>
+            <a:r>
+              <a:rPr lang="en-US" baseline="0" dirty="0"/>
+              <a:t> extensions to Eclipse provide templates under the “new” for commands, command groups, subsystems, etc. for specific FRC class types</a:t>
+            </a:r>
+          </a:p>
+          <a:p>
+            <a:r>
+              <a:rPr lang="en-US" baseline="0" dirty="0"/>
+              <a:t>Code generators have their limits, and </a:t>
+            </a:r>
+            <a:r>
+              <a:rPr lang="en-US" baseline="0" dirty="0" err="1"/>
+              <a:t>RobotBuilder</a:t>
+            </a:r>
+            <a:r>
+              <a:rPr lang="en-US" baseline="0" dirty="0"/>
+              <a:t> does create confusion for a java novice by using the same names for objects and classes – not necessary a bad thing unless the class is generic</a:t>
+            </a:r>
+          </a:p>
+          <a:p>
+            <a:endParaRPr lang="en-US" dirty="0"/>
+          </a:p>
+        </p:txBody>
+      </p:sp>
+      <p:sp>
+        <p:nvSpPr>
+          <p:cNvPr id="4" name="Slide Number Placeholder 3"/>
+          <p:cNvSpPr>
+            <a:spLocks noGrp="1"/>
+          </p:cNvSpPr>
+          <p:nvPr>
+            <p:ph type="sldNum" sz="quarter" idx="10"/>
+          </p:nvPr>
+        </p:nvSpPr>
+        <p:spPr/>
+        <p:txBody>
+          <a:bodyPr/>
+          <a:lstStyle/>
+          <a:p>
+            <a:fld id="{73F8431B-E3E1-46AF-B1E9-2B8CCFB7923F}" type="slidenum">
+              <a:rPr lang="en-US" smtClean="0"/>
+              <a:t>6</a:t>
+            </a:fld>
+            <a:endParaRPr lang="en-US"/>
+          </a:p>
+        </p:txBody>
+      </p:sp>
+    </p:spTree>
+    <p:extLst>
+      <p:ext uri="{BB962C8B-B14F-4D97-AF65-F5344CB8AC3E}">
+        <p14:creationId xmlns:p14="http://schemas.microsoft.com/office/powerpoint/2010/main" val="2300480215"/>
+      </p:ext>
+    </p:extLst>
+  </p:cSld>
+  <p:clrMapOvr>
+    <a:masterClrMapping/>
+  </p:clrMapOvr>
+</p:notes>
+</file>
+
+<file path=ppt/notesSlides/notesSlide7.xml><?xml version="1.0" encoding="utf-8"?>
+<p:notes xmlns:a="http://schemas.openxmlformats.org/drawingml/2006/main" xmlns:r="http://schemas.openxmlformats.org/officeDocument/2006/relationships" xmlns:p="http://schemas.openxmlformats.org/presentationml/2006/main">
+  <p:cSld>
+    <p:spTree>
+      <p:nvGrpSpPr>
+        <p:cNvPr id="1" name=""/>
+        <p:cNvGrpSpPr/>
+        <p:nvPr/>
+      </p:nvGrpSpPr>
+      <p:grpSpPr>
+        <a:xfrm>
+          <a:off x="0" y="0"/>
+          <a:ext cx="0" cy="0"/>
+          <a:chOff x="0" y="0"/>
+          <a:chExt cx="0" cy="0"/>
+        </a:xfrm>
+      </p:grpSpPr>
+      <p:sp>
+        <p:nvSpPr>
+          <p:cNvPr id="2" name="Slide Image Placeholder 1"/>
+          <p:cNvSpPr>
+            <a:spLocks noGrp="1" noRot="1" noChangeAspect="1"/>
+          </p:cNvSpPr>
+          <p:nvPr>
+            <p:ph type="sldImg"/>
+          </p:nvPr>
+        </p:nvSpPr>
+        <p:spPr/>
+      </p:sp>
+      <p:sp>
+        <p:nvSpPr>
+          <p:cNvPr id="3" name="Notes Placeholder 2"/>
+          <p:cNvSpPr>
+            <a:spLocks noGrp="1"/>
+          </p:cNvSpPr>
+          <p:nvPr>
+            <p:ph type="body" idx="1"/>
+          </p:nvPr>
+        </p:nvSpPr>
+        <p:spPr/>
+        <p:txBody>
+          <a:bodyPr/>
+          <a:lstStyle/>
+          <a:p>
+            <a:r>
+              <a:rPr lang="en-US" dirty="0"/>
+              <a:t>Really</a:t>
+            </a:r>
+            <a:r>
+              <a:rPr lang="en-US" baseline="0" dirty="0"/>
+              <a:t> does create code that violates object oriented and encapsulation</a:t>
+            </a:r>
+          </a:p>
+          <a:p>
+            <a:r>
+              <a:rPr lang="en-US" baseline="0" dirty="0"/>
+              <a:t>The naming convention for some classes shows up all over, even where it’s obvious teams are not using this tool</a:t>
+            </a:r>
+          </a:p>
+          <a:p>
+            <a:r>
+              <a:rPr lang="en-US" baseline="0" dirty="0"/>
+              <a:t>Best Practices – there are syntactical requirements, standards, and then conventions.  The first is enforced, the others get broken all the time.  My examples do not follow conventions because I don’t do java at work!!!</a:t>
+            </a:r>
+            <a:endParaRPr lang="en-US" dirty="0"/>
+          </a:p>
+        </p:txBody>
+      </p:sp>
+      <p:sp>
+        <p:nvSpPr>
+          <p:cNvPr id="4" name="Slide Number Placeholder 3"/>
+          <p:cNvSpPr>
+            <a:spLocks noGrp="1"/>
+          </p:cNvSpPr>
+          <p:nvPr>
+            <p:ph type="sldNum" sz="quarter" idx="10"/>
+          </p:nvPr>
+        </p:nvSpPr>
+        <p:spPr/>
+        <p:txBody>
+          <a:bodyPr/>
+          <a:lstStyle/>
+          <a:p>
+            <a:fld id="{73F8431B-E3E1-46AF-B1E9-2B8CCFB7923F}" type="slidenum">
+              <a:rPr lang="en-US" smtClean="0"/>
+              <a:t>8</a:t>
+            </a:fld>
+            <a:endParaRPr lang="en-US"/>
+          </a:p>
+        </p:txBody>
+      </p:sp>
+    </p:spTree>
+    <p:extLst>
+      <p:ext uri="{BB962C8B-B14F-4D97-AF65-F5344CB8AC3E}">
+        <p14:creationId xmlns:p14="http://schemas.microsoft.com/office/powerpoint/2010/main" val="3597504837"/>
+      </p:ext>
+    </p:extLst>
+  </p:cSld>
+  <p:clrMapOvr>
+    <a:masterClrMapping/>
+  </p:clrMapOvr>
+</p:notes>
+</file>
+
+<file path=ppt/notesSlides/notesSlide8.xml><?xml version="1.0" encoding="utf-8"?>
+<p:notes xmlns:a="http://schemas.openxmlformats.org/drawingml/2006/main" xmlns:r="http://schemas.openxmlformats.org/officeDocument/2006/relationships" xmlns:p="http://schemas.openxmlformats.org/presentationml/2006/main">
+  <p:cSld>
+    <p:spTree>
+      <p:nvGrpSpPr>
+        <p:cNvPr id="1" name=""/>
+        <p:cNvGrpSpPr/>
+        <p:nvPr/>
+      </p:nvGrpSpPr>
+      <p:grpSpPr>
+        <a:xfrm>
+          <a:off x="0" y="0"/>
+          <a:ext cx="0" cy="0"/>
+          <a:chOff x="0" y="0"/>
+          <a:chExt cx="0" cy="0"/>
+        </a:xfrm>
+      </p:grpSpPr>
+      <p:sp>
+        <p:nvSpPr>
+          <p:cNvPr id="2" name="Slide Image Placeholder 1"/>
+          <p:cNvSpPr>
+            <a:spLocks noGrp="1" noRot="1" noChangeAspect="1"/>
+          </p:cNvSpPr>
+          <p:nvPr>
+            <p:ph type="sldImg"/>
+          </p:nvPr>
+        </p:nvSpPr>
+        <p:spPr/>
+      </p:sp>
+      <p:sp>
+        <p:nvSpPr>
+          <p:cNvPr id="3" name="Notes Placeholder 2"/>
+          <p:cNvSpPr>
+            <a:spLocks noGrp="1"/>
+          </p:cNvSpPr>
+          <p:nvPr>
+            <p:ph type="body" idx="1"/>
+          </p:nvPr>
+        </p:nvSpPr>
+        <p:spPr/>
+        <p:txBody>
+          <a:bodyPr/>
+          <a:lstStyle/>
+          <a:p>
+            <a:r>
+              <a:rPr lang="en-US" dirty="0"/>
+              <a:t>Don’t get hung up in the exact layout.</a:t>
+            </a:r>
+            <a:r>
+              <a:rPr lang="en-US" baseline="0" dirty="0"/>
+              <a:t>  Screen shots are from installs with additional tools.</a:t>
+            </a:r>
+          </a:p>
+          <a:p>
+            <a:r>
+              <a:rPr lang="en-US" baseline="0" dirty="0"/>
+              <a:t>There are some new wrinkles in this sample that we’ll get into when looking at the code</a:t>
+            </a:r>
+          </a:p>
+          <a:p>
+            <a:r>
+              <a:rPr lang="en-US" dirty="0"/>
+              <a:t>NOTE that the</a:t>
+            </a:r>
+            <a:r>
+              <a:rPr lang="en-US" baseline="0" dirty="0"/>
+              <a:t> names shown at the detail level in this shot are class names, the physical files may actually contain multiple classes. </a:t>
+            </a:r>
+          </a:p>
+          <a:p>
+            <a:r>
+              <a:rPr lang="en-US" baseline="0" dirty="0"/>
+              <a:t>Be aware of the logical code structure, not just where each piece is stored.</a:t>
+            </a:r>
+          </a:p>
+          <a:p>
+            <a:r>
+              <a:rPr lang="en-US" baseline="0" dirty="0"/>
+              <a:t>Also note that the </a:t>
+            </a:r>
+            <a:r>
+              <a:rPr lang="en-US" baseline="0" dirty="0" err="1"/>
+              <a:t>wpilib</a:t>
+            </a:r>
+            <a:r>
+              <a:rPr lang="en-US" baseline="0" dirty="0"/>
+              <a:t> source is all available here and can be looked at.  Some teams have programmers that have “enhanced” the </a:t>
+            </a:r>
+            <a:r>
+              <a:rPr lang="en-US" baseline="0" dirty="0" err="1"/>
+              <a:t>wpi</a:t>
+            </a:r>
+            <a:r>
+              <a:rPr lang="en-US" baseline="0" dirty="0"/>
+              <a:t> code.</a:t>
+            </a:r>
+            <a:endParaRPr lang="en-US" dirty="0"/>
+          </a:p>
+        </p:txBody>
+      </p:sp>
+      <p:sp>
+        <p:nvSpPr>
+          <p:cNvPr id="4" name="Slide Number Placeholder 3"/>
+          <p:cNvSpPr>
+            <a:spLocks noGrp="1"/>
+          </p:cNvSpPr>
+          <p:nvPr>
+            <p:ph type="sldNum" sz="quarter" idx="10"/>
+          </p:nvPr>
+        </p:nvSpPr>
+        <p:spPr/>
+        <p:txBody>
+          <a:bodyPr/>
+          <a:lstStyle/>
+          <a:p>
+            <a:fld id="{73F8431B-E3E1-46AF-B1E9-2B8CCFB7923F}" type="slidenum">
+              <a:rPr lang="en-US" smtClean="0"/>
+              <a:t>9</a:t>
+            </a:fld>
+            <a:endParaRPr lang="en-US"/>
+          </a:p>
+        </p:txBody>
+      </p:sp>
+    </p:spTree>
+    <p:extLst>
+      <p:ext uri="{BB962C8B-B14F-4D97-AF65-F5344CB8AC3E}">
+        <p14:creationId xmlns:p14="http://schemas.microsoft.com/office/powerpoint/2010/main" val="392787377"/>
+      </p:ext>
+    </p:extLst>
+  </p:cSld>
+  <p:clrMapOvr>
+    <a:masterClrMapping/>
+  </p:clrMapOvr>
+</p:notes>
+</file>
+
+<file path=ppt/notesSlides/notesSlide9.xml><?xml version="1.0" encoding="utf-8"?>
+<p:notes xmlns:a="http://schemas.openxmlformats.org/drawingml/2006/main" xmlns:r="http://schemas.openxmlformats.org/officeDocument/2006/relationships" xmlns:p="http://schemas.openxmlformats.org/presentationml/2006/main">
+  <p:cSld>
+    <p:spTree>
+      <p:nvGrpSpPr>
+        <p:cNvPr id="1" name=""/>
+        <p:cNvGrpSpPr/>
+        <p:nvPr/>
+      </p:nvGrpSpPr>
+      <p:grpSpPr>
+        <a:xfrm>
+          <a:off x="0" y="0"/>
+          <a:ext cx="0" cy="0"/>
+          <a:chOff x="0" y="0"/>
+          <a:chExt cx="0" cy="0"/>
+        </a:xfrm>
+      </p:grpSpPr>
+      <p:sp>
+        <p:nvSpPr>
+          <p:cNvPr id="2" name="Slide Image Placeholder 1"/>
+          <p:cNvSpPr>
+            <a:spLocks noGrp="1" noRot="1" noChangeAspect="1"/>
+          </p:cNvSpPr>
+          <p:nvPr>
+            <p:ph type="sldImg"/>
+          </p:nvPr>
+        </p:nvSpPr>
+        <p:spPr/>
+      </p:sp>
+      <p:sp>
+        <p:nvSpPr>
+          <p:cNvPr id="3" name="Notes Placeholder 2"/>
+          <p:cNvSpPr>
+            <a:spLocks noGrp="1"/>
+          </p:cNvSpPr>
+          <p:nvPr>
+            <p:ph type="body" idx="1"/>
+          </p:nvPr>
+        </p:nvSpPr>
+        <p:spPr/>
+        <p:txBody>
+          <a:bodyPr/>
+          <a:lstStyle/>
+          <a:p>
+            <a:r>
+              <a:rPr lang="en-US" dirty="0"/>
+              <a:t>Have eclipse</a:t>
+            </a:r>
+            <a:r>
+              <a:rPr lang="en-US" baseline="0" dirty="0"/>
+              <a:t> open to the project.</a:t>
+            </a:r>
+            <a:endParaRPr lang="en-US" dirty="0"/>
+          </a:p>
+        </p:txBody>
+      </p:sp>
+      <p:sp>
+        <p:nvSpPr>
+          <p:cNvPr id="4" name="Slide Number Placeholder 3"/>
+          <p:cNvSpPr>
+            <a:spLocks noGrp="1"/>
+          </p:cNvSpPr>
+          <p:nvPr>
+            <p:ph type="sldNum" sz="quarter" idx="10"/>
+          </p:nvPr>
+        </p:nvSpPr>
+        <p:spPr/>
+        <p:txBody>
+          <a:bodyPr/>
+          <a:lstStyle/>
+          <a:p>
+            <a:fld id="{73F8431B-E3E1-46AF-B1E9-2B8CCFB7923F}" type="slidenum">
+              <a:rPr lang="en-US" smtClean="0"/>
+              <a:t>10</a:t>
+            </a:fld>
+            <a:endParaRPr lang="en-US"/>
+          </a:p>
+        </p:txBody>
+      </p:sp>
+    </p:spTree>
+    <p:extLst>
+      <p:ext uri="{BB962C8B-B14F-4D97-AF65-F5344CB8AC3E}">
+        <p14:creationId xmlns:p14="http://schemas.microsoft.com/office/powerpoint/2010/main" val="2123221659"/>
+      </p:ext>
+    </p:extLst>
+  </p:cSld>
+  <p:clrMapOvr>
+    <a:masterClrMapping/>
+  </p:clrMapOvr>
+</p:notes>
+</file>
+
 <file path=ppt/slideLayouts/slideLayout1.xml><?xml version="1.0" encoding="utf-8"?>
-<p:sldLayout xmlns:a="http://schemas.openxmlformats.org/drawingml/2006/main" xmlns:r="http://schemas.openxmlformats.org/officeDocument/2006/relationships" xmlns:p="http://schemas.openxmlformats.org/presentationml/2006/main" type="title" preserve="1">
+<p:sldLayout xmlns:a="http://schemas.openxmlformats.org/drawingml/2006/main" xmlns:r="http://schemas.openxmlformats.org/officeDocument/2006/relationships" xmlns:p="http://schemas.openxmlformats.org/presentationml/2006/main" showMasterSp="0" type="title" preserve="1">
   <p:cSld name="Title Slide">
     <p:spTree>
       <p:nvGrpSpPr>
@@ -137,27 +1756,61 @@
           <a:chExt cx="0" cy="0"/>
         </a:xfrm>
       </p:grpSpPr>
-      <p:sp>
-        <p:nvSpPr>
-          <p:cNvPr id="2" name="Title 1"/>
-          <p:cNvSpPr>
-            <a:spLocks noGrp="1"/>
-          </p:cNvSpPr>
-          <p:nvPr>
-            <p:ph type="ctrTitle"/>
-          </p:nvPr>
-        </p:nvSpPr>
+      <p:pic>
+        <p:nvPicPr>
+          <p:cNvPr id="9" name="Picture 8" descr="HD-PanelTitle-GrommetsCombined.png"/>
+          <p:cNvPicPr>
+            <a:picLocks noChangeAspect="1"/>
+          </p:cNvPicPr>
+          <p:nvPr/>
+        </p:nvPicPr>
+        <p:blipFill>
+          <a:blip r:embed="rId2">
+            <a:extLst>
+              <a:ext uri="{28A0092B-C50C-407E-A947-70E740481C1C}">
+                <a14:useLocalDpi xmlns:a14="http://schemas.microsoft.com/office/drawing/2010/main" val="0"/>
+              </a:ext>
+            </a:extLst>
+          </a:blip>
+          <a:stretch>
+            <a:fillRect/>
+          </a:stretch>
+        </p:blipFill>
         <p:spPr>
           <a:xfrm>
-            <a:off x="1524000" y="1122363"/>
-            <a:ext cx="9144000" cy="2387600"/>
+            <a:off x="0" y="0"/>
+            <a:ext cx="12188825" cy="6856214"/>
+          </a:xfrm>
+          <a:prstGeom prst="rect">
+            <a:avLst/>
+          </a:prstGeom>
+        </p:spPr>
+      </p:pic>
+      <p:sp>
+        <p:nvSpPr>
+          <p:cNvPr id="2" name="Title 1"/>
+          <p:cNvSpPr>
+            <a:spLocks noGrp="1"/>
+          </p:cNvSpPr>
+          <p:nvPr>
+            <p:ph type="ctrTitle"/>
+          </p:nvPr>
+        </p:nvSpPr>
+        <p:spPr>
+          <a:xfrm>
+            <a:off x="2692398" y="1871131"/>
+            <a:ext cx="6815669" cy="1515533"/>
           </a:xfrm>
         </p:spPr>
         <p:txBody>
-          <a:bodyPr anchor="b"/>
+          <a:bodyPr anchor="b">
+            <a:noAutofit/>
+          </a:bodyPr>
           <a:lstStyle>
             <a:lvl1pPr algn="ctr">
-              <a:defRPr sz="6000"/>
+              <a:defRPr sz="5400">
+                <a:effectLst/>
+              </a:defRPr>
             </a:lvl1pPr>
           </a:lstStyle>
           <a:p>
@@ -165,6 +1818,7 @@
               <a:rPr lang="en-US"/>
               <a:t>Click to edit Master title style</a:t>
             </a:r>
+            <a:endParaRPr lang="en-US" dirty="0"/>
           </a:p>
         </p:txBody>
       </p:sp>
@@ -180,48 +1834,102 @@
         </p:nvSpPr>
         <p:spPr>
           <a:xfrm>
-            <a:off x="1524000" y="3602038"/>
-            <a:ext cx="9144000" cy="1655762"/>
+            <a:off x="2692398" y="3657597"/>
+            <a:ext cx="6815669" cy="1320802"/>
           </a:xfrm>
         </p:spPr>
         <p:txBody>
-          <a:bodyPr/>
+          <a:bodyPr anchor="t">
+            <a:normAutofit/>
+          </a:bodyPr>
           <a:lstStyle>
             <a:lvl1pPr marL="0" indent="0" algn="ctr">
               <a:buNone/>
-              <a:defRPr sz="2400"/>
+              <a:defRPr sz="2100">
+                <a:solidFill>
+                  <a:schemeClr val="tx1"/>
+                </a:solidFill>
+              </a:defRPr>
             </a:lvl1pPr>
             <a:lvl2pPr marL="457200" indent="0" algn="ctr">
               <a:buNone/>
-              <a:defRPr sz="2000"/>
+              <a:defRPr>
+                <a:solidFill>
+                  <a:schemeClr val="tx1">
+                    <a:tint val="75000"/>
+                  </a:schemeClr>
+                </a:solidFill>
+              </a:defRPr>
             </a:lvl2pPr>
             <a:lvl3pPr marL="914400" indent="0" algn="ctr">
               <a:buNone/>
-              <a:defRPr sz="1800"/>
+              <a:defRPr>
+                <a:solidFill>
+                  <a:schemeClr val="tx1">
+                    <a:tint val="75000"/>
+                  </a:schemeClr>
+                </a:solidFill>
+              </a:defRPr>
             </a:lvl3pPr>
             <a:lvl4pPr marL="1371600" indent="0" algn="ctr">
               <a:buNone/>
-              <a:defRPr sz="1600"/>
+              <a:defRPr>
+                <a:solidFill>
+                  <a:schemeClr val="tx1">
+                    <a:tint val="75000"/>
+                  </a:schemeClr>
+                </a:solidFill>
+              </a:defRPr>
             </a:lvl4pPr>
             <a:lvl5pPr marL="1828800" indent="0" algn="ctr">
               <a:buNone/>
-              <a:defRPr sz="1600"/>
+              <a:defRPr>
+                <a:solidFill>
+                  <a:schemeClr val="tx1">
+                    <a:tint val="75000"/>
+                  </a:schemeClr>
+                </a:solidFill>
+              </a:defRPr>
             </a:lvl5pPr>
             <a:lvl6pPr marL="2286000" indent="0" algn="ctr">
               <a:buNone/>
-              <a:defRPr sz="1600"/>
+              <a:defRPr>
+                <a:solidFill>
+                  <a:schemeClr val="tx1">
+                    <a:tint val="75000"/>
+                  </a:schemeClr>
+                </a:solidFill>
+              </a:defRPr>
             </a:lvl6pPr>
             <a:lvl7pPr marL="2743200" indent="0" algn="ctr">
               <a:buNone/>
-              <a:defRPr sz="1600"/>
+              <a:defRPr>
+                <a:solidFill>
+                  <a:schemeClr val="tx1">
+                    <a:tint val="75000"/>
+                  </a:schemeClr>
+                </a:solidFill>
+              </a:defRPr>
             </a:lvl7pPr>
             <a:lvl8pPr marL="3200400" indent="0" algn="ctr">
               <a:buNone/>
-              <a:defRPr sz="1600"/>
+              <a:defRPr>
+                <a:solidFill>
+                  <a:schemeClr val="tx1">
+                    <a:tint val="75000"/>
+                  </a:schemeClr>
+                </a:solidFill>
+              </a:defRPr>
             </a:lvl8pPr>
             <a:lvl9pPr marL="3657600" indent="0" algn="ctr">
               <a:buNone/>
-              <a:defRPr sz="1600"/>
+              <a:defRPr>
+                <a:solidFill>
+                  <a:schemeClr val="tx1">
+                    <a:tint val="75000"/>
+                  </a:schemeClr>
+                </a:solidFill>
+              </a:defRPr>
             </a:lvl9pPr>
           </a:lstStyle>
           <a:p>
@@ -229,6 +1937,7 @@
               <a:rPr lang="en-US"/>
               <a:t>Click to edit Master subtitle style</a:t>
             </a:r>
+            <a:endParaRPr lang="en-US" dirty="0"/>
           </a:p>
         </p:txBody>
       </p:sp>
@@ -242,14 +1951,19 @@
             <p:ph type="dt" sz="half" idx="10"/>
           </p:nvPr>
         </p:nvSpPr>
-        <p:spPr/>
+        <p:spPr>
+          <a:xfrm>
+            <a:off x="7983232" y="5037663"/>
+            <a:ext cx="897467" cy="279400"/>
+          </a:xfrm>
+        </p:spPr>
         <p:txBody>
           <a:bodyPr/>
           <a:lstStyle/>
           <a:p>
             <a:fld id="{5661C814-0C51-44D7-BAA9-105AE0B6C1A4}" type="datetimeFigureOut">
               <a:rPr lang="en-US" smtClean="0"/>
-              <a:t>10/7/2016</a:t>
+              <a:t>10/16/2016</a:t>
             </a:fld>
             <a:endParaRPr lang="en-US"/>
           </a:p>
@@ -265,7 +1979,12 @@
             <p:ph type="ftr" sz="quarter" idx="11"/>
           </p:nvPr>
         </p:nvSpPr>
-        <p:spPr/>
+        <p:spPr>
+          <a:xfrm>
+            <a:off x="2692397" y="5037663"/>
+            <a:ext cx="5214635" cy="279400"/>
+          </a:xfrm>
+        </p:spPr>
         <p:txBody>
           <a:bodyPr/>
           <a:lstStyle/>
@@ -284,7 +2003,12 @@
             <p:ph type="sldNum" sz="quarter" idx="12"/>
           </p:nvPr>
         </p:nvSpPr>
-        <p:spPr/>
+        <p:spPr>
+          <a:xfrm>
+            <a:off x="8956900" y="5037663"/>
+            <a:ext cx="551167" cy="279400"/>
+          </a:xfrm>
+        </p:spPr>
         <p:txBody>
           <a:bodyPr/>
           <a:lstStyle/>
@@ -297,10 +2021,40 @@
           </a:p>
         </p:txBody>
       </p:sp>
+      <p:cxnSp>
+        <p:nvCxnSpPr>
+          <p:cNvPr id="15" name="Straight Connector 14"/>
+          <p:cNvCxnSpPr/>
+          <p:nvPr/>
+        </p:nvCxnSpPr>
+        <p:spPr>
+          <a:xfrm>
+            <a:off x="2692399" y="3522131"/>
+            <a:ext cx="6815668" cy="0"/>
+          </a:xfrm>
+          <a:prstGeom prst="line">
+            <a:avLst/>
+          </a:prstGeom>
+        </p:spPr>
+        <p:style>
+          <a:lnRef idx="2">
+            <a:schemeClr val="accent1"/>
+          </a:lnRef>
+          <a:fillRef idx="0">
+            <a:schemeClr val="accent1"/>
+          </a:fillRef>
+          <a:effectRef idx="1">
+            <a:schemeClr val="accent1"/>
+          </a:effectRef>
+          <a:fontRef idx="minor">
+            <a:schemeClr val="tx1"/>
+          </a:fontRef>
+        </p:style>
+      </p:cxnSp>
     </p:spTree>
     <p:extLst>
       <p:ext uri="{BB962C8B-B14F-4D97-AF65-F5344CB8AC3E}">
-        <p14:creationId xmlns:p14="http://schemas.microsoft.com/office/powerpoint/2010/main" val="1343298782"/>
+        <p14:creationId xmlns:p14="http://schemas.microsoft.com/office/powerpoint/2010/main" val="2304575243"/>
       </p:ext>
     </p:extLst>
   </p:cSld>
@@ -311,6 +2065,2099 @@
 </file>
 
 <file path=ppt/slideLayouts/slideLayout10.xml><?xml version="1.0" encoding="utf-8"?>
+<p:sldLayout xmlns:a="http://schemas.openxmlformats.org/drawingml/2006/main" xmlns:r="http://schemas.openxmlformats.org/officeDocument/2006/relationships" xmlns:p="http://schemas.openxmlformats.org/presentationml/2006/main" preserve="1">
+  <p:cSld name="Panoramic Picture with Caption">
+    <p:spTree>
+      <p:nvGrpSpPr>
+        <p:cNvPr id="1" name=""/>
+        <p:cNvGrpSpPr/>
+        <p:nvPr/>
+      </p:nvGrpSpPr>
+      <p:grpSpPr>
+        <a:xfrm>
+          <a:off x="0" y="0"/>
+          <a:ext cx="0" cy="0"/>
+          <a:chOff x="0" y="0"/>
+          <a:chExt cx="0" cy="0"/>
+        </a:xfrm>
+      </p:grpSpPr>
+      <p:sp>
+        <p:nvSpPr>
+          <p:cNvPr id="2" name="Title 1"/>
+          <p:cNvSpPr>
+            <a:spLocks noGrp="1"/>
+          </p:cNvSpPr>
+          <p:nvPr>
+            <p:ph type="title"/>
+          </p:nvPr>
+        </p:nvSpPr>
+        <p:spPr>
+          <a:xfrm>
+            <a:off x="1295401" y="4815415"/>
+            <a:ext cx="9609666" cy="566738"/>
+          </a:xfrm>
+        </p:spPr>
+        <p:txBody>
+          <a:bodyPr anchor="b">
+            <a:normAutofit/>
+          </a:bodyPr>
+          <a:lstStyle>
+            <a:lvl1pPr algn="ctr">
+              <a:defRPr sz="2400" b="0"/>
+            </a:lvl1pPr>
+          </a:lstStyle>
+          <a:p>
+            <a:r>
+              <a:rPr lang="en-US"/>
+              <a:t>Click to edit Master title style</a:t>
+            </a:r>
+            <a:endParaRPr lang="en-US" dirty="0"/>
+          </a:p>
+        </p:txBody>
+      </p:sp>
+      <p:sp>
+        <p:nvSpPr>
+          <p:cNvPr id="3" name="Picture Placeholder 2"/>
+          <p:cNvSpPr>
+            <a:spLocks noGrp="1" noChangeAspect="1"/>
+          </p:cNvSpPr>
+          <p:nvPr>
+            <p:ph type="pic" idx="1"/>
+          </p:nvPr>
+        </p:nvSpPr>
+        <p:spPr>
+          <a:xfrm>
+            <a:off x="1041427" y="1041399"/>
+            <a:ext cx="10105972" cy="3335869"/>
+          </a:xfrm>
+          <a:prstGeom prst="roundRect">
+            <a:avLst>
+              <a:gd name="adj" fmla="val 0"/>
+            </a:avLst>
+          </a:prstGeom>
+          <a:ln w="57150" cmpd="thickThin">
+            <a:solidFill>
+              <a:schemeClr val="tx1">
+                <a:lumMod val="50000"/>
+                <a:lumOff val="50000"/>
+              </a:schemeClr>
+            </a:solidFill>
+            <a:miter lim="800000"/>
+          </a:ln>
+          <a:effectLst>
+            <a:innerShdw blurRad="57150" dist="38100" dir="14460000">
+              <a:srgbClr val="000000">
+                <a:alpha val="70000"/>
+              </a:srgbClr>
+            </a:innerShdw>
+          </a:effectLst>
+        </p:spPr>
+        <p:txBody>
+          <a:bodyPr anchor="t">
+            <a:normAutofit/>
+          </a:bodyPr>
+          <a:lstStyle>
+            <a:lvl1pPr marL="0" indent="0" algn="ctr">
+              <a:buNone/>
+              <a:defRPr sz="1600"/>
+            </a:lvl1pPr>
+            <a:lvl2pPr marL="457200" indent="0">
+              <a:buNone/>
+              <a:defRPr sz="1600"/>
+            </a:lvl2pPr>
+            <a:lvl3pPr marL="914400" indent="0">
+              <a:buNone/>
+              <a:defRPr sz="1600"/>
+            </a:lvl3pPr>
+            <a:lvl4pPr marL="1371600" indent="0">
+              <a:buNone/>
+              <a:defRPr sz="1600"/>
+            </a:lvl4pPr>
+            <a:lvl5pPr marL="1828800" indent="0">
+              <a:buNone/>
+              <a:defRPr sz="1600"/>
+            </a:lvl5pPr>
+            <a:lvl6pPr marL="2286000" indent="0">
+              <a:buNone/>
+              <a:defRPr sz="1600"/>
+            </a:lvl6pPr>
+            <a:lvl7pPr marL="2743200" indent="0">
+              <a:buNone/>
+              <a:defRPr sz="1600"/>
+            </a:lvl7pPr>
+            <a:lvl8pPr marL="3200400" indent="0">
+              <a:buNone/>
+              <a:defRPr sz="1600"/>
+            </a:lvl8pPr>
+            <a:lvl9pPr marL="3657600" indent="0">
+              <a:buNone/>
+              <a:defRPr sz="1600"/>
+            </a:lvl9pPr>
+          </a:lstStyle>
+          <a:p>
+            <a:r>
+              <a:rPr lang="en-US"/>
+              <a:t>Click icon to add picture</a:t>
+            </a:r>
+            <a:endParaRPr lang="en-US" dirty="0"/>
+          </a:p>
+        </p:txBody>
+      </p:sp>
+      <p:sp>
+        <p:nvSpPr>
+          <p:cNvPr id="4" name="Text Placeholder 3"/>
+          <p:cNvSpPr>
+            <a:spLocks noGrp="1"/>
+          </p:cNvSpPr>
+          <p:nvPr>
+            <p:ph type="body" sz="half" idx="2"/>
+          </p:nvPr>
+        </p:nvSpPr>
+        <p:spPr>
+          <a:xfrm>
+            <a:off x="1295401" y="5382153"/>
+            <a:ext cx="9609666" cy="493712"/>
+          </a:xfrm>
+        </p:spPr>
+        <p:txBody>
+          <a:bodyPr>
+            <a:normAutofit/>
+          </a:bodyPr>
+          <a:lstStyle>
+            <a:lvl1pPr marL="0" indent="0" algn="ctr">
+              <a:buNone/>
+              <a:defRPr sz="1400"/>
+            </a:lvl1pPr>
+            <a:lvl2pPr marL="457200" indent="0">
+              <a:buNone/>
+              <a:defRPr sz="1200"/>
+            </a:lvl2pPr>
+            <a:lvl3pPr marL="914400" indent="0">
+              <a:buNone/>
+              <a:defRPr sz="1000"/>
+            </a:lvl3pPr>
+            <a:lvl4pPr marL="1371600" indent="0">
+              <a:buNone/>
+              <a:defRPr sz="900"/>
+            </a:lvl4pPr>
+            <a:lvl5pPr marL="1828800" indent="0">
+              <a:buNone/>
+              <a:defRPr sz="900"/>
+            </a:lvl5pPr>
+            <a:lvl6pPr marL="2286000" indent="0">
+              <a:buNone/>
+              <a:defRPr sz="900"/>
+            </a:lvl6pPr>
+            <a:lvl7pPr marL="2743200" indent="0">
+              <a:buNone/>
+              <a:defRPr sz="900"/>
+            </a:lvl7pPr>
+            <a:lvl8pPr marL="3200400" indent="0">
+              <a:buNone/>
+              <a:defRPr sz="900"/>
+            </a:lvl8pPr>
+            <a:lvl9pPr marL="3657600" indent="0">
+              <a:buNone/>
+              <a:defRPr sz="900"/>
+            </a:lvl9pPr>
+          </a:lstStyle>
+          <a:p>
+            <a:pPr lvl="0"/>
+            <a:r>
+              <a:rPr lang="en-US"/>
+              <a:t>Edit Master text styles</a:t>
+            </a:r>
+          </a:p>
+        </p:txBody>
+      </p:sp>
+      <p:sp>
+        <p:nvSpPr>
+          <p:cNvPr id="5" name="Date Placeholder 4"/>
+          <p:cNvSpPr>
+            <a:spLocks noGrp="1"/>
+          </p:cNvSpPr>
+          <p:nvPr>
+            <p:ph type="dt" sz="half" idx="10"/>
+          </p:nvPr>
+        </p:nvSpPr>
+        <p:spPr/>
+        <p:txBody>
+          <a:bodyPr/>
+          <a:lstStyle/>
+          <a:p>
+            <a:fld id="{5661C814-0C51-44D7-BAA9-105AE0B6C1A4}" type="datetimeFigureOut">
+              <a:rPr lang="en-US" smtClean="0"/>
+              <a:t>10/16/2016</a:t>
+            </a:fld>
+            <a:endParaRPr lang="en-US"/>
+          </a:p>
+        </p:txBody>
+      </p:sp>
+      <p:sp>
+        <p:nvSpPr>
+          <p:cNvPr id="6" name="Footer Placeholder 5"/>
+          <p:cNvSpPr>
+            <a:spLocks noGrp="1"/>
+          </p:cNvSpPr>
+          <p:nvPr>
+            <p:ph type="ftr" sz="quarter" idx="11"/>
+          </p:nvPr>
+        </p:nvSpPr>
+        <p:spPr/>
+        <p:txBody>
+          <a:bodyPr/>
+          <a:lstStyle/>
+          <a:p>
+            <a:endParaRPr lang="en-US"/>
+          </a:p>
+        </p:txBody>
+      </p:sp>
+      <p:sp>
+        <p:nvSpPr>
+          <p:cNvPr id="7" name="Slide Number Placeholder 6"/>
+          <p:cNvSpPr>
+            <a:spLocks noGrp="1"/>
+          </p:cNvSpPr>
+          <p:nvPr>
+            <p:ph type="sldNum" sz="quarter" idx="12"/>
+          </p:nvPr>
+        </p:nvSpPr>
+        <p:spPr/>
+        <p:txBody>
+          <a:bodyPr/>
+          <a:lstStyle/>
+          <a:p>
+            <a:fld id="{7302183B-179A-47B2-971D-B616AA9826AA}" type="slidenum">
+              <a:rPr lang="en-US" smtClean="0"/>
+              <a:t>‹#›</a:t>
+            </a:fld>
+            <a:endParaRPr lang="en-US"/>
+          </a:p>
+        </p:txBody>
+      </p:sp>
+    </p:spTree>
+    <p:extLst>
+      <p:ext uri="{BB962C8B-B14F-4D97-AF65-F5344CB8AC3E}">
+        <p14:creationId xmlns:p14="http://schemas.microsoft.com/office/powerpoint/2010/main" val="708685117"/>
+      </p:ext>
+    </p:extLst>
+  </p:cSld>
+  <p:clrMapOvr>
+    <a:masterClrMapping/>
+  </p:clrMapOvr>
+</p:sldLayout>
+</file>
+
+<file path=ppt/slideLayouts/slideLayout11.xml><?xml version="1.0" encoding="utf-8"?>
+<p:sldLayout xmlns:a="http://schemas.openxmlformats.org/drawingml/2006/main" xmlns:r="http://schemas.openxmlformats.org/officeDocument/2006/relationships" xmlns:p="http://schemas.openxmlformats.org/presentationml/2006/main" preserve="1">
+  <p:cSld name="Title and Caption">
+    <p:spTree>
+      <p:nvGrpSpPr>
+        <p:cNvPr id="1" name=""/>
+        <p:cNvGrpSpPr/>
+        <p:nvPr/>
+      </p:nvGrpSpPr>
+      <p:grpSpPr>
+        <a:xfrm>
+          <a:off x="0" y="0"/>
+          <a:ext cx="0" cy="0"/>
+          <a:chOff x="0" y="0"/>
+          <a:chExt cx="0" cy="0"/>
+        </a:xfrm>
+      </p:grpSpPr>
+      <p:sp>
+        <p:nvSpPr>
+          <p:cNvPr id="2" name="Title 1"/>
+          <p:cNvSpPr>
+            <a:spLocks noGrp="1"/>
+          </p:cNvSpPr>
+          <p:nvPr>
+            <p:ph type="title"/>
+          </p:nvPr>
+        </p:nvSpPr>
+        <p:spPr>
+          <a:xfrm>
+            <a:off x="1303868" y="982132"/>
+            <a:ext cx="9592732" cy="2954868"/>
+          </a:xfrm>
+        </p:spPr>
+        <p:txBody>
+          <a:bodyPr anchor="ctr">
+            <a:normAutofit/>
+          </a:bodyPr>
+          <a:lstStyle>
+            <a:lvl1pPr algn="ctr">
+              <a:defRPr sz="3200" b="0" cap="none"/>
+            </a:lvl1pPr>
+          </a:lstStyle>
+          <a:p>
+            <a:r>
+              <a:rPr lang="en-US"/>
+              <a:t>Click to edit Master title style</a:t>
+            </a:r>
+            <a:endParaRPr lang="en-US" dirty="0"/>
+          </a:p>
+        </p:txBody>
+      </p:sp>
+      <p:sp>
+        <p:nvSpPr>
+          <p:cNvPr id="3" name="Text Placeholder 2"/>
+          <p:cNvSpPr>
+            <a:spLocks noGrp="1"/>
+          </p:cNvSpPr>
+          <p:nvPr>
+            <p:ph type="body" idx="1"/>
+          </p:nvPr>
+        </p:nvSpPr>
+        <p:spPr>
+          <a:xfrm>
+            <a:off x="1303868" y="4343399"/>
+            <a:ext cx="9592732" cy="1532467"/>
+          </a:xfrm>
+        </p:spPr>
+        <p:txBody>
+          <a:bodyPr anchor="ctr">
+            <a:normAutofit/>
+          </a:bodyPr>
+          <a:lstStyle>
+            <a:lvl1pPr marL="0" indent="0" algn="ctr">
+              <a:buNone/>
+              <a:defRPr sz="2000">
+                <a:solidFill>
+                  <a:schemeClr val="tx1"/>
+                </a:solidFill>
+              </a:defRPr>
+            </a:lvl1pPr>
+            <a:lvl2pPr marL="457200" indent="0">
+              <a:buNone/>
+              <a:defRPr sz="1800">
+                <a:solidFill>
+                  <a:schemeClr val="tx1">
+                    <a:tint val="75000"/>
+                  </a:schemeClr>
+                </a:solidFill>
+              </a:defRPr>
+            </a:lvl2pPr>
+            <a:lvl3pPr marL="914400" indent="0">
+              <a:buNone/>
+              <a:defRPr sz="1600">
+                <a:solidFill>
+                  <a:schemeClr val="tx1">
+                    <a:tint val="75000"/>
+                  </a:schemeClr>
+                </a:solidFill>
+              </a:defRPr>
+            </a:lvl3pPr>
+            <a:lvl4pPr marL="1371600" indent="0">
+              <a:buNone/>
+              <a:defRPr sz="1400">
+                <a:solidFill>
+                  <a:schemeClr val="tx1">
+                    <a:tint val="75000"/>
+                  </a:schemeClr>
+                </a:solidFill>
+              </a:defRPr>
+            </a:lvl4pPr>
+            <a:lvl5pPr marL="1828800" indent="0">
+              <a:buNone/>
+              <a:defRPr sz="1400">
+                <a:solidFill>
+                  <a:schemeClr val="tx1">
+                    <a:tint val="75000"/>
+                  </a:schemeClr>
+                </a:solidFill>
+              </a:defRPr>
+            </a:lvl5pPr>
+            <a:lvl6pPr marL="2286000" indent="0">
+              <a:buNone/>
+              <a:defRPr sz="1400">
+                <a:solidFill>
+                  <a:schemeClr val="tx1">
+                    <a:tint val="75000"/>
+                  </a:schemeClr>
+                </a:solidFill>
+              </a:defRPr>
+            </a:lvl6pPr>
+            <a:lvl7pPr marL="2743200" indent="0">
+              <a:buNone/>
+              <a:defRPr sz="1400">
+                <a:solidFill>
+                  <a:schemeClr val="tx1">
+                    <a:tint val="75000"/>
+                  </a:schemeClr>
+                </a:solidFill>
+              </a:defRPr>
+            </a:lvl7pPr>
+            <a:lvl8pPr marL="3200400" indent="0">
+              <a:buNone/>
+              <a:defRPr sz="1400">
+                <a:solidFill>
+                  <a:schemeClr val="tx1">
+                    <a:tint val="75000"/>
+                  </a:schemeClr>
+                </a:solidFill>
+              </a:defRPr>
+            </a:lvl8pPr>
+            <a:lvl9pPr marL="3657600" indent="0">
+              <a:buNone/>
+              <a:defRPr sz="1400">
+                <a:solidFill>
+                  <a:schemeClr val="tx1">
+                    <a:tint val="75000"/>
+                  </a:schemeClr>
+                </a:solidFill>
+              </a:defRPr>
+            </a:lvl9pPr>
+          </a:lstStyle>
+          <a:p>
+            <a:pPr lvl="0"/>
+            <a:r>
+              <a:rPr lang="en-US"/>
+              <a:t>Edit Master text styles</a:t>
+            </a:r>
+          </a:p>
+        </p:txBody>
+      </p:sp>
+      <p:sp>
+        <p:nvSpPr>
+          <p:cNvPr id="4" name="Date Placeholder 3"/>
+          <p:cNvSpPr>
+            <a:spLocks noGrp="1"/>
+          </p:cNvSpPr>
+          <p:nvPr>
+            <p:ph type="dt" sz="half" idx="10"/>
+          </p:nvPr>
+        </p:nvSpPr>
+        <p:spPr/>
+        <p:txBody>
+          <a:bodyPr/>
+          <a:lstStyle/>
+          <a:p>
+            <a:fld id="{5661C814-0C51-44D7-BAA9-105AE0B6C1A4}" type="datetimeFigureOut">
+              <a:rPr lang="en-US" smtClean="0"/>
+              <a:t>10/16/2016</a:t>
+            </a:fld>
+            <a:endParaRPr lang="en-US"/>
+          </a:p>
+        </p:txBody>
+      </p:sp>
+      <p:sp>
+        <p:nvSpPr>
+          <p:cNvPr id="5" name="Footer Placeholder 4"/>
+          <p:cNvSpPr>
+            <a:spLocks noGrp="1"/>
+          </p:cNvSpPr>
+          <p:nvPr>
+            <p:ph type="ftr" sz="quarter" idx="11"/>
+          </p:nvPr>
+        </p:nvSpPr>
+        <p:spPr/>
+        <p:txBody>
+          <a:bodyPr/>
+          <a:lstStyle/>
+          <a:p>
+            <a:endParaRPr lang="en-US"/>
+          </a:p>
+        </p:txBody>
+      </p:sp>
+      <p:sp>
+        <p:nvSpPr>
+          <p:cNvPr id="6" name="Slide Number Placeholder 5"/>
+          <p:cNvSpPr>
+            <a:spLocks noGrp="1"/>
+          </p:cNvSpPr>
+          <p:nvPr>
+            <p:ph type="sldNum" sz="quarter" idx="12"/>
+          </p:nvPr>
+        </p:nvSpPr>
+        <p:spPr/>
+        <p:txBody>
+          <a:bodyPr/>
+          <a:lstStyle/>
+          <a:p>
+            <a:fld id="{7302183B-179A-47B2-971D-B616AA9826AA}" type="slidenum">
+              <a:rPr lang="en-US" smtClean="0"/>
+              <a:t>‹#›</a:t>
+            </a:fld>
+            <a:endParaRPr lang="en-US"/>
+          </a:p>
+        </p:txBody>
+      </p:sp>
+      <p:cxnSp>
+        <p:nvCxnSpPr>
+          <p:cNvPr id="15" name="Straight Connector 14"/>
+          <p:cNvCxnSpPr/>
+          <p:nvPr/>
+        </p:nvCxnSpPr>
+        <p:spPr>
+          <a:xfrm>
+            <a:off x="1396169" y="4140199"/>
+            <a:ext cx="9407298" cy="0"/>
+          </a:xfrm>
+          <a:prstGeom prst="line">
+            <a:avLst/>
+          </a:prstGeom>
+          <a:ln w="15875"/>
+        </p:spPr>
+        <p:style>
+          <a:lnRef idx="2">
+            <a:schemeClr val="accent1"/>
+          </a:lnRef>
+          <a:fillRef idx="0">
+            <a:schemeClr val="accent1"/>
+          </a:fillRef>
+          <a:effectRef idx="1">
+            <a:schemeClr val="accent1"/>
+          </a:effectRef>
+          <a:fontRef idx="minor">
+            <a:schemeClr val="tx1"/>
+          </a:fontRef>
+        </p:style>
+      </p:cxnSp>
+    </p:spTree>
+    <p:extLst>
+      <p:ext uri="{BB962C8B-B14F-4D97-AF65-F5344CB8AC3E}">
+        <p14:creationId xmlns:p14="http://schemas.microsoft.com/office/powerpoint/2010/main" val="3181576353"/>
+      </p:ext>
+    </p:extLst>
+  </p:cSld>
+  <p:clrMapOvr>
+    <a:masterClrMapping/>
+  </p:clrMapOvr>
+</p:sldLayout>
+</file>
+
+<file path=ppt/slideLayouts/slideLayout12.xml><?xml version="1.0" encoding="utf-8"?>
+<p:sldLayout xmlns:a="http://schemas.openxmlformats.org/drawingml/2006/main" xmlns:r="http://schemas.openxmlformats.org/officeDocument/2006/relationships" xmlns:p="http://schemas.openxmlformats.org/presentationml/2006/main" preserve="1">
+  <p:cSld name="Quote with Caption">
+    <p:spTree>
+      <p:nvGrpSpPr>
+        <p:cNvPr id="1" name=""/>
+        <p:cNvGrpSpPr/>
+        <p:nvPr/>
+      </p:nvGrpSpPr>
+      <p:grpSpPr>
+        <a:xfrm>
+          <a:off x="0" y="0"/>
+          <a:ext cx="0" cy="0"/>
+          <a:chOff x="0" y="0"/>
+          <a:chExt cx="0" cy="0"/>
+        </a:xfrm>
+      </p:grpSpPr>
+      <p:sp>
+        <p:nvSpPr>
+          <p:cNvPr id="2" name="Title 1"/>
+          <p:cNvSpPr>
+            <a:spLocks noGrp="1"/>
+          </p:cNvSpPr>
+          <p:nvPr>
+            <p:ph type="title"/>
+          </p:nvPr>
+        </p:nvSpPr>
+        <p:spPr>
+          <a:xfrm>
+            <a:off x="1446213" y="982132"/>
+            <a:ext cx="9296398" cy="2370668"/>
+          </a:xfrm>
+        </p:spPr>
+        <p:txBody>
+          <a:bodyPr anchor="ctr">
+            <a:normAutofit/>
+          </a:bodyPr>
+          <a:lstStyle>
+            <a:lvl1pPr algn="ctr">
+              <a:defRPr sz="3200" b="0" cap="none">
+                <a:solidFill>
+                  <a:schemeClr val="tx1"/>
+                </a:solidFill>
+              </a:defRPr>
+            </a:lvl1pPr>
+          </a:lstStyle>
+          <a:p>
+            <a:r>
+              <a:rPr lang="en-US"/>
+              <a:t>Click to edit Master title style</a:t>
+            </a:r>
+            <a:endParaRPr lang="en-US" dirty="0"/>
+          </a:p>
+        </p:txBody>
+      </p:sp>
+      <p:sp>
+        <p:nvSpPr>
+          <p:cNvPr id="10" name="Text Placeholder 9"/>
+          <p:cNvSpPr>
+            <a:spLocks noGrp="1"/>
+          </p:cNvSpPr>
+          <p:nvPr>
+            <p:ph type="body" sz="quarter" idx="13"/>
+          </p:nvPr>
+        </p:nvSpPr>
+        <p:spPr>
+          <a:xfrm>
+            <a:off x="1674812" y="3352800"/>
+            <a:ext cx="8839202" cy="584200"/>
+          </a:xfrm>
+        </p:spPr>
+        <p:txBody>
+          <a:bodyPr anchor="ctr">
+            <a:normAutofit/>
+          </a:bodyPr>
+          <a:lstStyle>
+            <a:lvl1pPr marL="0" indent="0" algn="r">
+              <a:buFontTx/>
+              <a:buNone/>
+              <a:defRPr sz="2000"/>
+            </a:lvl1pPr>
+            <a:lvl2pPr marL="457200" indent="0">
+              <a:buFontTx/>
+              <a:buNone/>
+              <a:defRPr/>
+            </a:lvl2pPr>
+            <a:lvl3pPr marL="914400" indent="0">
+              <a:buFontTx/>
+              <a:buNone/>
+              <a:defRPr/>
+            </a:lvl3pPr>
+            <a:lvl4pPr marL="1371600" indent="0">
+              <a:buFontTx/>
+              <a:buNone/>
+              <a:defRPr/>
+            </a:lvl4pPr>
+            <a:lvl5pPr marL="1828800" indent="0">
+              <a:buFontTx/>
+              <a:buNone/>
+              <a:defRPr/>
+            </a:lvl5pPr>
+          </a:lstStyle>
+          <a:p>
+            <a:pPr lvl="0"/>
+            <a:r>
+              <a:rPr lang="en-US"/>
+              <a:t>Edit Master text styles</a:t>
+            </a:r>
+          </a:p>
+        </p:txBody>
+      </p:sp>
+      <p:sp>
+        <p:nvSpPr>
+          <p:cNvPr id="3" name="Text Placeholder 2"/>
+          <p:cNvSpPr>
+            <a:spLocks noGrp="1"/>
+          </p:cNvSpPr>
+          <p:nvPr>
+            <p:ph type="body" idx="1"/>
+          </p:nvPr>
+        </p:nvSpPr>
+        <p:spPr>
+          <a:xfrm>
+            <a:off x="1295401" y="4343399"/>
+            <a:ext cx="9609666" cy="1532467"/>
+          </a:xfrm>
+        </p:spPr>
+        <p:txBody>
+          <a:bodyPr anchor="ctr">
+            <a:normAutofit/>
+          </a:bodyPr>
+          <a:lstStyle>
+            <a:lvl1pPr marL="0" indent="0" algn="ctr">
+              <a:buNone/>
+              <a:defRPr sz="2000">
+                <a:solidFill>
+                  <a:schemeClr val="tx1"/>
+                </a:solidFill>
+              </a:defRPr>
+            </a:lvl1pPr>
+            <a:lvl2pPr marL="457200" indent="0">
+              <a:buNone/>
+              <a:defRPr sz="1800">
+                <a:solidFill>
+                  <a:schemeClr val="tx1">
+                    <a:tint val="75000"/>
+                  </a:schemeClr>
+                </a:solidFill>
+              </a:defRPr>
+            </a:lvl2pPr>
+            <a:lvl3pPr marL="914400" indent="0">
+              <a:buNone/>
+              <a:defRPr sz="1600">
+                <a:solidFill>
+                  <a:schemeClr val="tx1">
+                    <a:tint val="75000"/>
+                  </a:schemeClr>
+                </a:solidFill>
+              </a:defRPr>
+            </a:lvl3pPr>
+            <a:lvl4pPr marL="1371600" indent="0">
+              <a:buNone/>
+              <a:defRPr sz="1400">
+                <a:solidFill>
+                  <a:schemeClr val="tx1">
+                    <a:tint val="75000"/>
+                  </a:schemeClr>
+                </a:solidFill>
+              </a:defRPr>
+            </a:lvl4pPr>
+            <a:lvl5pPr marL="1828800" indent="0">
+              <a:buNone/>
+              <a:defRPr sz="1400">
+                <a:solidFill>
+                  <a:schemeClr val="tx1">
+                    <a:tint val="75000"/>
+                  </a:schemeClr>
+                </a:solidFill>
+              </a:defRPr>
+            </a:lvl5pPr>
+            <a:lvl6pPr marL="2286000" indent="0">
+              <a:buNone/>
+              <a:defRPr sz="1400">
+                <a:solidFill>
+                  <a:schemeClr val="tx1">
+                    <a:tint val="75000"/>
+                  </a:schemeClr>
+                </a:solidFill>
+              </a:defRPr>
+            </a:lvl6pPr>
+            <a:lvl7pPr marL="2743200" indent="0">
+              <a:buNone/>
+              <a:defRPr sz="1400">
+                <a:solidFill>
+                  <a:schemeClr val="tx1">
+                    <a:tint val="75000"/>
+                  </a:schemeClr>
+                </a:solidFill>
+              </a:defRPr>
+            </a:lvl7pPr>
+            <a:lvl8pPr marL="3200400" indent="0">
+              <a:buNone/>
+              <a:defRPr sz="1400">
+                <a:solidFill>
+                  <a:schemeClr val="tx1">
+                    <a:tint val="75000"/>
+                  </a:schemeClr>
+                </a:solidFill>
+              </a:defRPr>
+            </a:lvl8pPr>
+            <a:lvl9pPr marL="3657600" indent="0">
+              <a:buNone/>
+              <a:defRPr sz="1400">
+                <a:solidFill>
+                  <a:schemeClr val="tx1">
+                    <a:tint val="75000"/>
+                  </a:schemeClr>
+                </a:solidFill>
+              </a:defRPr>
+            </a:lvl9pPr>
+          </a:lstStyle>
+          <a:p>
+            <a:pPr lvl="0"/>
+            <a:r>
+              <a:rPr lang="en-US"/>
+              <a:t>Edit Master text styles</a:t>
+            </a:r>
+          </a:p>
+        </p:txBody>
+      </p:sp>
+      <p:sp>
+        <p:nvSpPr>
+          <p:cNvPr id="4" name="Date Placeholder 3"/>
+          <p:cNvSpPr>
+            <a:spLocks noGrp="1"/>
+          </p:cNvSpPr>
+          <p:nvPr>
+            <p:ph type="dt" sz="half" idx="10"/>
+          </p:nvPr>
+        </p:nvSpPr>
+        <p:spPr/>
+        <p:txBody>
+          <a:bodyPr/>
+          <a:lstStyle/>
+          <a:p>
+            <a:fld id="{5661C814-0C51-44D7-BAA9-105AE0B6C1A4}" type="datetimeFigureOut">
+              <a:rPr lang="en-US" smtClean="0"/>
+              <a:t>10/16/2016</a:t>
+            </a:fld>
+            <a:endParaRPr lang="en-US"/>
+          </a:p>
+        </p:txBody>
+      </p:sp>
+      <p:sp>
+        <p:nvSpPr>
+          <p:cNvPr id="5" name="Footer Placeholder 4"/>
+          <p:cNvSpPr>
+            <a:spLocks noGrp="1"/>
+          </p:cNvSpPr>
+          <p:nvPr>
+            <p:ph type="ftr" sz="quarter" idx="11"/>
+          </p:nvPr>
+        </p:nvSpPr>
+        <p:spPr/>
+        <p:txBody>
+          <a:bodyPr/>
+          <a:lstStyle/>
+          <a:p>
+            <a:endParaRPr lang="en-US"/>
+          </a:p>
+        </p:txBody>
+      </p:sp>
+      <p:sp>
+        <p:nvSpPr>
+          <p:cNvPr id="6" name="Slide Number Placeholder 5"/>
+          <p:cNvSpPr>
+            <a:spLocks noGrp="1"/>
+          </p:cNvSpPr>
+          <p:nvPr>
+            <p:ph type="sldNum" sz="quarter" idx="12"/>
+          </p:nvPr>
+        </p:nvSpPr>
+        <p:spPr/>
+        <p:txBody>
+          <a:bodyPr/>
+          <a:lstStyle/>
+          <a:p>
+            <a:fld id="{7302183B-179A-47B2-971D-B616AA9826AA}" type="slidenum">
+              <a:rPr lang="en-US" smtClean="0"/>
+              <a:t>‹#›</a:t>
+            </a:fld>
+            <a:endParaRPr lang="en-US"/>
+          </a:p>
+        </p:txBody>
+      </p:sp>
+      <p:sp>
+        <p:nvSpPr>
+          <p:cNvPr id="14" name="TextBox 13"/>
+          <p:cNvSpPr txBox="1"/>
+          <p:nvPr/>
+        </p:nvSpPr>
+        <p:spPr>
+          <a:xfrm>
+            <a:off x="862013" y="879961"/>
+            <a:ext cx="609600" cy="584776"/>
+          </a:xfrm>
+          <a:prstGeom prst="rect">
+            <a:avLst/>
+          </a:prstGeom>
+        </p:spPr>
+        <p:txBody>
+          <a:bodyPr vert="horz" lIns="91440" tIns="45720" rIns="91440" bIns="45720" rtlCol="0" anchor="ctr">
+            <a:noAutofit/>
+          </a:bodyPr>
+          <a:lstStyle/>
+          <a:p>
+            <a:pPr lvl="0"/>
+            <a:r>
+              <a:rPr lang="en-US" sz="8000" dirty="0">
+                <a:solidFill>
+                  <a:schemeClr val="tx1"/>
+                </a:solidFill>
+                <a:effectLst/>
+              </a:rPr>
+              <a:t>“</a:t>
+            </a:r>
+          </a:p>
+        </p:txBody>
+      </p:sp>
+      <p:sp>
+        <p:nvSpPr>
+          <p:cNvPr id="15" name="TextBox 14"/>
+          <p:cNvSpPr txBox="1"/>
+          <p:nvPr/>
+        </p:nvSpPr>
+        <p:spPr>
+          <a:xfrm>
+            <a:off x="10600267" y="2827870"/>
+            <a:ext cx="609600" cy="584776"/>
+          </a:xfrm>
+          <a:prstGeom prst="rect">
+            <a:avLst/>
+          </a:prstGeom>
+        </p:spPr>
+        <p:txBody>
+          <a:bodyPr vert="horz" lIns="91440" tIns="45720" rIns="91440" bIns="45720" rtlCol="0" anchor="ctr">
+            <a:noAutofit/>
+          </a:bodyPr>
+          <a:lstStyle/>
+          <a:p>
+            <a:pPr lvl="0" algn="r"/>
+            <a:r>
+              <a:rPr lang="en-US" sz="8000" dirty="0">
+                <a:solidFill>
+                  <a:schemeClr val="tx1"/>
+                </a:solidFill>
+                <a:effectLst/>
+              </a:rPr>
+              <a:t>”</a:t>
+            </a:r>
+          </a:p>
+        </p:txBody>
+      </p:sp>
+      <p:cxnSp>
+        <p:nvCxnSpPr>
+          <p:cNvPr id="19" name="Straight Connector 18"/>
+          <p:cNvCxnSpPr/>
+          <p:nvPr/>
+        </p:nvCxnSpPr>
+        <p:spPr>
+          <a:xfrm>
+            <a:off x="1396169" y="4140199"/>
+            <a:ext cx="9407298" cy="0"/>
+          </a:xfrm>
+          <a:prstGeom prst="line">
+            <a:avLst/>
+          </a:prstGeom>
+          <a:ln w="15875"/>
+        </p:spPr>
+        <p:style>
+          <a:lnRef idx="2">
+            <a:schemeClr val="accent1"/>
+          </a:lnRef>
+          <a:fillRef idx="0">
+            <a:schemeClr val="accent1"/>
+          </a:fillRef>
+          <a:effectRef idx="1">
+            <a:schemeClr val="accent1"/>
+          </a:effectRef>
+          <a:fontRef idx="minor">
+            <a:schemeClr val="tx1"/>
+          </a:fontRef>
+        </p:style>
+      </p:cxnSp>
+    </p:spTree>
+    <p:extLst>
+      <p:ext uri="{BB962C8B-B14F-4D97-AF65-F5344CB8AC3E}">
+        <p14:creationId xmlns:p14="http://schemas.microsoft.com/office/powerpoint/2010/main" val="2948870880"/>
+      </p:ext>
+    </p:extLst>
+  </p:cSld>
+  <p:clrMapOvr>
+    <a:masterClrMapping/>
+  </p:clrMapOvr>
+</p:sldLayout>
+</file>
+
+<file path=ppt/slideLayouts/slideLayout13.xml><?xml version="1.0" encoding="utf-8"?>
+<p:sldLayout xmlns:a="http://schemas.openxmlformats.org/drawingml/2006/main" xmlns:r="http://schemas.openxmlformats.org/officeDocument/2006/relationships" xmlns:p="http://schemas.openxmlformats.org/presentationml/2006/main" preserve="1">
+  <p:cSld name="Name Card">
+    <p:spTree>
+      <p:nvGrpSpPr>
+        <p:cNvPr id="1" name=""/>
+        <p:cNvGrpSpPr/>
+        <p:nvPr/>
+      </p:nvGrpSpPr>
+      <p:grpSpPr>
+        <a:xfrm>
+          <a:off x="0" y="0"/>
+          <a:ext cx="0" cy="0"/>
+          <a:chOff x="0" y="0"/>
+          <a:chExt cx="0" cy="0"/>
+        </a:xfrm>
+      </p:grpSpPr>
+      <p:sp>
+        <p:nvSpPr>
+          <p:cNvPr id="2" name="Title 1"/>
+          <p:cNvSpPr>
+            <a:spLocks noGrp="1"/>
+          </p:cNvSpPr>
+          <p:nvPr>
+            <p:ph type="title"/>
+          </p:nvPr>
+        </p:nvSpPr>
+        <p:spPr>
+          <a:xfrm>
+            <a:off x="1295402" y="3308581"/>
+            <a:ext cx="9609668" cy="1468800"/>
+          </a:xfrm>
+        </p:spPr>
+        <p:txBody>
+          <a:bodyPr anchor="b">
+            <a:normAutofit/>
+          </a:bodyPr>
+          <a:lstStyle>
+            <a:lvl1pPr algn="l">
+              <a:defRPr sz="3200" b="0" cap="none"/>
+            </a:lvl1pPr>
+          </a:lstStyle>
+          <a:p>
+            <a:r>
+              <a:rPr lang="en-US"/>
+              <a:t>Click to edit Master title style</a:t>
+            </a:r>
+            <a:endParaRPr lang="en-US" dirty="0"/>
+          </a:p>
+        </p:txBody>
+      </p:sp>
+      <p:sp>
+        <p:nvSpPr>
+          <p:cNvPr id="3" name="Text Placeholder 2"/>
+          <p:cNvSpPr>
+            <a:spLocks noGrp="1"/>
+          </p:cNvSpPr>
+          <p:nvPr>
+            <p:ph type="body" idx="1"/>
+          </p:nvPr>
+        </p:nvSpPr>
+        <p:spPr>
+          <a:xfrm>
+            <a:off x="1295401" y="4777381"/>
+            <a:ext cx="9609668" cy="860400"/>
+          </a:xfrm>
+        </p:spPr>
+        <p:txBody>
+          <a:bodyPr anchor="t">
+            <a:normAutofit/>
+          </a:bodyPr>
+          <a:lstStyle>
+            <a:lvl1pPr marL="0" indent="0" algn="l">
+              <a:buNone/>
+              <a:defRPr sz="2000">
+                <a:solidFill>
+                  <a:schemeClr val="tx1"/>
+                </a:solidFill>
+              </a:defRPr>
+            </a:lvl1pPr>
+            <a:lvl2pPr marL="457200" indent="0">
+              <a:buNone/>
+              <a:defRPr sz="1800">
+                <a:solidFill>
+                  <a:schemeClr val="tx1">
+                    <a:tint val="75000"/>
+                  </a:schemeClr>
+                </a:solidFill>
+              </a:defRPr>
+            </a:lvl2pPr>
+            <a:lvl3pPr marL="914400" indent="0">
+              <a:buNone/>
+              <a:defRPr sz="1600">
+                <a:solidFill>
+                  <a:schemeClr val="tx1">
+                    <a:tint val="75000"/>
+                  </a:schemeClr>
+                </a:solidFill>
+              </a:defRPr>
+            </a:lvl3pPr>
+            <a:lvl4pPr marL="1371600" indent="0">
+              <a:buNone/>
+              <a:defRPr sz="1400">
+                <a:solidFill>
+                  <a:schemeClr val="tx1">
+                    <a:tint val="75000"/>
+                  </a:schemeClr>
+                </a:solidFill>
+              </a:defRPr>
+            </a:lvl4pPr>
+            <a:lvl5pPr marL="1828800" indent="0">
+              <a:buNone/>
+              <a:defRPr sz="1400">
+                <a:solidFill>
+                  <a:schemeClr val="tx1">
+                    <a:tint val="75000"/>
+                  </a:schemeClr>
+                </a:solidFill>
+              </a:defRPr>
+            </a:lvl5pPr>
+            <a:lvl6pPr marL="2286000" indent="0">
+              <a:buNone/>
+              <a:defRPr sz="1400">
+                <a:solidFill>
+                  <a:schemeClr val="tx1">
+                    <a:tint val="75000"/>
+                  </a:schemeClr>
+                </a:solidFill>
+              </a:defRPr>
+            </a:lvl6pPr>
+            <a:lvl7pPr marL="2743200" indent="0">
+              <a:buNone/>
+              <a:defRPr sz="1400">
+                <a:solidFill>
+                  <a:schemeClr val="tx1">
+                    <a:tint val="75000"/>
+                  </a:schemeClr>
+                </a:solidFill>
+              </a:defRPr>
+            </a:lvl7pPr>
+            <a:lvl8pPr marL="3200400" indent="0">
+              <a:buNone/>
+              <a:defRPr sz="1400">
+                <a:solidFill>
+                  <a:schemeClr val="tx1">
+                    <a:tint val="75000"/>
+                  </a:schemeClr>
+                </a:solidFill>
+              </a:defRPr>
+            </a:lvl8pPr>
+            <a:lvl9pPr marL="3657600" indent="0">
+              <a:buNone/>
+              <a:defRPr sz="1400">
+                <a:solidFill>
+                  <a:schemeClr val="tx1">
+                    <a:tint val="75000"/>
+                  </a:schemeClr>
+                </a:solidFill>
+              </a:defRPr>
+            </a:lvl9pPr>
+          </a:lstStyle>
+          <a:p>
+            <a:pPr lvl="0"/>
+            <a:r>
+              <a:rPr lang="en-US"/>
+              <a:t>Edit Master text styles</a:t>
+            </a:r>
+          </a:p>
+        </p:txBody>
+      </p:sp>
+      <p:sp>
+        <p:nvSpPr>
+          <p:cNvPr id="4" name="Date Placeholder 3"/>
+          <p:cNvSpPr>
+            <a:spLocks noGrp="1"/>
+          </p:cNvSpPr>
+          <p:nvPr>
+            <p:ph type="dt" sz="half" idx="10"/>
+          </p:nvPr>
+        </p:nvSpPr>
+        <p:spPr/>
+        <p:txBody>
+          <a:bodyPr/>
+          <a:lstStyle/>
+          <a:p>
+            <a:fld id="{5661C814-0C51-44D7-BAA9-105AE0B6C1A4}" type="datetimeFigureOut">
+              <a:rPr lang="en-US" smtClean="0"/>
+              <a:t>10/16/2016</a:t>
+            </a:fld>
+            <a:endParaRPr lang="en-US"/>
+          </a:p>
+        </p:txBody>
+      </p:sp>
+      <p:sp>
+        <p:nvSpPr>
+          <p:cNvPr id="5" name="Footer Placeholder 4"/>
+          <p:cNvSpPr>
+            <a:spLocks noGrp="1"/>
+          </p:cNvSpPr>
+          <p:nvPr>
+            <p:ph type="ftr" sz="quarter" idx="11"/>
+          </p:nvPr>
+        </p:nvSpPr>
+        <p:spPr/>
+        <p:txBody>
+          <a:bodyPr/>
+          <a:lstStyle/>
+          <a:p>
+            <a:endParaRPr lang="en-US"/>
+          </a:p>
+        </p:txBody>
+      </p:sp>
+      <p:sp>
+        <p:nvSpPr>
+          <p:cNvPr id="6" name="Slide Number Placeholder 5"/>
+          <p:cNvSpPr>
+            <a:spLocks noGrp="1"/>
+          </p:cNvSpPr>
+          <p:nvPr>
+            <p:ph type="sldNum" sz="quarter" idx="12"/>
+          </p:nvPr>
+        </p:nvSpPr>
+        <p:spPr/>
+        <p:txBody>
+          <a:bodyPr/>
+          <a:lstStyle/>
+          <a:p>
+            <a:fld id="{7302183B-179A-47B2-971D-B616AA9826AA}" type="slidenum">
+              <a:rPr lang="en-US" smtClean="0"/>
+              <a:t>‹#›</a:t>
+            </a:fld>
+            <a:endParaRPr lang="en-US"/>
+          </a:p>
+        </p:txBody>
+      </p:sp>
+    </p:spTree>
+    <p:extLst>
+      <p:ext uri="{BB962C8B-B14F-4D97-AF65-F5344CB8AC3E}">
+        <p14:creationId xmlns:p14="http://schemas.microsoft.com/office/powerpoint/2010/main" val="603036363"/>
+      </p:ext>
+    </p:extLst>
+  </p:cSld>
+  <p:clrMapOvr>
+    <a:masterClrMapping/>
+  </p:clrMapOvr>
+</p:sldLayout>
+</file>
+
+<file path=ppt/slideLayouts/slideLayout14.xml><?xml version="1.0" encoding="utf-8"?>
+<p:sldLayout xmlns:a="http://schemas.openxmlformats.org/drawingml/2006/main" xmlns:r="http://schemas.openxmlformats.org/officeDocument/2006/relationships" xmlns:p="http://schemas.openxmlformats.org/presentationml/2006/main" preserve="1">
+  <p:cSld name="Quote Name Card">
+    <p:spTree>
+      <p:nvGrpSpPr>
+        <p:cNvPr id="1" name=""/>
+        <p:cNvGrpSpPr/>
+        <p:nvPr/>
+      </p:nvGrpSpPr>
+      <p:grpSpPr>
+        <a:xfrm>
+          <a:off x="0" y="0"/>
+          <a:ext cx="0" cy="0"/>
+          <a:chOff x="0" y="0"/>
+          <a:chExt cx="0" cy="0"/>
+        </a:xfrm>
+      </p:grpSpPr>
+      <p:sp>
+        <p:nvSpPr>
+          <p:cNvPr id="2" name="Title 1"/>
+          <p:cNvSpPr>
+            <a:spLocks noGrp="1"/>
+          </p:cNvSpPr>
+          <p:nvPr>
+            <p:ph type="title"/>
+          </p:nvPr>
+        </p:nvSpPr>
+        <p:spPr>
+          <a:xfrm>
+            <a:off x="1446213" y="982132"/>
+            <a:ext cx="9296398" cy="2243668"/>
+          </a:xfrm>
+        </p:spPr>
+        <p:txBody>
+          <a:bodyPr anchor="ctr">
+            <a:normAutofit/>
+          </a:bodyPr>
+          <a:lstStyle>
+            <a:lvl1pPr algn="ctr">
+              <a:defRPr sz="3200" b="0" cap="none">
+                <a:solidFill>
+                  <a:schemeClr val="tx1"/>
+                </a:solidFill>
+              </a:defRPr>
+            </a:lvl1pPr>
+          </a:lstStyle>
+          <a:p>
+            <a:r>
+              <a:rPr lang="en-US"/>
+              <a:t>Click to edit Master title style</a:t>
+            </a:r>
+            <a:endParaRPr lang="en-US" dirty="0"/>
+          </a:p>
+        </p:txBody>
+      </p:sp>
+      <p:sp>
+        <p:nvSpPr>
+          <p:cNvPr id="14" name="Text Placeholder 2"/>
+          <p:cNvSpPr>
+            <a:spLocks noGrp="1"/>
+          </p:cNvSpPr>
+          <p:nvPr>
+            <p:ph type="body" idx="13"/>
+          </p:nvPr>
+        </p:nvSpPr>
+        <p:spPr>
+          <a:xfrm>
+            <a:off x="1295401" y="3639312"/>
+            <a:ext cx="9609668" cy="886968"/>
+          </a:xfrm>
+        </p:spPr>
+        <p:txBody>
+          <a:bodyPr anchor="b">
+            <a:normAutofit/>
+          </a:bodyPr>
+          <a:lstStyle>
+            <a:lvl1pPr marL="0" indent="0" algn="l">
+              <a:spcBef>
+                <a:spcPts val="0"/>
+              </a:spcBef>
+              <a:buNone/>
+              <a:defRPr sz="2400">
+                <a:solidFill>
+                  <a:schemeClr val="tx1"/>
+                </a:solidFill>
+              </a:defRPr>
+            </a:lvl1pPr>
+            <a:lvl2pPr marL="457200" indent="0">
+              <a:buNone/>
+              <a:defRPr sz="1800">
+                <a:solidFill>
+                  <a:schemeClr val="tx1">
+                    <a:tint val="75000"/>
+                  </a:schemeClr>
+                </a:solidFill>
+              </a:defRPr>
+            </a:lvl2pPr>
+            <a:lvl3pPr marL="914400" indent="0">
+              <a:buNone/>
+              <a:defRPr sz="1600">
+                <a:solidFill>
+                  <a:schemeClr val="tx1">
+                    <a:tint val="75000"/>
+                  </a:schemeClr>
+                </a:solidFill>
+              </a:defRPr>
+            </a:lvl3pPr>
+            <a:lvl4pPr marL="1371600" indent="0">
+              <a:buNone/>
+              <a:defRPr sz="1400">
+                <a:solidFill>
+                  <a:schemeClr val="tx1">
+                    <a:tint val="75000"/>
+                  </a:schemeClr>
+                </a:solidFill>
+              </a:defRPr>
+            </a:lvl4pPr>
+            <a:lvl5pPr marL="1828800" indent="0">
+              <a:buNone/>
+              <a:defRPr sz="1400">
+                <a:solidFill>
+                  <a:schemeClr val="tx1">
+                    <a:tint val="75000"/>
+                  </a:schemeClr>
+                </a:solidFill>
+              </a:defRPr>
+            </a:lvl5pPr>
+            <a:lvl6pPr marL="2286000" indent="0">
+              <a:buNone/>
+              <a:defRPr sz="1400">
+                <a:solidFill>
+                  <a:schemeClr val="tx1">
+                    <a:tint val="75000"/>
+                  </a:schemeClr>
+                </a:solidFill>
+              </a:defRPr>
+            </a:lvl6pPr>
+            <a:lvl7pPr marL="2743200" indent="0">
+              <a:buNone/>
+              <a:defRPr sz="1400">
+                <a:solidFill>
+                  <a:schemeClr val="tx1">
+                    <a:tint val="75000"/>
+                  </a:schemeClr>
+                </a:solidFill>
+              </a:defRPr>
+            </a:lvl7pPr>
+            <a:lvl8pPr marL="3200400" indent="0">
+              <a:buNone/>
+              <a:defRPr sz="1400">
+                <a:solidFill>
+                  <a:schemeClr val="tx1">
+                    <a:tint val="75000"/>
+                  </a:schemeClr>
+                </a:solidFill>
+              </a:defRPr>
+            </a:lvl8pPr>
+            <a:lvl9pPr marL="3657600" indent="0">
+              <a:buNone/>
+              <a:defRPr sz="1400">
+                <a:solidFill>
+                  <a:schemeClr val="tx1">
+                    <a:tint val="75000"/>
+                  </a:schemeClr>
+                </a:solidFill>
+              </a:defRPr>
+            </a:lvl9pPr>
+          </a:lstStyle>
+          <a:p>
+            <a:pPr lvl="0"/>
+            <a:r>
+              <a:rPr lang="en-US"/>
+              <a:t>Edit Master text styles</a:t>
+            </a:r>
+          </a:p>
+        </p:txBody>
+      </p:sp>
+      <p:sp>
+        <p:nvSpPr>
+          <p:cNvPr id="3" name="Text Placeholder 2"/>
+          <p:cNvSpPr>
+            <a:spLocks noGrp="1"/>
+          </p:cNvSpPr>
+          <p:nvPr>
+            <p:ph type="body" idx="1"/>
+          </p:nvPr>
+        </p:nvSpPr>
+        <p:spPr>
+          <a:xfrm>
+            <a:off x="1295401" y="4529667"/>
+            <a:ext cx="9609668" cy="1346200"/>
+          </a:xfrm>
+        </p:spPr>
+        <p:txBody>
+          <a:bodyPr anchor="t">
+            <a:normAutofit/>
+          </a:bodyPr>
+          <a:lstStyle>
+            <a:lvl1pPr marL="0" indent="0" algn="l">
+              <a:buNone/>
+              <a:defRPr sz="1800">
+                <a:solidFill>
+                  <a:schemeClr val="tx1"/>
+                </a:solidFill>
+              </a:defRPr>
+            </a:lvl1pPr>
+            <a:lvl2pPr marL="457200" indent="0">
+              <a:buNone/>
+              <a:defRPr sz="1800">
+                <a:solidFill>
+                  <a:schemeClr val="tx1">
+                    <a:tint val="75000"/>
+                  </a:schemeClr>
+                </a:solidFill>
+              </a:defRPr>
+            </a:lvl2pPr>
+            <a:lvl3pPr marL="914400" indent="0">
+              <a:buNone/>
+              <a:defRPr sz="1600">
+                <a:solidFill>
+                  <a:schemeClr val="tx1">
+                    <a:tint val="75000"/>
+                  </a:schemeClr>
+                </a:solidFill>
+              </a:defRPr>
+            </a:lvl3pPr>
+            <a:lvl4pPr marL="1371600" indent="0">
+              <a:buNone/>
+              <a:defRPr sz="1400">
+                <a:solidFill>
+                  <a:schemeClr val="tx1">
+                    <a:tint val="75000"/>
+                  </a:schemeClr>
+                </a:solidFill>
+              </a:defRPr>
+            </a:lvl4pPr>
+            <a:lvl5pPr marL="1828800" indent="0">
+              <a:buNone/>
+              <a:defRPr sz="1400">
+                <a:solidFill>
+                  <a:schemeClr val="tx1">
+                    <a:tint val="75000"/>
+                  </a:schemeClr>
+                </a:solidFill>
+              </a:defRPr>
+            </a:lvl5pPr>
+            <a:lvl6pPr marL="2286000" indent="0">
+              <a:buNone/>
+              <a:defRPr sz="1400">
+                <a:solidFill>
+                  <a:schemeClr val="tx1">
+                    <a:tint val="75000"/>
+                  </a:schemeClr>
+                </a:solidFill>
+              </a:defRPr>
+            </a:lvl6pPr>
+            <a:lvl7pPr marL="2743200" indent="0">
+              <a:buNone/>
+              <a:defRPr sz="1400">
+                <a:solidFill>
+                  <a:schemeClr val="tx1">
+                    <a:tint val="75000"/>
+                  </a:schemeClr>
+                </a:solidFill>
+              </a:defRPr>
+            </a:lvl7pPr>
+            <a:lvl8pPr marL="3200400" indent="0">
+              <a:buNone/>
+              <a:defRPr sz="1400">
+                <a:solidFill>
+                  <a:schemeClr val="tx1">
+                    <a:tint val="75000"/>
+                  </a:schemeClr>
+                </a:solidFill>
+              </a:defRPr>
+            </a:lvl8pPr>
+            <a:lvl9pPr marL="3657600" indent="0">
+              <a:buNone/>
+              <a:defRPr sz="1400">
+                <a:solidFill>
+                  <a:schemeClr val="tx1">
+                    <a:tint val="75000"/>
+                  </a:schemeClr>
+                </a:solidFill>
+              </a:defRPr>
+            </a:lvl9pPr>
+          </a:lstStyle>
+          <a:p>
+            <a:pPr lvl="0"/>
+            <a:r>
+              <a:rPr lang="en-US"/>
+              <a:t>Edit Master text styles</a:t>
+            </a:r>
+          </a:p>
+        </p:txBody>
+      </p:sp>
+      <p:sp>
+        <p:nvSpPr>
+          <p:cNvPr id="4" name="Date Placeholder 3"/>
+          <p:cNvSpPr>
+            <a:spLocks noGrp="1"/>
+          </p:cNvSpPr>
+          <p:nvPr>
+            <p:ph type="dt" sz="half" idx="10"/>
+          </p:nvPr>
+        </p:nvSpPr>
+        <p:spPr/>
+        <p:txBody>
+          <a:bodyPr/>
+          <a:lstStyle/>
+          <a:p>
+            <a:fld id="{5661C814-0C51-44D7-BAA9-105AE0B6C1A4}" type="datetimeFigureOut">
+              <a:rPr lang="en-US" smtClean="0"/>
+              <a:t>10/16/2016</a:t>
+            </a:fld>
+            <a:endParaRPr lang="en-US"/>
+          </a:p>
+        </p:txBody>
+      </p:sp>
+      <p:sp>
+        <p:nvSpPr>
+          <p:cNvPr id="5" name="Footer Placeholder 4"/>
+          <p:cNvSpPr>
+            <a:spLocks noGrp="1"/>
+          </p:cNvSpPr>
+          <p:nvPr>
+            <p:ph type="ftr" sz="quarter" idx="11"/>
+          </p:nvPr>
+        </p:nvSpPr>
+        <p:spPr/>
+        <p:txBody>
+          <a:bodyPr/>
+          <a:lstStyle/>
+          <a:p>
+            <a:endParaRPr lang="en-US"/>
+          </a:p>
+        </p:txBody>
+      </p:sp>
+      <p:sp>
+        <p:nvSpPr>
+          <p:cNvPr id="6" name="Slide Number Placeholder 5"/>
+          <p:cNvSpPr>
+            <a:spLocks noGrp="1"/>
+          </p:cNvSpPr>
+          <p:nvPr>
+            <p:ph type="sldNum" sz="quarter" idx="12"/>
+          </p:nvPr>
+        </p:nvSpPr>
+        <p:spPr/>
+        <p:txBody>
+          <a:bodyPr/>
+          <a:lstStyle/>
+          <a:p>
+            <a:fld id="{7302183B-179A-47B2-971D-B616AA9826AA}" type="slidenum">
+              <a:rPr lang="en-US" smtClean="0"/>
+              <a:t>‹#›</a:t>
+            </a:fld>
+            <a:endParaRPr lang="en-US"/>
+          </a:p>
+        </p:txBody>
+      </p:sp>
+      <p:sp>
+        <p:nvSpPr>
+          <p:cNvPr id="12" name="TextBox 11"/>
+          <p:cNvSpPr txBox="1"/>
+          <p:nvPr/>
+        </p:nvSpPr>
+        <p:spPr>
+          <a:xfrm>
+            <a:off x="862013" y="879961"/>
+            <a:ext cx="609600" cy="584776"/>
+          </a:xfrm>
+          <a:prstGeom prst="rect">
+            <a:avLst/>
+          </a:prstGeom>
+        </p:spPr>
+        <p:txBody>
+          <a:bodyPr vert="horz" lIns="91440" tIns="45720" rIns="91440" bIns="45720" rtlCol="0" anchor="ctr">
+            <a:noAutofit/>
+          </a:bodyPr>
+          <a:lstStyle/>
+          <a:p>
+            <a:pPr lvl="0"/>
+            <a:r>
+              <a:rPr lang="en-US" sz="8000" dirty="0">
+                <a:solidFill>
+                  <a:schemeClr val="tx1"/>
+                </a:solidFill>
+                <a:effectLst/>
+              </a:rPr>
+              <a:t>“</a:t>
+            </a:r>
+          </a:p>
+        </p:txBody>
+      </p:sp>
+      <p:sp>
+        <p:nvSpPr>
+          <p:cNvPr id="13" name="TextBox 12"/>
+          <p:cNvSpPr txBox="1"/>
+          <p:nvPr/>
+        </p:nvSpPr>
+        <p:spPr>
+          <a:xfrm>
+            <a:off x="10600267" y="2599261"/>
+            <a:ext cx="609600" cy="584776"/>
+          </a:xfrm>
+          <a:prstGeom prst="rect">
+            <a:avLst/>
+          </a:prstGeom>
+        </p:spPr>
+        <p:txBody>
+          <a:bodyPr vert="horz" lIns="91440" tIns="45720" rIns="91440" bIns="45720" rtlCol="0" anchor="ctr">
+            <a:noAutofit/>
+          </a:bodyPr>
+          <a:lstStyle/>
+          <a:p>
+            <a:pPr lvl="0" algn="r"/>
+            <a:r>
+              <a:rPr lang="en-US" sz="8000" dirty="0">
+                <a:solidFill>
+                  <a:schemeClr val="tx1"/>
+                </a:solidFill>
+                <a:effectLst/>
+              </a:rPr>
+              <a:t>”</a:t>
+            </a:r>
+          </a:p>
+        </p:txBody>
+      </p:sp>
+      <p:cxnSp>
+        <p:nvCxnSpPr>
+          <p:cNvPr id="26" name="Straight Connector 25"/>
+          <p:cNvCxnSpPr/>
+          <p:nvPr/>
+        </p:nvCxnSpPr>
+        <p:spPr>
+          <a:xfrm>
+            <a:off x="1396169" y="3429000"/>
+            <a:ext cx="9407298" cy="0"/>
+          </a:xfrm>
+          <a:prstGeom prst="line">
+            <a:avLst/>
+          </a:prstGeom>
+          <a:ln w="15875"/>
+        </p:spPr>
+        <p:style>
+          <a:lnRef idx="2">
+            <a:schemeClr val="accent1"/>
+          </a:lnRef>
+          <a:fillRef idx="0">
+            <a:schemeClr val="accent1"/>
+          </a:fillRef>
+          <a:effectRef idx="1">
+            <a:schemeClr val="accent1"/>
+          </a:effectRef>
+          <a:fontRef idx="minor">
+            <a:schemeClr val="tx1"/>
+          </a:fontRef>
+        </p:style>
+      </p:cxnSp>
+    </p:spTree>
+    <p:extLst>
+      <p:ext uri="{BB962C8B-B14F-4D97-AF65-F5344CB8AC3E}">
+        <p14:creationId xmlns:p14="http://schemas.microsoft.com/office/powerpoint/2010/main" val="3041640930"/>
+      </p:ext>
+    </p:extLst>
+  </p:cSld>
+  <p:clrMapOvr>
+    <a:masterClrMapping/>
+  </p:clrMapOvr>
+</p:sldLayout>
+</file>
+
+<file path=ppt/slideLayouts/slideLayout15.xml><?xml version="1.0" encoding="utf-8"?>
+<p:sldLayout xmlns:a="http://schemas.openxmlformats.org/drawingml/2006/main" xmlns:r="http://schemas.openxmlformats.org/officeDocument/2006/relationships" xmlns:p="http://schemas.openxmlformats.org/presentationml/2006/main" preserve="1">
+  <p:cSld name="True or False">
+    <p:spTree>
+      <p:nvGrpSpPr>
+        <p:cNvPr id="1" name=""/>
+        <p:cNvGrpSpPr/>
+        <p:nvPr/>
+      </p:nvGrpSpPr>
+      <p:grpSpPr>
+        <a:xfrm>
+          <a:off x="0" y="0"/>
+          <a:ext cx="0" cy="0"/>
+          <a:chOff x="0" y="0"/>
+          <a:chExt cx="0" cy="0"/>
+        </a:xfrm>
+      </p:grpSpPr>
+      <p:sp>
+        <p:nvSpPr>
+          <p:cNvPr id="2" name="Title 1"/>
+          <p:cNvSpPr>
+            <a:spLocks noGrp="1"/>
+          </p:cNvSpPr>
+          <p:nvPr>
+            <p:ph type="title"/>
+          </p:nvPr>
+        </p:nvSpPr>
+        <p:spPr>
+          <a:xfrm>
+            <a:off x="1295401" y="982132"/>
+            <a:ext cx="9609666" cy="2243668"/>
+          </a:xfrm>
+        </p:spPr>
+        <p:txBody>
+          <a:bodyPr vert="horz" lIns="91440" tIns="45720" rIns="91440" bIns="45720" rtlCol="0" anchor="ctr">
+            <a:normAutofit/>
+          </a:bodyPr>
+          <a:lstStyle>
+            <a:lvl1pPr>
+              <a:defRPr lang="en-US" b="0" dirty="0"/>
+            </a:lvl1pPr>
+          </a:lstStyle>
+          <a:p>
+            <a:pPr marL="0" lvl="0"/>
+            <a:r>
+              <a:rPr lang="en-US"/>
+              <a:t>Click to edit Master title style</a:t>
+            </a:r>
+            <a:endParaRPr lang="en-US" dirty="0"/>
+          </a:p>
+        </p:txBody>
+      </p:sp>
+      <p:sp>
+        <p:nvSpPr>
+          <p:cNvPr id="11" name="Text Placeholder 2"/>
+          <p:cNvSpPr>
+            <a:spLocks noGrp="1"/>
+          </p:cNvSpPr>
+          <p:nvPr>
+            <p:ph type="body" idx="13"/>
+          </p:nvPr>
+        </p:nvSpPr>
+        <p:spPr>
+          <a:xfrm>
+            <a:off x="1295401" y="3630168"/>
+            <a:ext cx="9609668" cy="841248"/>
+          </a:xfrm>
+        </p:spPr>
+        <p:txBody>
+          <a:bodyPr anchor="b">
+            <a:normAutofit/>
+          </a:bodyPr>
+          <a:lstStyle>
+            <a:lvl1pPr marL="0" indent="0" algn="l">
+              <a:spcBef>
+                <a:spcPts val="0"/>
+              </a:spcBef>
+              <a:buNone/>
+              <a:defRPr sz="2800">
+                <a:solidFill>
+                  <a:schemeClr val="tx1"/>
+                </a:solidFill>
+              </a:defRPr>
+            </a:lvl1pPr>
+            <a:lvl2pPr marL="457200" indent="0">
+              <a:buNone/>
+              <a:defRPr sz="1800">
+                <a:solidFill>
+                  <a:schemeClr val="tx1">
+                    <a:tint val="75000"/>
+                  </a:schemeClr>
+                </a:solidFill>
+              </a:defRPr>
+            </a:lvl2pPr>
+            <a:lvl3pPr marL="914400" indent="0">
+              <a:buNone/>
+              <a:defRPr sz="1600">
+                <a:solidFill>
+                  <a:schemeClr val="tx1">
+                    <a:tint val="75000"/>
+                  </a:schemeClr>
+                </a:solidFill>
+              </a:defRPr>
+            </a:lvl3pPr>
+            <a:lvl4pPr marL="1371600" indent="0">
+              <a:buNone/>
+              <a:defRPr sz="1400">
+                <a:solidFill>
+                  <a:schemeClr val="tx1">
+                    <a:tint val="75000"/>
+                  </a:schemeClr>
+                </a:solidFill>
+              </a:defRPr>
+            </a:lvl4pPr>
+            <a:lvl5pPr marL="1828800" indent="0">
+              <a:buNone/>
+              <a:defRPr sz="1400">
+                <a:solidFill>
+                  <a:schemeClr val="tx1">
+                    <a:tint val="75000"/>
+                  </a:schemeClr>
+                </a:solidFill>
+              </a:defRPr>
+            </a:lvl5pPr>
+            <a:lvl6pPr marL="2286000" indent="0">
+              <a:buNone/>
+              <a:defRPr sz="1400">
+                <a:solidFill>
+                  <a:schemeClr val="tx1">
+                    <a:tint val="75000"/>
+                  </a:schemeClr>
+                </a:solidFill>
+              </a:defRPr>
+            </a:lvl6pPr>
+            <a:lvl7pPr marL="2743200" indent="0">
+              <a:buNone/>
+              <a:defRPr sz="1400">
+                <a:solidFill>
+                  <a:schemeClr val="tx1">
+                    <a:tint val="75000"/>
+                  </a:schemeClr>
+                </a:solidFill>
+              </a:defRPr>
+            </a:lvl7pPr>
+            <a:lvl8pPr marL="3200400" indent="0">
+              <a:buNone/>
+              <a:defRPr sz="1400">
+                <a:solidFill>
+                  <a:schemeClr val="tx1">
+                    <a:tint val="75000"/>
+                  </a:schemeClr>
+                </a:solidFill>
+              </a:defRPr>
+            </a:lvl8pPr>
+            <a:lvl9pPr marL="3657600" indent="0">
+              <a:buNone/>
+              <a:defRPr sz="1400">
+                <a:solidFill>
+                  <a:schemeClr val="tx1">
+                    <a:tint val="75000"/>
+                  </a:schemeClr>
+                </a:solidFill>
+              </a:defRPr>
+            </a:lvl9pPr>
+          </a:lstStyle>
+          <a:p>
+            <a:pPr lvl="0"/>
+            <a:r>
+              <a:rPr lang="en-US"/>
+              <a:t>Edit Master text styles</a:t>
+            </a:r>
+          </a:p>
+        </p:txBody>
+      </p:sp>
+      <p:sp>
+        <p:nvSpPr>
+          <p:cNvPr id="3" name="Text Placeholder 2"/>
+          <p:cNvSpPr>
+            <a:spLocks noGrp="1"/>
+          </p:cNvSpPr>
+          <p:nvPr>
+            <p:ph type="body" idx="1"/>
+          </p:nvPr>
+        </p:nvSpPr>
+        <p:spPr>
+          <a:xfrm>
+            <a:off x="1295400" y="4470399"/>
+            <a:ext cx="9609670" cy="1405467"/>
+          </a:xfrm>
+        </p:spPr>
+        <p:txBody>
+          <a:bodyPr anchor="t">
+            <a:normAutofit/>
+          </a:bodyPr>
+          <a:lstStyle>
+            <a:lvl1pPr marL="0" indent="0" algn="l">
+              <a:buNone/>
+              <a:defRPr sz="1800">
+                <a:solidFill>
+                  <a:schemeClr val="tx1"/>
+                </a:solidFill>
+              </a:defRPr>
+            </a:lvl1pPr>
+            <a:lvl2pPr marL="457200" indent="0">
+              <a:buNone/>
+              <a:defRPr sz="1800">
+                <a:solidFill>
+                  <a:schemeClr val="tx1">
+                    <a:tint val="75000"/>
+                  </a:schemeClr>
+                </a:solidFill>
+              </a:defRPr>
+            </a:lvl2pPr>
+            <a:lvl3pPr marL="914400" indent="0">
+              <a:buNone/>
+              <a:defRPr sz="1600">
+                <a:solidFill>
+                  <a:schemeClr val="tx1">
+                    <a:tint val="75000"/>
+                  </a:schemeClr>
+                </a:solidFill>
+              </a:defRPr>
+            </a:lvl3pPr>
+            <a:lvl4pPr marL="1371600" indent="0">
+              <a:buNone/>
+              <a:defRPr sz="1400">
+                <a:solidFill>
+                  <a:schemeClr val="tx1">
+                    <a:tint val="75000"/>
+                  </a:schemeClr>
+                </a:solidFill>
+              </a:defRPr>
+            </a:lvl4pPr>
+            <a:lvl5pPr marL="1828800" indent="0">
+              <a:buNone/>
+              <a:defRPr sz="1400">
+                <a:solidFill>
+                  <a:schemeClr val="tx1">
+                    <a:tint val="75000"/>
+                  </a:schemeClr>
+                </a:solidFill>
+              </a:defRPr>
+            </a:lvl5pPr>
+            <a:lvl6pPr marL="2286000" indent="0">
+              <a:buNone/>
+              <a:defRPr sz="1400">
+                <a:solidFill>
+                  <a:schemeClr val="tx1">
+                    <a:tint val="75000"/>
+                  </a:schemeClr>
+                </a:solidFill>
+              </a:defRPr>
+            </a:lvl6pPr>
+            <a:lvl7pPr marL="2743200" indent="0">
+              <a:buNone/>
+              <a:defRPr sz="1400">
+                <a:solidFill>
+                  <a:schemeClr val="tx1">
+                    <a:tint val="75000"/>
+                  </a:schemeClr>
+                </a:solidFill>
+              </a:defRPr>
+            </a:lvl7pPr>
+            <a:lvl8pPr marL="3200400" indent="0">
+              <a:buNone/>
+              <a:defRPr sz="1400">
+                <a:solidFill>
+                  <a:schemeClr val="tx1">
+                    <a:tint val="75000"/>
+                  </a:schemeClr>
+                </a:solidFill>
+              </a:defRPr>
+            </a:lvl8pPr>
+            <a:lvl9pPr marL="3657600" indent="0">
+              <a:buNone/>
+              <a:defRPr sz="1400">
+                <a:solidFill>
+                  <a:schemeClr val="tx1">
+                    <a:tint val="75000"/>
+                  </a:schemeClr>
+                </a:solidFill>
+              </a:defRPr>
+            </a:lvl9pPr>
+          </a:lstStyle>
+          <a:p>
+            <a:pPr lvl="0"/>
+            <a:r>
+              <a:rPr lang="en-US"/>
+              <a:t>Edit Master text styles</a:t>
+            </a:r>
+          </a:p>
+        </p:txBody>
+      </p:sp>
+      <p:sp>
+        <p:nvSpPr>
+          <p:cNvPr id="4" name="Date Placeholder 3"/>
+          <p:cNvSpPr>
+            <a:spLocks noGrp="1"/>
+          </p:cNvSpPr>
+          <p:nvPr>
+            <p:ph type="dt" sz="half" idx="10"/>
+          </p:nvPr>
+        </p:nvSpPr>
+        <p:spPr/>
+        <p:txBody>
+          <a:bodyPr/>
+          <a:lstStyle/>
+          <a:p>
+            <a:fld id="{5661C814-0C51-44D7-BAA9-105AE0B6C1A4}" type="datetimeFigureOut">
+              <a:rPr lang="en-US" smtClean="0"/>
+              <a:t>10/16/2016</a:t>
+            </a:fld>
+            <a:endParaRPr lang="en-US"/>
+          </a:p>
+        </p:txBody>
+      </p:sp>
+      <p:sp>
+        <p:nvSpPr>
+          <p:cNvPr id="5" name="Footer Placeholder 4"/>
+          <p:cNvSpPr>
+            <a:spLocks noGrp="1"/>
+          </p:cNvSpPr>
+          <p:nvPr>
+            <p:ph type="ftr" sz="quarter" idx="11"/>
+          </p:nvPr>
+        </p:nvSpPr>
+        <p:spPr/>
+        <p:txBody>
+          <a:bodyPr/>
+          <a:lstStyle/>
+          <a:p>
+            <a:endParaRPr lang="en-US"/>
+          </a:p>
+        </p:txBody>
+      </p:sp>
+      <p:sp>
+        <p:nvSpPr>
+          <p:cNvPr id="6" name="Slide Number Placeholder 5"/>
+          <p:cNvSpPr>
+            <a:spLocks noGrp="1"/>
+          </p:cNvSpPr>
+          <p:nvPr>
+            <p:ph type="sldNum" sz="quarter" idx="12"/>
+          </p:nvPr>
+        </p:nvSpPr>
+        <p:spPr/>
+        <p:txBody>
+          <a:bodyPr/>
+          <a:lstStyle/>
+          <a:p>
+            <a:fld id="{7302183B-179A-47B2-971D-B616AA9826AA}" type="slidenum">
+              <a:rPr lang="en-US" smtClean="0"/>
+              <a:t>‹#›</a:t>
+            </a:fld>
+            <a:endParaRPr lang="en-US"/>
+          </a:p>
+        </p:txBody>
+      </p:sp>
+      <p:cxnSp>
+        <p:nvCxnSpPr>
+          <p:cNvPr id="15" name="Straight Connector 14"/>
+          <p:cNvCxnSpPr/>
+          <p:nvPr/>
+        </p:nvCxnSpPr>
+        <p:spPr>
+          <a:xfrm>
+            <a:off x="1396169" y="3429000"/>
+            <a:ext cx="9407298" cy="0"/>
+          </a:xfrm>
+          <a:prstGeom prst="line">
+            <a:avLst/>
+          </a:prstGeom>
+          <a:ln w="15875"/>
+        </p:spPr>
+        <p:style>
+          <a:lnRef idx="2">
+            <a:schemeClr val="accent1"/>
+          </a:lnRef>
+          <a:fillRef idx="0">
+            <a:schemeClr val="accent1"/>
+          </a:fillRef>
+          <a:effectRef idx="1">
+            <a:schemeClr val="accent1"/>
+          </a:effectRef>
+          <a:fontRef idx="minor">
+            <a:schemeClr val="tx1"/>
+          </a:fontRef>
+        </p:style>
+      </p:cxnSp>
+    </p:spTree>
+    <p:extLst>
+      <p:ext uri="{BB962C8B-B14F-4D97-AF65-F5344CB8AC3E}">
+        <p14:creationId xmlns:p14="http://schemas.microsoft.com/office/powerpoint/2010/main" val="1968800417"/>
+      </p:ext>
+    </p:extLst>
+  </p:cSld>
+  <p:clrMapOvr>
+    <a:masterClrMapping/>
+  </p:clrMapOvr>
+</p:sldLayout>
+</file>
+
+<file path=ppt/slideLayouts/slideLayout16.xml><?xml version="1.0" encoding="utf-8"?>
 <p:sldLayout xmlns:a="http://schemas.openxmlformats.org/drawingml/2006/main" xmlns:r="http://schemas.openxmlformats.org/officeDocument/2006/relationships" xmlns:p="http://schemas.openxmlformats.org/presentationml/2006/main" type="vertTx" preserve="1">
   <p:cSld name="Title and Vertical Text">
     <p:spTree>
@@ -340,12 +4187,17 @@
         <p:spPr/>
         <p:txBody>
           <a:bodyPr/>
-          <a:lstStyle/>
+          <a:lstStyle>
+            <a:lvl1pPr algn="ctr">
+              <a:defRPr/>
+            </a:lvl1pPr>
+          </a:lstStyle>
           <a:p>
             <a:r>
               <a:rPr lang="en-US"/>
               <a:t>Click to edit Master title style</a:t>
             </a:r>
+            <a:endParaRPr lang="en-US" dirty="0"/>
           </a:p>
         </p:txBody>
       </p:sp>
@@ -361,7 +4213,7 @@
         </p:nvSpPr>
         <p:spPr/>
         <p:txBody>
-          <a:bodyPr vert="eaVert"/>
+          <a:bodyPr vert="eaVert" anchor="t"/>
           <a:lstStyle/>
           <a:p>
             <a:pPr lvl="0"/>
@@ -397,6 +4249,7 @@
               <a:rPr lang="en-US"/>
               <a:t>Fifth level</a:t>
             </a:r>
+            <a:endParaRPr lang="en-US" dirty="0"/>
           </a:p>
         </p:txBody>
       </p:sp>
@@ -417,7 +4270,7 @@
           <a:p>
             <a:fld id="{5661C814-0C51-44D7-BAA9-105AE0B6C1A4}" type="datetimeFigureOut">
               <a:rPr lang="en-US" smtClean="0"/>
-              <a:t>10/7/2016</a:t>
+              <a:t>10/16/2016</a:t>
             </a:fld>
             <a:endParaRPr lang="en-US"/>
           </a:p>
@@ -465,10 +4318,41 @@
           </a:p>
         </p:txBody>
       </p:sp>
+      <p:cxnSp>
+        <p:nvCxnSpPr>
+          <p:cNvPr id="14" name="Straight Connector 13"/>
+          <p:cNvCxnSpPr/>
+          <p:nvPr/>
+        </p:nvCxnSpPr>
+        <p:spPr>
+          <a:xfrm>
+            <a:off x="1396169" y="2421466"/>
+            <a:ext cx="9407298" cy="0"/>
+          </a:xfrm>
+          <a:prstGeom prst="line">
+            <a:avLst/>
+          </a:prstGeom>
+          <a:ln w="15875"/>
+        </p:spPr>
+        <p:style>
+          <a:lnRef idx="2">
+            <a:schemeClr val="accent1"/>
+          </a:lnRef>
+          <a:fillRef idx="0">
+            <a:schemeClr val="accent1"/>
+          </a:fillRef>
+          <a:effectRef idx="1">
+            <a:schemeClr val="accent1"/>
+          </a:effectRef>
+          <a:fontRef idx="minor">
+            <a:schemeClr val="tx1"/>
+          </a:fontRef>
+        </p:style>
+      </p:cxnSp>
     </p:spTree>
     <p:extLst>
       <p:ext uri="{BB962C8B-B14F-4D97-AF65-F5344CB8AC3E}">
-        <p14:creationId xmlns:p14="http://schemas.microsoft.com/office/powerpoint/2010/main" val="1199264560"/>
+        <p14:creationId xmlns:p14="http://schemas.microsoft.com/office/powerpoint/2010/main" val="3192180771"/>
       </p:ext>
     </p:extLst>
   </p:cSld>
@@ -478,7 +4362,7 @@
 </p:sldLayout>
 </file>
 
-<file path=ppt/slideLayouts/slideLayout11.xml><?xml version="1.0" encoding="utf-8"?>
+<file path=ppt/slideLayouts/slideLayout17.xml><?xml version="1.0" encoding="utf-8"?>
 <p:sldLayout xmlns:a="http://schemas.openxmlformats.org/drawingml/2006/main" xmlns:r="http://schemas.openxmlformats.org/officeDocument/2006/relationships" xmlns:p="http://schemas.openxmlformats.org/presentationml/2006/main" type="vertTitleAndTx" preserve="1">
   <p:cSld name="Vertical Title and Text">
     <p:spTree>
@@ -507,8 +4391,8 @@
         </p:nvSpPr>
         <p:spPr>
           <a:xfrm>
-            <a:off x="8724900" y="365125"/>
-            <a:ext cx="2628900" cy="5811838"/>
+            <a:off x="8999356" y="982131"/>
+            <a:ext cx="1890895" cy="4893735"/>
           </a:xfrm>
         </p:spPr>
         <p:txBody>
@@ -519,6 +4403,7 @@
               <a:rPr lang="en-US"/>
               <a:t>Click to edit Master title style</a:t>
             </a:r>
+            <a:endParaRPr lang="en-US" dirty="0"/>
           </a:p>
         </p:txBody>
       </p:sp>
@@ -534,12 +4419,12 @@
         </p:nvSpPr>
         <p:spPr>
           <a:xfrm>
-            <a:off x="838200" y="365125"/>
-            <a:ext cx="7734300" cy="5811838"/>
+            <a:off x="1295398" y="982132"/>
+            <a:ext cx="7433025" cy="4893734"/>
           </a:xfrm>
         </p:spPr>
         <p:txBody>
-          <a:bodyPr vert="eaVert"/>
+          <a:bodyPr vert="eaVert" anchor="t"/>
           <a:lstStyle/>
           <a:p>
             <a:pPr lvl="0"/>
@@ -575,6 +4460,7 @@
               <a:rPr lang="en-US"/>
               <a:t>Fifth level</a:t>
             </a:r>
+            <a:endParaRPr lang="en-US" dirty="0"/>
           </a:p>
         </p:txBody>
       </p:sp>
@@ -595,7 +4481,7 @@
           <a:p>
             <a:fld id="{5661C814-0C51-44D7-BAA9-105AE0B6C1A4}" type="datetimeFigureOut">
               <a:rPr lang="en-US" smtClean="0"/>
-              <a:t>10/7/2016</a:t>
+              <a:t>10/16/2016</a:t>
             </a:fld>
             <a:endParaRPr lang="en-US"/>
           </a:p>
@@ -643,10 +4529,41 @@
           </a:p>
         </p:txBody>
       </p:sp>
+      <p:cxnSp>
+        <p:nvCxnSpPr>
+          <p:cNvPr id="14" name="Straight Connector 13"/>
+          <p:cNvCxnSpPr/>
+          <p:nvPr/>
+        </p:nvCxnSpPr>
+        <p:spPr>
+          <a:xfrm>
+            <a:off x="8863890" y="990600"/>
+            <a:ext cx="0" cy="4876800"/>
+          </a:xfrm>
+          <a:prstGeom prst="line">
+            <a:avLst/>
+          </a:prstGeom>
+          <a:ln w="15875"/>
+        </p:spPr>
+        <p:style>
+          <a:lnRef idx="2">
+            <a:schemeClr val="accent1"/>
+          </a:lnRef>
+          <a:fillRef idx="0">
+            <a:schemeClr val="accent1"/>
+          </a:fillRef>
+          <a:effectRef idx="1">
+            <a:schemeClr val="accent1"/>
+          </a:effectRef>
+          <a:fontRef idx="minor">
+            <a:schemeClr val="tx1"/>
+          </a:fontRef>
+        </p:style>
+      </p:cxnSp>
     </p:spTree>
     <p:extLst>
       <p:ext uri="{BB962C8B-B14F-4D97-AF65-F5344CB8AC3E}">
-        <p14:creationId xmlns:p14="http://schemas.microsoft.com/office/powerpoint/2010/main" val="77423069"/>
+        <p14:creationId xmlns:p14="http://schemas.microsoft.com/office/powerpoint/2010/main" val="4163675573"/>
       </p:ext>
     </p:extLst>
   </p:cSld>
@@ -673,6 +4590,36 @@
           <a:chExt cx="0" cy="0"/>
         </a:xfrm>
       </p:grpSpPr>
+      <p:cxnSp>
+        <p:nvCxnSpPr>
+          <p:cNvPr id="7" name="Straight Connector 6"/>
+          <p:cNvCxnSpPr/>
+          <p:nvPr/>
+        </p:nvCxnSpPr>
+        <p:spPr>
+          <a:xfrm>
+            <a:off x="1396169" y="2421466"/>
+            <a:ext cx="9407298" cy="0"/>
+          </a:xfrm>
+          <a:prstGeom prst="line">
+            <a:avLst/>
+          </a:prstGeom>
+        </p:spPr>
+        <p:style>
+          <a:lnRef idx="2">
+            <a:schemeClr val="accent1"/>
+          </a:lnRef>
+          <a:fillRef idx="0">
+            <a:schemeClr val="accent1"/>
+          </a:fillRef>
+          <a:effectRef idx="1">
+            <a:schemeClr val="accent1"/>
+          </a:effectRef>
+          <a:fontRef idx="minor">
+            <a:schemeClr val="tx1"/>
+          </a:fontRef>
+        </p:style>
+      </p:cxnSp>
       <p:sp>
         <p:nvSpPr>
           <p:cNvPr id="2" name="Title 1"/>
@@ -692,6 +4639,7 @@
               <a:rPr lang="en-US"/>
               <a:t>Click to edit Master title style</a:t>
             </a:r>
+            <a:endParaRPr lang="en-US" dirty="0"/>
           </a:p>
         </p:txBody>
       </p:sp>
@@ -743,6 +4691,7 @@
               <a:rPr lang="en-US"/>
               <a:t>Fifth level</a:t>
             </a:r>
+            <a:endParaRPr lang="en-US" dirty="0"/>
           </a:p>
         </p:txBody>
       </p:sp>
@@ -763,7 +4712,7 @@
           <a:p>
             <a:fld id="{5661C814-0C51-44D7-BAA9-105AE0B6C1A4}" type="datetimeFigureOut">
               <a:rPr lang="en-US" smtClean="0"/>
-              <a:t>10/7/2016</a:t>
+              <a:t>10/16/2016</a:t>
             </a:fld>
             <a:endParaRPr lang="en-US"/>
           </a:p>
@@ -814,7 +4763,7 @@
     </p:spTree>
     <p:extLst>
       <p:ext uri="{BB962C8B-B14F-4D97-AF65-F5344CB8AC3E}">
-        <p14:creationId xmlns:p14="http://schemas.microsoft.com/office/powerpoint/2010/main" val="567887368"/>
+        <p14:creationId xmlns:p14="http://schemas.microsoft.com/office/powerpoint/2010/main" val="2613210633"/>
       </p:ext>
     </p:extLst>
   </p:cSld>
@@ -853,15 +4802,17 @@
         </p:nvSpPr>
         <p:spPr>
           <a:xfrm>
-            <a:off x="831850" y="1709738"/>
-            <a:ext cx="10515600" cy="2852737"/>
+            <a:off x="2015069" y="1752606"/>
+            <a:ext cx="8158688" cy="1822514"/>
           </a:xfrm>
         </p:spPr>
         <p:txBody>
-          <a:bodyPr anchor="b"/>
+          <a:bodyPr anchor="b">
+            <a:normAutofit/>
+          </a:bodyPr>
           <a:lstStyle>
-            <a:lvl1pPr>
-              <a:defRPr sz="6000"/>
+            <a:lvl1pPr algn="ctr">
+              <a:defRPr sz="4400" b="0" cap="none"/>
             </a:lvl1pPr>
           </a:lstStyle>
           <a:p>
@@ -869,6 +4820,7 @@
               <a:rPr lang="en-US"/>
               <a:t>Click to edit Master title style</a:t>
             </a:r>
+            <a:endParaRPr lang="en-US" dirty="0"/>
           </a:p>
         </p:txBody>
       </p:sp>
@@ -884,26 +4836,26 @@
         </p:nvSpPr>
         <p:spPr>
           <a:xfrm>
-            <a:off x="831850" y="4589463"/>
-            <a:ext cx="10515600" cy="1500187"/>
+            <a:off x="2015067" y="3846051"/>
+            <a:ext cx="8158690" cy="954547"/>
           </a:xfrm>
         </p:spPr>
         <p:txBody>
-          <a:bodyPr/>
+          <a:bodyPr anchor="t">
+            <a:normAutofit/>
+          </a:bodyPr>
           <a:lstStyle>
-            <a:lvl1pPr marL="0" indent="0">
+            <a:lvl1pPr marL="0" indent="0" algn="ctr">
               <a:buNone/>
               <a:defRPr sz="2400">
                 <a:solidFill>
-                  <a:schemeClr val="tx1">
-                    <a:tint val="75000"/>
-                  </a:schemeClr>
+                  <a:schemeClr val="tx1"/>
                 </a:solidFill>
               </a:defRPr>
             </a:lvl1pPr>
             <a:lvl2pPr marL="457200" indent="0">
               <a:buNone/>
-              <a:defRPr sz="2000">
+              <a:defRPr sz="1800">
                 <a:solidFill>
                   <a:schemeClr val="tx1">
                     <a:tint val="75000"/>
@@ -913,7 +4865,7 @@
             </a:lvl2pPr>
             <a:lvl3pPr marL="914400" indent="0">
               <a:buNone/>
-              <a:defRPr sz="1800">
+              <a:defRPr sz="1600">
                 <a:solidFill>
                   <a:schemeClr val="tx1">
                     <a:tint val="75000"/>
@@ -923,7 +4875,7 @@
             </a:lvl3pPr>
             <a:lvl4pPr marL="1371600" indent="0">
               <a:buNone/>
-              <a:defRPr sz="1600">
+              <a:defRPr sz="1400">
                 <a:solidFill>
                   <a:schemeClr val="tx1">
                     <a:tint val="75000"/>
@@ -933,7 +4885,7 @@
             </a:lvl4pPr>
             <a:lvl5pPr marL="1828800" indent="0">
               <a:buNone/>
-              <a:defRPr sz="1600">
+              <a:defRPr sz="1400">
                 <a:solidFill>
                   <a:schemeClr val="tx1">
                     <a:tint val="75000"/>
@@ -943,7 +4895,7 @@
             </a:lvl5pPr>
             <a:lvl6pPr marL="2286000" indent="0">
               <a:buNone/>
-              <a:defRPr sz="1600">
+              <a:defRPr sz="1400">
                 <a:solidFill>
                   <a:schemeClr val="tx1">
                     <a:tint val="75000"/>
@@ -953,7 +4905,7 @@
             </a:lvl6pPr>
             <a:lvl7pPr marL="2743200" indent="0">
               <a:buNone/>
-              <a:defRPr sz="1600">
+              <a:defRPr sz="1400">
                 <a:solidFill>
                   <a:schemeClr val="tx1">
                     <a:tint val="75000"/>
@@ -963,7 +4915,7 @@
             </a:lvl7pPr>
             <a:lvl8pPr marL="3200400" indent="0">
               <a:buNone/>
-              <a:defRPr sz="1600">
+              <a:defRPr sz="1400">
                 <a:solidFill>
                   <a:schemeClr val="tx1">
                     <a:tint val="75000"/>
@@ -973,7 +4925,7 @@
             </a:lvl8pPr>
             <a:lvl9pPr marL="3657600" indent="0">
               <a:buNone/>
-              <a:defRPr sz="1600">
+              <a:defRPr sz="1400">
                 <a:solidFill>
                   <a:schemeClr val="tx1">
                     <a:tint val="75000"/>
@@ -1008,7 +4960,7 @@
           <a:p>
             <a:fld id="{5661C814-0C51-44D7-BAA9-105AE0B6C1A4}" type="datetimeFigureOut">
               <a:rPr lang="en-US" smtClean="0"/>
-              <a:t>10/7/2016</a:t>
+              <a:t>10/16/2016</a:t>
             </a:fld>
             <a:endParaRPr lang="en-US"/>
           </a:p>
@@ -1056,10 +5008,41 @@
           </a:p>
         </p:txBody>
       </p:sp>
+      <p:cxnSp>
+        <p:nvCxnSpPr>
+          <p:cNvPr id="16" name="Straight Connector 15"/>
+          <p:cNvCxnSpPr/>
+          <p:nvPr/>
+        </p:nvCxnSpPr>
+        <p:spPr>
+          <a:xfrm>
+            <a:off x="2012723" y="3710585"/>
+            <a:ext cx="8163380" cy="0"/>
+          </a:xfrm>
+          <a:prstGeom prst="line">
+            <a:avLst/>
+          </a:prstGeom>
+          <a:ln w="15875"/>
+        </p:spPr>
+        <p:style>
+          <a:lnRef idx="2">
+            <a:schemeClr val="accent1"/>
+          </a:lnRef>
+          <a:fillRef idx="0">
+            <a:schemeClr val="accent1"/>
+          </a:fillRef>
+          <a:effectRef idx="1">
+            <a:schemeClr val="accent1"/>
+          </a:effectRef>
+          <a:fontRef idx="minor">
+            <a:schemeClr val="tx1"/>
+          </a:fontRef>
+        </p:style>
+      </p:cxnSp>
     </p:spTree>
     <p:extLst>
       <p:ext uri="{BB962C8B-B14F-4D97-AF65-F5344CB8AC3E}">
-        <p14:creationId xmlns:p14="http://schemas.microsoft.com/office/powerpoint/2010/main" val="179270601"/>
+        <p14:creationId xmlns:p14="http://schemas.microsoft.com/office/powerpoint/2010/main" val="1892976895"/>
       </p:ext>
     </p:extLst>
   </p:cSld>
@@ -1086,6 +5069,37 @@
           <a:chExt cx="0" cy="0"/>
         </a:xfrm>
       </p:grpSpPr>
+      <p:cxnSp>
+        <p:nvCxnSpPr>
+          <p:cNvPr id="8" name="Straight Connector 7"/>
+          <p:cNvCxnSpPr/>
+          <p:nvPr/>
+        </p:nvCxnSpPr>
+        <p:spPr>
+          <a:xfrm>
+            <a:off x="1396169" y="2421466"/>
+            <a:ext cx="9407298" cy="0"/>
+          </a:xfrm>
+          <a:prstGeom prst="line">
+            <a:avLst/>
+          </a:prstGeom>
+          <a:ln w="15875"/>
+        </p:spPr>
+        <p:style>
+          <a:lnRef idx="2">
+            <a:schemeClr val="accent1"/>
+          </a:lnRef>
+          <a:fillRef idx="0">
+            <a:schemeClr val="accent1"/>
+          </a:fillRef>
+          <a:effectRef idx="1">
+            <a:schemeClr val="accent1"/>
+          </a:effectRef>
+          <a:fontRef idx="minor">
+            <a:schemeClr val="tx1"/>
+          </a:fontRef>
+        </p:style>
+      </p:cxnSp>
       <p:sp>
         <p:nvSpPr>
           <p:cNvPr id="2" name="Title 1"/>
@@ -1105,6 +5119,7 @@
               <a:rPr lang="en-US"/>
               <a:t>Click to edit Master title style</a:t>
             </a:r>
+            <a:endParaRPr lang="en-US" dirty="0"/>
           </a:p>
         </p:txBody>
       </p:sp>
@@ -1120,12 +5135,14 @@
         </p:nvSpPr>
         <p:spPr>
           <a:xfrm>
-            <a:off x="838200" y="1825625"/>
-            <a:ext cx="5181600" cy="4351338"/>
+            <a:off x="1298448" y="2560320"/>
+            <a:ext cx="4718304" cy="3310128"/>
           </a:xfrm>
         </p:spPr>
         <p:txBody>
-          <a:bodyPr/>
+          <a:bodyPr>
+            <a:normAutofit/>
+          </a:bodyPr>
           <a:lstStyle/>
           <a:p>
             <a:pPr lvl="0"/>
@@ -1161,6 +5178,7 @@
               <a:rPr lang="en-US"/>
               <a:t>Fifth level</a:t>
             </a:r>
+            <a:endParaRPr lang="en-US" dirty="0"/>
           </a:p>
         </p:txBody>
       </p:sp>
@@ -1176,12 +5194,14 @@
         </p:nvSpPr>
         <p:spPr>
           <a:xfrm>
-            <a:off x="6172200" y="1825625"/>
-            <a:ext cx="5181600" cy="4351338"/>
+            <a:off x="6181344" y="2560320"/>
+            <a:ext cx="4718304" cy="3310128"/>
           </a:xfrm>
         </p:spPr>
         <p:txBody>
-          <a:bodyPr/>
+          <a:bodyPr>
+            <a:normAutofit/>
+          </a:bodyPr>
           <a:lstStyle/>
           <a:p>
             <a:pPr lvl="0"/>
@@ -1217,6 +5237,7 @@
               <a:rPr lang="en-US"/>
               <a:t>Fifth level</a:t>
             </a:r>
+            <a:endParaRPr lang="en-US" dirty="0"/>
           </a:p>
         </p:txBody>
       </p:sp>
@@ -1237,7 +5258,7 @@
           <a:p>
             <a:fld id="{5661C814-0C51-44D7-BAA9-105AE0B6C1A4}" type="datetimeFigureOut">
               <a:rPr lang="en-US" smtClean="0"/>
-              <a:t>10/7/2016</a:t>
+              <a:t>10/16/2016</a:t>
             </a:fld>
             <a:endParaRPr lang="en-US"/>
           </a:p>
@@ -1288,7 +5309,7 @@
     </p:spTree>
     <p:extLst>
       <p:ext uri="{BB962C8B-B14F-4D97-AF65-F5344CB8AC3E}">
-        <p14:creationId xmlns:p14="http://schemas.microsoft.com/office/powerpoint/2010/main" val="3753887040"/>
+        <p14:creationId xmlns:p14="http://schemas.microsoft.com/office/powerpoint/2010/main" val="4161048087"/>
       </p:ext>
     </p:extLst>
   </p:cSld>
@@ -1325,45 +5346,51 @@
             <p:ph type="title"/>
           </p:nvPr>
         </p:nvSpPr>
+        <p:spPr/>
+        <p:txBody>
+          <a:bodyPr/>
+          <a:lstStyle>
+            <a:lvl1pPr>
+              <a:defRPr/>
+            </a:lvl1pPr>
+          </a:lstStyle>
+          <a:p>
+            <a:r>
+              <a:rPr lang="en-US"/>
+              <a:t>Click to edit Master title style</a:t>
+            </a:r>
+            <a:endParaRPr lang="en-US" dirty="0"/>
+          </a:p>
+        </p:txBody>
+      </p:sp>
+      <p:sp>
+        <p:nvSpPr>
+          <p:cNvPr id="3" name="Text Placeholder 2"/>
+          <p:cNvSpPr>
+            <a:spLocks noGrp="1"/>
+          </p:cNvSpPr>
+          <p:nvPr>
+            <p:ph type="body" idx="1"/>
+          </p:nvPr>
+        </p:nvSpPr>
         <p:spPr>
           <a:xfrm>
-            <a:off x="839788" y="365125"/>
-            <a:ext cx="10515600" cy="1325563"/>
+            <a:off x="1295400" y="2658533"/>
+            <a:ext cx="4718304" cy="576262"/>
           </a:xfrm>
         </p:spPr>
         <p:txBody>
-          <a:bodyPr/>
-          <a:lstStyle/>
-          <a:p>
-            <a:r>
-              <a:rPr lang="en-US"/>
-              <a:t>Click to edit Master title style</a:t>
-            </a:r>
-          </a:p>
-        </p:txBody>
-      </p:sp>
-      <p:sp>
-        <p:nvSpPr>
-          <p:cNvPr id="3" name="Text Placeholder 2"/>
-          <p:cNvSpPr>
-            <a:spLocks noGrp="1"/>
-          </p:cNvSpPr>
-          <p:nvPr>
-            <p:ph type="body" idx="1"/>
-          </p:nvPr>
-        </p:nvSpPr>
-        <p:spPr>
-          <a:xfrm>
-            <a:off x="839788" y="1681163"/>
-            <a:ext cx="5157787" cy="823912"/>
-          </a:xfrm>
-        </p:spPr>
-        <p:txBody>
-          <a:bodyPr anchor="b"/>
+          <a:bodyPr anchor="b">
+            <a:noAutofit/>
+          </a:bodyPr>
           <a:lstStyle>
             <a:lvl1pPr marL="0" indent="0">
               <a:buNone/>
-              <a:defRPr sz="2400" b="1"/>
+              <a:defRPr sz="2800" b="0">
+                <a:solidFill>
+                  <a:schemeClr val="accent1"/>
+                </a:solidFill>
+              </a:defRPr>
             </a:lvl1pPr>
             <a:lvl2pPr marL="457200" indent="0">
               <a:buNone/>
@@ -1419,12 +5446,14 @@
         </p:nvSpPr>
         <p:spPr>
           <a:xfrm>
-            <a:off x="839788" y="2505075"/>
-            <a:ext cx="5157787" cy="3684588"/>
+            <a:off x="1295400" y="3243262"/>
+            <a:ext cx="4718304" cy="2632605"/>
           </a:xfrm>
         </p:spPr>
         <p:txBody>
-          <a:bodyPr/>
+          <a:bodyPr anchor="t">
+            <a:normAutofit/>
+          </a:bodyPr>
           <a:lstStyle/>
           <a:p>
             <a:pPr lvl="0"/>
@@ -1460,6 +5489,7 @@
               <a:rPr lang="en-US"/>
               <a:t>Fifth level</a:t>
             </a:r>
+            <a:endParaRPr lang="en-US" dirty="0"/>
           </a:p>
         </p:txBody>
       </p:sp>
@@ -1475,16 +5505,22 @@
         </p:nvSpPr>
         <p:spPr>
           <a:xfrm>
-            <a:off x="6172200" y="1681163"/>
-            <a:ext cx="5183188" cy="823912"/>
+            <a:off x="6180671" y="2658533"/>
+            <a:ext cx="4718304" cy="576262"/>
           </a:xfrm>
         </p:spPr>
         <p:txBody>
-          <a:bodyPr anchor="b"/>
+          <a:bodyPr anchor="b">
+            <a:noAutofit/>
+          </a:bodyPr>
           <a:lstStyle>
             <a:lvl1pPr marL="0" indent="0">
               <a:buNone/>
-              <a:defRPr sz="2400" b="1"/>
+              <a:defRPr sz="2800" b="0">
+                <a:solidFill>
+                  <a:schemeClr val="accent1"/>
+                </a:solidFill>
+              </a:defRPr>
             </a:lvl1pPr>
             <a:lvl2pPr marL="457200" indent="0">
               <a:buNone/>
@@ -1540,12 +5576,14 @@
         </p:nvSpPr>
         <p:spPr>
           <a:xfrm>
-            <a:off x="6172200" y="2505075"/>
-            <a:ext cx="5183188" cy="3684588"/>
+            <a:off x="6180671" y="3243262"/>
+            <a:ext cx="4718304" cy="2632605"/>
           </a:xfrm>
         </p:spPr>
         <p:txBody>
-          <a:bodyPr/>
+          <a:bodyPr anchor="t">
+            <a:normAutofit/>
+          </a:bodyPr>
           <a:lstStyle/>
           <a:p>
             <a:pPr lvl="0"/>
@@ -1581,6 +5619,7 @@
               <a:rPr lang="en-US"/>
               <a:t>Fifth level</a:t>
             </a:r>
+            <a:endParaRPr lang="en-US" dirty="0"/>
           </a:p>
         </p:txBody>
       </p:sp>
@@ -1601,7 +5640,7 @@
           <a:p>
             <a:fld id="{5661C814-0C51-44D7-BAA9-105AE0B6C1A4}" type="datetimeFigureOut">
               <a:rPr lang="en-US" smtClean="0"/>
-              <a:t>10/7/2016</a:t>
+              <a:t>10/16/2016</a:t>
             </a:fld>
             <a:endParaRPr lang="en-US"/>
           </a:p>
@@ -1649,10 +5688,41 @@
           </a:p>
         </p:txBody>
       </p:sp>
+      <p:cxnSp>
+        <p:nvCxnSpPr>
+          <p:cNvPr id="18" name="Straight Connector 17"/>
+          <p:cNvCxnSpPr/>
+          <p:nvPr/>
+        </p:nvCxnSpPr>
+        <p:spPr>
+          <a:xfrm>
+            <a:off x="1396169" y="2421466"/>
+            <a:ext cx="9407298" cy="0"/>
+          </a:xfrm>
+          <a:prstGeom prst="line">
+            <a:avLst/>
+          </a:prstGeom>
+          <a:ln w="15875"/>
+        </p:spPr>
+        <p:style>
+          <a:lnRef idx="2">
+            <a:schemeClr val="accent1"/>
+          </a:lnRef>
+          <a:fillRef idx="0">
+            <a:schemeClr val="accent1"/>
+          </a:fillRef>
+          <a:effectRef idx="1">
+            <a:schemeClr val="accent1"/>
+          </a:effectRef>
+          <a:fontRef idx="minor">
+            <a:schemeClr val="tx1"/>
+          </a:fontRef>
+        </p:style>
+      </p:cxnSp>
     </p:spTree>
     <p:extLst>
       <p:ext uri="{BB962C8B-B14F-4D97-AF65-F5344CB8AC3E}">
-        <p14:creationId xmlns:p14="http://schemas.microsoft.com/office/powerpoint/2010/main" val="2511154332"/>
+        <p14:creationId xmlns:p14="http://schemas.microsoft.com/office/powerpoint/2010/main" val="4047849925"/>
       </p:ext>
     </p:extLst>
   </p:cSld>
@@ -1698,6 +5768,7 @@
               <a:rPr lang="en-US"/>
               <a:t>Click to edit Master title style</a:t>
             </a:r>
+            <a:endParaRPr lang="en-US" dirty="0"/>
           </a:p>
         </p:txBody>
       </p:sp>
@@ -1718,7 +5789,7 @@
           <a:p>
             <a:fld id="{5661C814-0C51-44D7-BAA9-105AE0B6C1A4}" type="datetimeFigureOut">
               <a:rPr lang="en-US" smtClean="0"/>
-              <a:t>10/7/2016</a:t>
+              <a:t>10/16/2016</a:t>
             </a:fld>
             <a:endParaRPr lang="en-US"/>
           </a:p>
@@ -1766,10 +5837,41 @@
           </a:p>
         </p:txBody>
       </p:sp>
+      <p:cxnSp>
+        <p:nvCxnSpPr>
+          <p:cNvPr id="14" name="Straight Connector 13"/>
+          <p:cNvCxnSpPr/>
+          <p:nvPr/>
+        </p:nvCxnSpPr>
+        <p:spPr>
+          <a:xfrm>
+            <a:off x="1396169" y="2421466"/>
+            <a:ext cx="9407298" cy="0"/>
+          </a:xfrm>
+          <a:prstGeom prst="line">
+            <a:avLst/>
+          </a:prstGeom>
+          <a:ln w="15875"/>
+        </p:spPr>
+        <p:style>
+          <a:lnRef idx="2">
+            <a:schemeClr val="accent1"/>
+          </a:lnRef>
+          <a:fillRef idx="0">
+            <a:schemeClr val="accent1"/>
+          </a:fillRef>
+          <a:effectRef idx="1">
+            <a:schemeClr val="accent1"/>
+          </a:effectRef>
+          <a:fontRef idx="minor">
+            <a:schemeClr val="tx1"/>
+          </a:fontRef>
+        </p:style>
+      </p:cxnSp>
     </p:spTree>
     <p:extLst>
       <p:ext uri="{BB962C8B-B14F-4D97-AF65-F5344CB8AC3E}">
-        <p14:creationId xmlns:p14="http://schemas.microsoft.com/office/powerpoint/2010/main" val="3304324844"/>
+        <p14:creationId xmlns:p14="http://schemas.microsoft.com/office/powerpoint/2010/main" val="693764004"/>
       </p:ext>
     </p:extLst>
   </p:cSld>
@@ -1813,7 +5915,7 @@
           <a:p>
             <a:fld id="{5661C814-0C51-44D7-BAA9-105AE0B6C1A4}" type="datetimeFigureOut">
               <a:rPr lang="en-US" smtClean="0"/>
-              <a:t>10/7/2016</a:t>
+              <a:t>10/16/2016</a:t>
             </a:fld>
             <a:endParaRPr lang="en-US"/>
           </a:p>
@@ -1864,7 +5966,7 @@
     </p:spTree>
     <p:extLst>
       <p:ext uri="{BB962C8B-B14F-4D97-AF65-F5344CB8AC3E}">
-        <p14:creationId xmlns:p14="http://schemas.microsoft.com/office/powerpoint/2010/main" val="278757081"/>
+        <p14:creationId xmlns:p14="http://schemas.microsoft.com/office/powerpoint/2010/main" val="3223451215"/>
       </p:ext>
     </p:extLst>
   </p:cSld>
@@ -1903,15 +6005,17 @@
         </p:nvSpPr>
         <p:spPr>
           <a:xfrm>
-            <a:off x="839788" y="457200"/>
-            <a:ext cx="3932237" cy="1600200"/>
+            <a:off x="1293811" y="1388534"/>
+            <a:ext cx="3718455" cy="1371600"/>
           </a:xfrm>
         </p:spPr>
         <p:txBody>
-          <a:bodyPr anchor="b"/>
+          <a:bodyPr anchor="b">
+            <a:normAutofit/>
+          </a:bodyPr>
           <a:lstStyle>
-            <a:lvl1pPr>
-              <a:defRPr sz="3200"/>
+            <a:lvl1pPr algn="ctr">
+              <a:defRPr sz="2400" b="0"/>
             </a:lvl1pPr>
           </a:lstStyle>
           <a:p>
@@ -1919,6 +6023,7 @@
               <a:rPr lang="en-US"/>
               <a:t>Click to edit Master title style</a:t>
             </a:r>
+            <a:endParaRPr lang="en-US" dirty="0"/>
           </a:p>
         </p:txBody>
       </p:sp>
@@ -1934,41 +6039,15 @@
         </p:nvSpPr>
         <p:spPr>
           <a:xfrm>
-            <a:off x="5183188" y="987425"/>
-            <a:ext cx="6172200" cy="4873625"/>
+            <a:off x="5418668" y="982131"/>
+            <a:ext cx="5469466" cy="4893735"/>
           </a:xfrm>
         </p:spPr>
         <p:txBody>
-          <a:bodyPr/>
-          <a:lstStyle>
-            <a:lvl1pPr>
-              <a:defRPr sz="3200"/>
-            </a:lvl1pPr>
-            <a:lvl2pPr>
-              <a:defRPr sz="2800"/>
-            </a:lvl2pPr>
-            <a:lvl3pPr>
-              <a:defRPr sz="2400"/>
-            </a:lvl3pPr>
-            <a:lvl4pPr>
-              <a:defRPr sz="2000"/>
-            </a:lvl4pPr>
-            <a:lvl5pPr>
-              <a:defRPr sz="2000"/>
-            </a:lvl5pPr>
-            <a:lvl6pPr>
-              <a:defRPr sz="2000"/>
-            </a:lvl6pPr>
-            <a:lvl7pPr>
-              <a:defRPr sz="2000"/>
-            </a:lvl7pPr>
-            <a:lvl8pPr>
-              <a:defRPr sz="2000"/>
-            </a:lvl8pPr>
-            <a:lvl9pPr>
-              <a:defRPr sz="2000"/>
-            </a:lvl9pPr>
-          </a:lstStyle>
+          <a:bodyPr anchor="ctr">
+            <a:normAutofit/>
+          </a:bodyPr>
+          <a:lstStyle/>
           <a:p>
             <a:pPr lvl="0"/>
             <a:r>
@@ -2003,6 +6082,7 @@
               <a:rPr lang="en-US"/>
               <a:t>Fifth level</a:t>
             </a:r>
+            <a:endParaRPr lang="en-US" dirty="0"/>
           </a:p>
         </p:txBody>
       </p:sp>
@@ -2018,48 +6098,50 @@
         </p:nvSpPr>
         <p:spPr>
           <a:xfrm>
-            <a:off x="839788" y="2057400"/>
-            <a:ext cx="3932237" cy="3811588"/>
+            <a:off x="1293811" y="3031065"/>
+            <a:ext cx="3718455" cy="2438404"/>
           </a:xfrm>
         </p:spPr>
         <p:txBody>
-          <a:bodyPr/>
+          <a:bodyPr anchor="t">
+            <a:normAutofit/>
+          </a:bodyPr>
           <a:lstStyle>
-            <a:lvl1pPr marL="0" indent="0">
+            <a:lvl1pPr marL="0" indent="0" algn="ctr">
               <a:buNone/>
               <a:defRPr sz="1600"/>
             </a:lvl1pPr>
             <a:lvl2pPr marL="457200" indent="0">
               <a:buNone/>
-              <a:defRPr sz="1400"/>
+              <a:defRPr sz="1200"/>
             </a:lvl2pPr>
             <a:lvl3pPr marL="914400" indent="0">
               <a:buNone/>
-              <a:defRPr sz="1200"/>
+              <a:defRPr sz="1000"/>
             </a:lvl3pPr>
             <a:lvl4pPr marL="1371600" indent="0">
               <a:buNone/>
-              <a:defRPr sz="1000"/>
+              <a:defRPr sz="900"/>
             </a:lvl4pPr>
             <a:lvl5pPr marL="1828800" indent="0">
               <a:buNone/>
-              <a:defRPr sz="1000"/>
+              <a:defRPr sz="900"/>
             </a:lvl5pPr>
             <a:lvl6pPr marL="2286000" indent="0">
               <a:buNone/>
-              <a:defRPr sz="1000"/>
+              <a:defRPr sz="900"/>
             </a:lvl6pPr>
             <a:lvl7pPr marL="2743200" indent="0">
               <a:buNone/>
-              <a:defRPr sz="1000"/>
+              <a:defRPr sz="900"/>
             </a:lvl7pPr>
             <a:lvl8pPr marL="3200400" indent="0">
               <a:buNone/>
-              <a:defRPr sz="1000"/>
+              <a:defRPr sz="900"/>
             </a:lvl8pPr>
             <a:lvl9pPr marL="3657600" indent="0">
               <a:buNone/>
-              <a:defRPr sz="1000"/>
+              <a:defRPr sz="900"/>
             </a:lvl9pPr>
           </a:lstStyle>
           <a:p>
@@ -2088,7 +6170,7 @@
           <a:p>
             <a:fld id="{5661C814-0C51-44D7-BAA9-105AE0B6C1A4}" type="datetimeFigureOut">
               <a:rPr lang="en-US" smtClean="0"/>
-              <a:t>10/7/2016</a:t>
+              <a:t>10/16/2016</a:t>
             </a:fld>
             <a:endParaRPr lang="en-US"/>
           </a:p>
@@ -2136,10 +6218,41 @@
           </a:p>
         </p:txBody>
       </p:sp>
+      <p:cxnSp>
+        <p:nvCxnSpPr>
+          <p:cNvPr id="16" name="Straight Connector 15"/>
+          <p:cNvCxnSpPr/>
+          <p:nvPr/>
+        </p:nvCxnSpPr>
+        <p:spPr>
+          <a:xfrm>
+            <a:off x="1396169" y="2912533"/>
+            <a:ext cx="3514498" cy="0"/>
+          </a:xfrm>
+          <a:prstGeom prst="line">
+            <a:avLst/>
+          </a:prstGeom>
+          <a:ln w="15875"/>
+        </p:spPr>
+        <p:style>
+          <a:lnRef idx="2">
+            <a:schemeClr val="accent1"/>
+          </a:lnRef>
+          <a:fillRef idx="0">
+            <a:schemeClr val="accent1"/>
+          </a:fillRef>
+          <a:effectRef idx="1">
+            <a:schemeClr val="accent1"/>
+          </a:effectRef>
+          <a:fontRef idx="minor">
+            <a:schemeClr val="tx1"/>
+          </a:fontRef>
+        </p:style>
+      </p:cxnSp>
     </p:spTree>
     <p:extLst>
       <p:ext uri="{BB962C8B-B14F-4D97-AF65-F5344CB8AC3E}">
-        <p14:creationId xmlns:p14="http://schemas.microsoft.com/office/powerpoint/2010/main" val="3868803768"/>
+        <p14:creationId xmlns:p14="http://schemas.microsoft.com/office/powerpoint/2010/main" val="2746879654"/>
       </p:ext>
     </p:extLst>
   </p:cSld>
@@ -2178,15 +6291,17 @@
         </p:nvSpPr>
         <p:spPr>
           <a:xfrm>
-            <a:off x="839788" y="457200"/>
-            <a:ext cx="3932237" cy="1600200"/>
+            <a:off x="1295399" y="1883832"/>
+            <a:ext cx="6241816" cy="1371600"/>
           </a:xfrm>
         </p:spPr>
         <p:txBody>
-          <a:bodyPr anchor="b"/>
+          <a:bodyPr anchor="b">
+            <a:normAutofit/>
+          </a:bodyPr>
           <a:lstStyle>
-            <a:lvl1pPr>
-              <a:defRPr sz="3200"/>
+            <a:lvl1pPr algn="ctr">
+              <a:defRPr sz="2800" b="0"/>
             </a:lvl1pPr>
           </a:lstStyle>
           <a:p>
@@ -2194,14 +6309,15 @@
               <a:rPr lang="en-US"/>
               <a:t>Click to edit Master title style</a:t>
             </a:r>
-          </a:p>
-        </p:txBody>
-      </p:sp>
-      <p:sp>
-        <p:nvSpPr>
-          <p:cNvPr id="3" name="Picture Placeholder 2"/>
-          <p:cNvSpPr>
-            <a:spLocks noGrp="1"/>
+            <a:endParaRPr lang="en-US" dirty="0"/>
+          </a:p>
+        </p:txBody>
+      </p:sp>
+      <p:sp>
+        <p:nvSpPr>
+          <p:cNvPr id="17" name="Picture Placeholder 2"/>
+          <p:cNvSpPr>
+            <a:spLocks noGrp="1" noChangeAspect="1"/>
           </p:cNvSpPr>
           <p:nvPr>
             <p:ph type="pic" idx="1"/>
@@ -2209,112 +6325,141 @@
         </p:nvSpPr>
         <p:spPr>
           <a:xfrm>
-            <a:off x="5183188" y="987425"/>
-            <a:ext cx="6172200" cy="4873625"/>
+            <a:off x="8094831" y="1041400"/>
+            <a:ext cx="3063347" cy="4775200"/>
           </a:xfrm>
+          <a:prstGeom prst="roundRect">
+            <a:avLst>
+              <a:gd name="adj" fmla="val 0"/>
+            </a:avLst>
+          </a:prstGeom>
+          <a:ln w="57150" cmpd="thickThin">
+            <a:solidFill>
+              <a:schemeClr val="tx1">
+                <a:lumMod val="50000"/>
+                <a:lumOff val="50000"/>
+              </a:schemeClr>
+            </a:solidFill>
+            <a:miter lim="800000"/>
+          </a:ln>
+          <a:effectLst>
+            <a:innerShdw blurRad="57150" dist="38100" dir="14460000">
+              <a:srgbClr val="000000">
+                <a:alpha val="70000"/>
+              </a:srgbClr>
+            </a:innerShdw>
+          </a:effectLst>
         </p:spPr>
         <p:txBody>
-          <a:bodyPr/>
+          <a:bodyPr anchor="t">
+            <a:normAutofit/>
+          </a:bodyPr>
           <a:lstStyle>
-            <a:lvl1pPr marL="0" indent="0">
-              <a:buNone/>
-              <a:defRPr sz="3200"/>
-            </a:lvl1pPr>
-            <a:lvl2pPr marL="457200" indent="0">
-              <a:buNone/>
-              <a:defRPr sz="2800"/>
-            </a:lvl2pPr>
-            <a:lvl3pPr marL="914400" indent="0">
-              <a:buNone/>
-              <a:defRPr sz="2400"/>
-            </a:lvl3pPr>
-            <a:lvl4pPr marL="1371600" indent="0">
-              <a:buNone/>
-              <a:defRPr sz="2000"/>
-            </a:lvl4pPr>
-            <a:lvl5pPr marL="1828800" indent="0">
-              <a:buNone/>
-              <a:defRPr sz="2000"/>
-            </a:lvl5pPr>
-            <a:lvl6pPr marL="2286000" indent="0">
-              <a:buNone/>
-              <a:defRPr sz="2000"/>
-            </a:lvl6pPr>
-            <a:lvl7pPr marL="2743200" indent="0">
-              <a:buNone/>
-              <a:defRPr sz="2000"/>
-            </a:lvl7pPr>
-            <a:lvl8pPr marL="3200400" indent="0">
-              <a:buNone/>
-              <a:defRPr sz="2000"/>
-            </a:lvl8pPr>
-            <a:lvl9pPr marL="3657600" indent="0">
-              <a:buNone/>
-              <a:defRPr sz="2000"/>
-            </a:lvl9pPr>
-          </a:lstStyle>
-          <a:p>
-            <a:endParaRPr lang="en-US"/>
-          </a:p>
-        </p:txBody>
-      </p:sp>
-      <p:sp>
-        <p:nvSpPr>
-          <p:cNvPr id="4" name="Text Placeholder 3"/>
-          <p:cNvSpPr>
-            <a:spLocks noGrp="1"/>
-          </p:cNvSpPr>
-          <p:nvPr>
-            <p:ph type="body" sz="half" idx="2"/>
-          </p:nvPr>
-        </p:nvSpPr>
-        <p:spPr>
-          <a:xfrm>
-            <a:off x="839788" y="2057400"/>
-            <a:ext cx="3932237" cy="3811588"/>
-          </a:xfrm>
-        </p:spPr>
-        <p:txBody>
-          <a:bodyPr/>
-          <a:lstStyle>
-            <a:lvl1pPr marL="0" indent="0">
+            <a:lvl1pPr marL="0" indent="0" algn="ctr">
               <a:buNone/>
               <a:defRPr sz="1600"/>
             </a:lvl1pPr>
             <a:lvl2pPr marL="457200" indent="0">
               <a:buNone/>
-              <a:defRPr sz="1400"/>
+              <a:defRPr sz="1600"/>
             </a:lvl2pPr>
             <a:lvl3pPr marL="914400" indent="0">
               <a:buNone/>
-              <a:defRPr sz="1200"/>
+              <a:defRPr sz="1600"/>
             </a:lvl3pPr>
             <a:lvl4pPr marL="1371600" indent="0">
               <a:buNone/>
-              <a:defRPr sz="1000"/>
+              <a:defRPr sz="1600"/>
             </a:lvl4pPr>
             <a:lvl5pPr marL="1828800" indent="0">
               <a:buNone/>
-              <a:defRPr sz="1000"/>
+              <a:defRPr sz="1600"/>
             </a:lvl5pPr>
             <a:lvl6pPr marL="2286000" indent="0">
               <a:buNone/>
-              <a:defRPr sz="1000"/>
+              <a:defRPr sz="1600"/>
             </a:lvl6pPr>
             <a:lvl7pPr marL="2743200" indent="0">
               <a:buNone/>
-              <a:defRPr sz="1000"/>
+              <a:defRPr sz="1600"/>
             </a:lvl7pPr>
             <a:lvl8pPr marL="3200400" indent="0">
               <a:buNone/>
-              <a:defRPr sz="1000"/>
+              <a:defRPr sz="1600"/>
             </a:lvl8pPr>
             <a:lvl9pPr marL="3657600" indent="0">
               <a:buNone/>
-              <a:defRPr sz="1000"/>
+              <a:defRPr sz="1600"/>
             </a:lvl9pPr>
           </a:lstStyle>
           <a:p>
+            <a:r>
+              <a:rPr lang="en-US"/>
+              <a:t>Click icon to add picture</a:t>
+            </a:r>
+            <a:endParaRPr lang="en-US" dirty="0"/>
+          </a:p>
+        </p:txBody>
+      </p:sp>
+      <p:sp>
+        <p:nvSpPr>
+          <p:cNvPr id="4" name="Text Placeholder 3"/>
+          <p:cNvSpPr>
+            <a:spLocks noGrp="1"/>
+          </p:cNvSpPr>
+          <p:nvPr>
+            <p:ph type="body" sz="half" idx="2"/>
+          </p:nvPr>
+        </p:nvSpPr>
+        <p:spPr>
+          <a:xfrm>
+            <a:off x="1295399" y="3255432"/>
+            <a:ext cx="6241816" cy="1828800"/>
+          </a:xfrm>
+        </p:spPr>
+        <p:txBody>
+          <a:bodyPr anchor="t">
+            <a:normAutofit/>
+          </a:bodyPr>
+          <a:lstStyle>
+            <a:lvl1pPr marL="0" indent="0" algn="ctr">
+              <a:buNone/>
+              <a:defRPr sz="1800"/>
+            </a:lvl1pPr>
+            <a:lvl2pPr marL="457200" indent="0">
+              <a:buNone/>
+              <a:defRPr sz="1200"/>
+            </a:lvl2pPr>
+            <a:lvl3pPr marL="914400" indent="0">
+              <a:buNone/>
+              <a:defRPr sz="1000"/>
+            </a:lvl3pPr>
+            <a:lvl4pPr marL="1371600" indent="0">
+              <a:buNone/>
+              <a:defRPr sz="900"/>
+            </a:lvl4pPr>
+            <a:lvl5pPr marL="1828800" indent="0">
+              <a:buNone/>
+              <a:defRPr sz="900"/>
+            </a:lvl5pPr>
+            <a:lvl6pPr marL="2286000" indent="0">
+              <a:buNone/>
+              <a:defRPr sz="900"/>
+            </a:lvl6pPr>
+            <a:lvl7pPr marL="2743200" indent="0">
+              <a:buNone/>
+              <a:defRPr sz="900"/>
+            </a:lvl7pPr>
+            <a:lvl8pPr marL="3200400" indent="0">
+              <a:buNone/>
+              <a:defRPr sz="900"/>
+            </a:lvl8pPr>
+            <a:lvl9pPr marL="3657600" indent="0">
+              <a:buNone/>
+              <a:defRPr sz="900"/>
+            </a:lvl9pPr>
+          </a:lstStyle>
+          <a:p>
             <a:pPr lvl="0"/>
             <a:r>
               <a:rPr lang="en-US"/>
@@ -2340,7 +6485,7 @@
           <a:p>
             <a:fld id="{5661C814-0C51-44D7-BAA9-105AE0B6C1A4}" type="datetimeFigureOut">
               <a:rPr lang="en-US" smtClean="0"/>
-              <a:t>10/7/2016</a:t>
+              <a:t>10/16/2016</a:t>
             </a:fld>
             <a:endParaRPr lang="en-US"/>
           </a:p>
@@ -2391,7 +6536,7 @@
     </p:spTree>
     <p:extLst>
       <p:ext uri="{BB962C8B-B14F-4D97-AF65-F5344CB8AC3E}">
-        <p14:creationId xmlns:p14="http://schemas.microsoft.com/office/powerpoint/2010/main" val="1568914188"/>
+        <p14:creationId xmlns:p14="http://schemas.microsoft.com/office/powerpoint/2010/main" val="647388599"/>
       </p:ext>
     </p:extLst>
   </p:cSld>
@@ -2405,7 +6550,7 @@
 <p:sldMaster xmlns:a="http://schemas.openxmlformats.org/drawingml/2006/main" xmlns:r="http://schemas.openxmlformats.org/officeDocument/2006/relationships" xmlns:p="http://schemas.openxmlformats.org/presentationml/2006/main">
   <p:cSld>
     <p:bg>
-      <p:bgRef idx="1001">
+      <p:bgRef idx="1003">
         <a:schemeClr val="bg1"/>
       </p:bgRef>
     </p:bg>
@@ -2423,25 +6568,56 @@
           <a:chExt cx="0" cy="0"/>
         </a:xfrm>
       </p:grpSpPr>
-      <p:sp>
-        <p:nvSpPr>
-          <p:cNvPr id="2" name="Title Placeholder 1"/>
-          <p:cNvSpPr>
-            <a:spLocks noGrp="1"/>
-          </p:cNvSpPr>
-          <p:nvPr>
-            <p:ph type="title"/>
-          </p:nvPr>
-        </p:nvSpPr>
+      <p:pic>
+        <p:nvPicPr>
+          <p:cNvPr id="7" name="Picture 6" descr="HD-PanelContent-GrommetsCombined.png"/>
+          <p:cNvPicPr>
+            <a:picLocks noChangeAspect="1"/>
+          </p:cNvPicPr>
+          <p:nvPr/>
+        </p:nvPicPr>
+        <p:blipFill>
+          <a:blip r:embed="rId19">
+            <a:extLst>
+              <a:ext uri="{28A0092B-C50C-407E-A947-70E740481C1C}">
+                <a14:useLocalDpi xmlns:a14="http://schemas.microsoft.com/office/drawing/2010/main" val="0"/>
+              </a:ext>
+            </a:extLst>
+          </a:blip>
+          <a:stretch>
+            <a:fillRect/>
+          </a:stretch>
+        </p:blipFill>
         <p:spPr>
           <a:xfrm>
-            <a:off x="838200" y="365125"/>
-            <a:ext cx="10515600" cy="1325563"/>
+            <a:off x="0" y="0"/>
+            <a:ext cx="12188825" cy="6856214"/>
           </a:xfrm>
           <a:prstGeom prst="rect">
             <a:avLst/>
           </a:prstGeom>
         </p:spPr>
+      </p:pic>
+      <p:sp>
+        <p:nvSpPr>
+          <p:cNvPr id="2" name="Title Placeholder 1"/>
+          <p:cNvSpPr>
+            <a:spLocks noGrp="1"/>
+          </p:cNvSpPr>
+          <p:nvPr>
+            <p:ph type="title"/>
+          </p:nvPr>
+        </p:nvSpPr>
+        <p:spPr>
+          <a:xfrm>
+            <a:off x="1295402" y="982132"/>
+            <a:ext cx="9601196" cy="1303867"/>
+          </a:xfrm>
+          <a:prstGeom prst="rect">
+            <a:avLst/>
+          </a:prstGeom>
+          <a:effectLst/>
+        </p:spPr>
         <p:txBody>
           <a:bodyPr vert="horz" lIns="91440" tIns="45720" rIns="91440" bIns="45720" rtlCol="0" anchor="ctr">
             <a:normAutofit/>
@@ -2452,6 +6628,7 @@
               <a:rPr lang="en-US"/>
               <a:t>Click to edit Master title style</a:t>
             </a:r>
+            <a:endParaRPr lang="en-US" dirty="0"/>
           </a:p>
         </p:txBody>
       </p:sp>
@@ -2467,15 +6644,15 @@
         </p:nvSpPr>
         <p:spPr>
           <a:xfrm>
-            <a:off x="838200" y="1825625"/>
-            <a:ext cx="10515600" cy="4351338"/>
+            <a:off x="1295401" y="2556932"/>
+            <a:ext cx="9601196" cy="3318936"/>
           </a:xfrm>
           <a:prstGeom prst="rect">
             <a:avLst/>
           </a:prstGeom>
         </p:spPr>
         <p:txBody>
-          <a:bodyPr vert="horz" lIns="91440" tIns="45720" rIns="91440" bIns="45720" rtlCol="0">
+          <a:bodyPr vert="horz" lIns="91440" tIns="45720" rIns="91440" bIns="45720" rtlCol="0" anchor="t">
             <a:normAutofit/>
           </a:bodyPr>
           <a:lstStyle/>
@@ -2513,6 +6690,7 @@
               <a:rPr lang="en-US"/>
               <a:t>Fifth level</a:t>
             </a:r>
+            <a:endParaRPr lang="en-US" dirty="0"/>
           </a:p>
         </p:txBody>
       </p:sp>
@@ -2528,8 +6706,8 @@
         </p:nvSpPr>
         <p:spPr>
           <a:xfrm>
-            <a:off x="838200" y="6356350"/>
-            <a:ext cx="2743200" cy="365125"/>
+            <a:off x="8677501" y="5969000"/>
+            <a:ext cx="1600200" cy="279400"/>
           </a:xfrm>
           <a:prstGeom prst="rect">
             <a:avLst/>
@@ -2538,20 +6716,20 @@
         <p:txBody>
           <a:bodyPr vert="horz" lIns="91440" tIns="45720" rIns="91440" bIns="45720" rtlCol="0" anchor="ctr"/>
           <a:lstStyle>
-            <a:lvl1pPr algn="l">
-              <a:defRPr sz="1200">
+            <a:lvl1pPr algn="r">
+              <a:defRPr sz="1000" b="0" i="0">
                 <a:solidFill>
-                  <a:schemeClr val="tx1">
-                    <a:tint val="75000"/>
-                  </a:schemeClr>
+                  <a:schemeClr val="tx1"/>
                 </a:solidFill>
+                <a:effectLst/>
+                <a:latin typeface="+mn-lt"/>
               </a:defRPr>
             </a:lvl1pPr>
           </a:lstStyle>
           <a:p>
             <a:fld id="{5661C814-0C51-44D7-BAA9-105AE0B6C1A4}" type="datetimeFigureOut">
               <a:rPr lang="en-US" smtClean="0"/>
-              <a:t>10/7/2016</a:t>
+              <a:t>10/16/2016</a:t>
             </a:fld>
             <a:endParaRPr lang="en-US"/>
           </a:p>
@@ -2569,8 +6747,8 @@
         </p:nvSpPr>
         <p:spPr>
           <a:xfrm>
-            <a:off x="4038600" y="6356350"/>
-            <a:ext cx="4114800" cy="365125"/>
+            <a:off x="1295401" y="5969000"/>
+            <a:ext cx="7305900" cy="279400"/>
           </a:xfrm>
           <a:prstGeom prst="rect">
             <a:avLst/>
@@ -2579,13 +6757,13 @@
         <p:txBody>
           <a:bodyPr vert="horz" lIns="91440" tIns="45720" rIns="91440" bIns="45720" rtlCol="0" anchor="ctr"/>
           <a:lstStyle>
-            <a:lvl1pPr algn="ctr">
-              <a:defRPr sz="1200">
+            <a:lvl1pPr algn="l">
+              <a:defRPr sz="1000" b="0" i="0">
                 <a:solidFill>
-                  <a:schemeClr val="tx1">
-                    <a:tint val="75000"/>
-                  </a:schemeClr>
+                  <a:schemeClr val="tx1"/>
                 </a:solidFill>
+                <a:effectLst/>
+                <a:latin typeface="+mn-lt"/>
               </a:defRPr>
             </a:lvl1pPr>
           </a:lstStyle>
@@ -2606,8 +6784,8 @@
         </p:nvSpPr>
         <p:spPr>
           <a:xfrm>
-            <a:off x="8610600" y="6356350"/>
-            <a:ext cx="2743200" cy="365125"/>
+            <a:off x="10353901" y="5969000"/>
+            <a:ext cx="542697" cy="279400"/>
           </a:xfrm>
           <a:prstGeom prst="rect">
             <a:avLst/>
@@ -2617,12 +6795,12 @@
           <a:bodyPr vert="horz" lIns="91440" tIns="45720" rIns="91440" bIns="45720" rtlCol="0" anchor="ctr"/>
           <a:lstStyle>
             <a:lvl1pPr algn="r">
-              <a:defRPr sz="1200">
+              <a:defRPr sz="1000" b="0" i="0">
                 <a:solidFill>
-                  <a:schemeClr val="tx1">
-                    <a:tint val="75000"/>
-                  </a:schemeClr>
+                  <a:schemeClr val="tx1"/>
                 </a:solidFill>
+                <a:effectLst/>
+                <a:latin typeface="+mn-lt"/>
               </a:defRPr>
             </a:lvl1pPr>
           </a:lstStyle>
@@ -2638,202 +6816,340 @@
     </p:spTree>
     <p:extLst>
       <p:ext uri="{BB962C8B-B14F-4D97-AF65-F5344CB8AC3E}">
-        <p14:creationId xmlns:p14="http://schemas.microsoft.com/office/powerpoint/2010/main" val="2214759667"/>
+        <p14:creationId xmlns:p14="http://schemas.microsoft.com/office/powerpoint/2010/main" val="2569801851"/>
       </p:ext>
     </p:extLst>
   </p:cSld>
   <p:clrMap bg1="lt1" tx1="dk1" bg2="lt2" tx2="dk2" accent1="accent1" accent2="accent2" accent3="accent3" accent4="accent4" accent5="accent5" accent6="accent6" hlink="hlink" folHlink="folHlink"/>
   <p:sldLayoutIdLst>
-    <p:sldLayoutId id="2147483649" r:id="rId1"/>
-    <p:sldLayoutId id="2147483650" r:id="rId2"/>
-    <p:sldLayoutId id="2147483651" r:id="rId3"/>
-    <p:sldLayoutId id="2147483652" r:id="rId4"/>
-    <p:sldLayoutId id="2147483653" r:id="rId5"/>
-    <p:sldLayoutId id="2147483654" r:id="rId6"/>
-    <p:sldLayoutId id="2147483655" r:id="rId7"/>
-    <p:sldLayoutId id="2147483656" r:id="rId8"/>
-    <p:sldLayoutId id="2147483657" r:id="rId9"/>
-    <p:sldLayoutId id="2147483658" r:id="rId10"/>
-    <p:sldLayoutId id="2147483659" r:id="rId11"/>
+    <p:sldLayoutId id="2147483697" r:id="rId1"/>
+    <p:sldLayoutId id="2147483698" r:id="rId2"/>
+    <p:sldLayoutId id="2147483699" r:id="rId3"/>
+    <p:sldLayoutId id="2147483700" r:id="rId4"/>
+    <p:sldLayoutId id="2147483701" r:id="rId5"/>
+    <p:sldLayoutId id="2147483702" r:id="rId6"/>
+    <p:sldLayoutId id="2147483703" r:id="rId7"/>
+    <p:sldLayoutId id="2147483704" r:id="rId8"/>
+    <p:sldLayoutId id="2147483705" r:id="rId9"/>
+    <p:sldLayoutId id="2147483706" r:id="rId10"/>
+    <p:sldLayoutId id="2147483707" r:id="rId11"/>
+    <p:sldLayoutId id="2147483708" r:id="rId12"/>
+    <p:sldLayoutId id="2147483709" r:id="rId13"/>
+    <p:sldLayoutId id="2147483710" r:id="rId14"/>
+    <p:sldLayoutId id="2147483711" r:id="rId15"/>
+    <p:sldLayoutId id="2147483712" r:id="rId16"/>
+    <p:sldLayoutId id="2147483713" r:id="rId17"/>
   </p:sldLayoutIdLst>
   <p:txStyles>
     <p:titleStyle>
-      <a:lvl1pPr algn="l" defTabSz="914400" rtl="0" eaLnBrk="1" latinLnBrk="0" hangingPunct="1">
-        <a:lnSpc>
-          <a:spcPct val="90000"/>
-        </a:lnSpc>
+      <a:lvl1pPr algn="ctr" defTabSz="457200" rtl="0" eaLnBrk="1" latinLnBrk="0" hangingPunct="1">
         <a:spcBef>
           <a:spcPct val="0"/>
         </a:spcBef>
         <a:buNone/>
-        <a:defRPr sz="4400" kern="1200">
+        <a:defRPr sz="4400" kern="1200" cap="none">
+          <a:ln w="3175" cmpd="sng">
+            <a:noFill/>
+          </a:ln>
           <a:solidFill>
-            <a:schemeClr val="tx1"/>
+            <a:schemeClr val="tx1">
+              <a:lumMod val="85000"/>
+              <a:lumOff val="15000"/>
+            </a:schemeClr>
           </a:solidFill>
+          <a:effectLst/>
           <a:latin typeface="+mj-lt"/>
           <a:ea typeface="+mj-ea"/>
           <a:cs typeface="+mj-cs"/>
         </a:defRPr>
       </a:lvl1pPr>
+      <a:lvl2pPr eaLnBrk="1" hangingPunct="1">
+        <a:defRPr>
+          <a:solidFill>
+            <a:schemeClr val="tx2"/>
+          </a:solidFill>
+        </a:defRPr>
+      </a:lvl2pPr>
+      <a:lvl3pPr eaLnBrk="1" hangingPunct="1">
+        <a:defRPr>
+          <a:solidFill>
+            <a:schemeClr val="tx2"/>
+          </a:solidFill>
+        </a:defRPr>
+      </a:lvl3pPr>
+      <a:lvl4pPr eaLnBrk="1" hangingPunct="1">
+        <a:defRPr>
+          <a:solidFill>
+            <a:schemeClr val="tx2"/>
+          </a:solidFill>
+        </a:defRPr>
+      </a:lvl4pPr>
+      <a:lvl5pPr eaLnBrk="1" hangingPunct="1">
+        <a:defRPr>
+          <a:solidFill>
+            <a:schemeClr val="tx2"/>
+          </a:solidFill>
+        </a:defRPr>
+      </a:lvl5pPr>
+      <a:lvl6pPr eaLnBrk="1" hangingPunct="1">
+        <a:defRPr>
+          <a:solidFill>
+            <a:schemeClr val="tx2"/>
+          </a:solidFill>
+        </a:defRPr>
+      </a:lvl6pPr>
+      <a:lvl7pPr eaLnBrk="1" hangingPunct="1">
+        <a:defRPr>
+          <a:solidFill>
+            <a:schemeClr val="tx2"/>
+          </a:solidFill>
+        </a:defRPr>
+      </a:lvl7pPr>
+      <a:lvl8pPr eaLnBrk="1" hangingPunct="1">
+        <a:defRPr>
+          <a:solidFill>
+            <a:schemeClr val="tx2"/>
+          </a:solidFill>
+        </a:defRPr>
+      </a:lvl8pPr>
+      <a:lvl9pPr eaLnBrk="1" hangingPunct="1">
+        <a:defRPr>
+          <a:solidFill>
+            <a:schemeClr val="tx2"/>
+          </a:solidFill>
+        </a:defRPr>
+      </a:lvl9pPr>
     </p:titleStyle>
     <p:bodyStyle>
-      <a:lvl1pPr marL="228600" indent="-228600" algn="l" defTabSz="914400" rtl="0" eaLnBrk="1" latinLnBrk="0" hangingPunct="1">
-        <a:lnSpc>
-          <a:spcPct val="90000"/>
-        </a:lnSpc>
+      <a:lvl1pPr marL="285750" indent="-285750" algn="l" defTabSz="457200" rtl="0" eaLnBrk="1" latinLnBrk="0" hangingPunct="1">
         <a:spcBef>
-          <a:spcPts val="1000"/>
+          <a:spcPct val="20000"/>
         </a:spcBef>
-        <a:buFont typeface="Arial" panose="020B0604020202020204" pitchFamily="34" charset="0"/>
+        <a:spcAft>
+          <a:spcPts val="600"/>
+        </a:spcAft>
+        <a:buClr>
+          <a:schemeClr val="accent1"/>
+        </a:buClr>
+        <a:buSzPct val="115000"/>
+        <a:buFont typeface="Arial"/>
         <a:buChar char="•"/>
-        <a:defRPr sz="2800" kern="1200">
+        <a:defRPr sz="2400" kern="1200" cap="none">
           <a:solidFill>
-            <a:schemeClr val="tx1"/>
+            <a:schemeClr val="tx1">
+              <a:lumMod val="85000"/>
+              <a:lumOff val="15000"/>
+            </a:schemeClr>
           </a:solidFill>
+          <a:effectLst/>
           <a:latin typeface="+mn-lt"/>
           <a:ea typeface="+mn-ea"/>
           <a:cs typeface="+mn-cs"/>
         </a:defRPr>
       </a:lvl1pPr>
-      <a:lvl2pPr marL="685800" indent="-228600" algn="l" defTabSz="914400" rtl="0" eaLnBrk="1" latinLnBrk="0" hangingPunct="1">
-        <a:lnSpc>
-          <a:spcPct val="90000"/>
-        </a:lnSpc>
+      <a:lvl2pPr marL="742950" indent="-285750" algn="l" defTabSz="457200" rtl="0" eaLnBrk="1" latinLnBrk="0" hangingPunct="1">
         <a:spcBef>
-          <a:spcPts val="500"/>
+          <a:spcPct val="20000"/>
         </a:spcBef>
-        <a:buFont typeface="Arial" panose="020B0604020202020204" pitchFamily="34" charset="0"/>
+        <a:spcAft>
+          <a:spcPts val="600"/>
+        </a:spcAft>
+        <a:buClr>
+          <a:schemeClr val="accent1"/>
+        </a:buClr>
+        <a:buSzPct val="115000"/>
+        <a:buFont typeface="Arial"/>
         <a:buChar char="•"/>
-        <a:defRPr sz="2400" kern="1200">
+        <a:defRPr sz="2000" kern="1200" cap="none">
           <a:solidFill>
-            <a:schemeClr val="tx1"/>
+            <a:schemeClr val="tx1">
+              <a:lumMod val="85000"/>
+              <a:lumOff val="15000"/>
+            </a:schemeClr>
           </a:solidFill>
+          <a:effectLst/>
           <a:latin typeface="+mn-lt"/>
           <a:ea typeface="+mn-ea"/>
           <a:cs typeface="+mn-cs"/>
         </a:defRPr>
       </a:lvl2pPr>
-      <a:lvl3pPr marL="1143000" indent="-228600" algn="l" defTabSz="914400" rtl="0" eaLnBrk="1" latinLnBrk="0" hangingPunct="1">
-        <a:lnSpc>
-          <a:spcPct val="90000"/>
-        </a:lnSpc>
+      <a:lvl3pPr marL="1200150" indent="-285750" algn="l" defTabSz="457200" rtl="0" eaLnBrk="1" latinLnBrk="0" hangingPunct="1">
         <a:spcBef>
-          <a:spcPts val="500"/>
+          <a:spcPct val="20000"/>
         </a:spcBef>
-        <a:buFont typeface="Arial" panose="020B0604020202020204" pitchFamily="34" charset="0"/>
+        <a:spcAft>
+          <a:spcPts val="600"/>
+        </a:spcAft>
+        <a:buClr>
+          <a:schemeClr val="accent1"/>
+        </a:buClr>
+        <a:buSzPct val="115000"/>
+        <a:buFont typeface="Arial"/>
         <a:buChar char="•"/>
-        <a:defRPr sz="2000" kern="1200">
+        <a:defRPr sz="1800" kern="1200" cap="none">
           <a:solidFill>
-            <a:schemeClr val="tx1"/>
+            <a:schemeClr val="tx1">
+              <a:lumMod val="85000"/>
+              <a:lumOff val="15000"/>
+            </a:schemeClr>
           </a:solidFill>
+          <a:effectLst/>
           <a:latin typeface="+mn-lt"/>
           <a:ea typeface="+mn-ea"/>
           <a:cs typeface="+mn-cs"/>
         </a:defRPr>
       </a:lvl3pPr>
-      <a:lvl4pPr marL="1600200" indent="-228600" algn="l" defTabSz="914400" rtl="0" eaLnBrk="1" latinLnBrk="0" hangingPunct="1">
-        <a:lnSpc>
-          <a:spcPct val="90000"/>
-        </a:lnSpc>
+      <a:lvl4pPr marL="1543050" indent="-171450" algn="l" defTabSz="457200" rtl="0" eaLnBrk="1" latinLnBrk="0" hangingPunct="1">
         <a:spcBef>
-          <a:spcPts val="500"/>
+          <a:spcPct val="20000"/>
         </a:spcBef>
-        <a:buFont typeface="Arial" panose="020B0604020202020204" pitchFamily="34" charset="0"/>
+        <a:spcAft>
+          <a:spcPts val="600"/>
+        </a:spcAft>
+        <a:buClr>
+          <a:schemeClr val="accent1"/>
+        </a:buClr>
+        <a:buSzPct val="115000"/>
+        <a:buFont typeface="Arial"/>
         <a:buChar char="•"/>
-        <a:defRPr sz="1800" kern="1200">
+        <a:defRPr sz="1600" kern="1200" cap="none">
           <a:solidFill>
-            <a:schemeClr val="tx1"/>
+            <a:schemeClr val="tx1">
+              <a:lumMod val="85000"/>
+              <a:lumOff val="15000"/>
+            </a:schemeClr>
           </a:solidFill>
+          <a:effectLst/>
           <a:latin typeface="+mn-lt"/>
           <a:ea typeface="+mn-ea"/>
           <a:cs typeface="+mn-cs"/>
         </a:defRPr>
       </a:lvl4pPr>
-      <a:lvl5pPr marL="2057400" indent="-228600" algn="l" defTabSz="914400" rtl="0" eaLnBrk="1" latinLnBrk="0" hangingPunct="1">
-        <a:lnSpc>
-          <a:spcPct val="90000"/>
-        </a:lnSpc>
+      <a:lvl5pPr marL="2000250" indent="-171450" algn="l" defTabSz="457200" rtl="0" eaLnBrk="1" latinLnBrk="0" hangingPunct="1">
         <a:spcBef>
-          <a:spcPts val="500"/>
+          <a:spcPct val="20000"/>
         </a:spcBef>
-        <a:buFont typeface="Arial" panose="020B0604020202020204" pitchFamily="34" charset="0"/>
+        <a:spcAft>
+          <a:spcPts val="600"/>
+        </a:spcAft>
+        <a:buClr>
+          <a:schemeClr val="accent1"/>
+        </a:buClr>
+        <a:buSzPct val="115000"/>
+        <a:buFont typeface="Arial"/>
         <a:buChar char="•"/>
-        <a:defRPr sz="1800" kern="1200">
+        <a:defRPr sz="1400" kern="1200" cap="none">
           <a:solidFill>
-            <a:schemeClr val="tx1"/>
+            <a:schemeClr val="tx1">
+              <a:lumMod val="85000"/>
+              <a:lumOff val="15000"/>
+            </a:schemeClr>
           </a:solidFill>
+          <a:effectLst/>
           <a:latin typeface="+mn-lt"/>
           <a:ea typeface="+mn-ea"/>
           <a:cs typeface="+mn-cs"/>
         </a:defRPr>
       </a:lvl5pPr>
-      <a:lvl6pPr marL="2514600" indent="-228600" algn="l" defTabSz="914400" rtl="0" eaLnBrk="1" latinLnBrk="0" hangingPunct="1">
-        <a:lnSpc>
-          <a:spcPct val="90000"/>
-        </a:lnSpc>
+      <a:lvl6pPr marL="2514600" indent="-228600" algn="l" defTabSz="457200" rtl="0" eaLnBrk="1" latinLnBrk="0" hangingPunct="1">
         <a:spcBef>
-          <a:spcPts val="500"/>
+          <a:spcPct val="20000"/>
         </a:spcBef>
-        <a:buFont typeface="Arial" panose="020B0604020202020204" pitchFamily="34" charset="0"/>
+        <a:spcAft>
+          <a:spcPts val="600"/>
+        </a:spcAft>
+        <a:buClr>
+          <a:schemeClr val="accent1"/>
+        </a:buClr>
+        <a:buSzPct val="115000"/>
+        <a:buFont typeface="Arial"/>
         <a:buChar char="•"/>
-        <a:defRPr sz="1800" kern="1200">
+        <a:defRPr sz="1400" kern="1200" cap="none">
           <a:solidFill>
-            <a:schemeClr val="tx1"/>
+            <a:schemeClr val="tx1">
+              <a:lumMod val="85000"/>
+              <a:lumOff val="15000"/>
+            </a:schemeClr>
           </a:solidFill>
+          <a:effectLst/>
           <a:latin typeface="+mn-lt"/>
           <a:ea typeface="+mn-ea"/>
           <a:cs typeface="+mn-cs"/>
         </a:defRPr>
       </a:lvl6pPr>
-      <a:lvl7pPr marL="2971800" indent="-228600" algn="l" defTabSz="914400" rtl="0" eaLnBrk="1" latinLnBrk="0" hangingPunct="1">
-        <a:lnSpc>
-          <a:spcPct val="90000"/>
-        </a:lnSpc>
+      <a:lvl7pPr marL="2971800" indent="-228600" algn="l" defTabSz="457200" rtl="0" eaLnBrk="1" latinLnBrk="0" hangingPunct="1">
         <a:spcBef>
-          <a:spcPts val="500"/>
+          <a:spcPct val="20000"/>
         </a:spcBef>
-        <a:buFont typeface="Arial" panose="020B0604020202020204" pitchFamily="34" charset="0"/>
+        <a:spcAft>
+          <a:spcPts val="600"/>
+        </a:spcAft>
+        <a:buClr>
+          <a:schemeClr val="accent1"/>
+        </a:buClr>
+        <a:buSzPct val="115000"/>
+        <a:buFont typeface="Arial"/>
         <a:buChar char="•"/>
-        <a:defRPr sz="1800" kern="1200">
+        <a:defRPr sz="1400" kern="1200" cap="none">
           <a:solidFill>
-            <a:schemeClr val="tx1"/>
+            <a:schemeClr val="tx1">
+              <a:lumMod val="85000"/>
+              <a:lumOff val="15000"/>
+            </a:schemeClr>
           </a:solidFill>
+          <a:effectLst/>
           <a:latin typeface="+mn-lt"/>
           <a:ea typeface="+mn-ea"/>
           <a:cs typeface="+mn-cs"/>
         </a:defRPr>
       </a:lvl7pPr>
-      <a:lvl8pPr marL="3429000" indent="-228600" algn="l" defTabSz="914400" rtl="0" eaLnBrk="1" latinLnBrk="0" hangingPunct="1">
-        <a:lnSpc>
-          <a:spcPct val="90000"/>
-        </a:lnSpc>
+      <a:lvl8pPr marL="3429000" indent="-228600" algn="l" defTabSz="457200" rtl="0" eaLnBrk="1" latinLnBrk="0" hangingPunct="1">
         <a:spcBef>
-          <a:spcPts val="500"/>
+          <a:spcPct val="20000"/>
         </a:spcBef>
-        <a:buFont typeface="Arial" panose="020B0604020202020204" pitchFamily="34" charset="0"/>
+        <a:spcAft>
+          <a:spcPts val="600"/>
+        </a:spcAft>
+        <a:buClr>
+          <a:schemeClr val="accent1"/>
+        </a:buClr>
+        <a:buSzPct val="115000"/>
+        <a:buFont typeface="Arial"/>
         <a:buChar char="•"/>
-        <a:defRPr sz="1800" kern="1200">
+        <a:defRPr sz="1400" kern="1200" cap="none">
           <a:solidFill>
-            <a:schemeClr val="tx1"/>
+            <a:schemeClr val="tx1">
+              <a:lumMod val="85000"/>
+              <a:lumOff val="15000"/>
+            </a:schemeClr>
           </a:solidFill>
+          <a:effectLst/>
           <a:latin typeface="+mn-lt"/>
           <a:ea typeface="+mn-ea"/>
           <a:cs typeface="+mn-cs"/>
         </a:defRPr>
       </a:lvl8pPr>
-      <a:lvl9pPr marL="3886200" indent="-228600" algn="l" defTabSz="914400" rtl="0" eaLnBrk="1" latinLnBrk="0" hangingPunct="1">
-        <a:lnSpc>
-          <a:spcPct val="90000"/>
-        </a:lnSpc>
+      <a:lvl9pPr marL="3886200" indent="-228600" algn="l" defTabSz="457200" rtl="0" eaLnBrk="1" latinLnBrk="0" hangingPunct="1">
         <a:spcBef>
-          <a:spcPts val="500"/>
+          <a:spcPct val="20000"/>
         </a:spcBef>
-        <a:buFont typeface="Arial" panose="020B0604020202020204" pitchFamily="34" charset="0"/>
+        <a:spcAft>
+          <a:spcPts val="600"/>
+        </a:spcAft>
+        <a:buClr>
+          <a:schemeClr val="accent1"/>
+        </a:buClr>
+        <a:buSzPct val="115000"/>
+        <a:buFont typeface="Arial"/>
         <a:buChar char="•"/>
-        <a:defRPr sz="1800" kern="1200">
+        <a:defRPr sz="1400" kern="1200" cap="none">
           <a:solidFill>
-            <a:schemeClr val="tx1"/>
+            <a:schemeClr val="tx1">
+              <a:lumMod val="85000"/>
+              <a:lumOff val="15000"/>
+            </a:schemeClr>
           </a:solidFill>
+          <a:effectLst/>
           <a:latin typeface="+mn-lt"/>
           <a:ea typeface="+mn-ea"/>
           <a:cs typeface="+mn-cs"/>
@@ -2844,7 +7160,7 @@
       <a:defPPr>
         <a:defRPr lang="en-US"/>
       </a:defPPr>
-      <a:lvl1pPr marL="0" algn="l" defTabSz="914400" rtl="0" eaLnBrk="1" latinLnBrk="0" hangingPunct="1">
+      <a:lvl1pPr marL="0" algn="l" defTabSz="457200" rtl="0" eaLnBrk="1" latinLnBrk="0" hangingPunct="1">
         <a:defRPr sz="1800" kern="1200">
           <a:solidFill>
             <a:schemeClr val="tx1"/>
@@ -2854,7 +7170,7 @@
           <a:cs typeface="+mn-cs"/>
         </a:defRPr>
       </a:lvl1pPr>
-      <a:lvl2pPr marL="457200" algn="l" defTabSz="914400" rtl="0" eaLnBrk="1" latinLnBrk="0" hangingPunct="1">
+      <a:lvl2pPr marL="457200" algn="l" defTabSz="457200" rtl="0" eaLnBrk="1" latinLnBrk="0" hangingPunct="1">
         <a:defRPr sz="1800" kern="1200">
           <a:solidFill>
             <a:schemeClr val="tx1"/>
@@ -2864,7 +7180,7 @@
           <a:cs typeface="+mn-cs"/>
         </a:defRPr>
       </a:lvl2pPr>
-      <a:lvl3pPr marL="914400" algn="l" defTabSz="914400" rtl="0" eaLnBrk="1" latinLnBrk="0" hangingPunct="1">
+      <a:lvl3pPr marL="914400" algn="l" defTabSz="457200" rtl="0" eaLnBrk="1" latinLnBrk="0" hangingPunct="1">
         <a:defRPr sz="1800" kern="1200">
           <a:solidFill>
             <a:schemeClr val="tx1"/>
@@ -2874,7 +7190,7 @@
           <a:cs typeface="+mn-cs"/>
         </a:defRPr>
       </a:lvl3pPr>
-      <a:lvl4pPr marL="1371600" algn="l" defTabSz="914400" rtl="0" eaLnBrk="1" latinLnBrk="0" hangingPunct="1">
+      <a:lvl4pPr marL="1371600" algn="l" defTabSz="457200" rtl="0" eaLnBrk="1" latinLnBrk="0" hangingPunct="1">
         <a:defRPr sz="1800" kern="1200">
           <a:solidFill>
             <a:schemeClr val="tx1"/>
@@ -2884,7 +7200,7 @@
           <a:cs typeface="+mn-cs"/>
         </a:defRPr>
       </a:lvl4pPr>
-      <a:lvl5pPr marL="1828800" algn="l" defTabSz="914400" rtl="0" eaLnBrk="1" latinLnBrk="0" hangingPunct="1">
+      <a:lvl5pPr marL="1828800" algn="l" defTabSz="457200" rtl="0" eaLnBrk="1" latinLnBrk="0" hangingPunct="1">
         <a:defRPr sz="1800" kern="1200">
           <a:solidFill>
             <a:schemeClr val="tx1"/>
@@ -2894,7 +7210,7 @@
           <a:cs typeface="+mn-cs"/>
         </a:defRPr>
       </a:lvl5pPr>
-      <a:lvl6pPr marL="2286000" algn="l" defTabSz="914400" rtl="0" eaLnBrk="1" latinLnBrk="0" hangingPunct="1">
+      <a:lvl6pPr marL="2286000" algn="l" defTabSz="457200" rtl="0" eaLnBrk="1" latinLnBrk="0" hangingPunct="1">
         <a:defRPr sz="1800" kern="1200">
           <a:solidFill>
             <a:schemeClr val="tx1"/>
@@ -2904,7 +7220,7 @@
           <a:cs typeface="+mn-cs"/>
         </a:defRPr>
       </a:lvl6pPr>
-      <a:lvl7pPr marL="2743200" algn="l" defTabSz="914400" rtl="0" eaLnBrk="1" latinLnBrk="0" hangingPunct="1">
+      <a:lvl7pPr marL="2743200" algn="l" defTabSz="457200" rtl="0" eaLnBrk="1" latinLnBrk="0" hangingPunct="1">
         <a:defRPr sz="1800" kern="1200">
           <a:solidFill>
             <a:schemeClr val="tx1"/>
@@ -2914,7 +7230,7 @@
           <a:cs typeface="+mn-cs"/>
         </a:defRPr>
       </a:lvl7pPr>
-      <a:lvl8pPr marL="3200400" algn="l" defTabSz="914400" rtl="0" eaLnBrk="1" latinLnBrk="0" hangingPunct="1">
+      <a:lvl8pPr marL="3200400" algn="l" defTabSz="457200" rtl="0" eaLnBrk="1" latinLnBrk="0" hangingPunct="1">
         <a:defRPr sz="1800" kern="1200">
           <a:solidFill>
             <a:schemeClr val="tx1"/>
@@ -2924,7 +7240,7 @@
           <a:cs typeface="+mn-cs"/>
         </a:defRPr>
       </a:lvl8pPr>
-      <a:lvl9pPr marL="3657600" algn="l" defTabSz="914400" rtl="0" eaLnBrk="1" latinLnBrk="0" hangingPunct="1">
+      <a:lvl9pPr marL="3657600" algn="l" defTabSz="457200" rtl="0" eaLnBrk="1" latinLnBrk="0" hangingPunct="1">
         <a:defRPr sz="1800" kern="1200">
           <a:solidFill>
             <a:schemeClr val="tx1"/>
@@ -2991,7 +7307,7 @@
         <p:spPr/>
         <p:txBody>
           <a:bodyPr>
-            <a:normAutofit lnSpcReduction="10000"/>
+            <a:normAutofit fontScale="77500" lnSpcReduction="20000"/>
           </a:bodyPr>
           <a:lstStyle/>
           <a:p>
@@ -3028,6 +7344,282 @@
     <p:extLst>
       <p:ext uri="{BB962C8B-B14F-4D97-AF65-F5344CB8AC3E}">
         <p14:creationId xmlns:p14="http://schemas.microsoft.com/office/powerpoint/2010/main" val="3084888975"/>
+      </p:ext>
+    </p:extLst>
+  </p:cSld>
+  <p:clrMapOvr>
+    <a:masterClrMapping/>
+  </p:clrMapOvr>
+</p:sld>
+</file>
+
+<file path=ppt/slides/slide10.xml><?xml version="1.0" encoding="utf-8"?>
+<p:sld xmlns:a="http://schemas.openxmlformats.org/drawingml/2006/main" xmlns:r="http://schemas.openxmlformats.org/officeDocument/2006/relationships" xmlns:p="http://schemas.openxmlformats.org/presentationml/2006/main">
+  <p:cSld>
+    <p:spTree>
+      <p:nvGrpSpPr>
+        <p:cNvPr id="1" name=""/>
+        <p:cNvGrpSpPr/>
+        <p:nvPr/>
+      </p:nvGrpSpPr>
+      <p:grpSpPr>
+        <a:xfrm>
+          <a:off x="0" y="0"/>
+          <a:ext cx="0" cy="0"/>
+          <a:chOff x="0" y="0"/>
+          <a:chExt cx="0" cy="0"/>
+        </a:xfrm>
+      </p:grpSpPr>
+      <p:sp>
+        <p:nvSpPr>
+          <p:cNvPr id="2" name="Rectangle 1"/>
+          <p:cNvSpPr/>
+          <p:nvPr/>
+        </p:nvSpPr>
+        <p:spPr>
+          <a:xfrm>
+            <a:off x="4362997" y="2967335"/>
+            <a:ext cx="3466013" cy="1754326"/>
+          </a:xfrm>
+          <a:prstGeom prst="rect">
+            <a:avLst/>
+          </a:prstGeom>
+          <a:noFill/>
+        </p:spPr>
+        <p:txBody>
+          <a:bodyPr wrap="none" lIns="91440" tIns="45720" rIns="91440" bIns="45720">
+            <a:spAutoFit/>
+          </a:bodyPr>
+          <a:lstStyle/>
+          <a:p>
+            <a:pPr algn="ctr"/>
+            <a:r>
+              <a:rPr lang="en-US" sz="5400" b="1" cap="none" spc="0" dirty="0">
+                <a:ln w="9525">
+                  <a:solidFill>
+                    <a:schemeClr val="bg1"/>
+                  </a:solidFill>
+                  <a:prstDash val="solid"/>
+                </a:ln>
+                <a:solidFill>
+                  <a:schemeClr val="accent5"/>
+                </a:solidFill>
+                <a:effectLst>
+                  <a:outerShdw blurRad="12700" dist="38100" dir="2700000" algn="tl" rotWithShape="0">
+                    <a:schemeClr val="accent5">
+                      <a:lumMod val="60000"/>
+                      <a:lumOff val="40000"/>
+                    </a:schemeClr>
+                  </a:outerShdw>
+                </a:effectLst>
+              </a:rPr>
+              <a:t>Eclipse</a:t>
+            </a:r>
+          </a:p>
+          <a:p>
+            <a:pPr algn="ctr"/>
+            <a:r>
+              <a:rPr lang="en-US" sz="5400" b="1" dirty="0" err="1">
+                <a:ln w="9525">
+                  <a:solidFill>
+                    <a:schemeClr val="bg1"/>
+                  </a:solidFill>
+                  <a:prstDash val="solid"/>
+                </a:ln>
+                <a:solidFill>
+                  <a:schemeClr val="accent5"/>
+                </a:solidFill>
+                <a:effectLst>
+                  <a:outerShdw blurRad="12700" dist="38100" dir="2700000" algn="tl" rotWithShape="0">
+                    <a:schemeClr val="accent5">
+                      <a:lumMod val="60000"/>
+                      <a:lumOff val="40000"/>
+                    </a:schemeClr>
+                  </a:outerShdw>
+                </a:effectLst>
+              </a:rPr>
+              <a:t>ArmSystem</a:t>
+            </a:r>
+            <a:endParaRPr lang="en-US" sz="5400" b="1" cap="none" spc="0" dirty="0">
+              <a:ln w="9525">
+                <a:solidFill>
+                  <a:schemeClr val="bg1"/>
+                </a:solidFill>
+                <a:prstDash val="solid"/>
+              </a:ln>
+              <a:solidFill>
+                <a:schemeClr val="accent5"/>
+              </a:solidFill>
+              <a:effectLst>
+                <a:outerShdw blurRad="12700" dist="38100" dir="2700000" algn="tl" rotWithShape="0">
+                  <a:schemeClr val="accent5">
+                    <a:lumMod val="60000"/>
+                    <a:lumOff val="40000"/>
+                  </a:schemeClr>
+                </a:outerShdw>
+              </a:effectLst>
+            </a:endParaRPr>
+          </a:p>
+        </p:txBody>
+      </p:sp>
+    </p:spTree>
+    <p:extLst>
+      <p:ext uri="{BB962C8B-B14F-4D97-AF65-F5344CB8AC3E}">
+        <p14:creationId xmlns:p14="http://schemas.microsoft.com/office/powerpoint/2010/main" val="3067949633"/>
+      </p:ext>
+    </p:extLst>
+  </p:cSld>
+  <p:clrMapOvr>
+    <a:masterClrMapping/>
+  </p:clrMapOvr>
+</p:sld>
+</file>
+
+<file path=ppt/slides/slide11.xml><?xml version="1.0" encoding="utf-8"?>
+<p:sld xmlns:a="http://schemas.openxmlformats.org/drawingml/2006/main" xmlns:r="http://schemas.openxmlformats.org/officeDocument/2006/relationships" xmlns:p="http://schemas.openxmlformats.org/presentationml/2006/main">
+  <p:cSld>
+    <p:spTree>
+      <p:nvGrpSpPr>
+        <p:cNvPr id="1" name=""/>
+        <p:cNvGrpSpPr/>
+        <p:nvPr/>
+      </p:nvGrpSpPr>
+      <p:grpSpPr>
+        <a:xfrm>
+          <a:off x="0" y="0"/>
+          <a:ext cx="0" cy="0"/>
+          <a:chOff x="0" y="0"/>
+          <a:chExt cx="0" cy="0"/>
+        </a:xfrm>
+      </p:grpSpPr>
+      <p:sp>
+        <p:nvSpPr>
+          <p:cNvPr id="2" name="Title 1"/>
+          <p:cNvSpPr>
+            <a:spLocks noGrp="1"/>
+          </p:cNvSpPr>
+          <p:nvPr>
+            <p:ph type="ctrTitle"/>
+          </p:nvPr>
+        </p:nvSpPr>
+        <p:spPr>
+          <a:xfrm>
+            <a:off x="1524000" y="1122363"/>
+            <a:ext cx="9144000" cy="1110474"/>
+          </a:xfrm>
+        </p:spPr>
+        <p:txBody>
+          <a:bodyPr/>
+          <a:lstStyle/>
+          <a:p>
+            <a:r>
+              <a:rPr lang="en-US" dirty="0"/>
+              <a:t>EXERCISES</a:t>
+            </a:r>
+          </a:p>
+        </p:txBody>
+      </p:sp>
+      <p:sp>
+        <p:nvSpPr>
+          <p:cNvPr id="3" name="Subtitle 2"/>
+          <p:cNvSpPr>
+            <a:spLocks noGrp="1"/>
+          </p:cNvSpPr>
+          <p:nvPr>
+            <p:ph type="subTitle" idx="1"/>
+          </p:nvPr>
+        </p:nvSpPr>
+        <p:spPr>
+          <a:xfrm>
+            <a:off x="1524000" y="2040926"/>
+            <a:ext cx="9144000" cy="4055074"/>
+          </a:xfrm>
+        </p:spPr>
+        <p:txBody>
+          <a:bodyPr>
+            <a:normAutofit/>
+          </a:bodyPr>
+          <a:lstStyle/>
+          <a:p>
+            <a:r>
+              <a:rPr lang="en-US" sz="3600" dirty="0"/>
+              <a:t>Arm System</a:t>
+            </a:r>
+          </a:p>
+          <a:p>
+            <a:r>
+              <a:rPr lang="en-US" dirty="0"/>
+              <a:t>Initialize (replace current autonomous)</a:t>
+            </a:r>
+          </a:p>
+          <a:p>
+            <a:r>
+              <a:rPr lang="en-US" dirty="0"/>
+              <a:t>Fix </a:t>
+            </a:r>
+            <a:r>
+              <a:rPr lang="en-US" dirty="0" err="1"/>
+              <a:t>isOnTarget</a:t>
+            </a:r>
+            <a:r>
+              <a:rPr lang="en-US" dirty="0"/>
+              <a:t> logic</a:t>
+            </a:r>
+          </a:p>
+          <a:p>
+            <a:r>
+              <a:rPr lang="en-US" dirty="0"/>
+              <a:t>Capture </a:t>
+            </a:r>
+            <a:r>
+              <a:rPr lang="en-US" dirty="0" err="1"/>
+              <a:t>Setpoint</a:t>
+            </a:r>
+            <a:r>
+              <a:rPr lang="en-US" dirty="0"/>
+              <a:t> Values into Table</a:t>
+            </a:r>
+          </a:p>
+          <a:p>
+            <a:r>
+              <a:rPr lang="en-US" dirty="0"/>
+              <a:t>Read </a:t>
+            </a:r>
+            <a:r>
+              <a:rPr lang="en-US" dirty="0" err="1"/>
+              <a:t>Setpoint</a:t>
+            </a:r>
+            <a:r>
+              <a:rPr lang="en-US" dirty="0"/>
+              <a:t> Table from File</a:t>
+            </a:r>
+          </a:p>
+          <a:p>
+            <a:r>
+              <a:rPr lang="en-US" dirty="0"/>
+              <a:t>Save </a:t>
+            </a:r>
+            <a:r>
+              <a:rPr lang="en-US" dirty="0" err="1"/>
+              <a:t>Setpoint</a:t>
+            </a:r>
+            <a:r>
+              <a:rPr lang="en-US" dirty="0"/>
+              <a:t> Table to File</a:t>
+            </a:r>
+          </a:p>
+          <a:p>
+            <a:r>
+              <a:rPr lang="en-US" dirty="0"/>
+              <a:t>How would you handle two linear actuators?</a:t>
+            </a:r>
+          </a:p>
+        </p:txBody>
+      </p:sp>
+    </p:spTree>
+    <p:extLst>
+      <p:ext uri="{BB962C8B-B14F-4D97-AF65-F5344CB8AC3E}">
+        <p14:creationId xmlns:p14="http://schemas.microsoft.com/office/powerpoint/2010/main" val="732886656"/>
       </p:ext>
     </p:extLst>
   </p:cSld>
@@ -5452,14 +10044,831 @@
       </p:grpSpPr>
       <p:sp>
         <p:nvSpPr>
-          <p:cNvPr id="2" name="TextBox 1"/>
+          <p:cNvPr id="2" name="Rectangle: Rounded Corners 1"/>
+          <p:cNvSpPr/>
+          <p:nvPr/>
+        </p:nvSpPr>
+        <p:spPr>
+          <a:xfrm>
+            <a:off x="938784" y="524256"/>
+            <a:ext cx="10180320" cy="5742432"/>
+          </a:xfrm>
+          <a:prstGeom prst="roundRect">
+            <a:avLst/>
+          </a:prstGeom>
+          <a:solidFill>
+            <a:schemeClr val="accent6">
+              <a:lumMod val="20000"/>
+              <a:lumOff val="80000"/>
+            </a:schemeClr>
+          </a:solidFill>
+        </p:spPr>
+        <p:style>
+          <a:lnRef idx="2">
+            <a:schemeClr val="accent1">
+              <a:shade val="50000"/>
+            </a:schemeClr>
+          </a:lnRef>
+          <a:fillRef idx="1">
+            <a:schemeClr val="accent1"/>
+          </a:fillRef>
+          <a:effectRef idx="0">
+            <a:schemeClr val="accent1"/>
+          </a:effectRef>
+          <a:fontRef idx="minor">
+            <a:schemeClr val="lt1"/>
+          </a:fontRef>
+        </p:style>
+        <p:txBody>
+          <a:bodyPr rtlCol="0" anchor="t"/>
+          <a:lstStyle/>
+          <a:p>
+            <a:pPr marL="0" marR="0" lvl="0" indent="0" defTabSz="914400" eaLnBrk="1" fontAlgn="auto" latinLnBrk="0" hangingPunct="1">
+              <a:lnSpc>
+                <a:spcPct val="100000"/>
+              </a:lnSpc>
+              <a:spcBef>
+                <a:spcPts val="0"/>
+              </a:spcBef>
+              <a:spcAft>
+                <a:spcPts val="0"/>
+              </a:spcAft>
+              <a:buClrTx/>
+              <a:buSzTx/>
+              <a:buFontTx/>
+              <a:buNone/>
+              <a:tabLst/>
+              <a:defRPr/>
+            </a:pPr>
+            <a:r>
+              <a:rPr kumimoji="0" lang="en-US" sz="1800" b="1" i="0" u="none" strike="noStrike" kern="0" cap="none" spc="0" normalizeH="0" baseline="0" noProof="0" dirty="0">
+                <a:ln>
+                  <a:noFill/>
+                </a:ln>
+                <a:solidFill>
+                  <a:schemeClr val="tx1"/>
+                </a:solidFill>
+                <a:effectLst/>
+                <a:uLnTx/>
+                <a:uFillTx/>
+              </a:rPr>
+              <a:t>FRC “Shell”</a:t>
+            </a:r>
+          </a:p>
+        </p:txBody>
+      </p:sp>
+      <p:sp>
+        <p:nvSpPr>
+          <p:cNvPr id="3" name="Rectangle: Rounded Corners 2"/>
+          <p:cNvSpPr/>
+          <p:nvPr/>
+        </p:nvSpPr>
+        <p:spPr>
+          <a:xfrm>
+            <a:off x="2450591" y="691116"/>
+            <a:ext cx="8532841" cy="5356116"/>
+          </a:xfrm>
+          <a:prstGeom prst="roundRect">
+            <a:avLst/>
+          </a:prstGeom>
+          <a:solidFill>
+            <a:schemeClr val="accent6">
+              <a:lumMod val="40000"/>
+              <a:lumOff val="60000"/>
+            </a:schemeClr>
+          </a:solidFill>
+        </p:spPr>
+        <p:style>
+          <a:lnRef idx="2">
+            <a:schemeClr val="accent1">
+              <a:shade val="50000"/>
+            </a:schemeClr>
+          </a:lnRef>
+          <a:fillRef idx="1">
+            <a:schemeClr val="accent1"/>
+          </a:fillRef>
+          <a:effectRef idx="0">
+            <a:schemeClr val="accent1"/>
+          </a:effectRef>
+          <a:fontRef idx="minor">
+            <a:schemeClr val="lt1"/>
+          </a:fontRef>
+        </p:style>
+        <p:txBody>
+          <a:bodyPr rtlCol="0" anchor="t"/>
+          <a:lstStyle/>
+          <a:p>
+            <a:pPr marL="0" marR="0" lvl="0" indent="0" defTabSz="914400" eaLnBrk="1" fontAlgn="auto" latinLnBrk="0" hangingPunct="1">
+              <a:lnSpc>
+                <a:spcPct val="100000"/>
+              </a:lnSpc>
+              <a:spcBef>
+                <a:spcPts val="0"/>
+              </a:spcBef>
+              <a:spcAft>
+                <a:spcPts val="0"/>
+              </a:spcAft>
+              <a:buClrTx/>
+              <a:buSzTx/>
+              <a:buFontTx/>
+              <a:buNone/>
+              <a:tabLst/>
+              <a:defRPr/>
+            </a:pPr>
+            <a:r>
+              <a:rPr kumimoji="0" lang="en-US" sz="1800" b="0" i="0" u="none" strike="noStrike" kern="0" cap="none" spc="0" normalizeH="0" baseline="0" noProof="0" dirty="0">
+                <a:ln>
+                  <a:noFill/>
+                </a:ln>
+                <a:solidFill>
+                  <a:schemeClr val="tx1"/>
+                </a:solidFill>
+                <a:effectLst/>
+                <a:uLnTx/>
+                <a:uFillTx/>
+              </a:rPr>
+              <a:t>Robot</a:t>
+            </a:r>
+          </a:p>
+        </p:txBody>
+      </p:sp>
+      <p:sp>
+        <p:nvSpPr>
+          <p:cNvPr id="4" name="Rectangle: Rounded Corners 3"/>
+          <p:cNvSpPr/>
+          <p:nvPr/>
+        </p:nvSpPr>
+        <p:spPr>
+          <a:xfrm>
+            <a:off x="5283744" y="691116"/>
+            <a:ext cx="1853184" cy="782237"/>
+          </a:xfrm>
+          <a:prstGeom prst="roundRect">
+            <a:avLst/>
+          </a:prstGeom>
+          <a:solidFill>
+            <a:schemeClr val="accent6">
+              <a:lumMod val="75000"/>
+            </a:schemeClr>
+          </a:solidFill>
+        </p:spPr>
+        <p:style>
+          <a:lnRef idx="2">
+            <a:schemeClr val="accent1">
+              <a:shade val="50000"/>
+            </a:schemeClr>
+          </a:lnRef>
+          <a:fillRef idx="1">
+            <a:schemeClr val="accent1"/>
+          </a:fillRef>
+          <a:effectRef idx="0">
+            <a:schemeClr val="accent1"/>
+          </a:effectRef>
+          <a:fontRef idx="minor">
+            <a:schemeClr val="lt1"/>
+          </a:fontRef>
+        </p:style>
+        <p:txBody>
+          <a:bodyPr rtlCol="0" anchor="ctr"/>
+          <a:lstStyle/>
+          <a:p>
+            <a:pPr marL="0" marR="0" lvl="0" indent="0" algn="ctr" defTabSz="914400" eaLnBrk="1" fontAlgn="auto" latinLnBrk="0" hangingPunct="1">
+              <a:lnSpc>
+                <a:spcPct val="100000"/>
+              </a:lnSpc>
+              <a:spcBef>
+                <a:spcPts val="0"/>
+              </a:spcBef>
+              <a:spcAft>
+                <a:spcPts val="0"/>
+              </a:spcAft>
+              <a:buClrTx/>
+              <a:buSzTx/>
+              <a:buFontTx/>
+              <a:buNone/>
+              <a:tabLst/>
+              <a:defRPr/>
+            </a:pPr>
+            <a:r>
+              <a:rPr kumimoji="0" lang="en-US" sz="1800" b="0" i="0" u="none" strike="noStrike" kern="0" cap="none" spc="0" normalizeH="0" baseline="0" noProof="0" dirty="0">
+                <a:ln>
+                  <a:noFill/>
+                </a:ln>
+                <a:solidFill>
+                  <a:sysClr val="windowText" lastClr="000000"/>
+                </a:solidFill>
+                <a:effectLst/>
+                <a:uLnTx/>
+                <a:uFillTx/>
+              </a:rPr>
+              <a:t>OI </a:t>
+            </a:r>
+          </a:p>
+        </p:txBody>
+      </p:sp>
+      <p:sp>
+        <p:nvSpPr>
+          <p:cNvPr id="5" name="Rectangle: Rounded Corners 4"/>
+          <p:cNvSpPr/>
+          <p:nvPr/>
+        </p:nvSpPr>
+        <p:spPr>
+          <a:xfrm>
+            <a:off x="4692432" y="3241034"/>
+            <a:ext cx="3035808" cy="2816352"/>
+          </a:xfrm>
+          <a:prstGeom prst="roundRect">
+            <a:avLst/>
+          </a:prstGeom>
+          <a:solidFill>
+            <a:schemeClr val="accent6">
+              <a:lumMod val="75000"/>
+            </a:schemeClr>
+          </a:solidFill>
+        </p:spPr>
+        <p:style>
+          <a:lnRef idx="2">
+            <a:schemeClr val="accent1">
+              <a:shade val="50000"/>
+            </a:schemeClr>
+          </a:lnRef>
+          <a:fillRef idx="1">
+            <a:schemeClr val="accent1"/>
+          </a:fillRef>
+          <a:effectRef idx="0">
+            <a:schemeClr val="accent1"/>
+          </a:effectRef>
+          <a:fontRef idx="minor">
+            <a:schemeClr val="lt1"/>
+          </a:fontRef>
+        </p:style>
+        <p:txBody>
+          <a:bodyPr rtlCol="0" anchor="t"/>
+          <a:lstStyle/>
+          <a:p>
+            <a:pPr marL="0" marR="0" lvl="0" indent="0" defTabSz="914400" eaLnBrk="1" fontAlgn="auto" latinLnBrk="0" hangingPunct="1">
+              <a:lnSpc>
+                <a:spcPct val="100000"/>
+              </a:lnSpc>
+              <a:spcBef>
+                <a:spcPts val="0"/>
+              </a:spcBef>
+              <a:spcAft>
+                <a:spcPts val="0"/>
+              </a:spcAft>
+              <a:buClrTx/>
+              <a:buSzTx/>
+              <a:buFontTx/>
+              <a:buNone/>
+              <a:tabLst/>
+              <a:defRPr/>
+            </a:pPr>
+            <a:r>
+              <a:rPr kumimoji="0" lang="en-US" sz="1800" b="0" i="0" u="none" strike="noStrike" kern="0" cap="none" spc="0" normalizeH="0" baseline="0" noProof="0" dirty="0">
+                <a:ln>
+                  <a:noFill/>
+                </a:ln>
+                <a:solidFill>
+                  <a:sysClr val="windowText" lastClr="000000"/>
+                </a:solidFill>
+                <a:effectLst/>
+                <a:uLnTx/>
+                <a:uFillTx/>
+              </a:rPr>
+              <a:t>Commands</a:t>
+            </a:r>
+          </a:p>
+        </p:txBody>
+      </p:sp>
+      <p:sp>
+        <p:nvSpPr>
+          <p:cNvPr id="6" name="Rectangle: Rounded Corners 5"/>
+          <p:cNvSpPr/>
+          <p:nvPr/>
+        </p:nvSpPr>
+        <p:spPr>
+          <a:xfrm>
+            <a:off x="7916526" y="1211066"/>
+            <a:ext cx="2878619" cy="4059936"/>
+          </a:xfrm>
+          <a:prstGeom prst="roundRect">
+            <a:avLst/>
+          </a:prstGeom>
+          <a:solidFill>
+            <a:schemeClr val="accent6">
+              <a:lumMod val="75000"/>
+            </a:schemeClr>
+          </a:solidFill>
+        </p:spPr>
+        <p:style>
+          <a:lnRef idx="2">
+            <a:schemeClr val="accent1">
+              <a:shade val="50000"/>
+            </a:schemeClr>
+          </a:lnRef>
+          <a:fillRef idx="1">
+            <a:schemeClr val="accent1"/>
+          </a:fillRef>
+          <a:effectRef idx="0">
+            <a:schemeClr val="accent1"/>
+          </a:effectRef>
+          <a:fontRef idx="minor">
+            <a:schemeClr val="lt1"/>
+          </a:fontRef>
+        </p:style>
+        <p:txBody>
+          <a:bodyPr rtlCol="0" anchor="t"/>
+          <a:lstStyle/>
+          <a:p>
+            <a:pPr marL="0" marR="0" lvl="0" indent="0" defTabSz="914400" eaLnBrk="1" fontAlgn="auto" latinLnBrk="0" hangingPunct="1">
+              <a:lnSpc>
+                <a:spcPct val="100000"/>
+              </a:lnSpc>
+              <a:spcBef>
+                <a:spcPts val="0"/>
+              </a:spcBef>
+              <a:spcAft>
+                <a:spcPts val="0"/>
+              </a:spcAft>
+              <a:buClrTx/>
+              <a:buSzTx/>
+              <a:buFontTx/>
+              <a:buNone/>
+              <a:tabLst/>
+              <a:defRPr/>
+            </a:pPr>
+            <a:r>
+              <a:rPr kumimoji="0" lang="en-US" sz="1800" b="0" i="0" u="none" strike="noStrike" kern="0" cap="none" spc="0" normalizeH="0" baseline="0" noProof="0" dirty="0">
+                <a:ln>
+                  <a:noFill/>
+                </a:ln>
+                <a:solidFill>
+                  <a:sysClr val="windowText" lastClr="000000"/>
+                </a:solidFill>
+                <a:effectLst/>
+                <a:uLnTx/>
+                <a:uFillTx/>
+              </a:rPr>
+              <a:t>Subsystems</a:t>
+            </a:r>
+          </a:p>
+        </p:txBody>
+      </p:sp>
+      <p:sp>
+        <p:nvSpPr>
+          <p:cNvPr id="7" name="Oval 6"/>
+          <p:cNvSpPr/>
+          <p:nvPr/>
+        </p:nvSpPr>
+        <p:spPr>
+          <a:xfrm>
+            <a:off x="4901429" y="3642679"/>
+            <a:ext cx="1645920" cy="731520"/>
+          </a:xfrm>
+          <a:prstGeom prst="ellipse">
+            <a:avLst/>
+          </a:prstGeom>
+          <a:solidFill>
+            <a:schemeClr val="accent6">
+              <a:lumMod val="50000"/>
+            </a:schemeClr>
+          </a:solidFill>
+        </p:spPr>
+        <p:style>
+          <a:lnRef idx="2">
+            <a:schemeClr val="accent1">
+              <a:shade val="50000"/>
+            </a:schemeClr>
+          </a:lnRef>
+          <a:fillRef idx="1">
+            <a:schemeClr val="accent1"/>
+          </a:fillRef>
+          <a:effectRef idx="0">
+            <a:schemeClr val="accent1"/>
+          </a:effectRef>
+          <a:fontRef idx="minor">
+            <a:schemeClr val="lt1"/>
+          </a:fontRef>
+        </p:style>
+        <p:txBody>
+          <a:bodyPr rtlCol="0" anchor="ctr"/>
+          <a:lstStyle/>
+          <a:p>
+            <a:pPr marL="0" marR="0" lvl="0" indent="0" algn="ctr" defTabSz="914400" eaLnBrk="1" fontAlgn="auto" latinLnBrk="0" hangingPunct="1">
+              <a:lnSpc>
+                <a:spcPct val="100000"/>
+              </a:lnSpc>
+              <a:spcBef>
+                <a:spcPts val="0"/>
+              </a:spcBef>
+              <a:spcAft>
+                <a:spcPts val="0"/>
+              </a:spcAft>
+              <a:buClrTx/>
+              <a:buSzTx/>
+              <a:buFontTx/>
+              <a:buNone/>
+              <a:tabLst/>
+              <a:defRPr/>
+            </a:pPr>
+            <a:r>
+              <a:rPr kumimoji="0" lang="en-US" sz="1800" b="0" i="0" u="none" strike="noStrike" kern="0" cap="none" spc="0" normalizeH="0" baseline="0" noProof="0" dirty="0">
+                <a:ln>
+                  <a:noFill/>
+                </a:ln>
+                <a:solidFill>
+                  <a:sysClr val="windowText" lastClr="000000"/>
+                </a:solidFill>
+                <a:effectLst/>
+                <a:uLnTx/>
+                <a:uFillTx/>
+              </a:rPr>
+              <a:t>Joystick Arm</a:t>
+            </a:r>
+          </a:p>
+        </p:txBody>
+      </p:sp>
+      <p:sp>
+        <p:nvSpPr>
+          <p:cNvPr id="8" name="Oval 7"/>
+          <p:cNvSpPr/>
+          <p:nvPr/>
+        </p:nvSpPr>
+        <p:spPr>
+          <a:xfrm>
+            <a:off x="8193023" y="1987296"/>
+            <a:ext cx="1929171" cy="1036320"/>
+          </a:xfrm>
+          <a:prstGeom prst="ellipse">
+            <a:avLst/>
+          </a:prstGeom>
+          <a:solidFill>
+            <a:schemeClr val="accent6">
+              <a:lumMod val="50000"/>
+            </a:schemeClr>
+          </a:solidFill>
+        </p:spPr>
+        <p:style>
+          <a:lnRef idx="2">
+            <a:schemeClr val="accent1">
+              <a:shade val="50000"/>
+            </a:schemeClr>
+          </a:lnRef>
+          <a:fillRef idx="1">
+            <a:schemeClr val="accent1"/>
+          </a:fillRef>
+          <a:effectRef idx="0">
+            <a:schemeClr val="accent1"/>
+          </a:effectRef>
+          <a:fontRef idx="minor">
+            <a:schemeClr val="lt1"/>
+          </a:fontRef>
+        </p:style>
+        <p:txBody>
+          <a:bodyPr rtlCol="0" anchor="ctr"/>
+          <a:lstStyle/>
+          <a:p>
+            <a:pPr marL="0" marR="0" lvl="0" indent="0" algn="ctr" defTabSz="914400" eaLnBrk="1" fontAlgn="auto" latinLnBrk="0" hangingPunct="1">
+              <a:lnSpc>
+                <a:spcPct val="100000"/>
+              </a:lnSpc>
+              <a:spcBef>
+                <a:spcPts val="0"/>
+              </a:spcBef>
+              <a:spcAft>
+                <a:spcPts val="0"/>
+              </a:spcAft>
+              <a:buClrTx/>
+              <a:buSzTx/>
+              <a:buFontTx/>
+              <a:buNone/>
+              <a:tabLst/>
+              <a:defRPr/>
+            </a:pPr>
+            <a:r>
+              <a:rPr lang="en-US" kern="0" dirty="0" err="1">
+                <a:solidFill>
+                  <a:sysClr val="windowText" lastClr="000000"/>
+                </a:solidFill>
+              </a:rPr>
+              <a:t>ArmSystem</a:t>
+            </a:r>
+            <a:endParaRPr kumimoji="0" lang="en-US" sz="1800" b="0" i="0" u="none" strike="noStrike" kern="0" cap="none" spc="0" normalizeH="0" baseline="0" noProof="0" dirty="0">
+              <a:ln>
+                <a:noFill/>
+              </a:ln>
+              <a:solidFill>
+                <a:sysClr val="windowText" lastClr="000000"/>
+              </a:solidFill>
+              <a:effectLst/>
+              <a:uLnTx/>
+              <a:uFillTx/>
+            </a:endParaRPr>
+          </a:p>
+        </p:txBody>
+      </p:sp>
+      <p:sp>
+        <p:nvSpPr>
+          <p:cNvPr id="10" name="Oval 9"/>
+          <p:cNvSpPr/>
+          <p:nvPr/>
+        </p:nvSpPr>
+        <p:spPr>
+          <a:xfrm>
+            <a:off x="4901429" y="4983230"/>
+            <a:ext cx="2468596" cy="554665"/>
+          </a:xfrm>
+          <a:prstGeom prst="ellipse">
+            <a:avLst/>
+          </a:prstGeom>
+          <a:solidFill>
+            <a:schemeClr val="accent6">
+              <a:lumMod val="50000"/>
+            </a:schemeClr>
+          </a:solidFill>
+        </p:spPr>
+        <p:style>
+          <a:lnRef idx="2">
+            <a:schemeClr val="accent1">
+              <a:shade val="50000"/>
+            </a:schemeClr>
+          </a:lnRef>
+          <a:fillRef idx="1">
+            <a:schemeClr val="accent1"/>
+          </a:fillRef>
+          <a:effectRef idx="0">
+            <a:schemeClr val="accent1"/>
+          </a:effectRef>
+          <a:fontRef idx="minor">
+            <a:schemeClr val="lt1"/>
+          </a:fontRef>
+        </p:style>
+        <p:txBody>
+          <a:bodyPr rtlCol="0" anchor="ctr"/>
+          <a:lstStyle/>
+          <a:p>
+            <a:pPr marL="0" marR="0" lvl="0" indent="0" algn="ctr" defTabSz="914400" eaLnBrk="1" fontAlgn="auto" latinLnBrk="0" hangingPunct="1">
+              <a:lnSpc>
+                <a:spcPct val="100000"/>
+              </a:lnSpc>
+              <a:spcBef>
+                <a:spcPts val="0"/>
+              </a:spcBef>
+              <a:spcAft>
+                <a:spcPts val="0"/>
+              </a:spcAft>
+              <a:buClrTx/>
+              <a:buSzTx/>
+              <a:buFontTx/>
+              <a:buNone/>
+              <a:tabLst/>
+              <a:defRPr/>
+            </a:pPr>
+            <a:r>
+              <a:rPr lang="en-US" kern="0" noProof="0" dirty="0" err="1">
+                <a:solidFill>
+                  <a:sysClr val="windowText" lastClr="000000"/>
+                </a:solidFill>
+              </a:rPr>
+              <a:t>enableSetpoint</a:t>
+            </a:r>
+            <a:endParaRPr kumimoji="0" lang="en-US" sz="1800" b="0" i="0" u="none" strike="noStrike" kern="0" cap="none" spc="0" normalizeH="0" baseline="0" noProof="0" dirty="0">
+              <a:ln>
+                <a:noFill/>
+              </a:ln>
+              <a:solidFill>
+                <a:sysClr val="windowText" lastClr="000000"/>
+              </a:solidFill>
+              <a:effectLst/>
+              <a:uLnTx/>
+              <a:uFillTx/>
+            </a:endParaRPr>
+          </a:p>
+        </p:txBody>
+      </p:sp>
+      <p:sp>
+        <p:nvSpPr>
+          <p:cNvPr id="12" name="Oval 11"/>
+          <p:cNvSpPr/>
+          <p:nvPr/>
+        </p:nvSpPr>
+        <p:spPr>
+          <a:xfrm>
+            <a:off x="5052166" y="4339838"/>
+            <a:ext cx="2520767" cy="618744"/>
+          </a:xfrm>
+          <a:prstGeom prst="ellipse">
+            <a:avLst/>
+          </a:prstGeom>
+          <a:solidFill>
+            <a:schemeClr val="accent6">
+              <a:lumMod val="50000"/>
+            </a:schemeClr>
+          </a:solidFill>
+        </p:spPr>
+        <p:style>
+          <a:lnRef idx="2">
+            <a:schemeClr val="accent1">
+              <a:shade val="50000"/>
+            </a:schemeClr>
+          </a:lnRef>
+          <a:fillRef idx="1">
+            <a:schemeClr val="accent1"/>
+          </a:fillRef>
+          <a:effectRef idx="0">
+            <a:schemeClr val="accent1"/>
+          </a:effectRef>
+          <a:fontRef idx="minor">
+            <a:schemeClr val="lt1"/>
+          </a:fontRef>
+        </p:style>
+        <p:txBody>
+          <a:bodyPr rtlCol="0" anchor="ctr"/>
+          <a:lstStyle/>
+          <a:p>
+            <a:pPr marL="0" marR="0" lvl="0" indent="0" algn="ctr" defTabSz="914400" eaLnBrk="1" fontAlgn="auto" latinLnBrk="0" hangingPunct="1">
+              <a:lnSpc>
+                <a:spcPct val="100000"/>
+              </a:lnSpc>
+              <a:spcBef>
+                <a:spcPts val="0"/>
+              </a:spcBef>
+              <a:spcAft>
+                <a:spcPts val="0"/>
+              </a:spcAft>
+              <a:buClrTx/>
+              <a:buSzTx/>
+              <a:buFontTx/>
+              <a:buNone/>
+              <a:tabLst/>
+              <a:defRPr/>
+            </a:pPr>
+            <a:r>
+              <a:rPr lang="en-US" kern="0" noProof="0" dirty="0" err="1">
+                <a:solidFill>
+                  <a:sysClr val="windowText" lastClr="000000"/>
+                </a:solidFill>
+              </a:rPr>
+              <a:t>upSetpointTable</a:t>
+            </a:r>
+            <a:endParaRPr kumimoji="0" lang="en-US" sz="1800" b="0" i="0" u="none" strike="noStrike" kern="0" cap="none" spc="0" normalizeH="0" baseline="0" noProof="0" dirty="0">
+              <a:ln>
+                <a:noFill/>
+              </a:ln>
+              <a:solidFill>
+                <a:sysClr val="windowText" lastClr="000000"/>
+              </a:solidFill>
+              <a:effectLst/>
+              <a:uLnTx/>
+              <a:uFillTx/>
+            </a:endParaRPr>
+          </a:p>
+        </p:txBody>
+      </p:sp>
+      <p:sp>
+        <p:nvSpPr>
+          <p:cNvPr id="9" name="Oval 8"/>
+          <p:cNvSpPr/>
+          <p:nvPr/>
+        </p:nvSpPr>
+        <p:spPr>
+          <a:xfrm>
+            <a:off x="6959965" y="5416508"/>
+            <a:ext cx="713303" cy="478465"/>
+          </a:xfrm>
+          <a:prstGeom prst="ellipse">
+            <a:avLst/>
+          </a:prstGeom>
+          <a:solidFill>
+            <a:schemeClr val="accent6">
+              <a:lumMod val="50000"/>
+            </a:schemeClr>
+          </a:solidFill>
+        </p:spPr>
+        <p:style>
+          <a:lnRef idx="2">
+            <a:schemeClr val="accent1">
+              <a:shade val="50000"/>
+            </a:schemeClr>
+          </a:lnRef>
+          <a:fillRef idx="1">
+            <a:schemeClr val="accent1"/>
+          </a:fillRef>
+          <a:effectRef idx="0">
+            <a:schemeClr val="accent1"/>
+          </a:effectRef>
+          <a:fontRef idx="minor">
+            <a:schemeClr val="lt1"/>
+          </a:fontRef>
+        </p:style>
+        <p:txBody>
+          <a:bodyPr rtlCol="0" anchor="ctr"/>
+          <a:lstStyle/>
+          <a:p>
+            <a:pPr algn="ctr"/>
+            <a:r>
+              <a:rPr lang="en-US" dirty="0" err="1"/>
+              <a:t>etc</a:t>
+            </a:r>
+            <a:endParaRPr lang="en-US" dirty="0"/>
+          </a:p>
+        </p:txBody>
+      </p:sp>
+      <p:sp>
+        <p:nvSpPr>
+          <p:cNvPr id="13" name="Rectangle: Rounded Corners 12"/>
+          <p:cNvSpPr/>
+          <p:nvPr/>
+        </p:nvSpPr>
+        <p:spPr>
+          <a:xfrm>
+            <a:off x="5274999" y="1591205"/>
+            <a:ext cx="1853184" cy="1040798"/>
+          </a:xfrm>
+          <a:prstGeom prst="roundRect">
+            <a:avLst/>
+          </a:prstGeom>
+          <a:solidFill>
+            <a:schemeClr val="accent6">
+              <a:lumMod val="75000"/>
+            </a:schemeClr>
+          </a:solidFill>
+        </p:spPr>
+        <p:style>
+          <a:lnRef idx="2">
+            <a:schemeClr val="accent1">
+              <a:shade val="50000"/>
+            </a:schemeClr>
+          </a:lnRef>
+          <a:fillRef idx="1">
+            <a:schemeClr val="accent1"/>
+          </a:fillRef>
+          <a:effectRef idx="0">
+            <a:schemeClr val="accent1"/>
+          </a:effectRef>
+          <a:fontRef idx="minor">
+            <a:schemeClr val="lt1"/>
+          </a:fontRef>
+        </p:style>
+        <p:txBody>
+          <a:bodyPr rtlCol="0" anchor="ctr"/>
+          <a:lstStyle/>
+          <a:p>
+            <a:pPr marL="0" marR="0" lvl="0" indent="0" algn="ctr" defTabSz="914400" eaLnBrk="1" fontAlgn="auto" latinLnBrk="0" hangingPunct="1">
+              <a:lnSpc>
+                <a:spcPct val="100000"/>
+              </a:lnSpc>
+              <a:spcBef>
+                <a:spcPts val="0"/>
+              </a:spcBef>
+              <a:spcAft>
+                <a:spcPts val="0"/>
+              </a:spcAft>
+              <a:buClrTx/>
+              <a:buSzTx/>
+              <a:buFontTx/>
+              <a:buNone/>
+              <a:tabLst/>
+              <a:defRPr/>
+            </a:pPr>
+            <a:r>
+              <a:rPr kumimoji="0" lang="en-US" sz="1800" b="0" i="0" u="none" strike="noStrike" kern="0" cap="none" spc="0" normalizeH="0" baseline="0" noProof="0" dirty="0" err="1">
+                <a:ln>
+                  <a:noFill/>
+                </a:ln>
+                <a:solidFill>
+                  <a:sysClr val="windowText" lastClr="000000"/>
+                </a:solidFill>
+                <a:effectLst/>
+                <a:uLnTx/>
+                <a:uFillTx/>
+              </a:rPr>
+              <a:t>RobotMap</a:t>
+            </a:r>
+            <a:endParaRPr kumimoji="0" lang="en-US" sz="1800" b="0" i="0" u="none" strike="noStrike" kern="0" cap="none" spc="0" normalizeH="0" baseline="0" noProof="0" dirty="0">
+              <a:ln>
+                <a:noFill/>
+              </a:ln>
+              <a:solidFill>
+                <a:sysClr val="windowText" lastClr="000000"/>
+              </a:solidFill>
+              <a:effectLst/>
+              <a:uLnTx/>
+              <a:uFillTx/>
+            </a:endParaRPr>
+          </a:p>
+        </p:txBody>
+      </p:sp>
+      <p:sp>
+        <p:nvSpPr>
+          <p:cNvPr id="11" name="TextBox 10"/>
           <p:cNvSpPr txBox="1"/>
           <p:nvPr/>
         </p:nvSpPr>
         <p:spPr>
           <a:xfrm>
-            <a:off x="978195" y="584791"/>
-            <a:ext cx="6268254" cy="4247317"/>
+            <a:off x="2608115" y="1473353"/>
+            <a:ext cx="2157642" cy="3139321"/>
           </a:xfrm>
           <a:prstGeom prst="rect">
             <a:avLst/>
@@ -5474,19 +10883,16 @@
           <a:p>
             <a:r>
               <a:rPr lang="en-US" dirty="0"/>
-              <a:t>Java Basic</a:t>
-            </a:r>
-            <a:endParaRPr lang="en-US" dirty="0">
-              <a:hlinkClick r:id="rId2"/>
-            </a:endParaRPr>
-          </a:p>
-          <a:p>
-            <a:r>
-              <a:rPr lang="en-US" dirty="0">
-                <a:hlinkClick r:id="rId2"/>
-              </a:rPr>
-              <a:t>http://docs.oracle.com/javase/tutorial/</a:t>
-            </a:r>
+              <a:t>Initialization</a:t>
+            </a:r>
+          </a:p>
+          <a:p>
+            <a:r>
+              <a:rPr lang="en-US" dirty="0"/>
+              <a:t> set things up</a:t>
+            </a:r>
+          </a:p>
+          <a:p>
             <a:endParaRPr lang="en-US" dirty="0"/>
           </a:p>
           <a:p>
@@ -5494,81 +10900,44 @@
           </a:p>
           <a:p>
             <a:r>
-              <a:rPr lang="en-US" dirty="0">
-                <a:hlinkClick r:id="rId3"/>
-              </a:rPr>
-              <a:t>http://docs.oracle.com/javase/tutorial/java/concepts/index.html</a:t>
-            </a:r>
+              <a:rPr lang="en-US" dirty="0"/>
+              <a:t>Autonomous</a:t>
+            </a:r>
+          </a:p>
+          <a:p>
+            <a:r>
+              <a:rPr lang="en-US" dirty="0"/>
+              <a:t> schedule commands</a:t>
+            </a:r>
+          </a:p>
+          <a:p>
             <a:endParaRPr lang="en-US" dirty="0"/>
           </a:p>
           <a:p>
             <a:endParaRPr lang="en-US" dirty="0"/>
           </a:p>
           <a:p>
+            <a:endParaRPr lang="en-US" dirty="0"/>
+          </a:p>
+          <a:p>
+            <a:r>
+              <a:rPr lang="en-US" dirty="0" err="1"/>
+              <a:t>TeleOp</a:t>
+            </a:r>
+            <a:endParaRPr lang="en-US" dirty="0"/>
+          </a:p>
+          <a:p>
             <a:r>
               <a:rPr lang="en-US" dirty="0"/>
-              <a:t>FRC Java</a:t>
-            </a:r>
-          </a:p>
-          <a:p>
-            <a:r>
-              <a:rPr lang="en-US" dirty="0">
-                <a:hlinkClick r:id="rId4"/>
-              </a:rPr>
-              <a:t>https://wpilib.screenstepslive.com/s/4485/m/13809</a:t>
-            </a:r>
-            <a:endParaRPr lang="en-US" dirty="0"/>
-          </a:p>
-          <a:p>
-            <a:endParaRPr lang="en-US" dirty="0"/>
-          </a:p>
-          <a:p>
-            <a:r>
-              <a:rPr lang="en-US" dirty="0" err="1"/>
-              <a:t>RobotBuilder</a:t>
-            </a:r>
-            <a:endParaRPr lang="en-US" dirty="0"/>
-          </a:p>
-          <a:p>
-            <a:r>
-              <a:rPr lang="en-US" dirty="0">
-                <a:hlinkClick r:id="rId5"/>
-              </a:rPr>
-              <a:t>https://wpilib.screenstepslive.com/s/4485/m/26402</a:t>
-            </a:r>
-            <a:endParaRPr lang="en-US" dirty="0"/>
-          </a:p>
-          <a:p>
-            <a:endParaRPr lang="en-US" dirty="0"/>
-          </a:p>
-          <a:p>
-            <a:r>
-              <a:rPr lang="en-US" dirty="0" err="1"/>
-              <a:t>WPILib</a:t>
-            </a:r>
-            <a:endParaRPr lang="en-US" dirty="0"/>
-          </a:p>
-          <a:p>
-            <a:r>
-              <a:rPr lang="en-US" dirty="0">
-                <a:hlinkClick r:id="rId6"/>
-              </a:rPr>
-              <a:t>http://first.wpi.edu/FRC/roborio/release/docs/java/</a:t>
-            </a:r>
-            <a:endParaRPr lang="en-US" dirty="0"/>
-          </a:p>
-          <a:p>
-            <a:endParaRPr lang="en-US" dirty="0"/>
-          </a:p>
-          <a:p>
-            <a:endParaRPr lang="en-US" dirty="0"/>
+              <a:t> schedule commands</a:t>
+            </a:r>
           </a:p>
         </p:txBody>
       </p:sp>
     </p:spTree>
     <p:extLst>
       <p:ext uri="{BB962C8B-B14F-4D97-AF65-F5344CB8AC3E}">
-        <p14:creationId xmlns:p14="http://schemas.microsoft.com/office/powerpoint/2010/main" val="788375277"/>
+        <p14:creationId xmlns:p14="http://schemas.microsoft.com/office/powerpoint/2010/main" val="529846196"/>
       </p:ext>
     </p:extLst>
   </p:cSld>
@@ -5597,117 +10966,420 @@
       </p:grpSpPr>
       <p:sp>
         <p:nvSpPr>
-          <p:cNvPr id="2" name="Title 1"/>
-          <p:cNvSpPr>
-            <a:spLocks noGrp="1"/>
-          </p:cNvSpPr>
-          <p:nvPr>
-            <p:ph type="title"/>
-          </p:nvPr>
+          <p:cNvPr id="2" name="TextBox 1"/>
+          <p:cNvSpPr txBox="1"/>
+          <p:nvPr/>
         </p:nvSpPr>
         <p:spPr>
           <a:xfrm>
-            <a:off x="839788" y="457200"/>
-            <a:ext cx="3932237" cy="781291"/>
+            <a:off x="966906" y="596080"/>
+            <a:ext cx="6100131" cy="5355312"/>
           </a:xfrm>
+          <a:prstGeom prst="rect">
+            <a:avLst/>
+          </a:prstGeom>
+          <a:noFill/>
         </p:spPr>
         <p:txBody>
-          <a:bodyPr/>
+          <a:bodyPr wrap="none" rtlCol="0">
+            <a:spAutoFit/>
+          </a:bodyPr>
           <a:lstStyle/>
           <a:p>
             <a:r>
               <a:rPr lang="en-US" dirty="0"/>
-              <a:t>Eclipse IDE</a:t>
-            </a:r>
-          </a:p>
-        </p:txBody>
-      </p:sp>
-      <p:sp>
-        <p:nvSpPr>
-          <p:cNvPr id="4" name="Text Placeholder 3"/>
-          <p:cNvSpPr>
-            <a:spLocks noGrp="1"/>
-          </p:cNvSpPr>
-          <p:nvPr>
-            <p:ph type="body" sz="half" idx="2"/>
-          </p:nvPr>
-        </p:nvSpPr>
-        <p:spPr>
-          <a:xfrm>
-            <a:off x="839788" y="1319514"/>
-            <a:ext cx="3246075" cy="4549474"/>
-          </a:xfrm>
-        </p:spPr>
-        <p:txBody>
-          <a:bodyPr>
-            <a:normAutofit/>
-          </a:bodyPr>
-          <a:lstStyle/>
+              <a:t>Java Basic</a:t>
+            </a:r>
+          </a:p>
           <a:p>
             <a:r>
               <a:rPr lang="en-US" dirty="0"/>
-              <a:t>Integrated Development Environment</a:t>
+              <a:t>Tutorial</a:t>
             </a:r>
           </a:p>
           <a:p>
             <a:r>
               <a:rPr lang="en-US" dirty="0"/>
-              <a:t>Open Source eclipse.org</a:t>
-            </a:r>
-          </a:p>
-          <a:p>
-            <a:r>
-              <a:rPr lang="en-US" dirty="0"/>
-              <a:t>Add-ons for many languages</a:t>
-            </a:r>
-          </a:p>
-          <a:p>
-            <a:r>
-              <a:rPr lang="en-US" dirty="0"/>
-              <a:t>Real-time syntax and reference validation</a:t>
-            </a:r>
-          </a:p>
-          <a:p>
-            <a:r>
-              <a:rPr lang="en-US" dirty="0" err="1"/>
-              <a:t>WPIlib</a:t>
-            </a:r>
-            <a:r>
-              <a:rPr lang="en-US" dirty="0"/>
-              <a:t> extensions for FRC authorized objects</a:t>
-            </a:r>
-          </a:p>
-          <a:p>
-            <a:r>
-              <a:rPr lang="en-US" dirty="0"/>
-              <a:t>3</a:t>
-            </a:r>
-            <a:r>
-              <a:rPr lang="en-US" baseline="30000" dirty="0"/>
-              <a:t>rd</a:t>
-            </a:r>
-            <a:r>
-              <a:rPr lang="en-US" dirty="0"/>
-              <a:t> party support for optional add-ons</a:t>
-            </a:r>
-          </a:p>
-          <a:p>
-            <a:r>
-              <a:rPr lang="en-US" dirty="0"/>
-              <a:t>	e.g. Original Equipment Manufacturers may provide Java/C++ code for their products as either samples or libraries</a:t>
-            </a:r>
+              <a:t>http://docs.oracle.com/javase/tutorial/</a:t>
+            </a:r>
+          </a:p>
+          <a:p>
+            <a:endParaRPr lang="en-US" dirty="0"/>
           </a:p>
           <a:p>
             <a:r>
               <a:rPr lang="en-US" dirty="0">
                 <a:hlinkClick r:id="rId2"/>
               </a:rPr>
-              <a:t>https://eclipse.org/home</a:t>
+              <a:t>http://docs.oracle.com/javase/tutorial/java/concepts/index.html</a:t>
             </a:r>
             <a:endParaRPr lang="en-US" dirty="0"/>
           </a:p>
           <a:p>
             <a:endParaRPr lang="en-US" dirty="0"/>
+          </a:p>
+          <a:p>
+            <a:r>
+              <a:rPr lang="en-US" dirty="0"/>
+              <a:t>Java Doc</a:t>
+            </a:r>
+          </a:p>
+          <a:p>
+            <a:r>
+              <a:rPr lang="en-US" dirty="0">
+                <a:hlinkClick r:id="rId3"/>
+              </a:rPr>
+              <a:t>http://docs.oracle.com/javase/8/docs/api/index.html</a:t>
+            </a:r>
+            <a:endParaRPr lang="en-US" dirty="0"/>
+          </a:p>
+          <a:p>
+            <a:endParaRPr lang="en-US" dirty="0"/>
+          </a:p>
+          <a:p>
+            <a:r>
+              <a:rPr lang="en-US" dirty="0"/>
+              <a:t>FRC Java</a:t>
+            </a:r>
+          </a:p>
+          <a:p>
+            <a:r>
+              <a:rPr lang="en-US" dirty="0">
+                <a:hlinkClick r:id="rId4"/>
+              </a:rPr>
+              <a:t>https://wpilib.screenstepslive.com/s/4485/m/13809</a:t>
+            </a:r>
+            <a:endParaRPr lang="en-US" dirty="0"/>
+          </a:p>
+          <a:p>
+            <a:endParaRPr lang="en-US" dirty="0"/>
+          </a:p>
+          <a:p>
+            <a:r>
+              <a:rPr lang="en-US" dirty="0" err="1"/>
+              <a:t>RobotBuilder</a:t>
+            </a:r>
+            <a:endParaRPr lang="en-US" dirty="0"/>
+          </a:p>
+          <a:p>
+            <a:r>
+              <a:rPr lang="en-US" dirty="0">
+                <a:hlinkClick r:id="rId5"/>
+              </a:rPr>
+              <a:t>https://wpilib.screenstepslive.com/s/4485/m/26402</a:t>
+            </a:r>
+            <a:endParaRPr lang="en-US" dirty="0"/>
+          </a:p>
+          <a:p>
+            <a:endParaRPr lang="en-US" dirty="0"/>
+          </a:p>
+          <a:p>
+            <a:r>
+              <a:rPr lang="en-US" dirty="0" err="1"/>
+              <a:t>WPILib</a:t>
+            </a:r>
+            <a:endParaRPr lang="en-US" dirty="0"/>
+          </a:p>
+          <a:p>
+            <a:r>
+              <a:rPr lang="en-US" dirty="0">
+                <a:hlinkClick r:id="rId6"/>
+              </a:rPr>
+              <a:t>http://first.wpi.edu/FRC/roborio/release/docs/java/</a:t>
+            </a:r>
+            <a:endParaRPr lang="en-US" dirty="0"/>
+          </a:p>
+          <a:p>
+            <a:endParaRPr lang="en-US" dirty="0"/>
+          </a:p>
+          <a:p>
+            <a:endParaRPr lang="en-US" dirty="0"/>
+          </a:p>
+        </p:txBody>
+      </p:sp>
+    </p:spTree>
+    <p:extLst>
+      <p:ext uri="{BB962C8B-B14F-4D97-AF65-F5344CB8AC3E}">
+        <p14:creationId xmlns:p14="http://schemas.microsoft.com/office/powerpoint/2010/main" val="788375277"/>
+      </p:ext>
+    </p:extLst>
+  </p:cSld>
+  <p:clrMapOvr>
+    <a:masterClrMapping/>
+  </p:clrMapOvr>
+</p:sld>
+</file>
+
+<file path=ppt/slides/slide8.xml><?xml version="1.0" encoding="utf-8"?>
+<p:sld xmlns:a="http://schemas.openxmlformats.org/drawingml/2006/main" xmlns:r="http://schemas.openxmlformats.org/officeDocument/2006/relationships" xmlns:p="http://schemas.openxmlformats.org/presentationml/2006/main">
+  <p:cSld>
+    <p:spTree>
+      <p:nvGrpSpPr>
+        <p:cNvPr id="1" name=""/>
+        <p:cNvGrpSpPr/>
+        <p:nvPr/>
+      </p:nvGrpSpPr>
+      <p:grpSpPr>
+        <a:xfrm>
+          <a:off x="0" y="0"/>
+          <a:ext cx="0" cy="0"/>
+          <a:chOff x="0" y="0"/>
+          <a:chExt cx="0" cy="0"/>
+        </a:xfrm>
+      </p:grpSpPr>
+      <p:pic>
+        <p:nvPicPr>
+          <p:cNvPr id="2" name="Picture 1"/>
+          <p:cNvPicPr>
+            <a:picLocks noChangeAspect="1"/>
+          </p:cNvPicPr>
+          <p:nvPr/>
+        </p:nvPicPr>
+        <p:blipFill>
+          <a:blip r:embed="rId3"/>
+          <a:stretch>
+            <a:fillRect/>
+          </a:stretch>
+        </p:blipFill>
+        <p:spPr>
+          <a:xfrm>
+            <a:off x="3936666" y="228761"/>
+            <a:ext cx="7765340" cy="6258849"/>
+          </a:xfrm>
+          <a:prstGeom prst="rect">
+            <a:avLst/>
+          </a:prstGeom>
+        </p:spPr>
+      </p:pic>
+      <p:sp>
+        <p:nvSpPr>
+          <p:cNvPr id="3" name="TextBox 2"/>
+          <p:cNvSpPr txBox="1"/>
+          <p:nvPr/>
+        </p:nvSpPr>
+        <p:spPr>
+          <a:xfrm>
+            <a:off x="417689" y="372533"/>
+            <a:ext cx="3548215" cy="6186309"/>
+          </a:xfrm>
+          <a:prstGeom prst="rect">
+            <a:avLst/>
+          </a:prstGeom>
+          <a:noFill/>
+        </p:spPr>
+        <p:txBody>
+          <a:bodyPr wrap="none" rtlCol="0">
+            <a:spAutoFit/>
+          </a:bodyPr>
+          <a:lstStyle/>
+          <a:p>
+            <a:pPr algn="ctr"/>
+            <a:r>
+              <a:rPr lang="en-US" dirty="0"/>
+              <a:t>FRC </a:t>
+            </a:r>
+            <a:r>
+              <a:rPr lang="en-US" dirty="0" err="1"/>
+              <a:t>RobotBuilder</a:t>
+            </a:r>
+            <a:endParaRPr lang="en-US" dirty="0"/>
+          </a:p>
+          <a:p>
+            <a:endParaRPr lang="en-US" dirty="0"/>
+          </a:p>
+          <a:p>
+            <a:pPr algn="ctr"/>
+            <a:r>
+              <a:rPr lang="en-US" dirty="0"/>
+              <a:t>Drag-n-drop icons to build </a:t>
+            </a:r>
+          </a:p>
+          <a:p>
+            <a:pPr algn="ctr"/>
+            <a:r>
+              <a:rPr lang="en-US" dirty="0"/>
+              <a:t>basic structure</a:t>
+            </a:r>
+          </a:p>
+          <a:p>
+            <a:pPr algn="ctr"/>
+            <a:endParaRPr lang="en-US" dirty="0"/>
+          </a:p>
+          <a:p>
+            <a:pPr algn="ctr"/>
+            <a:r>
+              <a:rPr lang="en-US" dirty="0"/>
+              <a:t>Generates C++ and Java</a:t>
+            </a:r>
+          </a:p>
+          <a:p>
+            <a:pPr algn="ctr"/>
+            <a:r>
+              <a:rPr lang="en-US" dirty="0"/>
+              <a:t>In Command Based structure</a:t>
+            </a:r>
+          </a:p>
+          <a:p>
+            <a:pPr algn="ctr"/>
+            <a:endParaRPr lang="en-US" dirty="0"/>
+          </a:p>
+          <a:p>
+            <a:pPr algn="ctr"/>
+            <a:r>
+              <a:rPr lang="en-US" dirty="0"/>
+              <a:t>Code Generators are a common</a:t>
+            </a:r>
+          </a:p>
+          <a:p>
+            <a:pPr algn="ctr"/>
+            <a:r>
+              <a:rPr lang="en-US" dirty="0"/>
+              <a:t>Get-</a:t>
+            </a:r>
+            <a:r>
+              <a:rPr lang="en-US" dirty="0" err="1"/>
+              <a:t>em</a:t>
+            </a:r>
+            <a:r>
+              <a:rPr lang="en-US" dirty="0"/>
+              <a:t>-up quick tool</a:t>
+            </a:r>
+          </a:p>
+          <a:p>
+            <a:pPr algn="ctr"/>
+            <a:r>
+              <a:rPr lang="en-US" dirty="0"/>
+              <a:t>But there are limitations</a:t>
+            </a:r>
+          </a:p>
+          <a:p>
+            <a:pPr algn="ctr"/>
+            <a:r>
+              <a:rPr lang="en-US" dirty="0"/>
+              <a:t>Class Names = Object Names</a:t>
+            </a:r>
+          </a:p>
+          <a:p>
+            <a:pPr algn="ctr"/>
+            <a:r>
+              <a:rPr lang="en-US" dirty="0"/>
+              <a:t>	not always true</a:t>
+            </a:r>
+          </a:p>
+          <a:p>
+            <a:pPr algn="ctr"/>
+            <a:endParaRPr lang="en-US" dirty="0"/>
+          </a:p>
+          <a:p>
+            <a:pPr algn="ctr"/>
+            <a:r>
+              <a:rPr lang="en-US" dirty="0"/>
+              <a:t>Cannot do more complex structures</a:t>
+            </a:r>
+          </a:p>
+          <a:p>
+            <a:pPr algn="ctr"/>
+            <a:endParaRPr lang="en-US" dirty="0"/>
+          </a:p>
+          <a:p>
+            <a:pPr algn="ctr"/>
+            <a:r>
+              <a:rPr lang="en-US" dirty="0"/>
+              <a:t>Violates some concepts of </a:t>
+            </a:r>
+          </a:p>
+          <a:p>
+            <a:pPr algn="ctr"/>
+            <a:r>
+              <a:rPr lang="en-US" dirty="0"/>
+              <a:t>Encapsulation (especially in</a:t>
+            </a:r>
+          </a:p>
+          <a:p>
+            <a:pPr algn="ctr"/>
+            <a:r>
+              <a:rPr lang="en-US" dirty="0" err="1"/>
+              <a:t>Robotmap</a:t>
+            </a:r>
+            <a:r>
+              <a:rPr lang="en-US" dirty="0"/>
+              <a:t>)</a:t>
+            </a:r>
+          </a:p>
+          <a:p>
+            <a:pPr algn="ctr"/>
+            <a:endParaRPr lang="en-US" dirty="0"/>
+          </a:p>
+          <a:p>
+            <a:pPr algn="ctr"/>
+            <a:r>
+              <a:rPr lang="en-US" dirty="0"/>
+              <a:t>Got us going the last two seasons</a:t>
+            </a:r>
+          </a:p>
+          <a:p>
+            <a:pPr algn="ctr"/>
+            <a:r>
+              <a:rPr lang="en-US" dirty="0"/>
+              <a:t>Is it Time to move on?</a:t>
+            </a:r>
+          </a:p>
+        </p:txBody>
+      </p:sp>
+    </p:spTree>
+    <p:extLst>
+      <p:ext uri="{BB962C8B-B14F-4D97-AF65-F5344CB8AC3E}">
+        <p14:creationId xmlns:p14="http://schemas.microsoft.com/office/powerpoint/2010/main" val="1799670289"/>
+      </p:ext>
+    </p:extLst>
+  </p:cSld>
+  <p:clrMapOvr>
+    <a:masterClrMapping/>
+  </p:clrMapOvr>
+</p:sld>
+</file>
+
+<file path=ppt/slides/slide9.xml><?xml version="1.0" encoding="utf-8"?>
+<p:sld xmlns:a="http://schemas.openxmlformats.org/drawingml/2006/main" xmlns:r="http://schemas.openxmlformats.org/officeDocument/2006/relationships" xmlns:p="http://schemas.openxmlformats.org/presentationml/2006/main">
+  <p:cSld>
+    <p:spTree>
+      <p:nvGrpSpPr>
+        <p:cNvPr id="1" name=""/>
+        <p:cNvGrpSpPr/>
+        <p:nvPr/>
+      </p:nvGrpSpPr>
+      <p:grpSpPr>
+        <a:xfrm>
+          <a:off x="0" y="0"/>
+          <a:ext cx="0" cy="0"/>
+          <a:chOff x="0" y="0"/>
+          <a:chExt cx="0" cy="0"/>
+        </a:xfrm>
+      </p:grpSpPr>
+      <p:sp>
+        <p:nvSpPr>
+          <p:cNvPr id="2" name="Title 1"/>
+          <p:cNvSpPr>
+            <a:spLocks noGrp="1"/>
+          </p:cNvSpPr>
+          <p:nvPr>
+            <p:ph type="title"/>
+          </p:nvPr>
+        </p:nvSpPr>
+        <p:spPr>
+          <a:xfrm>
+            <a:off x="839789" y="457200"/>
+            <a:ext cx="3585456" cy="781291"/>
+          </a:xfrm>
+        </p:spPr>
+        <p:txBody>
+          <a:bodyPr/>
+          <a:lstStyle/>
+          <a:p>
+            <a:r>
+              <a:rPr lang="en-US" dirty="0"/>
+              <a:t>Eclipse IDE</a:t>
+            </a:r>
           </a:p>
         </p:txBody>
       </p:sp>
@@ -5738,6 +11410,95 @@
           </a:prstGeom>
         </p:spPr>
       </p:pic>
+      <p:sp>
+        <p:nvSpPr>
+          <p:cNvPr id="4" name="Text Placeholder 3"/>
+          <p:cNvSpPr>
+            <a:spLocks noGrp="1"/>
+          </p:cNvSpPr>
+          <p:nvPr>
+            <p:ph type="body" sz="half" idx="2"/>
+          </p:nvPr>
+        </p:nvSpPr>
+        <p:spPr>
+          <a:xfrm>
+            <a:off x="839788" y="1319514"/>
+            <a:ext cx="3246075" cy="4549474"/>
+          </a:xfrm>
+        </p:spPr>
+        <p:txBody>
+          <a:bodyPr>
+            <a:normAutofit fontScale="92500" lnSpcReduction="20000"/>
+          </a:bodyPr>
+          <a:lstStyle/>
+          <a:p>
+            <a:r>
+              <a:rPr lang="en-US" dirty="0"/>
+              <a:t>Integrated Development Environment</a:t>
+            </a:r>
+          </a:p>
+          <a:p>
+            <a:r>
+              <a:rPr lang="en-US" dirty="0"/>
+              <a:t>Open Source eclipse.org</a:t>
+            </a:r>
+          </a:p>
+          <a:p>
+            <a:r>
+              <a:rPr lang="en-US" dirty="0"/>
+              <a:t>Add-ons for many languages</a:t>
+            </a:r>
+          </a:p>
+          <a:p>
+            <a:r>
+              <a:rPr lang="en-US" dirty="0"/>
+              <a:t>Real-time syntax and reference validation</a:t>
+            </a:r>
+          </a:p>
+          <a:p>
+            <a:r>
+              <a:rPr lang="en-US" dirty="0" err="1"/>
+              <a:t>WPIlib</a:t>
+            </a:r>
+            <a:r>
+              <a:rPr lang="en-US" dirty="0"/>
+              <a:t> extensions for FRC authorized objects</a:t>
+            </a:r>
+          </a:p>
+          <a:p>
+            <a:r>
+              <a:rPr lang="en-US" dirty="0"/>
+              <a:t>3</a:t>
+            </a:r>
+            <a:r>
+              <a:rPr lang="en-US" baseline="30000" dirty="0"/>
+              <a:t>rd</a:t>
+            </a:r>
+            <a:r>
+              <a:rPr lang="en-US" dirty="0"/>
+              <a:t> party support for optional add-ons</a:t>
+            </a:r>
+          </a:p>
+          <a:p>
+            <a:r>
+              <a:rPr lang="en-US" dirty="0"/>
+              <a:t>	e.g. Original Equipment Manufacturers may provide Java/C++ code for their products as either samples or libraries</a:t>
+            </a:r>
+          </a:p>
+          <a:p>
+            <a:r>
+              <a:rPr lang="en-US" dirty="0">
+                <a:hlinkClick r:id="rId4"/>
+              </a:rPr>
+              <a:t>https://eclipse.org/home</a:t>
+            </a:r>
+            <a:endParaRPr lang="en-US" dirty="0"/>
+          </a:p>
+          <a:p>
+            <a:endParaRPr lang="en-US" dirty="0"/>
+          </a:p>
+        </p:txBody>
+      </p:sp>
       <p:sp>
         <p:nvSpPr>
           <p:cNvPr id="6" name="Rectangle: Rounded Corners 5"/>
@@ -5977,277 +11738,240 @@
 </p:sld>
 </file>
 
-<file path=ppt/slides/slide8.xml><?xml version="1.0" encoding="utf-8"?>
-<p:sld xmlns:a="http://schemas.openxmlformats.org/drawingml/2006/main" xmlns:r="http://schemas.openxmlformats.org/officeDocument/2006/relationships" xmlns:p="http://schemas.openxmlformats.org/presentationml/2006/main">
-  <p:cSld>
-    <p:spTree>
-      <p:nvGrpSpPr>
-        <p:cNvPr id="1" name=""/>
-        <p:cNvGrpSpPr/>
-        <p:nvPr/>
-      </p:nvGrpSpPr>
-      <p:grpSpPr>
-        <a:xfrm>
-          <a:off x="0" y="0"/>
-          <a:ext cx="0" cy="0"/>
-          <a:chOff x="0" y="0"/>
-          <a:chExt cx="0" cy="0"/>
-        </a:xfrm>
-      </p:grpSpPr>
-      <p:sp>
-        <p:nvSpPr>
-          <p:cNvPr id="2" name="Rectangle 1"/>
-          <p:cNvSpPr/>
-          <p:nvPr/>
-        </p:nvSpPr>
-        <p:spPr>
-          <a:xfrm>
-            <a:off x="4362997" y="2967335"/>
-            <a:ext cx="3466013" cy="1754326"/>
-          </a:xfrm>
-          <a:prstGeom prst="rect">
-            <a:avLst/>
-          </a:prstGeom>
-          <a:noFill/>
-        </p:spPr>
-        <p:txBody>
-          <a:bodyPr wrap="none" lIns="91440" tIns="45720" rIns="91440" bIns="45720">
-            <a:spAutoFit/>
-          </a:bodyPr>
-          <a:lstStyle/>
-          <a:p>
-            <a:pPr algn="ctr"/>
-            <a:r>
-              <a:rPr lang="en-US" sz="5400" b="1" cap="none" spc="0" dirty="0">
-                <a:ln w="9525">
-                  <a:solidFill>
-                    <a:schemeClr val="bg1"/>
-                  </a:solidFill>
-                  <a:prstDash val="solid"/>
-                </a:ln>
-                <a:solidFill>
-                  <a:schemeClr val="accent5"/>
-                </a:solidFill>
-                <a:effectLst>
-                  <a:outerShdw blurRad="12700" dist="38100" dir="2700000" algn="tl" rotWithShape="0">
-                    <a:schemeClr val="accent5">
-                      <a:lumMod val="60000"/>
-                      <a:lumOff val="40000"/>
-                    </a:schemeClr>
-                  </a:outerShdw>
-                </a:effectLst>
-              </a:rPr>
-              <a:t>Eclipse</a:t>
-            </a:r>
-          </a:p>
-          <a:p>
-            <a:pPr algn="ctr"/>
-            <a:r>
-              <a:rPr lang="en-US" sz="5400" b="1" dirty="0" err="1">
-                <a:ln w="9525">
-                  <a:solidFill>
-                    <a:schemeClr val="bg1"/>
-                  </a:solidFill>
-                  <a:prstDash val="solid"/>
-                </a:ln>
-                <a:solidFill>
-                  <a:schemeClr val="accent5"/>
-                </a:solidFill>
-                <a:effectLst>
-                  <a:outerShdw blurRad="12700" dist="38100" dir="2700000" algn="tl" rotWithShape="0">
-                    <a:schemeClr val="accent5">
-                      <a:lumMod val="60000"/>
-                      <a:lumOff val="40000"/>
-                    </a:schemeClr>
-                  </a:outerShdw>
-                </a:effectLst>
-              </a:rPr>
-              <a:t>ArmSystem</a:t>
-            </a:r>
-            <a:endParaRPr lang="en-US" sz="5400" b="1" cap="none" spc="0" dirty="0">
-              <a:ln w="9525">
-                <a:solidFill>
-                  <a:schemeClr val="bg1"/>
-                </a:solidFill>
-                <a:prstDash val="solid"/>
-              </a:ln>
-              <a:solidFill>
-                <a:schemeClr val="accent5"/>
-              </a:solidFill>
-              <a:effectLst>
-                <a:outerShdw blurRad="12700" dist="38100" dir="2700000" algn="tl" rotWithShape="0">
-                  <a:schemeClr val="accent5">
-                    <a:lumMod val="60000"/>
-                    <a:lumOff val="40000"/>
-                  </a:schemeClr>
-                </a:outerShdw>
-              </a:effectLst>
-            </a:endParaRPr>
-          </a:p>
-        </p:txBody>
-      </p:sp>
-    </p:spTree>
-    <p:extLst>
-      <p:ext uri="{BB962C8B-B14F-4D97-AF65-F5344CB8AC3E}">
-        <p14:creationId xmlns:p14="http://schemas.microsoft.com/office/powerpoint/2010/main" val="3067949633"/>
-      </p:ext>
-    </p:extLst>
-  </p:cSld>
-  <p:clrMapOvr>
-    <a:masterClrMapping/>
-  </p:clrMapOvr>
-</p:sld>
+<file path=ppt/theme/theme1.xml><?xml version="1.0" encoding="utf-8"?>
+<a:theme xmlns:a="http://schemas.openxmlformats.org/drawingml/2006/main" name="Organic">
+  <a:themeElements>
+    <a:clrScheme name="Organic">
+      <a:dk1>
+        <a:sysClr val="windowText" lastClr="000000"/>
+      </a:dk1>
+      <a:lt1>
+        <a:sysClr val="window" lastClr="FFFFFF"/>
+      </a:lt1>
+      <a:dk2>
+        <a:srgbClr val="212121"/>
+      </a:dk2>
+      <a:lt2>
+        <a:srgbClr val="DADADA"/>
+      </a:lt2>
+      <a:accent1>
+        <a:srgbClr val="AB946B"/>
+      </a:accent1>
+      <a:accent2>
+        <a:srgbClr val="C04F32"/>
+      </a:accent2>
+      <a:accent3>
+        <a:srgbClr val="DD8C3C"/>
+      </a:accent3>
+      <a:accent4>
+        <a:srgbClr val="8E684C"/>
+      </a:accent4>
+      <a:accent5>
+        <a:srgbClr val="CBAF62"/>
+      </a:accent5>
+      <a:accent6>
+        <a:srgbClr val="803348"/>
+      </a:accent6>
+      <a:hlink>
+        <a:srgbClr val="86724D"/>
+      </a:hlink>
+      <a:folHlink>
+        <a:srgbClr val="B99E84"/>
+      </a:folHlink>
+    </a:clrScheme>
+    <a:fontScheme name="Organic">
+      <a:majorFont>
+        <a:latin typeface="Garamond" panose="02020404030301010803"/>
+        <a:ea typeface=""/>
+        <a:cs typeface=""/>
+        <a:font script="Jpan" typeface="ＭＳ Ｐゴシック"/>
+        <a:font script="Hang" typeface="돋움"/>
+        <a:font script="Hans" typeface="方正舒体"/>
+        <a:font script="Hant" typeface="微軟正黑體"/>
+        <a:font script="Arab" typeface="Arial"/>
+        <a:font script="Hebr" typeface="Arial"/>
+        <a:font script="Thai" typeface="Cordia New"/>
+        <a:font script="Ethi" typeface="Nyala"/>
+        <a:font script="Beng" typeface="Vrinda"/>
+        <a:font script="Gujr" typeface="Shruti"/>
+        <a:font script="Khmr" typeface="DaunPenh"/>
+        <a:font script="Knda" typeface="Tunga"/>
+        <a:font script="Guru" typeface="Raavi"/>
+        <a:font script="Cans" typeface="Euphemia"/>
+        <a:font script="Cher" typeface="Plantagenet Cherokee"/>
+        <a:font script="Yiii" typeface="Microsoft Yi Baiti"/>
+        <a:font script="Tibt" typeface="Microsoft Himalaya"/>
+        <a:font script="Thaa" typeface="MV Boli"/>
+        <a:font script="Deva" typeface="Mangal"/>
+        <a:font script="Telu" typeface="Gautami"/>
+        <a:font script="Taml" typeface="Latha"/>
+        <a:font script="Syrc" typeface="Estrangelo Edessa"/>
+        <a:font script="Orya" typeface="Kalinga"/>
+        <a:font script="Mlym" typeface="Kartika"/>
+        <a:font script="Laoo" typeface="DokChampa"/>
+        <a:font script="Sinh" typeface="Iskoola Pota"/>
+        <a:font script="Mong" typeface="Mongolian Baiti"/>
+        <a:font script="Viet" typeface="Arial"/>
+        <a:font script="Uigh" typeface="Microsoft Uighur"/>
+        <a:font script="Geor" typeface="Sylfaen"/>
+      </a:majorFont>
+      <a:minorFont>
+        <a:latin typeface="Garamond" panose="02020404030301010803"/>
+        <a:ea typeface=""/>
+        <a:cs typeface=""/>
+        <a:font script="Jpan" typeface="ＭＳ Ｐ明朝"/>
+        <a:font script="Hang" typeface="바탕"/>
+        <a:font script="Hans" typeface="方正舒体"/>
+        <a:font script="Hant" typeface="新細明體"/>
+        <a:font script="Arab" typeface="Times New Roman"/>
+        <a:font script="Hebr" typeface="Times New Roman"/>
+        <a:font script="Thai" typeface="Angsana New"/>
+        <a:font script="Ethi" typeface="Nyala"/>
+        <a:font script="Beng" typeface="Vrinda"/>
+        <a:font script="Gujr" typeface="Shruti"/>
+        <a:font script="Khmr" typeface="MoolBoran"/>
+        <a:font script="Knda" typeface="Tunga"/>
+        <a:font script="Guru" typeface="Raavi"/>
+        <a:font script="Cans" typeface="Euphemia"/>
+        <a:font script="Cher" typeface="Plantagenet Cherokee"/>
+        <a:font script="Yiii" typeface="Microsoft Yi Baiti"/>
+        <a:font script="Tibt" typeface="Microsoft Himalaya"/>
+        <a:font script="Thaa" typeface="MV Boli"/>
+        <a:font script="Deva" typeface="Mangal"/>
+        <a:font script="Telu" typeface="Gautami"/>
+        <a:font script="Taml" typeface="Latha"/>
+        <a:font script="Syrc" typeface="Estrangelo Edessa"/>
+        <a:font script="Orya" typeface="Kalinga"/>
+        <a:font script="Mlym" typeface="Kartika"/>
+        <a:font script="Laoo" typeface="DokChampa"/>
+        <a:font script="Sinh" typeface="Iskoola Pota"/>
+        <a:font script="Mong" typeface="Mongolian Baiti"/>
+        <a:font script="Viet" typeface="Times New Roman"/>
+        <a:font script="Uigh" typeface="Microsoft Uighur"/>
+        <a:font script="Geor" typeface="Sylfaen"/>
+      </a:minorFont>
+    </a:fontScheme>
+    <a:fmtScheme name="Organic">
+      <a:fillStyleLst>
+        <a:solidFill>
+          <a:schemeClr val="phClr"/>
+        </a:solidFill>
+        <a:gradFill rotWithShape="1">
+          <a:gsLst>
+            <a:gs pos="0">
+              <a:schemeClr val="phClr">
+                <a:tint val="60000"/>
+                <a:lumMod val="110000"/>
+              </a:schemeClr>
+            </a:gs>
+            <a:gs pos="100000">
+              <a:schemeClr val="phClr">
+                <a:tint val="82000"/>
+              </a:schemeClr>
+            </a:gs>
+          </a:gsLst>
+          <a:lin ang="5400000" scaled="0"/>
+        </a:gradFill>
+        <a:blipFill>
+          <a:blip xmlns:r="http://schemas.openxmlformats.org/officeDocument/2006/relationships" r:embed="rId1">
+            <a:duotone>
+              <a:schemeClr val="phClr">
+                <a:shade val="74000"/>
+                <a:satMod val="130000"/>
+                <a:lumMod val="90000"/>
+              </a:schemeClr>
+              <a:schemeClr val="phClr">
+                <a:tint val="94000"/>
+                <a:satMod val="120000"/>
+                <a:lumMod val="104000"/>
+              </a:schemeClr>
+            </a:duotone>
+          </a:blip>
+          <a:tile tx="0" ty="0" sx="100000" sy="100000" flip="none" algn="tl"/>
+        </a:blipFill>
+      </a:fillStyleLst>
+      <a:lnStyleLst>
+        <a:ln w="9525" cap="flat" cmpd="sng" algn="ctr">
+          <a:solidFill>
+            <a:schemeClr val="phClr"/>
+          </a:solidFill>
+          <a:prstDash val="solid"/>
+        </a:ln>
+        <a:ln w="15875" cap="flat" cmpd="sng" algn="ctr">
+          <a:solidFill>
+            <a:schemeClr val="phClr"/>
+          </a:solidFill>
+          <a:prstDash val="solid"/>
+        </a:ln>
+        <a:ln w="25400" cap="flat" cmpd="sng" algn="ctr">
+          <a:solidFill>
+            <a:schemeClr val="phClr"/>
+          </a:solidFill>
+          <a:prstDash val="solid"/>
+        </a:ln>
+      </a:lnStyleLst>
+      <a:effectStyleLst>
+        <a:effectStyle>
+          <a:effectLst/>
+        </a:effectStyle>
+        <a:effectStyle>
+          <a:effectLst>
+            <a:innerShdw blurRad="25400" dist="12700" dir="13500000">
+              <a:srgbClr val="000000">
+                <a:alpha val="45000"/>
+              </a:srgbClr>
+            </a:innerShdw>
+          </a:effectLst>
+        </a:effectStyle>
+        <a:effectStyle>
+          <a:effectLst>
+            <a:outerShdw blurRad="38100" dist="25400" dir="5400000" rotWithShape="0">
+              <a:srgbClr val="000000">
+                <a:alpha val="60000"/>
+              </a:srgbClr>
+            </a:outerShdw>
+          </a:effectLst>
+        </a:effectStyle>
+      </a:effectStyleLst>
+      <a:bgFillStyleLst>
+        <a:solidFill>
+          <a:schemeClr val="phClr"/>
+        </a:solidFill>
+        <a:gradFill rotWithShape="1">
+          <a:gsLst>
+            <a:gs pos="0">
+              <a:schemeClr val="phClr">
+                <a:tint val="90000"/>
+                <a:lumMod val="110000"/>
+              </a:schemeClr>
+            </a:gs>
+            <a:gs pos="100000">
+              <a:schemeClr val="phClr">
+                <a:shade val="88000"/>
+                <a:lumMod val="98000"/>
+              </a:schemeClr>
+            </a:gs>
+          </a:gsLst>
+          <a:lin ang="5400000" scaled="0"/>
+        </a:gradFill>
+        <a:blipFill>
+          <a:blip xmlns:r="http://schemas.openxmlformats.org/officeDocument/2006/relationships" r:embed="rId2"/>
+          <a:stretch/>
+        </a:blipFill>
+      </a:bgFillStyleLst>
+    </a:fmtScheme>
+  </a:themeElements>
+  <a:objectDefaults/>
+  <a:extraClrSchemeLst/>
+  <a:extLst>
+    <a:ext uri="{05A4C25C-085E-4340-85A3-A5531E510DB2}">
+      <thm15:themeFamily xmlns:thm15="http://schemas.microsoft.com/office/thememl/2012/main" name="Organic" id="{28CDC826-8792-45C0-861B-85EB3ADEDA33}" vid="{A2BEDC8B-F191-493B-BA33-0F4F800A89D3}"/>
+    </a:ext>
+  </a:extLst>
+</a:theme>
 </file>
 
-<file path=ppt/slides/slide9.xml><?xml version="1.0" encoding="utf-8"?>
-<p:sld xmlns:a="http://schemas.openxmlformats.org/drawingml/2006/main" xmlns:r="http://schemas.openxmlformats.org/officeDocument/2006/relationships" xmlns:p="http://schemas.openxmlformats.org/presentationml/2006/main">
-  <p:cSld>
-    <p:spTree>
-      <p:nvGrpSpPr>
-        <p:cNvPr id="1" name=""/>
-        <p:cNvGrpSpPr/>
-        <p:nvPr/>
-      </p:nvGrpSpPr>
-      <p:grpSpPr>
-        <a:xfrm>
-          <a:off x="0" y="0"/>
-          <a:ext cx="0" cy="0"/>
-          <a:chOff x="0" y="0"/>
-          <a:chExt cx="0" cy="0"/>
-        </a:xfrm>
-      </p:grpSpPr>
-      <p:sp>
-        <p:nvSpPr>
-          <p:cNvPr id="2" name="Title 1"/>
-          <p:cNvSpPr>
-            <a:spLocks noGrp="1"/>
-          </p:cNvSpPr>
-          <p:nvPr>
-            <p:ph type="ctrTitle"/>
-          </p:nvPr>
-        </p:nvSpPr>
-        <p:spPr>
-          <a:xfrm>
-            <a:off x="1524000" y="1122363"/>
-            <a:ext cx="9144000" cy="1110474"/>
-          </a:xfrm>
-        </p:spPr>
-        <p:txBody>
-          <a:bodyPr/>
-          <a:lstStyle/>
-          <a:p>
-            <a:r>
-              <a:rPr lang="en-US" dirty="0"/>
-              <a:t>EXERCISES</a:t>
-            </a:r>
-          </a:p>
-        </p:txBody>
-      </p:sp>
-      <p:sp>
-        <p:nvSpPr>
-          <p:cNvPr id="3" name="Subtitle 2"/>
-          <p:cNvSpPr>
-            <a:spLocks noGrp="1"/>
-          </p:cNvSpPr>
-          <p:nvPr>
-            <p:ph type="subTitle" idx="1"/>
-          </p:nvPr>
-        </p:nvSpPr>
-        <p:spPr>
-          <a:xfrm>
-            <a:off x="1524000" y="2232837"/>
-            <a:ext cx="9144000" cy="3987210"/>
-          </a:xfrm>
-        </p:spPr>
-        <p:txBody>
-          <a:bodyPr>
-            <a:normAutofit/>
-          </a:bodyPr>
-          <a:lstStyle/>
-          <a:p>
-            <a:r>
-              <a:rPr lang="en-US" sz="3600" dirty="0"/>
-              <a:t>Arm System</a:t>
-            </a:r>
-          </a:p>
-          <a:p>
-            <a:r>
-              <a:rPr lang="en-US" dirty="0"/>
-              <a:t>Initialize (replace current autonomous)</a:t>
-            </a:r>
-          </a:p>
-          <a:p>
-            <a:r>
-              <a:rPr lang="en-US" dirty="0"/>
-              <a:t>Fix </a:t>
-            </a:r>
-            <a:r>
-              <a:rPr lang="en-US" dirty="0" err="1"/>
-              <a:t>isOnTarget</a:t>
-            </a:r>
-            <a:r>
-              <a:rPr lang="en-US" dirty="0"/>
-              <a:t> logic</a:t>
-            </a:r>
-          </a:p>
-          <a:p>
-            <a:r>
-              <a:rPr lang="en-US" dirty="0"/>
-              <a:t>Capture </a:t>
-            </a:r>
-            <a:r>
-              <a:rPr lang="en-US" dirty="0" err="1"/>
-              <a:t>Setpoint</a:t>
-            </a:r>
-            <a:r>
-              <a:rPr lang="en-US" dirty="0"/>
-              <a:t> Values into Table</a:t>
-            </a:r>
-          </a:p>
-          <a:p>
-            <a:r>
-              <a:rPr lang="en-US" dirty="0"/>
-              <a:t>Read </a:t>
-            </a:r>
-            <a:r>
-              <a:rPr lang="en-US" dirty="0" err="1"/>
-              <a:t>Setpoint</a:t>
-            </a:r>
-            <a:r>
-              <a:rPr lang="en-US" dirty="0"/>
-              <a:t> Table from File</a:t>
-            </a:r>
-          </a:p>
-          <a:p>
-            <a:r>
-              <a:rPr lang="en-US" dirty="0"/>
-              <a:t>Save </a:t>
-            </a:r>
-            <a:r>
-              <a:rPr lang="en-US" dirty="0" err="1"/>
-              <a:t>Setpoint</a:t>
-            </a:r>
-            <a:r>
-              <a:rPr lang="en-US" dirty="0"/>
-              <a:t> Table to File</a:t>
-            </a:r>
-          </a:p>
-        </p:txBody>
-      </p:sp>
-    </p:spTree>
-    <p:extLst>
-      <p:ext uri="{BB962C8B-B14F-4D97-AF65-F5344CB8AC3E}">
-        <p14:creationId xmlns:p14="http://schemas.microsoft.com/office/powerpoint/2010/main" val="732886656"/>
-      </p:ext>
-    </p:extLst>
-  </p:cSld>
-  <p:clrMapOvr>
-    <a:masterClrMapping/>
-  </p:clrMapOvr>
-</p:sld>
-</file>
-
-<file path=ppt/theme/theme1.xml><?xml version="1.0" encoding="utf-8"?>
+<file path=ppt/theme/theme2.xml><?xml version="1.0" encoding="utf-8"?>
 <a:theme xmlns:a="http://schemas.openxmlformats.org/drawingml/2006/main" name="Office Theme">
   <a:themeElements>
     <a:clrScheme name="Office">

--- a/Object Oriented Programming FRC Context ArmSystem.pptx
+++ b/Object Oriented Programming FRC Context ArmSystem.pptx
@@ -2,23 +2,26 @@
 <file path=ppt/presentation.xml><?xml version="1.0" encoding="utf-8"?>
 <p:presentation xmlns:a="http://schemas.openxmlformats.org/drawingml/2006/main" xmlns:r="http://schemas.openxmlformats.org/officeDocument/2006/relationships" xmlns:p="http://schemas.openxmlformats.org/presentationml/2006/main" saveSubsetFonts="1">
   <p:sldMasterIdLst>
-    <p:sldMasterId id="2147483696" r:id="rId1"/>
+    <p:sldMasterId id="2147483714" r:id="rId1"/>
   </p:sldMasterIdLst>
   <p:notesMasterIdLst>
-    <p:notesMasterId r:id="rId13"/>
+    <p:notesMasterId r:id="rId16"/>
   </p:notesMasterIdLst>
   <p:sldIdLst>
     <p:sldId id="256" r:id="rId2"/>
     <p:sldId id="261" r:id="rId3"/>
     <p:sldId id="259" r:id="rId4"/>
     <p:sldId id="262" r:id="rId5"/>
-    <p:sldId id="258" r:id="rId6"/>
-    <p:sldId id="268" r:id="rId7"/>
-    <p:sldId id="263" r:id="rId8"/>
-    <p:sldId id="269" r:id="rId9"/>
-    <p:sldId id="264" r:id="rId10"/>
-    <p:sldId id="266" r:id="rId11"/>
-    <p:sldId id="265" r:id="rId12"/>
+    <p:sldId id="268" r:id="rId6"/>
+    <p:sldId id="264" r:id="rId7"/>
+    <p:sldId id="272" r:id="rId8"/>
+    <p:sldId id="274" r:id="rId9"/>
+    <p:sldId id="266" r:id="rId10"/>
+    <p:sldId id="273" r:id="rId11"/>
+    <p:sldId id="270" r:id="rId12"/>
+    <p:sldId id="269" r:id="rId13"/>
+    <p:sldId id="271" r:id="rId14"/>
+    <p:sldId id="263" r:id="rId15"/>
   </p:sldIdLst>
   <p:sldSz cx="12192000" cy="6858000"/>
   <p:notesSz cx="6858000" cy="9144000"/>
@@ -210,7 +213,7 @@
           <a:p>
             <a:fld id="{F9C1B0B9-684F-45F6-91B4-DADBEF26290F}" type="datetimeFigureOut">
               <a:rPr lang="en-US" smtClean="0"/>
-              <a:t>10/16/2016</a:t>
+              <a:t>11/12/2016</a:t>
             </a:fld>
             <a:endParaRPr lang="en-US"/>
           </a:p>
@@ -1125,40 +1128,128 @@
           <a:p>
             <a:r>
               <a:rPr lang="en-US" dirty="0"/>
-              <a:t>The entire </a:t>
-            </a:r>
-            <a:r>
-              <a:rPr lang="en-US" dirty="0" err="1"/>
+              <a:t>WARNING</a:t>
+            </a:r>
+          </a:p>
+          <a:p>
+            <a:r>
+              <a:rPr lang="en-US" dirty="0"/>
+              <a:t>The</a:t>
+            </a:r>
+            <a:r>
+              <a:rPr lang="en-US" baseline="0" dirty="0"/>
+              <a:t> logical structure of the </a:t>
+            </a:r>
+            <a:r>
+              <a:rPr lang="en-US" baseline="0" dirty="0" err="1"/>
               <a:t>ArmSystem</a:t>
             </a:r>
             <a:r>
               <a:rPr lang="en-US" baseline="0" dirty="0"/>
-              <a:t> combines</a:t>
+              <a:t> project</a:t>
             </a:r>
           </a:p>
           <a:p>
             <a:r>
               <a:rPr lang="en-US" baseline="0" dirty="0"/>
-              <a:t>One (or more) linear actuators to meet the required lift capacity</a:t>
+              <a:t>The java “project has several “packages” or groupings of code members</a:t>
             </a:r>
           </a:p>
           <a:p>
             <a:r>
               <a:rPr lang="en-US" baseline="0" dirty="0"/>
-              <a:t>An analog potentiometer (or encoder) to measure arm position</a:t>
+              <a:t>	these are physically paths/folders in the workspace</a:t>
             </a:r>
           </a:p>
           <a:p>
             <a:r>
               <a:rPr lang="en-US" baseline="0" dirty="0"/>
-              <a:t>A “home” limit switch to set a standard baseline position</a:t>
+              <a:t>	each “class” shown in Eclipse is a file</a:t>
             </a:r>
           </a:p>
           <a:p>
             <a:r>
               <a:rPr lang="en-US" baseline="0" dirty="0"/>
-              <a:t>PID control implementation to be covered in more detail later</a:t>
-            </a:r>
+              <a:t>	a physical class can contain multiple class definitions – this can be an extensive subject on its own out of scope right now</a:t>
+            </a:r>
+          </a:p>
+          <a:p>
+            <a:r>
+              <a:rPr lang="en-US" baseline="0" dirty="0"/>
+              <a:t>OI, </a:t>
+            </a:r>
+            <a:r>
+              <a:rPr lang="en-US" baseline="0" dirty="0" err="1"/>
+              <a:t>RobotMap</a:t>
+            </a:r>
+            <a:r>
+              <a:rPr lang="en-US" baseline="0" dirty="0"/>
+              <a:t>, and Robot are grouped in the same package for FRC convention</a:t>
+            </a:r>
+          </a:p>
+          <a:p>
+            <a:r>
+              <a:rPr lang="en-US" baseline="0" dirty="0"/>
+              <a:t>Commands are in another package</a:t>
+            </a:r>
+          </a:p>
+          <a:p>
+            <a:r>
+              <a:rPr lang="en-US" baseline="0" dirty="0"/>
+              <a:t>	seen from another team was adding packages to group commands by the subsystem they work with (e.g. all Arm together, all Drive together, etc.)</a:t>
+            </a:r>
+          </a:p>
+          <a:p>
+            <a:r>
+              <a:rPr lang="en-US" baseline="0" dirty="0"/>
+              <a:t>Subsystems are in a package</a:t>
+            </a:r>
+          </a:p>
+          <a:p>
+            <a:r>
+              <a:rPr lang="en-US" baseline="0" dirty="0"/>
+              <a:t>Classes are the distinct blueprints for each object</a:t>
+            </a:r>
+          </a:p>
+          <a:p>
+            <a:r>
+              <a:rPr lang="en-US" baseline="0" dirty="0" err="1"/>
+              <a:t>RobotBuilder</a:t>
+            </a:r>
+            <a:r>
+              <a:rPr lang="en-US" baseline="0" dirty="0"/>
+              <a:t> as a tool is something we’ve used the last two seasons to kick-start code</a:t>
+            </a:r>
+          </a:p>
+          <a:p>
+            <a:r>
+              <a:rPr lang="en-US" baseline="0" dirty="0"/>
+              <a:t>The </a:t>
+            </a:r>
+            <a:r>
+              <a:rPr lang="en-US" baseline="0" dirty="0" err="1"/>
+              <a:t>wpilib</a:t>
+            </a:r>
+            <a:r>
+              <a:rPr lang="en-US" baseline="0" dirty="0"/>
+              <a:t> extensions to Eclipse provide templates under the “new” for commands, command groups, subsystems, etc. for specific FRC class types</a:t>
+            </a:r>
+          </a:p>
+          <a:p>
+            <a:r>
+              <a:rPr lang="en-US" baseline="0" dirty="0"/>
+              <a:t>Code generators have their limits, and </a:t>
+            </a:r>
+            <a:r>
+              <a:rPr lang="en-US" baseline="0" dirty="0" err="1"/>
+              <a:t>RobotBuilder</a:t>
+            </a:r>
+            <a:r>
+              <a:rPr lang="en-US" baseline="0" dirty="0"/>
+              <a:t> does create confusion for a java novice by using the same names for objects and classes – not necessary a bad thing unless the class is generic</a:t>
+            </a:r>
+          </a:p>
+          <a:p>
             <a:endParaRPr lang="en-US" dirty="0"/>
           </a:p>
         </p:txBody>
@@ -1189,7 +1280,7 @@
     </p:spTree>
     <p:extLst>
       <p:ext uri="{BB962C8B-B14F-4D97-AF65-F5344CB8AC3E}">
-        <p14:creationId xmlns:p14="http://schemas.microsoft.com/office/powerpoint/2010/main" val="254628274"/>
+        <p14:creationId xmlns:p14="http://schemas.microsoft.com/office/powerpoint/2010/main" val="2300480215"/>
       </p:ext>
     </p:extLst>
   </p:cSld>
@@ -1245,103 +1336,39 @@
           <a:p>
             <a:r>
               <a:rPr lang="en-US" dirty="0"/>
-              <a:t>WARNING</a:t>
-            </a:r>
-          </a:p>
-          <a:p>
-            <a:r>
-              <a:rPr lang="en-US" dirty="0"/>
-              <a:t>The</a:t>
+              <a:t>Don’t get hung up in the exact layout.</a:t>
             </a:r>
             <a:r>
               <a:rPr lang="en-US" baseline="0" dirty="0"/>
-              <a:t> logical structure of the </a:t>
-            </a:r>
-            <a:r>
-              <a:rPr lang="en-US" baseline="0" dirty="0" err="1"/>
-              <a:t>ArmSystem</a:t>
-            </a:r>
+              <a:t>  Screen shots are from installs with additional tools.</a:t>
+            </a:r>
+          </a:p>
+          <a:p>
             <a:r>
               <a:rPr lang="en-US" baseline="0" dirty="0"/>
-              <a:t> project</a:t>
-            </a:r>
-          </a:p>
-          <a:p>
+              <a:t>There are some new wrinkles in this sample that we’ll get into when looking at the code</a:t>
+            </a:r>
+          </a:p>
+          <a:p>
+            <a:r>
+              <a:rPr lang="en-US" dirty="0"/>
+              <a:t>NOTE that the</a:t>
+            </a:r>
             <a:r>
               <a:rPr lang="en-US" baseline="0" dirty="0"/>
-              <a:t>The java “project has several “packages” or groupings of code members</a:t>
+              <a:t> names shown at the detail level in this shot are class names, the physical files may actually contain multiple classes. </a:t>
             </a:r>
           </a:p>
           <a:p>
             <a:r>
               <a:rPr lang="en-US" baseline="0" dirty="0"/>
-              <a:t>	these are physically paths/folders in the workspace</a:t>
+              <a:t>Be aware of the logical code structure, not just where each piece is stored.</a:t>
             </a:r>
           </a:p>
           <a:p>
             <a:r>
               <a:rPr lang="en-US" baseline="0" dirty="0"/>
-              <a:t>	each “class” shown in Eclipse is a file</a:t>
-            </a:r>
-          </a:p>
-          <a:p>
-            <a:r>
-              <a:rPr lang="en-US" baseline="0" dirty="0"/>
-              <a:t>	a physical class can contain multiple class definitions – this can be an extensive subject on its own out of scope right now</a:t>
-            </a:r>
-          </a:p>
-          <a:p>
-            <a:r>
-              <a:rPr lang="en-US" baseline="0" dirty="0"/>
-              <a:t>OI, </a:t>
-            </a:r>
-            <a:r>
-              <a:rPr lang="en-US" baseline="0" dirty="0" err="1"/>
-              <a:t>RobotMap</a:t>
-            </a:r>
-            <a:r>
-              <a:rPr lang="en-US" baseline="0" dirty="0"/>
-              <a:t>, and Robot are grouped in the same package for FRC convention</a:t>
-            </a:r>
-          </a:p>
-          <a:p>
-            <a:r>
-              <a:rPr lang="en-US" baseline="0" dirty="0"/>
-              <a:t>Commands are in another package</a:t>
-            </a:r>
-          </a:p>
-          <a:p>
-            <a:r>
-              <a:rPr lang="en-US" baseline="0" dirty="0"/>
-              <a:t>	seen from another team was adding packages to group commands by the subsystem they work with (e.g. all Arm together, all Drive together, etc.)</a:t>
-            </a:r>
-          </a:p>
-          <a:p>
-            <a:r>
-              <a:rPr lang="en-US" baseline="0" dirty="0"/>
-              <a:t>Subsystems are in a package</a:t>
-            </a:r>
-          </a:p>
-          <a:p>
-            <a:r>
-              <a:rPr lang="en-US" baseline="0" dirty="0"/>
-              <a:t>Classes are the distinct blueprints for each object</a:t>
-            </a:r>
-          </a:p>
-          <a:p>
-            <a:r>
-              <a:rPr lang="en-US" baseline="0" dirty="0" err="1"/>
-              <a:t>RobotBuilder</a:t>
-            </a:r>
-            <a:r>
-              <a:rPr lang="en-US" baseline="0" dirty="0"/>
-              <a:t> as a tool is something we’ve used the last two seasons to kick-start code</a:t>
-            </a:r>
-          </a:p>
-          <a:p>
-            <a:r>
-              <a:rPr lang="en-US" baseline="0" dirty="0"/>
-              <a:t>The </a:t>
+              <a:t>Also note that the </a:t>
             </a:r>
             <a:r>
               <a:rPr lang="en-US" baseline="0" dirty="0" err="1"/>
@@ -1349,24 +1376,16 @@
             </a:r>
             <a:r>
               <a:rPr lang="en-US" baseline="0" dirty="0"/>
-              <a:t> extensions to Eclipse provide templates under the “new” for commands, command groups, subsystems, etc. for specific FRC class types</a:t>
-            </a:r>
-          </a:p>
-          <a:p>
+              <a:t> source is all available here and can be looked at.  Some teams have programmers that have “enhanced” the </a:t>
+            </a:r>
+            <a:r>
+              <a:rPr lang="en-US" baseline="0" dirty="0" err="1"/>
+              <a:t>wpi</a:t>
+            </a:r>
             <a:r>
               <a:rPr lang="en-US" baseline="0" dirty="0"/>
-              <a:t>Code generators have their limits, and </a:t>
-            </a:r>
-            <a:r>
-              <a:rPr lang="en-US" baseline="0" dirty="0" err="1"/>
-              <a:t>RobotBuilder</a:t>
-            </a:r>
-            <a:r>
-              <a:rPr lang="en-US" baseline="0" dirty="0"/>
-              <a:t> does create confusion for a java novice by using the same names for objects and classes – not necessary a bad thing unless the class is generic</a:t>
-            </a:r>
-          </a:p>
-          <a:p>
+              <a:t> code.</a:t>
+            </a:r>
             <a:endParaRPr lang="en-US" dirty="0"/>
           </a:p>
         </p:txBody>
@@ -1397,7 +1416,7 @@
     </p:spTree>
     <p:extLst>
       <p:ext uri="{BB962C8B-B14F-4D97-AF65-F5344CB8AC3E}">
-        <p14:creationId xmlns:p14="http://schemas.microsoft.com/office/powerpoint/2010/main" val="2300480215"/>
+        <p14:creationId xmlns:p14="http://schemas.microsoft.com/office/powerpoint/2010/main" val="392787377"/>
       </p:ext>
     </p:extLst>
   </p:cSld>
@@ -1453,23 +1472,11 @@
           <a:p>
             <a:r>
               <a:rPr lang="en-US" dirty="0"/>
-              <a:t>Really</a:t>
+              <a:t>Have eclipse</a:t>
             </a:r>
             <a:r>
               <a:rPr lang="en-US" baseline="0" dirty="0"/>
-              <a:t> does create code that violates object oriented and encapsulation</a:t>
-            </a:r>
-          </a:p>
-          <a:p>
-            <a:r>
-              <a:rPr lang="en-US" baseline="0" dirty="0"/>
-              <a:t>The naming convention for some classes shows up all over, even where it’s obvious teams are not using this tool</a:t>
-            </a:r>
-          </a:p>
-          <a:p>
-            <a:r>
-              <a:rPr lang="en-US" baseline="0" dirty="0"/>
-              <a:t>Best Practices – there are syntactical requirements, standards, and then conventions.  The first is enforced, the others get broken all the time.  My examples do not follow conventions because I don’t do java at work!!!</a:t>
+              <a:t> open to the project.</a:t>
             </a:r>
             <a:endParaRPr lang="en-US" dirty="0"/>
           </a:p>
@@ -1492,235 +1499,7 @@
           <a:p>
             <a:fld id="{73F8431B-E3E1-46AF-B1E9-2B8CCFB7923F}" type="slidenum">
               <a:rPr lang="en-US" smtClean="0"/>
-              <a:t>8</a:t>
-            </a:fld>
-            <a:endParaRPr lang="en-US"/>
-          </a:p>
-        </p:txBody>
-      </p:sp>
-    </p:spTree>
-    <p:extLst>
-      <p:ext uri="{BB962C8B-B14F-4D97-AF65-F5344CB8AC3E}">
-        <p14:creationId xmlns:p14="http://schemas.microsoft.com/office/powerpoint/2010/main" val="3597504837"/>
-      </p:ext>
-    </p:extLst>
-  </p:cSld>
-  <p:clrMapOvr>
-    <a:masterClrMapping/>
-  </p:clrMapOvr>
-</p:notes>
-</file>
-
-<file path=ppt/notesSlides/notesSlide8.xml><?xml version="1.0" encoding="utf-8"?>
-<p:notes xmlns:a="http://schemas.openxmlformats.org/drawingml/2006/main" xmlns:r="http://schemas.openxmlformats.org/officeDocument/2006/relationships" xmlns:p="http://schemas.openxmlformats.org/presentationml/2006/main">
-  <p:cSld>
-    <p:spTree>
-      <p:nvGrpSpPr>
-        <p:cNvPr id="1" name=""/>
-        <p:cNvGrpSpPr/>
-        <p:nvPr/>
-      </p:nvGrpSpPr>
-      <p:grpSpPr>
-        <a:xfrm>
-          <a:off x="0" y="0"/>
-          <a:ext cx="0" cy="0"/>
-          <a:chOff x="0" y="0"/>
-          <a:chExt cx="0" cy="0"/>
-        </a:xfrm>
-      </p:grpSpPr>
-      <p:sp>
-        <p:nvSpPr>
-          <p:cNvPr id="2" name="Slide Image Placeholder 1"/>
-          <p:cNvSpPr>
-            <a:spLocks noGrp="1" noRot="1" noChangeAspect="1"/>
-          </p:cNvSpPr>
-          <p:nvPr>
-            <p:ph type="sldImg"/>
-          </p:nvPr>
-        </p:nvSpPr>
-        <p:spPr/>
-      </p:sp>
-      <p:sp>
-        <p:nvSpPr>
-          <p:cNvPr id="3" name="Notes Placeholder 2"/>
-          <p:cNvSpPr>
-            <a:spLocks noGrp="1"/>
-          </p:cNvSpPr>
-          <p:nvPr>
-            <p:ph type="body" idx="1"/>
-          </p:nvPr>
-        </p:nvSpPr>
-        <p:spPr/>
-        <p:txBody>
-          <a:bodyPr/>
-          <a:lstStyle/>
-          <a:p>
-            <a:r>
-              <a:rPr lang="en-US" dirty="0"/>
-              <a:t>Don’t get hung up in the exact layout.</a:t>
-            </a:r>
-            <a:r>
-              <a:rPr lang="en-US" baseline="0" dirty="0"/>
-              <a:t>  Screen shots are from installs with additional tools.</a:t>
-            </a:r>
-          </a:p>
-          <a:p>
-            <a:r>
-              <a:rPr lang="en-US" baseline="0" dirty="0"/>
-              <a:t>There are some new wrinkles in this sample that we’ll get into when looking at the code</a:t>
-            </a:r>
-          </a:p>
-          <a:p>
-            <a:r>
-              <a:rPr lang="en-US" dirty="0"/>
-              <a:t>NOTE that the</a:t>
-            </a:r>
-            <a:r>
-              <a:rPr lang="en-US" baseline="0" dirty="0"/>
-              <a:t> names shown at the detail level in this shot are class names, the physical files may actually contain multiple classes. </a:t>
-            </a:r>
-          </a:p>
-          <a:p>
-            <a:r>
-              <a:rPr lang="en-US" baseline="0" dirty="0"/>
-              <a:t>Be aware of the logical code structure, not just where each piece is stored.</a:t>
-            </a:r>
-          </a:p>
-          <a:p>
-            <a:r>
-              <a:rPr lang="en-US" baseline="0" dirty="0"/>
-              <a:t>Also note that the </a:t>
-            </a:r>
-            <a:r>
-              <a:rPr lang="en-US" baseline="0" dirty="0" err="1"/>
-              <a:t>wpilib</a:t>
-            </a:r>
-            <a:r>
-              <a:rPr lang="en-US" baseline="0" dirty="0"/>
-              <a:t> source is all available here and can be looked at.  Some teams have programmers that have “enhanced” the </a:t>
-            </a:r>
-            <a:r>
-              <a:rPr lang="en-US" baseline="0" dirty="0" err="1"/>
-              <a:t>wpi</a:t>
-            </a:r>
-            <a:r>
-              <a:rPr lang="en-US" baseline="0" dirty="0"/>
-              <a:t> code.</a:t>
-            </a:r>
-            <a:endParaRPr lang="en-US" dirty="0"/>
-          </a:p>
-        </p:txBody>
-      </p:sp>
-      <p:sp>
-        <p:nvSpPr>
-          <p:cNvPr id="4" name="Slide Number Placeholder 3"/>
-          <p:cNvSpPr>
-            <a:spLocks noGrp="1"/>
-          </p:cNvSpPr>
-          <p:nvPr>
-            <p:ph type="sldNum" sz="quarter" idx="10"/>
-          </p:nvPr>
-        </p:nvSpPr>
-        <p:spPr/>
-        <p:txBody>
-          <a:bodyPr/>
-          <a:lstStyle/>
-          <a:p>
-            <a:fld id="{73F8431B-E3E1-46AF-B1E9-2B8CCFB7923F}" type="slidenum">
-              <a:rPr lang="en-US" smtClean="0"/>
               <a:t>9</a:t>
-            </a:fld>
-            <a:endParaRPr lang="en-US"/>
-          </a:p>
-        </p:txBody>
-      </p:sp>
-    </p:spTree>
-    <p:extLst>
-      <p:ext uri="{BB962C8B-B14F-4D97-AF65-F5344CB8AC3E}">
-        <p14:creationId xmlns:p14="http://schemas.microsoft.com/office/powerpoint/2010/main" val="392787377"/>
-      </p:ext>
-    </p:extLst>
-  </p:cSld>
-  <p:clrMapOvr>
-    <a:masterClrMapping/>
-  </p:clrMapOvr>
-</p:notes>
-</file>
-
-<file path=ppt/notesSlides/notesSlide9.xml><?xml version="1.0" encoding="utf-8"?>
-<p:notes xmlns:a="http://schemas.openxmlformats.org/drawingml/2006/main" xmlns:r="http://schemas.openxmlformats.org/officeDocument/2006/relationships" xmlns:p="http://schemas.openxmlformats.org/presentationml/2006/main">
-  <p:cSld>
-    <p:spTree>
-      <p:nvGrpSpPr>
-        <p:cNvPr id="1" name=""/>
-        <p:cNvGrpSpPr/>
-        <p:nvPr/>
-      </p:nvGrpSpPr>
-      <p:grpSpPr>
-        <a:xfrm>
-          <a:off x="0" y="0"/>
-          <a:ext cx="0" cy="0"/>
-          <a:chOff x="0" y="0"/>
-          <a:chExt cx="0" cy="0"/>
-        </a:xfrm>
-      </p:grpSpPr>
-      <p:sp>
-        <p:nvSpPr>
-          <p:cNvPr id="2" name="Slide Image Placeholder 1"/>
-          <p:cNvSpPr>
-            <a:spLocks noGrp="1" noRot="1" noChangeAspect="1"/>
-          </p:cNvSpPr>
-          <p:nvPr>
-            <p:ph type="sldImg"/>
-          </p:nvPr>
-        </p:nvSpPr>
-        <p:spPr/>
-      </p:sp>
-      <p:sp>
-        <p:nvSpPr>
-          <p:cNvPr id="3" name="Notes Placeholder 2"/>
-          <p:cNvSpPr>
-            <a:spLocks noGrp="1"/>
-          </p:cNvSpPr>
-          <p:nvPr>
-            <p:ph type="body" idx="1"/>
-          </p:nvPr>
-        </p:nvSpPr>
-        <p:spPr/>
-        <p:txBody>
-          <a:bodyPr/>
-          <a:lstStyle/>
-          <a:p>
-            <a:r>
-              <a:rPr lang="en-US" dirty="0"/>
-              <a:t>Have eclipse</a:t>
-            </a:r>
-            <a:r>
-              <a:rPr lang="en-US" baseline="0" dirty="0"/>
-              <a:t> open to the project.</a:t>
-            </a:r>
-            <a:endParaRPr lang="en-US" dirty="0"/>
-          </a:p>
-        </p:txBody>
-      </p:sp>
-      <p:sp>
-        <p:nvSpPr>
-          <p:cNvPr id="4" name="Slide Number Placeholder 3"/>
-          <p:cNvSpPr>
-            <a:spLocks noGrp="1"/>
-          </p:cNvSpPr>
-          <p:nvPr>
-            <p:ph type="sldNum" sz="quarter" idx="10"/>
-          </p:nvPr>
-        </p:nvSpPr>
-        <p:spPr/>
-        <p:txBody>
-          <a:bodyPr/>
-          <a:lstStyle/>
-          <a:p>
-            <a:fld id="{73F8431B-E3E1-46AF-B1E9-2B8CCFB7923F}" type="slidenum">
-              <a:rPr lang="en-US" smtClean="0"/>
-              <a:t>10</a:t>
             </a:fld>
             <a:endParaRPr lang="en-US"/>
           </a:p>
@@ -1756,36 +1535,143 @@
           <a:chExt cx="0" cy="0"/>
         </a:xfrm>
       </p:grpSpPr>
-      <p:pic>
-        <p:nvPicPr>
-          <p:cNvPr id="9" name="Picture 8" descr="HD-PanelTitle-GrommetsCombined.png"/>
-          <p:cNvPicPr>
-            <a:picLocks noChangeAspect="1"/>
-          </p:cNvPicPr>
+      <p:grpSp>
+        <p:nvGrpSpPr>
+          <p:cNvPr id="7" name="Group 6"/>
+          <p:cNvGrpSpPr/>
           <p:nvPr/>
-        </p:nvPicPr>
-        <p:blipFill>
-          <a:blip r:embed="rId2">
-            <a:extLst>
-              <a:ext uri="{28A0092B-C50C-407E-A947-70E740481C1C}">
-                <a14:useLocalDpi xmlns:a14="http://schemas.microsoft.com/office/drawing/2010/main" val="0"/>
-              </a:ext>
-            </a:extLst>
-          </a:blip>
-          <a:stretch>
-            <a:fillRect/>
-          </a:stretch>
-        </p:blipFill>
-        <p:spPr>
+        </p:nvGrpSpPr>
+        <p:grpSpPr>
           <a:xfrm>
-            <a:off x="0" y="0"/>
-            <a:ext cx="12188825" cy="6856214"/>
+            <a:off x="-16934" y="0"/>
+            <a:ext cx="12231160" cy="6856214"/>
+            <a:chOff x="-16934" y="0"/>
+            <a:chExt cx="12231160" cy="6856214"/>
           </a:xfrm>
-          <a:prstGeom prst="rect">
-            <a:avLst/>
-          </a:prstGeom>
-        </p:spPr>
-      </p:pic>
+        </p:grpSpPr>
+        <p:pic>
+          <p:nvPicPr>
+            <p:cNvPr id="16" name="Picture 15" descr="HD-PanelTitleR1.png"/>
+            <p:cNvPicPr>
+              <a:picLocks noChangeAspect="1"/>
+            </p:cNvPicPr>
+            <p:nvPr/>
+          </p:nvPicPr>
+          <p:blipFill>
+            <a:blip r:embed="rId2">
+              <a:extLst>
+                <a:ext uri="{28A0092B-C50C-407E-A947-70E740481C1C}">
+                  <a14:useLocalDpi xmlns:a14="http://schemas.microsoft.com/office/drawing/2010/main" val="0"/>
+                </a:ext>
+              </a:extLst>
+            </a:blip>
+            <a:stretch>
+              <a:fillRect/>
+            </a:stretch>
+          </p:blipFill>
+          <p:spPr>
+            <a:xfrm>
+              <a:off x="0" y="0"/>
+              <a:ext cx="12188825" cy="6856214"/>
+            </a:xfrm>
+            <a:prstGeom prst="rect">
+              <a:avLst/>
+            </a:prstGeom>
+          </p:spPr>
+        </p:pic>
+        <p:sp>
+          <p:nvSpPr>
+            <p:cNvPr id="26" name="Rectangle 25"/>
+            <p:cNvSpPr/>
+            <p:nvPr/>
+          </p:nvSpPr>
+          <p:spPr>
+            <a:xfrm>
+              <a:off x="2328332" y="1540931"/>
+              <a:ext cx="7543802" cy="3835401"/>
+            </a:xfrm>
+            <a:prstGeom prst="rect">
+              <a:avLst/>
+            </a:prstGeom>
+            <a:noFill/>
+            <a:ln w="15875">
+              <a:miter lim="800000"/>
+            </a:ln>
+          </p:spPr>
+          <p:style>
+            <a:lnRef idx="1">
+              <a:schemeClr val="accent1"/>
+            </a:lnRef>
+            <a:fillRef idx="3">
+              <a:schemeClr val="accent1"/>
+            </a:fillRef>
+            <a:effectRef idx="2">
+              <a:schemeClr val="accent1"/>
+            </a:effectRef>
+            <a:fontRef idx="minor">
+              <a:schemeClr val="lt1"/>
+            </a:fontRef>
+          </p:style>
+        </p:sp>
+        <p:pic>
+          <p:nvPicPr>
+            <p:cNvPr id="17" name="Picture 16" descr="HDRibbonTitle-UniformTrim.png"/>
+            <p:cNvPicPr>
+              <a:picLocks noChangeAspect="1"/>
+            </p:cNvPicPr>
+            <p:nvPr/>
+          </p:nvPicPr>
+          <p:blipFill rotWithShape="1">
+            <a:blip r:embed="rId3">
+              <a:extLst>
+                <a:ext uri="{28A0092B-C50C-407E-A947-70E740481C1C}">
+                  <a14:useLocalDpi xmlns:a14="http://schemas.microsoft.com/office/drawing/2010/main" val="0"/>
+                </a:ext>
+              </a:extLst>
+            </a:blip>
+            <a:srcRect/>
+            <a:stretch/>
+          </p:blipFill>
+          <p:spPr>
+            <a:xfrm>
+              <a:off x="-16934" y="3147609"/>
+              <a:ext cx="2478024" cy="612648"/>
+            </a:xfrm>
+            <a:prstGeom prst="rect">
+              <a:avLst/>
+            </a:prstGeom>
+          </p:spPr>
+        </p:pic>
+        <p:pic>
+          <p:nvPicPr>
+            <p:cNvPr id="20" name="Picture 19" descr="HDRibbonTitle-UniformTrim.png"/>
+            <p:cNvPicPr>
+              <a:picLocks noChangeAspect="1"/>
+            </p:cNvPicPr>
+            <p:nvPr/>
+          </p:nvPicPr>
+          <p:blipFill rotWithShape="1">
+            <a:blip r:embed="rId3">
+              <a:extLst>
+                <a:ext uri="{28A0092B-C50C-407E-A947-70E740481C1C}">
+                  <a14:useLocalDpi xmlns:a14="http://schemas.microsoft.com/office/drawing/2010/main" val="0"/>
+                </a:ext>
+              </a:extLst>
+            </a:blip>
+            <a:srcRect/>
+            <a:stretch/>
+          </p:blipFill>
+          <p:spPr>
+            <a:xfrm>
+              <a:off x="9736202" y="3147609"/>
+              <a:ext cx="2478024" cy="612648"/>
+            </a:xfrm>
+            <a:prstGeom prst="rect">
+              <a:avLst/>
+            </a:prstGeom>
+          </p:spPr>
+        </p:pic>
+      </p:grpSp>
       <p:sp>
         <p:nvSpPr>
           <p:cNvPr id="2" name="Title 1"/>
@@ -1963,7 +1849,7 @@
           <a:p>
             <a:fld id="{5661C814-0C51-44D7-BAA9-105AE0B6C1A4}" type="datetimeFigureOut">
               <a:rPr lang="en-US" smtClean="0"/>
-              <a:t>10/16/2016</a:t>
+              <a:t>11/12/2016</a:t>
             </a:fld>
             <a:endParaRPr lang="en-US"/>
           </a:p>
@@ -2054,7 +1940,7 @@
     </p:spTree>
     <p:extLst>
       <p:ext uri="{BB962C8B-B14F-4D97-AF65-F5344CB8AC3E}">
-        <p14:creationId xmlns:p14="http://schemas.microsoft.com/office/powerpoint/2010/main" val="2304575243"/>
+        <p14:creationId xmlns:p14="http://schemas.microsoft.com/office/powerpoint/2010/main" val="4165266075"/>
       </p:ext>
     </p:extLst>
   </p:cSld>
@@ -2265,7 +2151,7 @@
             <a:pPr lvl="0"/>
             <a:r>
               <a:rPr lang="en-US"/>
-              <a:t>Edit Master text styles</a:t>
+              <a:t>Click to edit Master text styles</a:t>
             </a:r>
           </a:p>
         </p:txBody>
@@ -2287,7 +2173,7 @@
           <a:p>
             <a:fld id="{5661C814-0C51-44D7-BAA9-105AE0B6C1A4}" type="datetimeFigureOut">
               <a:rPr lang="en-US" smtClean="0"/>
-              <a:t>10/16/2016</a:t>
+              <a:t>11/12/2016</a:t>
             </a:fld>
             <a:endParaRPr lang="en-US"/>
           </a:p>
@@ -2338,7 +2224,7 @@
     </p:spTree>
     <p:extLst>
       <p:ext uri="{BB962C8B-B14F-4D97-AF65-F5344CB8AC3E}">
-        <p14:creationId xmlns:p14="http://schemas.microsoft.com/office/powerpoint/2010/main" val="708685117"/>
+        <p14:creationId xmlns:p14="http://schemas.microsoft.com/office/powerpoint/2010/main" val="844844307"/>
       </p:ext>
     </p:extLst>
   </p:cSld>
@@ -2513,7 +2399,7 @@
             <a:pPr lvl="0"/>
             <a:r>
               <a:rPr lang="en-US"/>
-              <a:t>Edit Master text styles</a:t>
+              <a:t>Click to edit Master text styles</a:t>
             </a:r>
           </a:p>
         </p:txBody>
@@ -2535,7 +2421,7 @@
           <a:p>
             <a:fld id="{5661C814-0C51-44D7-BAA9-105AE0B6C1A4}" type="datetimeFigureOut">
               <a:rPr lang="en-US" smtClean="0"/>
-              <a:t>10/16/2016</a:t>
+              <a:t>11/12/2016</a:t>
             </a:fld>
             <a:endParaRPr lang="en-US"/>
           </a:p>
@@ -2617,7 +2503,7 @@
     </p:spTree>
     <p:extLst>
       <p:ext uri="{BB962C8B-B14F-4D97-AF65-F5344CB8AC3E}">
-        <p14:creationId xmlns:p14="http://schemas.microsoft.com/office/powerpoint/2010/main" val="3181576353"/>
+        <p14:creationId xmlns:p14="http://schemas.microsoft.com/office/powerpoint/2010/main" val="3591779512"/>
       </p:ext>
     </p:extLst>
   </p:cSld>
@@ -2733,7 +2619,7 @@
             <a:pPr lvl="0"/>
             <a:r>
               <a:rPr lang="en-US"/>
-              <a:t>Edit Master text styles</a:t>
+              <a:t>Click to edit Master text styles</a:t>
             </a:r>
           </a:p>
         </p:txBody>
@@ -2852,7 +2738,7 @@
             <a:pPr lvl="0"/>
             <a:r>
               <a:rPr lang="en-US"/>
-              <a:t>Edit Master text styles</a:t>
+              <a:t>Click to edit Master text styles</a:t>
             </a:r>
           </a:p>
         </p:txBody>
@@ -2874,7 +2760,7 @@
           <a:p>
             <a:fld id="{5661C814-0C51-44D7-BAA9-105AE0B6C1A4}" type="datetimeFigureOut">
               <a:rPr lang="en-US" smtClean="0"/>
-              <a:t>10/16/2016</a:t>
+              <a:t>11/12/2016</a:t>
             </a:fld>
             <a:endParaRPr lang="en-US"/>
           </a:p>
@@ -3024,7 +2910,7 @@
     </p:spTree>
     <p:extLst>
       <p:ext uri="{BB962C8B-B14F-4D97-AF65-F5344CB8AC3E}">
-        <p14:creationId xmlns:p14="http://schemas.microsoft.com/office/powerpoint/2010/main" val="2948870880"/>
+        <p14:creationId xmlns:p14="http://schemas.microsoft.com/office/powerpoint/2010/main" val="3306613230"/>
       </p:ext>
     </p:extLst>
   </p:cSld>
@@ -3199,7 +3085,7 @@
             <a:pPr lvl="0"/>
             <a:r>
               <a:rPr lang="en-US"/>
-              <a:t>Edit Master text styles</a:t>
+              <a:t>Click to edit Master text styles</a:t>
             </a:r>
           </a:p>
         </p:txBody>
@@ -3221,7 +3107,7 @@
           <a:p>
             <a:fld id="{5661C814-0C51-44D7-BAA9-105AE0B6C1A4}" type="datetimeFigureOut">
               <a:rPr lang="en-US" smtClean="0"/>
-              <a:t>10/16/2016</a:t>
+              <a:t>11/12/2016</a:t>
             </a:fld>
             <a:endParaRPr lang="en-US"/>
           </a:p>
@@ -3272,7 +3158,7 @@
     </p:spTree>
     <p:extLst>
       <p:ext uri="{BB962C8B-B14F-4D97-AF65-F5344CB8AC3E}">
-        <p14:creationId xmlns:p14="http://schemas.microsoft.com/office/powerpoint/2010/main" val="603036363"/>
+        <p14:creationId xmlns:p14="http://schemas.microsoft.com/office/powerpoint/2010/main" val="802507010"/>
       </p:ext>
     </p:extLst>
   </p:cSld>
@@ -3339,7 +3225,7 @@
       </p:sp>
       <p:sp>
         <p:nvSpPr>
-          <p:cNvPr id="14" name="Text Placeholder 2"/>
+          <p:cNvPr id="23" name="Text Placeholder 2"/>
           <p:cNvSpPr>
             <a:spLocks noGrp="1"/>
           </p:cNvSpPr>
@@ -3454,7 +3340,7 @@
             <a:pPr lvl="0"/>
             <a:r>
               <a:rPr lang="en-US"/>
-              <a:t>Edit Master text styles</a:t>
+              <a:t>Click to edit Master text styles</a:t>
             </a:r>
           </a:p>
         </p:txBody>
@@ -3573,7 +3459,7 @@
             <a:pPr lvl="0"/>
             <a:r>
               <a:rPr lang="en-US"/>
-              <a:t>Edit Master text styles</a:t>
+              <a:t>Click to edit Master text styles</a:t>
             </a:r>
           </a:p>
         </p:txBody>
@@ -3595,7 +3481,7 @@
           <a:p>
             <a:fld id="{5661C814-0C51-44D7-BAA9-105AE0B6C1A4}" type="datetimeFigureOut">
               <a:rPr lang="en-US" smtClean="0"/>
-              <a:t>10/16/2016</a:t>
+              <a:t>11/12/2016</a:t>
             </a:fld>
             <a:endParaRPr lang="en-US"/>
           </a:p>
@@ -3745,7 +3631,7 @@
     </p:spTree>
     <p:extLst>
       <p:ext uri="{BB962C8B-B14F-4D97-AF65-F5344CB8AC3E}">
-        <p14:creationId xmlns:p14="http://schemas.microsoft.com/office/powerpoint/2010/main" val="3041640930"/>
+        <p14:creationId xmlns:p14="http://schemas.microsoft.com/office/powerpoint/2010/main" val="1146723069"/>
       </p:ext>
     </p:extLst>
   </p:cSld>
@@ -3809,7 +3695,7 @@
       </p:sp>
       <p:sp>
         <p:nvSpPr>
-          <p:cNvPr id="11" name="Text Placeholder 2"/>
+          <p:cNvPr id="20" name="Text Placeholder 2"/>
           <p:cNvSpPr>
             <a:spLocks noGrp="1"/>
           </p:cNvSpPr>
@@ -3924,7 +3810,7 @@
             <a:pPr lvl="0"/>
             <a:r>
               <a:rPr lang="en-US"/>
-              <a:t>Edit Master text styles</a:t>
+              <a:t>Click to edit Master text styles</a:t>
             </a:r>
           </a:p>
         </p:txBody>
@@ -4043,7 +3929,7 @@
             <a:pPr lvl="0"/>
             <a:r>
               <a:rPr lang="en-US"/>
-              <a:t>Edit Master text styles</a:t>
+              <a:t>Click to edit Master text styles</a:t>
             </a:r>
           </a:p>
         </p:txBody>
@@ -4065,7 +3951,7 @@
           <a:p>
             <a:fld id="{5661C814-0C51-44D7-BAA9-105AE0B6C1A4}" type="datetimeFigureOut">
               <a:rPr lang="en-US" smtClean="0"/>
-              <a:t>10/16/2016</a:t>
+              <a:t>11/12/2016</a:t>
             </a:fld>
             <a:endParaRPr lang="en-US"/>
           </a:p>
@@ -4147,7 +4033,7 @@
     </p:spTree>
     <p:extLst>
       <p:ext uri="{BB962C8B-B14F-4D97-AF65-F5344CB8AC3E}">
-        <p14:creationId xmlns:p14="http://schemas.microsoft.com/office/powerpoint/2010/main" val="1968800417"/>
+        <p14:creationId xmlns:p14="http://schemas.microsoft.com/office/powerpoint/2010/main" val="2327616443"/>
       </p:ext>
     </p:extLst>
   </p:cSld>
@@ -4219,7 +4105,7 @@
             <a:pPr lvl="0"/>
             <a:r>
               <a:rPr lang="en-US"/>
-              <a:t>Edit Master text styles</a:t>
+              <a:t>Click to edit Master text styles</a:t>
             </a:r>
           </a:p>
           <a:p>
@@ -4270,7 +4156,7 @@
           <a:p>
             <a:fld id="{5661C814-0C51-44D7-BAA9-105AE0B6C1A4}" type="datetimeFigureOut">
               <a:rPr lang="en-US" smtClean="0"/>
-              <a:t>10/16/2016</a:t>
+              <a:t>11/12/2016</a:t>
             </a:fld>
             <a:endParaRPr lang="en-US"/>
           </a:p>
@@ -4352,7 +4238,7 @@
     </p:spTree>
     <p:extLst>
       <p:ext uri="{BB962C8B-B14F-4D97-AF65-F5344CB8AC3E}">
-        <p14:creationId xmlns:p14="http://schemas.microsoft.com/office/powerpoint/2010/main" val="3192180771"/>
+        <p14:creationId xmlns:p14="http://schemas.microsoft.com/office/powerpoint/2010/main" val="2303716522"/>
       </p:ext>
     </p:extLst>
   </p:cSld>
@@ -4430,7 +4316,7 @@
             <a:pPr lvl="0"/>
             <a:r>
               <a:rPr lang="en-US"/>
-              <a:t>Edit Master text styles</a:t>
+              <a:t>Click to edit Master text styles</a:t>
             </a:r>
           </a:p>
           <a:p>
@@ -4481,7 +4367,7 @@
           <a:p>
             <a:fld id="{5661C814-0C51-44D7-BAA9-105AE0B6C1A4}" type="datetimeFigureOut">
               <a:rPr lang="en-US" smtClean="0"/>
-              <a:t>10/16/2016</a:t>
+              <a:t>11/12/2016</a:t>
             </a:fld>
             <a:endParaRPr lang="en-US"/>
           </a:p>
@@ -4563,7 +4449,7 @@
     </p:spTree>
     <p:extLst>
       <p:ext uri="{BB962C8B-B14F-4D97-AF65-F5344CB8AC3E}">
-        <p14:creationId xmlns:p14="http://schemas.microsoft.com/office/powerpoint/2010/main" val="4163675573"/>
+        <p14:creationId xmlns:p14="http://schemas.microsoft.com/office/powerpoint/2010/main" val="650376021"/>
       </p:ext>
     </p:extLst>
   </p:cSld>
@@ -4604,6 +4490,7 @@
           <a:prstGeom prst="line">
             <a:avLst/>
           </a:prstGeom>
+          <a:ln w="15875"/>
         </p:spPr>
         <p:style>
           <a:lnRef idx="2">
@@ -4661,7 +4548,7 @@
             <a:pPr lvl="0"/>
             <a:r>
               <a:rPr lang="en-US"/>
-              <a:t>Edit Master text styles</a:t>
+              <a:t>Click to edit Master text styles</a:t>
             </a:r>
           </a:p>
           <a:p>
@@ -4712,7 +4599,7 @@
           <a:p>
             <a:fld id="{5661C814-0C51-44D7-BAA9-105AE0B6C1A4}" type="datetimeFigureOut">
               <a:rPr lang="en-US" smtClean="0"/>
-              <a:t>10/16/2016</a:t>
+              <a:t>11/12/2016</a:t>
             </a:fld>
             <a:endParaRPr lang="en-US"/>
           </a:p>
@@ -4763,7 +4650,7 @@
     </p:spTree>
     <p:extLst>
       <p:ext uri="{BB962C8B-B14F-4D97-AF65-F5344CB8AC3E}">
-        <p14:creationId xmlns:p14="http://schemas.microsoft.com/office/powerpoint/2010/main" val="2613210633"/>
+        <p14:creationId xmlns:p14="http://schemas.microsoft.com/office/powerpoint/2010/main" val="537469162"/>
       </p:ext>
     </p:extLst>
   </p:cSld>
@@ -4938,7 +4825,7 @@
             <a:pPr lvl="0"/>
             <a:r>
               <a:rPr lang="en-US"/>
-              <a:t>Edit Master text styles</a:t>
+              <a:t>Click to edit Master text styles</a:t>
             </a:r>
           </a:p>
         </p:txBody>
@@ -4960,7 +4847,7 @@
           <a:p>
             <a:fld id="{5661C814-0C51-44D7-BAA9-105AE0B6C1A4}" type="datetimeFigureOut">
               <a:rPr lang="en-US" smtClean="0"/>
-              <a:t>10/16/2016</a:t>
+              <a:t>11/12/2016</a:t>
             </a:fld>
             <a:endParaRPr lang="en-US"/>
           </a:p>
@@ -5042,7 +4929,7 @@
     </p:spTree>
     <p:extLst>
       <p:ext uri="{BB962C8B-B14F-4D97-AF65-F5344CB8AC3E}">
-        <p14:creationId xmlns:p14="http://schemas.microsoft.com/office/powerpoint/2010/main" val="1892976895"/>
+        <p14:creationId xmlns:p14="http://schemas.microsoft.com/office/powerpoint/2010/main" val="3050824147"/>
       </p:ext>
     </p:extLst>
   </p:cSld>
@@ -5148,7 +5035,7 @@
             <a:pPr lvl="0"/>
             <a:r>
               <a:rPr lang="en-US"/>
-              <a:t>Edit Master text styles</a:t>
+              <a:t>Click to edit Master text styles</a:t>
             </a:r>
           </a:p>
           <a:p>
@@ -5207,7 +5094,7 @@
             <a:pPr lvl="0"/>
             <a:r>
               <a:rPr lang="en-US"/>
-              <a:t>Edit Master text styles</a:t>
+              <a:t>Click to edit Master text styles</a:t>
             </a:r>
           </a:p>
           <a:p>
@@ -5258,7 +5145,7 @@
           <a:p>
             <a:fld id="{5661C814-0C51-44D7-BAA9-105AE0B6C1A4}" type="datetimeFigureOut">
               <a:rPr lang="en-US" smtClean="0"/>
-              <a:t>10/16/2016</a:t>
+              <a:t>11/12/2016</a:t>
             </a:fld>
             <a:endParaRPr lang="en-US"/>
           </a:p>
@@ -5309,7 +5196,7 @@
     </p:spTree>
     <p:extLst>
       <p:ext uri="{BB962C8B-B14F-4D97-AF65-F5344CB8AC3E}">
-        <p14:creationId xmlns:p14="http://schemas.microsoft.com/office/powerpoint/2010/main" val="4161048087"/>
+        <p14:creationId xmlns:p14="http://schemas.microsoft.com/office/powerpoint/2010/main" val="1277210956"/>
       </p:ext>
     </p:extLst>
   </p:cSld>
@@ -5385,6 +5272,12 @@
           </a:bodyPr>
           <a:lstStyle>
             <a:lvl1pPr marL="0" indent="0">
+              <a:spcBef>
+                <a:spcPts val="672"/>
+              </a:spcBef>
+              <a:spcAft>
+                <a:spcPts val="600"/>
+              </a:spcAft>
               <a:buNone/>
               <a:defRPr sz="2800" b="0">
                 <a:solidFill>
@@ -5429,7 +5322,7 @@
             <a:pPr lvl="0"/>
             <a:r>
               <a:rPr lang="en-US"/>
-              <a:t>Edit Master text styles</a:t>
+              <a:t>Click to edit Master text styles</a:t>
             </a:r>
           </a:p>
         </p:txBody>
@@ -5459,7 +5352,7 @@
             <a:pPr lvl="0"/>
             <a:r>
               <a:rPr lang="en-US"/>
-              <a:t>Edit Master text styles</a:t>
+              <a:t>Click to edit Master text styles</a:t>
             </a:r>
           </a:p>
           <a:p>
@@ -5505,7 +5398,7 @@
         </p:nvSpPr>
         <p:spPr>
           <a:xfrm>
-            <a:off x="6180671" y="2658533"/>
+            <a:off x="6180670" y="2658533"/>
             <a:ext cx="4718304" cy="576262"/>
           </a:xfrm>
         </p:spPr>
@@ -5515,6 +5408,12 @@
           </a:bodyPr>
           <a:lstStyle>
             <a:lvl1pPr marL="0" indent="0">
+              <a:spcBef>
+                <a:spcPts val="672"/>
+              </a:spcBef>
+              <a:spcAft>
+                <a:spcPts val="600"/>
+              </a:spcAft>
               <a:buNone/>
               <a:defRPr sz="2800" b="0">
                 <a:solidFill>
@@ -5559,7 +5458,7 @@
             <a:pPr lvl="0"/>
             <a:r>
               <a:rPr lang="en-US"/>
-              <a:t>Edit Master text styles</a:t>
+              <a:t>Click to edit Master text styles</a:t>
             </a:r>
           </a:p>
         </p:txBody>
@@ -5576,7 +5475,7 @@
         </p:nvSpPr>
         <p:spPr>
           <a:xfrm>
-            <a:off x="6180671" y="3243262"/>
+            <a:off x="6180670" y="3243262"/>
             <a:ext cx="4718304" cy="2632605"/>
           </a:xfrm>
         </p:spPr>
@@ -5589,7 +5488,7 @@
             <a:pPr lvl="0"/>
             <a:r>
               <a:rPr lang="en-US"/>
-              <a:t>Edit Master text styles</a:t>
+              <a:t>Click to edit Master text styles</a:t>
             </a:r>
           </a:p>
           <a:p>
@@ -5640,7 +5539,7 @@
           <a:p>
             <a:fld id="{5661C814-0C51-44D7-BAA9-105AE0B6C1A4}" type="datetimeFigureOut">
               <a:rPr lang="en-US" smtClean="0"/>
-              <a:t>10/16/2016</a:t>
+              <a:t>11/12/2016</a:t>
             </a:fld>
             <a:endParaRPr lang="en-US"/>
           </a:p>
@@ -5722,7 +5621,7 @@
     </p:spTree>
     <p:extLst>
       <p:ext uri="{BB962C8B-B14F-4D97-AF65-F5344CB8AC3E}">
-        <p14:creationId xmlns:p14="http://schemas.microsoft.com/office/powerpoint/2010/main" val="4047849925"/>
+        <p14:creationId xmlns:p14="http://schemas.microsoft.com/office/powerpoint/2010/main" val="4257652046"/>
       </p:ext>
     </p:extLst>
   </p:cSld>
@@ -5789,7 +5688,7 @@
           <a:p>
             <a:fld id="{5661C814-0C51-44D7-BAA9-105AE0B6C1A4}" type="datetimeFigureOut">
               <a:rPr lang="en-US" smtClean="0"/>
-              <a:t>10/16/2016</a:t>
+              <a:t>11/12/2016</a:t>
             </a:fld>
             <a:endParaRPr lang="en-US"/>
           </a:p>
@@ -5871,7 +5770,7 @@
     </p:spTree>
     <p:extLst>
       <p:ext uri="{BB962C8B-B14F-4D97-AF65-F5344CB8AC3E}">
-        <p14:creationId xmlns:p14="http://schemas.microsoft.com/office/powerpoint/2010/main" val="693764004"/>
+        <p14:creationId xmlns:p14="http://schemas.microsoft.com/office/powerpoint/2010/main" val="4225749431"/>
       </p:ext>
     </p:extLst>
   </p:cSld>
@@ -5915,7 +5814,7 @@
           <a:p>
             <a:fld id="{5661C814-0C51-44D7-BAA9-105AE0B6C1A4}" type="datetimeFigureOut">
               <a:rPr lang="en-US" smtClean="0"/>
-              <a:t>10/16/2016</a:t>
+              <a:t>11/12/2016</a:t>
             </a:fld>
             <a:endParaRPr lang="en-US"/>
           </a:p>
@@ -5966,7 +5865,7 @@
     </p:spTree>
     <p:extLst>
       <p:ext uri="{BB962C8B-B14F-4D97-AF65-F5344CB8AC3E}">
-        <p14:creationId xmlns:p14="http://schemas.microsoft.com/office/powerpoint/2010/main" val="3223451215"/>
+        <p14:creationId xmlns:p14="http://schemas.microsoft.com/office/powerpoint/2010/main" val="1246040037"/>
       </p:ext>
     </p:extLst>
   </p:cSld>
@@ -6052,7 +5951,7 @@
             <a:pPr lvl="0"/>
             <a:r>
               <a:rPr lang="en-US"/>
-              <a:t>Edit Master text styles</a:t>
+              <a:t>Click to edit Master text styles</a:t>
             </a:r>
           </a:p>
           <a:p>
@@ -6148,7 +6047,7 @@
             <a:pPr lvl="0"/>
             <a:r>
               <a:rPr lang="en-US"/>
-              <a:t>Edit Master text styles</a:t>
+              <a:t>Click to edit Master text styles</a:t>
             </a:r>
           </a:p>
         </p:txBody>
@@ -6170,7 +6069,7 @@
           <a:p>
             <a:fld id="{5661C814-0C51-44D7-BAA9-105AE0B6C1A4}" type="datetimeFigureOut">
               <a:rPr lang="en-US" smtClean="0"/>
-              <a:t>10/16/2016</a:t>
+              <a:t>11/12/2016</a:t>
             </a:fld>
             <a:endParaRPr lang="en-US"/>
           </a:p>
@@ -6252,7 +6151,7 @@
     </p:spTree>
     <p:extLst>
       <p:ext uri="{BB962C8B-B14F-4D97-AF65-F5344CB8AC3E}">
-        <p14:creationId xmlns:p14="http://schemas.microsoft.com/office/powerpoint/2010/main" val="2746879654"/>
+        <p14:creationId xmlns:p14="http://schemas.microsoft.com/office/powerpoint/2010/main" val="1069328898"/>
       </p:ext>
     </p:extLst>
   </p:cSld>
@@ -6463,7 +6362,7 @@
             <a:pPr lvl="0"/>
             <a:r>
               <a:rPr lang="en-US"/>
-              <a:t>Edit Master text styles</a:t>
+              <a:t>Click to edit Master text styles</a:t>
             </a:r>
           </a:p>
         </p:txBody>
@@ -6485,7 +6384,7 @@
           <a:p>
             <a:fld id="{5661C814-0C51-44D7-BAA9-105AE0B6C1A4}" type="datetimeFigureOut">
               <a:rPr lang="en-US" smtClean="0"/>
-              <a:t>10/16/2016</a:t>
+              <a:t>11/12/2016</a:t>
             </a:fld>
             <a:endParaRPr lang="en-US"/>
           </a:p>
@@ -6536,7 +6435,7 @@
     </p:spTree>
     <p:extLst>
       <p:ext uri="{BB962C8B-B14F-4D97-AF65-F5344CB8AC3E}">
-        <p14:creationId xmlns:p14="http://schemas.microsoft.com/office/powerpoint/2010/main" val="647388599"/>
+        <p14:creationId xmlns:p14="http://schemas.microsoft.com/office/powerpoint/2010/main" val="2023234773"/>
       </p:ext>
     </p:extLst>
   </p:cSld>
@@ -6568,36 +6467,143 @@
           <a:chExt cx="0" cy="0"/>
         </a:xfrm>
       </p:grpSpPr>
-      <p:pic>
-        <p:nvPicPr>
-          <p:cNvPr id="7" name="Picture 6" descr="HD-PanelContent-GrommetsCombined.png"/>
-          <p:cNvPicPr>
-            <a:picLocks noChangeAspect="1"/>
-          </p:cNvPicPr>
+      <p:grpSp>
+        <p:nvGrpSpPr>
+          <p:cNvPr id="7" name="Group 6"/>
+          <p:cNvGrpSpPr/>
           <p:nvPr/>
-        </p:nvPicPr>
-        <p:blipFill>
-          <a:blip r:embed="rId19">
-            <a:extLst>
-              <a:ext uri="{28A0092B-C50C-407E-A947-70E740481C1C}">
-                <a14:useLocalDpi xmlns:a14="http://schemas.microsoft.com/office/drawing/2010/main" val="0"/>
-              </a:ext>
-            </a:extLst>
-          </a:blip>
-          <a:stretch>
-            <a:fillRect/>
-          </a:stretch>
-        </p:blipFill>
-        <p:spPr>
+        </p:nvGrpSpPr>
+        <p:grpSpPr>
           <a:xfrm>
-            <a:off x="0" y="0"/>
-            <a:ext cx="12188825" cy="6856214"/>
+            <a:off x="-15736" y="0"/>
+            <a:ext cx="12229962" cy="6856214"/>
+            <a:chOff x="-15736" y="0"/>
+            <a:chExt cx="12229962" cy="6856214"/>
           </a:xfrm>
-          <a:prstGeom prst="rect">
-            <a:avLst/>
-          </a:prstGeom>
-        </p:spPr>
-      </p:pic>
+        </p:grpSpPr>
+        <p:pic>
+          <p:nvPicPr>
+            <p:cNvPr id="8" name="Picture 7" descr="HD-PanelContent.png"/>
+            <p:cNvPicPr>
+              <a:picLocks noChangeAspect="1"/>
+            </p:cNvPicPr>
+            <p:nvPr/>
+          </p:nvPicPr>
+          <p:blipFill>
+            <a:blip r:embed="rId19">
+              <a:extLst>
+                <a:ext uri="{28A0092B-C50C-407E-A947-70E740481C1C}">
+                  <a14:useLocalDpi xmlns:a14="http://schemas.microsoft.com/office/drawing/2010/main" val="0"/>
+                </a:ext>
+              </a:extLst>
+            </a:blip>
+            <a:stretch>
+              <a:fillRect/>
+            </a:stretch>
+          </p:blipFill>
+          <p:spPr>
+            <a:xfrm>
+              <a:off x="0" y="0"/>
+              <a:ext cx="12188825" cy="6856214"/>
+            </a:xfrm>
+            <a:prstGeom prst="rect">
+              <a:avLst/>
+            </a:prstGeom>
+          </p:spPr>
+        </p:pic>
+        <p:sp>
+          <p:nvSpPr>
+            <p:cNvPr id="9" name="Rectangle 8"/>
+            <p:cNvSpPr/>
+            <p:nvPr/>
+          </p:nvSpPr>
+          <p:spPr>
+            <a:xfrm>
+              <a:off x="608012" y="609600"/>
+              <a:ext cx="10972800" cy="5638800"/>
+            </a:xfrm>
+            <a:prstGeom prst="rect">
+              <a:avLst/>
+            </a:prstGeom>
+            <a:noFill/>
+            <a:ln w="15875" cap="flat">
+              <a:miter lim="800000"/>
+            </a:ln>
+          </p:spPr>
+          <p:style>
+            <a:lnRef idx="1">
+              <a:schemeClr val="accent1"/>
+            </a:lnRef>
+            <a:fillRef idx="3">
+              <a:schemeClr val="accent1"/>
+            </a:fillRef>
+            <a:effectRef idx="2">
+              <a:schemeClr val="accent1"/>
+            </a:effectRef>
+            <a:fontRef idx="minor">
+              <a:schemeClr val="lt1"/>
+            </a:fontRef>
+          </p:style>
+        </p:sp>
+        <p:pic>
+          <p:nvPicPr>
+            <p:cNvPr id="10" name="Picture 9" descr="HDRibbonContent-UniformTrim.png"/>
+            <p:cNvPicPr>
+              <a:picLocks noChangeAspect="1"/>
+            </p:cNvPicPr>
+            <p:nvPr/>
+          </p:nvPicPr>
+          <p:blipFill rotWithShape="1">
+            <a:blip r:embed="rId20">
+              <a:extLst>
+                <a:ext uri="{28A0092B-C50C-407E-A947-70E740481C1C}">
+                  <a14:useLocalDpi xmlns:a14="http://schemas.microsoft.com/office/drawing/2010/main" val="0"/>
+                </a:ext>
+              </a:extLst>
+            </a:blip>
+            <a:srcRect/>
+            <a:stretch/>
+          </p:blipFill>
+          <p:spPr>
+            <a:xfrm>
+              <a:off x="-15736" y="3153832"/>
+              <a:ext cx="777240" cy="606425"/>
+            </a:xfrm>
+            <a:prstGeom prst="rect">
+              <a:avLst/>
+            </a:prstGeom>
+          </p:spPr>
+        </p:pic>
+        <p:pic>
+          <p:nvPicPr>
+            <p:cNvPr id="11" name="Picture 10" descr="HDRibbonContent-UniformTrim.png"/>
+            <p:cNvPicPr>
+              <a:picLocks noChangeAspect="1"/>
+            </p:cNvPicPr>
+            <p:nvPr/>
+          </p:nvPicPr>
+          <p:blipFill rotWithShape="1">
+            <a:blip r:embed="rId20">
+              <a:extLst>
+                <a:ext uri="{28A0092B-C50C-407E-A947-70E740481C1C}">
+                  <a14:useLocalDpi xmlns:a14="http://schemas.microsoft.com/office/drawing/2010/main" val="0"/>
+                </a:ext>
+              </a:extLst>
+            </a:blip>
+            <a:srcRect/>
+            <a:stretch/>
+          </p:blipFill>
+          <p:spPr>
+            <a:xfrm>
+              <a:off x="11436986" y="3153832"/>
+              <a:ext cx="777240" cy="606425"/>
+            </a:xfrm>
+            <a:prstGeom prst="rect">
+              <a:avLst/>
+            </a:prstGeom>
+          </p:spPr>
+        </p:pic>
+      </p:grpSp>
       <p:sp>
         <p:nvSpPr>
           <p:cNvPr id="2" name="Title Placeholder 1"/>
@@ -6660,7 +6666,7 @@
             <a:pPr lvl="0"/>
             <a:r>
               <a:rPr lang="en-US"/>
-              <a:t>Edit Master text styles</a:t>
+              <a:t>Click to edit Master text styles</a:t>
             </a:r>
           </a:p>
           <a:p>
@@ -6729,7 +6735,7 @@
           <a:p>
             <a:fld id="{5661C814-0C51-44D7-BAA9-105AE0B6C1A4}" type="datetimeFigureOut">
               <a:rPr lang="en-US" smtClean="0"/>
-              <a:t>10/16/2016</a:t>
+              <a:t>11/12/2016</a:t>
             </a:fld>
             <a:endParaRPr lang="en-US"/>
           </a:p>
@@ -6816,29 +6822,29 @@
     </p:spTree>
     <p:extLst>
       <p:ext uri="{BB962C8B-B14F-4D97-AF65-F5344CB8AC3E}">
-        <p14:creationId xmlns:p14="http://schemas.microsoft.com/office/powerpoint/2010/main" val="2569801851"/>
+        <p14:creationId xmlns:p14="http://schemas.microsoft.com/office/powerpoint/2010/main" val="397807266"/>
       </p:ext>
     </p:extLst>
   </p:cSld>
   <p:clrMap bg1="lt1" tx1="dk1" bg2="lt2" tx2="dk2" accent1="accent1" accent2="accent2" accent3="accent3" accent4="accent4" accent5="accent5" accent6="accent6" hlink="hlink" folHlink="folHlink"/>
   <p:sldLayoutIdLst>
-    <p:sldLayoutId id="2147483697" r:id="rId1"/>
-    <p:sldLayoutId id="2147483698" r:id="rId2"/>
-    <p:sldLayoutId id="2147483699" r:id="rId3"/>
-    <p:sldLayoutId id="2147483700" r:id="rId4"/>
-    <p:sldLayoutId id="2147483701" r:id="rId5"/>
-    <p:sldLayoutId id="2147483702" r:id="rId6"/>
-    <p:sldLayoutId id="2147483703" r:id="rId7"/>
-    <p:sldLayoutId id="2147483704" r:id="rId8"/>
-    <p:sldLayoutId id="2147483705" r:id="rId9"/>
-    <p:sldLayoutId id="2147483706" r:id="rId10"/>
-    <p:sldLayoutId id="2147483707" r:id="rId11"/>
-    <p:sldLayoutId id="2147483708" r:id="rId12"/>
-    <p:sldLayoutId id="2147483709" r:id="rId13"/>
-    <p:sldLayoutId id="2147483710" r:id="rId14"/>
-    <p:sldLayoutId id="2147483711" r:id="rId15"/>
-    <p:sldLayoutId id="2147483712" r:id="rId16"/>
-    <p:sldLayoutId id="2147483713" r:id="rId17"/>
+    <p:sldLayoutId id="2147483715" r:id="rId1"/>
+    <p:sldLayoutId id="2147483716" r:id="rId2"/>
+    <p:sldLayoutId id="2147483717" r:id="rId3"/>
+    <p:sldLayoutId id="2147483718" r:id="rId4"/>
+    <p:sldLayoutId id="2147483719" r:id="rId5"/>
+    <p:sldLayoutId id="2147483720" r:id="rId6"/>
+    <p:sldLayoutId id="2147483721" r:id="rId7"/>
+    <p:sldLayoutId id="2147483722" r:id="rId8"/>
+    <p:sldLayoutId id="2147483723" r:id="rId9"/>
+    <p:sldLayoutId id="2147483724" r:id="rId10"/>
+    <p:sldLayoutId id="2147483725" r:id="rId11"/>
+    <p:sldLayoutId id="2147483726" r:id="rId12"/>
+    <p:sldLayoutId id="2147483727" r:id="rId13"/>
+    <p:sldLayoutId id="2147483728" r:id="rId14"/>
+    <p:sldLayoutId id="2147483729" r:id="rId15"/>
+    <p:sldLayoutId id="2147483730" r:id="rId16"/>
+    <p:sldLayoutId id="2147483731" r:id="rId17"/>
   </p:sldLayoutIdLst>
   <p:txStyles>
     <p:titleStyle>
@@ -7372,14 +7378,193 @@
       </p:grpSpPr>
       <p:sp>
         <p:nvSpPr>
-          <p:cNvPr id="2" name="Rectangle 1"/>
-          <p:cNvSpPr/>
+          <p:cNvPr id="2" name="TextBox 1"/>
+          <p:cNvSpPr txBox="1"/>
           <p:nvPr/>
         </p:nvSpPr>
         <p:spPr>
           <a:xfrm>
-            <a:off x="4362997" y="2967335"/>
-            <a:ext cx="3466013" cy="1754326"/>
+            <a:off x="1174186" y="1667652"/>
+            <a:ext cx="5386475" cy="3693319"/>
+          </a:xfrm>
+          <a:prstGeom prst="rect">
+            <a:avLst/>
+          </a:prstGeom>
+          <a:noFill/>
+          <a:ln>
+            <a:solidFill>
+              <a:schemeClr val="accent1"/>
+            </a:solidFill>
+          </a:ln>
+        </p:spPr>
+        <p:txBody>
+          <a:bodyPr wrap="none" rtlCol="0">
+            <a:spAutoFit/>
+          </a:bodyPr>
+          <a:lstStyle/>
+          <a:p>
+            <a:r>
+              <a:rPr lang="en-US" b="1" dirty="0"/>
+              <a:t>public class </a:t>
+            </a:r>
+            <a:r>
+              <a:rPr lang="en-US" b="1" dirty="0" err="1"/>
+              <a:t>ArmLinearActuator</a:t>
+            </a:r>
+            <a:r>
+              <a:rPr lang="en-US" b="1" dirty="0"/>
+              <a:t> extends Subsystem {</a:t>
+            </a:r>
+          </a:p>
+          <a:p>
+            <a:r>
+              <a:rPr lang="en-US" b="1" dirty="0"/>
+              <a:t>Cont.</a:t>
+            </a:r>
+          </a:p>
+          <a:p>
+            <a:endParaRPr lang="en-US" b="1" dirty="0"/>
+          </a:p>
+          <a:p>
+            <a:r>
+              <a:rPr lang="en-US" b="1" dirty="0"/>
+              <a:t>public void </a:t>
+            </a:r>
+            <a:r>
+              <a:rPr lang="en-US" b="1" u="sng" dirty="0" err="1"/>
+              <a:t>ArmLinearActuator</a:t>
+            </a:r>
+            <a:r>
+              <a:rPr lang="en-US" b="1" u="sng" dirty="0"/>
+              <a:t>() {</a:t>
+            </a:r>
+          </a:p>
+          <a:p>
+            <a:r>
+              <a:rPr lang="en-US" dirty="0"/>
+              <a:t>    </a:t>
+            </a:r>
+            <a:r>
+              <a:rPr lang="en-US" b="1" dirty="0"/>
+              <a:t>if (</a:t>
+            </a:r>
+            <a:r>
+              <a:rPr lang="en-US" b="1" dirty="0" err="1"/>
+              <a:t>invMotor</a:t>
+            </a:r>
+            <a:r>
+              <a:rPr lang="en-US" b="1" dirty="0"/>
+              <a:t>) {</a:t>
+            </a:r>
+          </a:p>
+          <a:p>
+            <a:r>
+              <a:rPr lang="en-US" dirty="0"/>
+              <a:t>    	</a:t>
+            </a:r>
+            <a:r>
+              <a:rPr lang="en-US" dirty="0" err="1"/>
+              <a:t>armLiftMotor.setInverted</a:t>
+            </a:r>
+            <a:r>
+              <a:rPr lang="en-US" dirty="0"/>
+              <a:t>(</a:t>
+            </a:r>
+            <a:r>
+              <a:rPr lang="en-US" dirty="0" err="1"/>
+              <a:t>invMotor</a:t>
+            </a:r>
+            <a:r>
+              <a:rPr lang="en-US" dirty="0"/>
+              <a:t>);</a:t>
+            </a:r>
+          </a:p>
+          <a:p>
+            <a:r>
+              <a:rPr lang="en-US" dirty="0"/>
+              <a:t>    }</a:t>
+            </a:r>
+          </a:p>
+          <a:p>
+            <a:r>
+              <a:rPr lang="en-US" dirty="0"/>
+              <a:t> }</a:t>
+            </a:r>
+          </a:p>
+          <a:p>
+            <a:r>
+              <a:rPr lang="en-US" dirty="0"/>
+              <a:t>    </a:t>
+            </a:r>
+          </a:p>
+          <a:p>
+            <a:r>
+              <a:rPr lang="en-US" dirty="0"/>
+              <a:t> </a:t>
+            </a:r>
+            <a:r>
+              <a:rPr lang="en-US" b="1" dirty="0"/>
+              <a:t>public void </a:t>
+            </a:r>
+            <a:r>
+              <a:rPr lang="en-US" b="1" dirty="0" err="1"/>
+              <a:t>initDefaultCommand</a:t>
+            </a:r>
+            <a:r>
+              <a:rPr lang="en-US" b="1" dirty="0"/>
+              <a:t>() {</a:t>
+            </a:r>
+          </a:p>
+          <a:p>
+            <a:r>
+              <a:rPr lang="en-US" dirty="0"/>
+              <a:t>      </a:t>
+            </a:r>
+            <a:r>
+              <a:rPr lang="en-US" dirty="0" err="1"/>
+              <a:t>setDefaultCommand</a:t>
+            </a:r>
+            <a:r>
+              <a:rPr lang="en-US" dirty="0"/>
+              <a:t>(</a:t>
+            </a:r>
+            <a:r>
+              <a:rPr lang="en-US" b="1" dirty="0"/>
+              <a:t>new </a:t>
+            </a:r>
+            <a:r>
+              <a:rPr lang="en-US" b="1" dirty="0" err="1"/>
+              <a:t>JoystickArmMove</a:t>
+            </a:r>
+            <a:r>
+              <a:rPr lang="en-US" b="1" dirty="0"/>
+              <a:t>());</a:t>
+            </a:r>
+          </a:p>
+          <a:p>
+            <a:r>
+              <a:rPr lang="en-US" dirty="0"/>
+              <a:t> }</a:t>
+            </a:r>
+          </a:p>
+          <a:p>
+            <a:r>
+              <a:rPr lang="en-US" dirty="0"/>
+              <a:t> </a:t>
+            </a:r>
+          </a:p>
+        </p:txBody>
+      </p:sp>
+      <p:sp>
+        <p:nvSpPr>
+          <p:cNvPr id="4" name="TextBox 3"/>
+          <p:cNvSpPr txBox="1"/>
+          <p:nvPr/>
+        </p:nvSpPr>
+        <p:spPr>
+          <a:xfrm>
+            <a:off x="6812280" y="1667652"/>
+            <a:ext cx="4507761" cy="3416320"/>
           </a:xfrm>
           <a:prstGeom prst="rect">
             <a:avLst/>
@@ -7387,85 +7572,69 @@
           <a:noFill/>
         </p:spPr>
         <p:txBody>
-          <a:bodyPr wrap="none" lIns="91440" tIns="45720" rIns="91440" bIns="45720">
+          <a:bodyPr wrap="square" rtlCol="0">
             <a:spAutoFit/>
           </a:bodyPr>
           <a:lstStyle/>
           <a:p>
-            <a:pPr algn="ctr"/>
-            <a:r>
-              <a:rPr lang="en-US" sz="5400" b="1" cap="none" spc="0" dirty="0">
-                <a:ln w="9525">
-                  <a:solidFill>
-                    <a:schemeClr val="bg1"/>
-                  </a:solidFill>
-                  <a:prstDash val="solid"/>
-                </a:ln>
-                <a:solidFill>
-                  <a:schemeClr val="accent5"/>
-                </a:solidFill>
-                <a:effectLst>
-                  <a:outerShdw blurRad="12700" dist="38100" dir="2700000" algn="tl" rotWithShape="0">
-                    <a:schemeClr val="accent5">
-                      <a:lumMod val="60000"/>
-                      <a:lumOff val="40000"/>
-                    </a:schemeClr>
-                  </a:outerShdw>
-                </a:effectLst>
-              </a:rPr>
-              <a:t>Eclipse</a:t>
-            </a:r>
-          </a:p>
-          <a:p>
-            <a:pPr algn="ctr"/>
-            <a:r>
-              <a:rPr lang="en-US" sz="5400" b="1" dirty="0" err="1">
-                <a:ln w="9525">
-                  <a:solidFill>
-                    <a:schemeClr val="bg1"/>
-                  </a:solidFill>
-                  <a:prstDash val="solid"/>
-                </a:ln>
-                <a:solidFill>
-                  <a:schemeClr val="accent5"/>
-                </a:solidFill>
-                <a:effectLst>
-                  <a:outerShdw blurRad="12700" dist="38100" dir="2700000" algn="tl" rotWithShape="0">
-                    <a:schemeClr val="accent5">
-                      <a:lumMod val="60000"/>
-                      <a:lumOff val="40000"/>
-                    </a:schemeClr>
-                  </a:outerShdw>
-                </a:effectLst>
-              </a:rPr>
-              <a:t>ArmSystem</a:t>
-            </a:r>
-            <a:endParaRPr lang="en-US" sz="5400" b="1" cap="none" spc="0" dirty="0">
-              <a:ln w="9525">
-                <a:solidFill>
-                  <a:schemeClr val="bg1"/>
-                </a:solidFill>
-                <a:prstDash val="solid"/>
-              </a:ln>
-              <a:solidFill>
-                <a:schemeClr val="accent5"/>
-              </a:solidFill>
-              <a:effectLst>
-                <a:outerShdw blurRad="12700" dist="38100" dir="2700000" algn="tl" rotWithShape="0">
-                  <a:schemeClr val="accent5">
-                    <a:lumMod val="60000"/>
-                    <a:lumOff val="40000"/>
-                  </a:schemeClr>
-                </a:outerShdw>
-              </a:effectLst>
-            </a:endParaRPr>
+            <a:r>
+              <a:rPr lang="en-US" dirty="0"/>
+              <a:t>Housekeeping code</a:t>
+            </a:r>
+          </a:p>
+          <a:p>
+            <a:endParaRPr lang="en-US" dirty="0"/>
+          </a:p>
+          <a:p>
+            <a:r>
+              <a:rPr lang="en-US" dirty="0"/>
+              <a:t>Method </a:t>
+            </a:r>
+            <a:r>
+              <a:rPr lang="en-US" dirty="0" err="1"/>
+              <a:t>ArmLinearActuator</a:t>
+            </a:r>
+            <a:r>
+              <a:rPr lang="en-US" dirty="0"/>
+              <a:t> is a “constructor” method that gets invoked when the class is instantiated.  More later…</a:t>
+            </a:r>
+          </a:p>
+          <a:p>
+            <a:endParaRPr lang="en-US" dirty="0"/>
+          </a:p>
+          <a:p>
+            <a:r>
+              <a:rPr lang="en-US" dirty="0" err="1"/>
+              <a:t>initDefaultCommand</a:t>
+            </a:r>
+            <a:r>
+              <a:rPr lang="en-US" dirty="0"/>
+              <a:t> names the default command (if any) for the subsystem.  In this example, it’s </a:t>
+            </a:r>
+            <a:r>
+              <a:rPr lang="en-US" dirty="0" err="1"/>
+              <a:t>JoystickArmMove</a:t>
+            </a:r>
+            <a:r>
+              <a:rPr lang="en-US" dirty="0"/>
+              <a:t>.</a:t>
+            </a:r>
+          </a:p>
+          <a:p>
+            <a:endParaRPr lang="en-US" dirty="0"/>
+          </a:p>
+          <a:p>
+            <a:r>
+              <a:rPr lang="en-US" dirty="0"/>
+              <a:t>The default command will be in effect when no other command is active.</a:t>
+            </a:r>
           </a:p>
         </p:txBody>
       </p:sp>
     </p:spTree>
     <p:extLst>
       <p:ext uri="{BB962C8B-B14F-4D97-AF65-F5344CB8AC3E}">
-        <p14:creationId xmlns:p14="http://schemas.microsoft.com/office/powerpoint/2010/main" val="3067949633"/>
+        <p14:creationId xmlns:p14="http://schemas.microsoft.com/office/powerpoint/2010/main" val="1191368127"/>
       </p:ext>
     </p:extLst>
   </p:cSld>
@@ -7494,124 +7663,227 @@
       </p:grpSpPr>
       <p:sp>
         <p:nvSpPr>
-          <p:cNvPr id="2" name="Title 1"/>
-          <p:cNvSpPr>
-            <a:spLocks noGrp="1"/>
-          </p:cNvSpPr>
-          <p:nvPr>
-            <p:ph type="ctrTitle"/>
-          </p:nvPr>
+          <p:cNvPr id="2" name="TextBox 1"/>
+          <p:cNvSpPr txBox="1"/>
+          <p:nvPr/>
         </p:nvSpPr>
         <p:spPr>
           <a:xfrm>
-            <a:off x="1524000" y="1122363"/>
-            <a:ext cx="9144000" cy="1110474"/>
+            <a:off x="1083733" y="1851377"/>
+            <a:ext cx="5386475" cy="2862322"/>
           </a:xfrm>
+          <a:prstGeom prst="rect">
+            <a:avLst/>
+          </a:prstGeom>
+          <a:noFill/>
+          <a:ln>
+            <a:solidFill>
+              <a:schemeClr val="accent1"/>
+            </a:solidFill>
+          </a:ln>
         </p:spPr>
         <p:txBody>
-          <a:bodyPr/>
-          <a:lstStyle/>
-          <a:p>
-            <a:r>
-              <a:rPr lang="en-US" dirty="0"/>
-              <a:t>EXERCISES</a:t>
-            </a:r>
-          </a:p>
-        </p:txBody>
-      </p:sp>
-      <p:sp>
-        <p:nvSpPr>
-          <p:cNvPr id="3" name="Subtitle 2"/>
-          <p:cNvSpPr>
-            <a:spLocks noGrp="1"/>
-          </p:cNvSpPr>
-          <p:nvPr>
-            <p:ph type="subTitle" idx="1"/>
-          </p:nvPr>
+          <a:bodyPr wrap="none" rtlCol="0">
+            <a:spAutoFit/>
+          </a:bodyPr>
+          <a:lstStyle/>
+          <a:p>
+            <a:r>
+              <a:rPr lang="en-US" b="1" dirty="0"/>
+              <a:t>public class </a:t>
+            </a:r>
+            <a:r>
+              <a:rPr lang="en-US" b="1" dirty="0" err="1"/>
+              <a:t>ArmLinearActuator</a:t>
+            </a:r>
+            <a:r>
+              <a:rPr lang="en-US" b="1" dirty="0"/>
+              <a:t> extends Subsystem {</a:t>
+            </a:r>
+          </a:p>
+          <a:p>
+            <a:r>
+              <a:rPr lang="en-US" b="1" dirty="0"/>
+              <a:t>Cont.</a:t>
+            </a:r>
+          </a:p>
+          <a:p>
+            <a:endParaRPr lang="en-US" b="1" dirty="0"/>
+          </a:p>
+          <a:p>
+            <a:r>
+              <a:rPr lang="en-US" b="1" dirty="0"/>
+              <a:t>public </a:t>
+            </a:r>
+            <a:r>
+              <a:rPr lang="en-US" b="1" dirty="0" err="1"/>
+              <a:t>boolean</a:t>
+            </a:r>
+            <a:r>
+              <a:rPr lang="en-US" b="1" dirty="0"/>
+              <a:t> </a:t>
+            </a:r>
+            <a:r>
+              <a:rPr lang="en-US" b="1" dirty="0" err="1"/>
+              <a:t>isTop</a:t>
+            </a:r>
+            <a:r>
+              <a:rPr lang="en-US" b="1" dirty="0"/>
+              <a:t>() {</a:t>
+            </a:r>
+          </a:p>
+          <a:p>
+            <a:r>
+              <a:rPr lang="en-US" dirty="0"/>
+              <a:t>    </a:t>
+            </a:r>
+            <a:r>
+              <a:rPr lang="en-US" b="1" dirty="0"/>
+              <a:t>return !</a:t>
+            </a:r>
+            <a:r>
+              <a:rPr lang="en-US" b="1" dirty="0" err="1"/>
+              <a:t>topLimSw.get</a:t>
+            </a:r>
+            <a:r>
+              <a:rPr lang="en-US" b="1" dirty="0"/>
+              <a:t>();</a:t>
+            </a:r>
+          </a:p>
+          <a:p>
+            <a:r>
+              <a:rPr lang="en-US" dirty="0"/>
+              <a:t>}</a:t>
+            </a:r>
+          </a:p>
+          <a:p>
+            <a:r>
+              <a:rPr lang="en-US" dirty="0"/>
+              <a:t>    </a:t>
+            </a:r>
+          </a:p>
+          <a:p>
+            <a:r>
+              <a:rPr lang="en-US" b="1" dirty="0"/>
+              <a:t>public </a:t>
+            </a:r>
+            <a:r>
+              <a:rPr lang="en-US" b="1" dirty="0" err="1"/>
+              <a:t>boolean</a:t>
+            </a:r>
+            <a:r>
+              <a:rPr lang="en-US" b="1" dirty="0"/>
+              <a:t> </a:t>
+            </a:r>
+            <a:r>
+              <a:rPr lang="en-US" b="1" dirty="0" err="1"/>
+              <a:t>isBottom</a:t>
+            </a:r>
+            <a:r>
+              <a:rPr lang="en-US" b="1" dirty="0"/>
+              <a:t>() {</a:t>
+            </a:r>
+          </a:p>
+          <a:p>
+            <a:r>
+              <a:rPr lang="en-US" dirty="0"/>
+              <a:t>    </a:t>
+            </a:r>
+            <a:r>
+              <a:rPr lang="en-US" b="1" dirty="0"/>
+              <a:t>return !</a:t>
+            </a:r>
+            <a:r>
+              <a:rPr lang="en-US" b="1" dirty="0" err="1"/>
+              <a:t>scoopLimSw.get</a:t>
+            </a:r>
+            <a:r>
+              <a:rPr lang="en-US" b="1" dirty="0"/>
+              <a:t>();</a:t>
+            </a:r>
+          </a:p>
+          <a:p>
+            <a:r>
+              <a:rPr lang="en-US" dirty="0"/>
+              <a:t>}</a:t>
+            </a:r>
+          </a:p>
+        </p:txBody>
+      </p:sp>
+      <p:sp>
+        <p:nvSpPr>
+          <p:cNvPr id="3" name="TextBox 2"/>
+          <p:cNvSpPr txBox="1"/>
+          <p:nvPr/>
         </p:nvSpPr>
         <p:spPr>
           <a:xfrm>
-            <a:off x="1524000" y="2040926"/>
-            <a:ext cx="9144000" cy="4055074"/>
+            <a:off x="6585996" y="1180618"/>
+            <a:ext cx="4548850" cy="4524315"/>
           </a:xfrm>
+          <a:prstGeom prst="rect">
+            <a:avLst/>
+          </a:prstGeom>
+          <a:noFill/>
         </p:spPr>
         <p:txBody>
-          <a:bodyPr>
-            <a:normAutofit/>
+          <a:bodyPr wrap="square" rtlCol="0">
+            <a:spAutoFit/>
           </a:bodyPr>
           <a:lstStyle/>
           <a:p>
             <a:r>
-              <a:rPr lang="en-US" sz="3600" dirty="0"/>
-              <a:t>Arm System</a:t>
-            </a:r>
-          </a:p>
-          <a:p>
-            <a:r>
-              <a:rPr lang="en-US" dirty="0"/>
-              <a:t>Initialize (replace current autonomous)</a:t>
-            </a:r>
-          </a:p>
-          <a:p>
-            <a:r>
-              <a:rPr lang="en-US" dirty="0"/>
-              <a:t>Fix </a:t>
+              <a:rPr lang="en-US" dirty="0"/>
+              <a:t>Limit Switches for the Top and Bottom of the </a:t>
             </a:r>
             <a:r>
               <a:rPr lang="en-US" dirty="0" err="1"/>
-              <a:t>isOnTarget</a:t>
-            </a:r>
-            <a:r>
-              <a:rPr lang="en-US" dirty="0"/>
-              <a:t> logic</a:t>
-            </a:r>
-          </a:p>
-          <a:p>
-            <a:r>
-              <a:rPr lang="en-US" dirty="0"/>
-              <a:t>Capture </a:t>
+              <a:t>LinearActuator</a:t>
+            </a:r>
+            <a:r>
+              <a:rPr lang="en-US" dirty="0"/>
+              <a:t>.  These are </a:t>
             </a:r>
             <a:r>
               <a:rPr lang="en-US" dirty="0" err="1"/>
-              <a:t>Setpoint</a:t>
-            </a:r>
-            <a:r>
-              <a:rPr lang="en-US" dirty="0"/>
-              <a:t> Values into Table</a:t>
-            </a:r>
-          </a:p>
-          <a:p>
-            <a:r>
-              <a:rPr lang="en-US" dirty="0"/>
-              <a:t>Read </a:t>
-            </a:r>
-            <a:r>
-              <a:rPr lang="en-US" dirty="0" err="1"/>
-              <a:t>Setpoint</a:t>
-            </a:r>
-            <a:r>
-              <a:rPr lang="en-US" dirty="0"/>
-              <a:t> Table from File</a:t>
-            </a:r>
-          </a:p>
-          <a:p>
-            <a:r>
-              <a:rPr lang="en-US" dirty="0"/>
-              <a:t>Save </a:t>
-            </a:r>
-            <a:r>
-              <a:rPr lang="en-US" dirty="0" err="1"/>
-              <a:t>Setpoint</a:t>
-            </a:r>
-            <a:r>
-              <a:rPr lang="en-US" dirty="0"/>
-              <a:t> Table to File</a:t>
-            </a:r>
-          </a:p>
-          <a:p>
-            <a:r>
-              <a:rPr lang="en-US" dirty="0"/>
-              <a:t>How would you handle two linear actuators?</a:t>
+              <a:t>DigitalInput</a:t>
+            </a:r>
+            <a:r>
+              <a:rPr lang="en-US" dirty="0"/>
+              <a:t> objects, so the most common thing we need to do is “get” the Boolean value telling us if the switch is open (true) or closed (false).</a:t>
+            </a:r>
+          </a:p>
+          <a:p>
+            <a:endParaRPr lang="en-US" dirty="0"/>
+          </a:p>
+          <a:p>
+            <a:r>
+              <a:rPr lang="en-US" dirty="0"/>
+              <a:t>There needs to be communication again between Programming and Electrical/Mechanical about the type of switch being used.</a:t>
+            </a:r>
+          </a:p>
+          <a:p>
+            <a:endParaRPr lang="en-US" dirty="0"/>
+          </a:p>
+          <a:p>
+            <a:r>
+              <a:rPr lang="en-US" dirty="0"/>
+              <a:t>Normally Open read true unless held in.</a:t>
+            </a:r>
+          </a:p>
+          <a:p>
+            <a:r>
+              <a:rPr lang="en-US" dirty="0"/>
+              <a:t>Normally Closed read false unless held in.</a:t>
+            </a:r>
+          </a:p>
+          <a:p>
+            <a:endParaRPr lang="en-US" dirty="0"/>
+          </a:p>
+          <a:p>
+            <a:r>
+              <a:rPr lang="en-US" dirty="0"/>
+              <a:t>Normally Open were used here, so the ! (not) inverts the Boolean to provide the logically correct true/false return.</a:t>
             </a:r>
           </a:p>
         </p:txBody>
@@ -7619,7 +7891,881 @@
     </p:spTree>
     <p:extLst>
       <p:ext uri="{BB962C8B-B14F-4D97-AF65-F5344CB8AC3E}">
-        <p14:creationId xmlns:p14="http://schemas.microsoft.com/office/powerpoint/2010/main" val="732886656"/>
+        <p14:creationId xmlns:p14="http://schemas.microsoft.com/office/powerpoint/2010/main" val="1263227285"/>
+      </p:ext>
+    </p:extLst>
+  </p:cSld>
+  <p:clrMapOvr>
+    <a:masterClrMapping/>
+  </p:clrMapOvr>
+</p:sld>
+</file>
+
+<file path=ppt/slides/slide12.xml><?xml version="1.0" encoding="utf-8"?>
+<p:sld xmlns:a="http://schemas.openxmlformats.org/drawingml/2006/main" xmlns:r="http://schemas.openxmlformats.org/officeDocument/2006/relationships" xmlns:p="http://schemas.openxmlformats.org/presentationml/2006/main">
+  <p:cSld>
+    <p:spTree>
+      <p:nvGrpSpPr>
+        <p:cNvPr id="1" name=""/>
+        <p:cNvGrpSpPr/>
+        <p:nvPr/>
+      </p:nvGrpSpPr>
+      <p:grpSpPr>
+        <a:xfrm>
+          <a:off x="0" y="0"/>
+          <a:ext cx="0" cy="0"/>
+          <a:chOff x="0" y="0"/>
+          <a:chExt cx="0" cy="0"/>
+        </a:xfrm>
+      </p:grpSpPr>
+      <p:sp>
+        <p:nvSpPr>
+          <p:cNvPr id="2" name="TextBox 1"/>
+          <p:cNvSpPr txBox="1"/>
+          <p:nvPr/>
+        </p:nvSpPr>
+        <p:spPr>
+          <a:xfrm>
+            <a:off x="937119" y="1194431"/>
+            <a:ext cx="7235331" cy="4524315"/>
+          </a:xfrm>
+          <a:prstGeom prst="rect">
+            <a:avLst/>
+          </a:prstGeom>
+          <a:noFill/>
+          <a:ln>
+            <a:solidFill>
+              <a:schemeClr val="accent1"/>
+            </a:solidFill>
+          </a:ln>
+        </p:spPr>
+        <p:txBody>
+          <a:bodyPr wrap="square" rtlCol="0">
+            <a:spAutoFit/>
+          </a:bodyPr>
+          <a:lstStyle/>
+          <a:p>
+            <a:r>
+              <a:rPr lang="en-US" sz="1600" b="1" dirty="0"/>
+              <a:t>public void </a:t>
+            </a:r>
+            <a:r>
+              <a:rPr lang="en-US" sz="1600" b="1" dirty="0" err="1"/>
+              <a:t>moveArm</a:t>
+            </a:r>
+            <a:r>
+              <a:rPr lang="en-US" sz="1600" b="1" dirty="0"/>
+              <a:t>(double speed) {</a:t>
+            </a:r>
+          </a:p>
+          <a:p>
+            <a:r>
+              <a:rPr lang="en-US" sz="1600" dirty="0"/>
+              <a:t>    </a:t>
+            </a:r>
+          </a:p>
+          <a:p>
+            <a:r>
+              <a:rPr lang="en-US" sz="1600" dirty="0"/>
+              <a:t>    </a:t>
+            </a:r>
+            <a:r>
+              <a:rPr lang="en-US" sz="1600" b="1" dirty="0"/>
+              <a:t>if (</a:t>
+            </a:r>
+            <a:r>
+              <a:rPr lang="en-US" sz="1600" b="1" dirty="0" err="1"/>
+              <a:t>isTop</a:t>
+            </a:r>
+            <a:r>
+              <a:rPr lang="en-US" sz="1600" b="1" dirty="0"/>
+              <a:t>() == true) {</a:t>
+            </a:r>
+          </a:p>
+          <a:p>
+            <a:r>
+              <a:rPr lang="en-US" sz="1600" dirty="0"/>
+              <a:t>    	</a:t>
+            </a:r>
+            <a:r>
+              <a:rPr lang="en-US" sz="1600" b="1" dirty="0"/>
+              <a:t>if((</a:t>
+            </a:r>
+            <a:r>
+              <a:rPr lang="en-US" sz="1600" b="1" dirty="0" err="1"/>
+              <a:t>invMotor</a:t>
+            </a:r>
+            <a:r>
+              <a:rPr lang="en-US" sz="1600" b="1" dirty="0"/>
+              <a:t> == true &amp; speed &lt; 0) || (</a:t>
+            </a:r>
+            <a:r>
+              <a:rPr lang="en-US" sz="1600" b="1" dirty="0" err="1"/>
+              <a:t>invMotor</a:t>
+            </a:r>
+            <a:r>
+              <a:rPr lang="en-US" sz="1600" b="1" dirty="0"/>
+              <a:t> == false &amp; speed &gt; 0)) {</a:t>
+            </a:r>
+          </a:p>
+          <a:p>
+            <a:r>
+              <a:rPr lang="en-US" sz="1600" dirty="0"/>
+              <a:t>    		speed = 0;</a:t>
+            </a:r>
+          </a:p>
+          <a:p>
+            <a:r>
+              <a:rPr lang="en-US" sz="1600" dirty="0"/>
+              <a:t>    	}</a:t>
+            </a:r>
+          </a:p>
+          <a:p>
+            <a:r>
+              <a:rPr lang="en-US" sz="1600" dirty="0"/>
+              <a:t>    } </a:t>
+            </a:r>
+            <a:r>
+              <a:rPr lang="en-US" sz="1600" b="1" dirty="0"/>
+              <a:t>else {</a:t>
+            </a:r>
+          </a:p>
+          <a:p>
+            <a:r>
+              <a:rPr lang="en-US" sz="1600" dirty="0"/>
+              <a:t>    	</a:t>
+            </a:r>
+            <a:r>
+              <a:rPr lang="en-US" sz="1600" b="1" dirty="0"/>
+              <a:t>if (</a:t>
+            </a:r>
+            <a:r>
+              <a:rPr lang="en-US" sz="1600" b="1" dirty="0" err="1"/>
+              <a:t>isBottom</a:t>
+            </a:r>
+            <a:r>
+              <a:rPr lang="en-US" sz="1600" b="1" dirty="0"/>
+              <a:t>() == true) {</a:t>
+            </a:r>
+          </a:p>
+          <a:p>
+            <a:r>
+              <a:rPr lang="en-US" sz="1600" dirty="0"/>
+              <a:t>        	</a:t>
+            </a:r>
+            <a:r>
+              <a:rPr lang="en-US" sz="1600" b="1" dirty="0"/>
+              <a:t>if((</a:t>
+            </a:r>
+            <a:r>
+              <a:rPr lang="en-US" sz="1600" b="1" dirty="0" err="1"/>
+              <a:t>invMotor</a:t>
+            </a:r>
+            <a:r>
+              <a:rPr lang="en-US" sz="1600" b="1" dirty="0"/>
+              <a:t> == true &amp; speed &gt; 0) || (</a:t>
+            </a:r>
+            <a:r>
+              <a:rPr lang="en-US" sz="1600" b="1" dirty="0" err="1"/>
+              <a:t>invMotor</a:t>
+            </a:r>
+            <a:r>
+              <a:rPr lang="en-US" sz="1600" b="1" dirty="0"/>
+              <a:t> == false &amp; speed &lt; 0)) {</a:t>
+            </a:r>
+          </a:p>
+          <a:p>
+            <a:r>
+              <a:rPr lang="en-US" sz="1600" dirty="0"/>
+              <a:t>        		speed = 0;</a:t>
+            </a:r>
+          </a:p>
+          <a:p>
+            <a:r>
+              <a:rPr lang="en-US" sz="1600" dirty="0"/>
+              <a:t>        	}</a:t>
+            </a:r>
+          </a:p>
+          <a:p>
+            <a:r>
+              <a:rPr lang="en-US" sz="1600" dirty="0"/>
+              <a:t>    	}</a:t>
+            </a:r>
+          </a:p>
+          <a:p>
+            <a:r>
+              <a:rPr lang="en-US" sz="1600" dirty="0"/>
+              <a:t>    }</a:t>
+            </a:r>
+          </a:p>
+          <a:p>
+            <a:r>
+              <a:rPr lang="en-US" sz="1600" dirty="0"/>
+              <a:t>    </a:t>
+            </a:r>
+          </a:p>
+          <a:p>
+            <a:r>
+              <a:rPr lang="en-US" sz="1600" dirty="0"/>
+              <a:t>    </a:t>
+            </a:r>
+            <a:r>
+              <a:rPr lang="en-US" sz="1600" dirty="0" err="1"/>
+              <a:t>armLiftMotor.set</a:t>
+            </a:r>
+            <a:r>
+              <a:rPr lang="en-US" sz="1600" dirty="0"/>
+              <a:t>(speed);</a:t>
+            </a:r>
+          </a:p>
+          <a:p>
+            <a:r>
+              <a:rPr lang="en-US" sz="1600" dirty="0"/>
+              <a:t>    </a:t>
+            </a:r>
+            <a:r>
+              <a:rPr lang="en-US" sz="1600" dirty="0" err="1"/>
+              <a:t>logArm</a:t>
+            </a:r>
+            <a:r>
+              <a:rPr lang="en-US" sz="1600" dirty="0"/>
+              <a:t>();</a:t>
+            </a:r>
+          </a:p>
+          <a:p>
+            <a:r>
+              <a:rPr lang="en-US" sz="1600" dirty="0"/>
+              <a:t>    </a:t>
+            </a:r>
+          </a:p>
+          <a:p>
+            <a:r>
+              <a:rPr lang="en-US" sz="1600" dirty="0"/>
+              <a:t>}</a:t>
+            </a:r>
+          </a:p>
+        </p:txBody>
+      </p:sp>
+      <p:sp>
+        <p:nvSpPr>
+          <p:cNvPr id="4" name="TextBox 3"/>
+          <p:cNvSpPr txBox="1"/>
+          <p:nvPr/>
+        </p:nvSpPr>
+        <p:spPr>
+          <a:xfrm>
+            <a:off x="8389620" y="1194431"/>
+            <a:ext cx="3035027" cy="4247317"/>
+          </a:xfrm>
+          <a:prstGeom prst="rect">
+            <a:avLst/>
+          </a:prstGeom>
+          <a:noFill/>
+        </p:spPr>
+        <p:txBody>
+          <a:bodyPr wrap="square" rtlCol="0">
+            <a:spAutoFit/>
+          </a:bodyPr>
+          <a:lstStyle/>
+          <a:p>
+            <a:r>
+              <a:rPr lang="en-US" dirty="0" err="1"/>
+              <a:t>moveArm</a:t>
+            </a:r>
+            <a:r>
+              <a:rPr lang="en-US" dirty="0"/>
+              <a:t> method is given a “speed” value of type double.</a:t>
+            </a:r>
+          </a:p>
+          <a:p>
+            <a:endParaRPr lang="en-US" dirty="0"/>
+          </a:p>
+          <a:p>
+            <a:r>
+              <a:rPr lang="en-US" dirty="0"/>
+              <a:t>It checks the top and bottom limit </a:t>
+            </a:r>
+            <a:r>
+              <a:rPr lang="en-US" dirty="0" err="1"/>
+              <a:t>switchs</a:t>
+            </a:r>
+            <a:r>
+              <a:rPr lang="en-US" dirty="0"/>
+              <a:t> along with the direction of travel and sets the speed to zero if motion needs to be stopped.</a:t>
+            </a:r>
+          </a:p>
+          <a:p>
+            <a:endParaRPr lang="en-US" dirty="0"/>
+          </a:p>
+          <a:p>
+            <a:r>
+              <a:rPr lang="en-US" dirty="0"/>
+              <a:t>The validated speed is passed to the </a:t>
+            </a:r>
+            <a:r>
+              <a:rPr lang="en-US" dirty="0" err="1"/>
+              <a:t>armLiftMotor.set</a:t>
+            </a:r>
+            <a:r>
+              <a:rPr lang="en-US" dirty="0"/>
+              <a:t> method to drive the speed controller.</a:t>
+            </a:r>
+          </a:p>
+          <a:p>
+            <a:endParaRPr lang="en-US" dirty="0"/>
+          </a:p>
+          <a:p>
+            <a:r>
+              <a:rPr lang="en-US" dirty="0" err="1"/>
+              <a:t>logArm</a:t>
+            </a:r>
+            <a:r>
+              <a:rPr lang="en-US" dirty="0"/>
+              <a:t> sends telemetry to the dashboard.</a:t>
+            </a:r>
+          </a:p>
+        </p:txBody>
+      </p:sp>
+    </p:spTree>
+    <p:extLst>
+      <p:ext uri="{BB962C8B-B14F-4D97-AF65-F5344CB8AC3E}">
+        <p14:creationId xmlns:p14="http://schemas.microsoft.com/office/powerpoint/2010/main" val="2476273519"/>
+      </p:ext>
+    </p:extLst>
+  </p:cSld>
+  <p:clrMapOvr>
+    <a:masterClrMapping/>
+  </p:clrMapOvr>
+</p:sld>
+</file>
+
+<file path=ppt/slides/slide13.xml><?xml version="1.0" encoding="utf-8"?>
+<p:sld xmlns:a="http://schemas.openxmlformats.org/drawingml/2006/main" xmlns:r="http://schemas.openxmlformats.org/officeDocument/2006/relationships" xmlns:p="http://schemas.openxmlformats.org/presentationml/2006/main">
+  <p:cSld>
+    <p:spTree>
+      <p:nvGrpSpPr>
+        <p:cNvPr id="1" name=""/>
+        <p:cNvGrpSpPr/>
+        <p:nvPr/>
+      </p:nvGrpSpPr>
+      <p:grpSpPr>
+        <a:xfrm>
+          <a:off x="0" y="0"/>
+          <a:ext cx="0" cy="0"/>
+          <a:chOff x="0" y="0"/>
+          <a:chExt cx="0" cy="0"/>
+        </a:xfrm>
+      </p:grpSpPr>
+      <p:sp>
+        <p:nvSpPr>
+          <p:cNvPr id="2" name="TextBox 1"/>
+          <p:cNvSpPr txBox="1"/>
+          <p:nvPr/>
+        </p:nvSpPr>
+        <p:spPr>
+          <a:xfrm>
+            <a:off x="993422" y="767644"/>
+            <a:ext cx="5874557" cy="5478423"/>
+          </a:xfrm>
+          <a:prstGeom prst="rect">
+            <a:avLst/>
+          </a:prstGeom>
+          <a:noFill/>
+          <a:ln>
+            <a:solidFill>
+              <a:schemeClr val="accent1"/>
+            </a:solidFill>
+          </a:ln>
+        </p:spPr>
+        <p:txBody>
+          <a:bodyPr wrap="none" rtlCol="0">
+            <a:spAutoFit/>
+          </a:bodyPr>
+          <a:lstStyle/>
+          <a:p>
+            <a:r>
+              <a:rPr lang="en-US" sz="1400" b="1" dirty="0"/>
+              <a:t>public class </a:t>
+            </a:r>
+            <a:r>
+              <a:rPr lang="en-US" sz="1400" b="1" dirty="0" err="1"/>
+              <a:t>JoystickArmMove</a:t>
+            </a:r>
+            <a:r>
+              <a:rPr lang="en-US" sz="1400" b="1" dirty="0"/>
+              <a:t> extends Command {</a:t>
+            </a:r>
+          </a:p>
+          <a:p>
+            <a:r>
+              <a:rPr lang="en-US" sz="1400" dirty="0"/>
+              <a:t>    </a:t>
+            </a:r>
+            <a:r>
+              <a:rPr lang="en-US" sz="1400" b="1" dirty="0"/>
+              <a:t>public </a:t>
+            </a:r>
+            <a:r>
+              <a:rPr lang="en-US" sz="1400" b="1" dirty="0" err="1"/>
+              <a:t>JoystickArmMove</a:t>
+            </a:r>
+            <a:r>
+              <a:rPr lang="en-US" sz="1400" b="1" dirty="0"/>
+              <a:t>() {</a:t>
+            </a:r>
+          </a:p>
+          <a:p>
+            <a:r>
+              <a:rPr lang="en-US" sz="1400" dirty="0"/>
+              <a:t>        requires(</a:t>
+            </a:r>
+            <a:r>
+              <a:rPr lang="en-US" sz="1400" dirty="0" err="1"/>
+              <a:t>Robot.</a:t>
+            </a:r>
+            <a:r>
+              <a:rPr lang="en-US" sz="1400" i="1" dirty="0" err="1"/>
+              <a:t>armSubSys</a:t>
+            </a:r>
+            <a:r>
+              <a:rPr lang="en-US" sz="1400" i="1" dirty="0"/>
+              <a:t>);</a:t>
+            </a:r>
+          </a:p>
+          <a:p>
+            <a:r>
+              <a:rPr lang="en-US" sz="1400" dirty="0"/>
+              <a:t>    }</a:t>
+            </a:r>
+          </a:p>
+          <a:p>
+            <a:r>
+              <a:rPr lang="en-US" sz="1400" dirty="0"/>
+              <a:t>    // Called just before this Command runs the first time</a:t>
+            </a:r>
+          </a:p>
+          <a:p>
+            <a:r>
+              <a:rPr lang="en-US" sz="1400" dirty="0"/>
+              <a:t>    </a:t>
+            </a:r>
+            <a:r>
+              <a:rPr lang="en-US" sz="1400" b="1" dirty="0"/>
+              <a:t>protected void initialize() {</a:t>
+            </a:r>
+          </a:p>
+          <a:p>
+            <a:r>
+              <a:rPr lang="en-US" sz="1400" dirty="0"/>
+              <a:t>    }</a:t>
+            </a:r>
+          </a:p>
+          <a:p>
+            <a:r>
+              <a:rPr lang="en-US" sz="1400" dirty="0"/>
+              <a:t>    // Called repeatedly when this Command is scheduled to run</a:t>
+            </a:r>
+          </a:p>
+          <a:p>
+            <a:r>
+              <a:rPr lang="en-US" sz="1400" dirty="0"/>
+              <a:t>    </a:t>
+            </a:r>
+            <a:r>
+              <a:rPr lang="en-US" sz="1400" b="1" dirty="0"/>
+              <a:t>protected void execute() {</a:t>
+            </a:r>
+          </a:p>
+          <a:p>
+            <a:r>
+              <a:rPr lang="en-US" sz="1400" dirty="0"/>
+              <a:t>    	</a:t>
+            </a:r>
+            <a:r>
+              <a:rPr lang="en-US" sz="1400" dirty="0" err="1"/>
+              <a:t>Robot.</a:t>
+            </a:r>
+            <a:r>
+              <a:rPr lang="en-US" sz="1400" i="1" dirty="0" err="1"/>
+              <a:t>armSubSys.moveArm</a:t>
+            </a:r>
+            <a:r>
+              <a:rPr lang="en-US" sz="1400" i="1" dirty="0"/>
+              <a:t>(Robot.oi.joystick1.getY());</a:t>
+            </a:r>
+          </a:p>
+          <a:p>
+            <a:r>
+              <a:rPr lang="en-US" sz="1400" dirty="0"/>
+              <a:t>    }</a:t>
+            </a:r>
+          </a:p>
+          <a:p>
+            <a:r>
+              <a:rPr lang="en-US" sz="1400" dirty="0"/>
+              <a:t>    // Make this return true when this Command no longer needs to run execute()</a:t>
+            </a:r>
+          </a:p>
+          <a:p>
+            <a:r>
+              <a:rPr lang="en-US" sz="1400" dirty="0"/>
+              <a:t>    </a:t>
+            </a:r>
+            <a:r>
+              <a:rPr lang="en-US" sz="1400" b="1" dirty="0"/>
+              <a:t>protected </a:t>
+            </a:r>
+            <a:r>
+              <a:rPr lang="en-US" sz="1400" b="1" dirty="0" err="1"/>
+              <a:t>boolean</a:t>
+            </a:r>
+            <a:r>
+              <a:rPr lang="en-US" sz="1400" b="1" dirty="0"/>
+              <a:t> </a:t>
+            </a:r>
+            <a:r>
+              <a:rPr lang="en-US" sz="1400" b="1" dirty="0" err="1"/>
+              <a:t>isFinished</a:t>
+            </a:r>
+            <a:r>
+              <a:rPr lang="en-US" sz="1400" b="1" dirty="0"/>
+              <a:t>() {</a:t>
+            </a:r>
+          </a:p>
+          <a:p>
+            <a:r>
+              <a:rPr lang="en-US" sz="1400" dirty="0"/>
+              <a:t>        </a:t>
+            </a:r>
+            <a:r>
+              <a:rPr lang="en-US" sz="1400" b="1" dirty="0"/>
+              <a:t>return false;</a:t>
+            </a:r>
+          </a:p>
+          <a:p>
+            <a:r>
+              <a:rPr lang="en-US" sz="1400" dirty="0"/>
+              <a:t>    }</a:t>
+            </a:r>
+          </a:p>
+          <a:p>
+            <a:r>
+              <a:rPr lang="en-US" sz="1400" dirty="0"/>
+              <a:t>    // Called once after </a:t>
+            </a:r>
+            <a:r>
+              <a:rPr lang="en-US" sz="1400" dirty="0" err="1"/>
+              <a:t>isFinished</a:t>
+            </a:r>
+            <a:r>
+              <a:rPr lang="en-US" sz="1400" dirty="0"/>
+              <a:t> returns true</a:t>
+            </a:r>
+          </a:p>
+          <a:p>
+            <a:r>
+              <a:rPr lang="en-US" sz="1400" dirty="0"/>
+              <a:t>    </a:t>
+            </a:r>
+            <a:r>
+              <a:rPr lang="en-US" sz="1400" b="1" dirty="0"/>
+              <a:t>protected void end() {</a:t>
+            </a:r>
+          </a:p>
+          <a:p>
+            <a:r>
+              <a:rPr lang="en-US" sz="1400" dirty="0"/>
+              <a:t>    	</a:t>
+            </a:r>
+            <a:r>
+              <a:rPr lang="en-US" sz="1400" dirty="0" err="1"/>
+              <a:t>Robot.</a:t>
+            </a:r>
+            <a:r>
+              <a:rPr lang="en-US" sz="1400" i="1" dirty="0" err="1"/>
+              <a:t>armSubSys.stopArm</a:t>
+            </a:r>
+            <a:r>
+              <a:rPr lang="en-US" sz="1400" i="1" dirty="0"/>
+              <a:t>();</a:t>
+            </a:r>
+          </a:p>
+          <a:p>
+            <a:r>
+              <a:rPr lang="en-US" sz="1400" dirty="0"/>
+              <a:t>    }</a:t>
+            </a:r>
+          </a:p>
+          <a:p>
+            <a:r>
+              <a:rPr lang="en-US" sz="1400" dirty="0"/>
+              <a:t>    // Called when another command which requires one or more of the same</a:t>
+            </a:r>
+          </a:p>
+          <a:p>
+            <a:r>
+              <a:rPr lang="en-US" sz="1400" dirty="0"/>
+              <a:t>    // subsystems is scheduled to run</a:t>
+            </a:r>
+          </a:p>
+          <a:p>
+            <a:r>
+              <a:rPr lang="en-US" sz="1400" dirty="0"/>
+              <a:t>    </a:t>
+            </a:r>
+            <a:r>
+              <a:rPr lang="en-US" sz="1400" b="1" dirty="0"/>
+              <a:t>protected void interrupted() {</a:t>
+            </a:r>
+          </a:p>
+          <a:p>
+            <a:r>
+              <a:rPr lang="en-US" sz="1400" dirty="0"/>
+              <a:t>    	end();</a:t>
+            </a:r>
+          </a:p>
+          <a:p>
+            <a:r>
+              <a:rPr lang="en-US" sz="1400" dirty="0"/>
+              <a:t>    }</a:t>
+            </a:r>
+          </a:p>
+          <a:p>
+            <a:r>
+              <a:rPr lang="en-US" sz="1400" dirty="0"/>
+              <a:t>}</a:t>
+            </a:r>
+            <a:endParaRPr lang="en-US" dirty="0"/>
+          </a:p>
+        </p:txBody>
+      </p:sp>
+      <p:sp>
+        <p:nvSpPr>
+          <p:cNvPr id="4" name="TextBox 3"/>
+          <p:cNvSpPr txBox="1"/>
+          <p:nvPr/>
+        </p:nvSpPr>
+        <p:spPr>
+          <a:xfrm>
+            <a:off x="7052310" y="754380"/>
+            <a:ext cx="4371903" cy="3970318"/>
+          </a:xfrm>
+          <a:prstGeom prst="rect">
+            <a:avLst/>
+          </a:prstGeom>
+          <a:noFill/>
+        </p:spPr>
+        <p:txBody>
+          <a:bodyPr wrap="square" rtlCol="0">
+            <a:spAutoFit/>
+          </a:bodyPr>
+          <a:lstStyle/>
+          <a:p>
+            <a:r>
+              <a:rPr lang="en-US" dirty="0" err="1"/>
+              <a:t>JoystickArmMove</a:t>
+            </a:r>
+            <a:r>
+              <a:rPr lang="en-US" dirty="0"/>
+              <a:t> command</a:t>
+            </a:r>
+          </a:p>
+          <a:p>
+            <a:endParaRPr lang="en-US" dirty="0"/>
+          </a:p>
+          <a:p>
+            <a:r>
+              <a:rPr lang="en-US" dirty="0"/>
+              <a:t>Housekeeping code</a:t>
+            </a:r>
+          </a:p>
+          <a:p>
+            <a:r>
+              <a:rPr lang="en-US" dirty="0"/>
+              <a:t>	requires – only one command at a time may use a subsystem.</a:t>
+            </a:r>
+          </a:p>
+          <a:p>
+            <a:endParaRPr lang="en-US" dirty="0"/>
+          </a:p>
+          <a:p>
+            <a:r>
+              <a:rPr lang="en-US" dirty="0"/>
+              <a:t>This command passes the joystick Y axis (forward/backward) directly through to the subsystem </a:t>
+            </a:r>
+            <a:r>
+              <a:rPr lang="en-US" dirty="0" err="1"/>
+              <a:t>moveArm</a:t>
+            </a:r>
+            <a:r>
+              <a:rPr lang="en-US" dirty="0"/>
+              <a:t> method.  NOTE that the object name is used, not the class name</a:t>
+            </a:r>
+          </a:p>
+          <a:p>
+            <a:endParaRPr lang="en-US" dirty="0"/>
+          </a:p>
+          <a:p>
+            <a:r>
+              <a:rPr lang="en-US" dirty="0"/>
+              <a:t>The methods shown are standard for all commands, and we’ll dig more into what they’re used for in </a:t>
+            </a:r>
+            <a:r>
+              <a:rPr lang="en-US"/>
+              <a:t>later examples.</a:t>
+            </a:r>
+            <a:endParaRPr lang="en-US" dirty="0"/>
+          </a:p>
+        </p:txBody>
+      </p:sp>
+    </p:spTree>
+    <p:extLst>
+      <p:ext uri="{BB962C8B-B14F-4D97-AF65-F5344CB8AC3E}">
+        <p14:creationId xmlns:p14="http://schemas.microsoft.com/office/powerpoint/2010/main" val="1545355775"/>
+      </p:ext>
+    </p:extLst>
+  </p:cSld>
+  <p:clrMapOvr>
+    <a:masterClrMapping/>
+  </p:clrMapOvr>
+</p:sld>
+</file>
+
+<file path=ppt/slides/slide14.xml><?xml version="1.0" encoding="utf-8"?>
+<p:sld xmlns:a="http://schemas.openxmlformats.org/drawingml/2006/main" xmlns:r="http://schemas.openxmlformats.org/officeDocument/2006/relationships" xmlns:p="http://schemas.openxmlformats.org/presentationml/2006/main">
+  <p:cSld>
+    <p:spTree>
+      <p:nvGrpSpPr>
+        <p:cNvPr id="1" name=""/>
+        <p:cNvGrpSpPr/>
+        <p:nvPr/>
+      </p:nvGrpSpPr>
+      <p:grpSpPr>
+        <a:xfrm>
+          <a:off x="0" y="0"/>
+          <a:ext cx="0" cy="0"/>
+          <a:chOff x="0" y="0"/>
+          <a:chExt cx="0" cy="0"/>
+        </a:xfrm>
+      </p:grpSpPr>
+      <p:sp>
+        <p:nvSpPr>
+          <p:cNvPr id="2" name="TextBox 1"/>
+          <p:cNvSpPr txBox="1"/>
+          <p:nvPr/>
+        </p:nvSpPr>
+        <p:spPr>
+          <a:xfrm>
+            <a:off x="2897306" y="1679813"/>
+            <a:ext cx="6100131" cy="4524315"/>
+          </a:xfrm>
+          <a:prstGeom prst="rect">
+            <a:avLst/>
+          </a:prstGeom>
+          <a:noFill/>
+        </p:spPr>
+        <p:txBody>
+          <a:bodyPr wrap="none" rtlCol="0">
+            <a:spAutoFit/>
+          </a:bodyPr>
+          <a:lstStyle/>
+          <a:p>
+            <a:r>
+              <a:rPr lang="en-US" dirty="0"/>
+              <a:t>Java Basic</a:t>
+            </a:r>
+          </a:p>
+          <a:p>
+            <a:r>
+              <a:rPr lang="en-US" dirty="0"/>
+              <a:t>Tutorial</a:t>
+            </a:r>
+          </a:p>
+          <a:p>
+            <a:r>
+              <a:rPr lang="en-US" dirty="0"/>
+              <a:t>http://docs.oracle.com/javase/tutorial/</a:t>
+            </a:r>
+          </a:p>
+          <a:p>
+            <a:endParaRPr lang="en-US" dirty="0"/>
+          </a:p>
+          <a:p>
+            <a:r>
+              <a:rPr lang="en-US" dirty="0">
+                <a:hlinkClick r:id="rId2"/>
+              </a:rPr>
+              <a:t>http://docs.oracle.com/javase/tutorial/java/concepts/index.html</a:t>
+            </a:r>
+            <a:endParaRPr lang="en-US" dirty="0"/>
+          </a:p>
+          <a:p>
+            <a:endParaRPr lang="en-US" dirty="0"/>
+          </a:p>
+          <a:p>
+            <a:r>
+              <a:rPr lang="en-US" dirty="0"/>
+              <a:t>Java Doc</a:t>
+            </a:r>
+          </a:p>
+          <a:p>
+            <a:r>
+              <a:rPr lang="en-US" dirty="0">
+                <a:hlinkClick r:id="rId3"/>
+              </a:rPr>
+              <a:t>http://docs.oracle.com/javase/8/docs/api/index.html</a:t>
+            </a:r>
+            <a:endParaRPr lang="en-US" dirty="0"/>
+          </a:p>
+          <a:p>
+            <a:endParaRPr lang="en-US" dirty="0"/>
+          </a:p>
+          <a:p>
+            <a:r>
+              <a:rPr lang="en-US" dirty="0"/>
+              <a:t>FRC Java</a:t>
+            </a:r>
+          </a:p>
+          <a:p>
+            <a:r>
+              <a:rPr lang="en-US" dirty="0">
+                <a:hlinkClick r:id="rId4"/>
+              </a:rPr>
+              <a:t>https://wpilib.screenstepslive.com/s/4485/m/13809</a:t>
+            </a:r>
+            <a:endParaRPr lang="en-US" dirty="0"/>
+          </a:p>
+          <a:p>
+            <a:endParaRPr lang="en-US" dirty="0"/>
+          </a:p>
+          <a:p>
+            <a:r>
+              <a:rPr lang="en-US" dirty="0" err="1"/>
+              <a:t>WPILib</a:t>
+            </a:r>
+            <a:endParaRPr lang="en-US" dirty="0"/>
+          </a:p>
+          <a:p>
+            <a:r>
+              <a:rPr lang="en-US" dirty="0">
+                <a:hlinkClick r:id="rId5"/>
+              </a:rPr>
+              <a:t>http://first.wpi.edu/FRC/roborio/release/docs/java/</a:t>
+            </a:r>
+            <a:endParaRPr lang="en-US" dirty="0"/>
+          </a:p>
+          <a:p>
+            <a:endParaRPr lang="en-US" dirty="0"/>
+          </a:p>
+          <a:p>
+            <a:endParaRPr lang="en-US" dirty="0"/>
+          </a:p>
+        </p:txBody>
+      </p:sp>
+    </p:spTree>
+    <p:extLst>
+      <p:ext uri="{BB962C8B-B14F-4D97-AF65-F5344CB8AC3E}">
+        <p14:creationId xmlns:p14="http://schemas.microsoft.com/office/powerpoint/2010/main" val="788375277"/>
       </p:ext>
     </p:extLst>
   </p:cSld>
@@ -9387,663 +10533,6 @@
       </p:grpSpPr>
       <p:sp>
         <p:nvSpPr>
-          <p:cNvPr id="7" name="Oval 6"/>
-          <p:cNvSpPr/>
-          <p:nvPr/>
-        </p:nvSpPr>
-        <p:spPr>
-          <a:xfrm>
-            <a:off x="4423410" y="811530"/>
-            <a:ext cx="3863340" cy="4240530"/>
-          </a:xfrm>
-          <a:prstGeom prst="ellipse">
-            <a:avLst/>
-          </a:prstGeom>
-          <a:solidFill>
-            <a:schemeClr val="accent1">
-              <a:lumMod val="40000"/>
-              <a:lumOff val="60000"/>
-            </a:schemeClr>
-          </a:solidFill>
-        </p:spPr>
-        <p:style>
-          <a:lnRef idx="2">
-            <a:schemeClr val="accent1">
-              <a:shade val="50000"/>
-            </a:schemeClr>
-          </a:lnRef>
-          <a:fillRef idx="1">
-            <a:schemeClr val="accent1"/>
-          </a:fillRef>
-          <a:effectRef idx="0">
-            <a:schemeClr val="accent1"/>
-          </a:effectRef>
-          <a:fontRef idx="minor">
-            <a:schemeClr val="lt1"/>
-          </a:fontRef>
-        </p:style>
-        <p:txBody>
-          <a:bodyPr rtlCol="0" anchor="ctr"/>
-          <a:lstStyle/>
-          <a:p>
-            <a:pPr algn="ctr"/>
-            <a:r>
-              <a:rPr lang="en-US" sz="2400" dirty="0" err="1">
-                <a:solidFill>
-                  <a:schemeClr val="tx1"/>
-                </a:solidFill>
-              </a:rPr>
-              <a:t>PIDController</a:t>
-            </a:r>
-            <a:endParaRPr lang="en-US" sz="2400" dirty="0">
-              <a:solidFill>
-                <a:schemeClr val="tx1"/>
-              </a:solidFill>
-            </a:endParaRPr>
-          </a:p>
-          <a:p>
-            <a:pPr algn="ctr"/>
-            <a:endParaRPr lang="en-US" sz="2400" dirty="0">
-              <a:solidFill>
-                <a:schemeClr val="tx1"/>
-              </a:solidFill>
-            </a:endParaRPr>
-          </a:p>
-        </p:txBody>
-      </p:sp>
-      <p:sp>
-        <p:nvSpPr>
-          <p:cNvPr id="2" name="Oval 1"/>
-          <p:cNvSpPr/>
-          <p:nvPr/>
-        </p:nvSpPr>
-        <p:spPr>
-          <a:xfrm>
-            <a:off x="5050465" y="1007167"/>
-            <a:ext cx="1977656" cy="1435395"/>
-          </a:xfrm>
-          <a:prstGeom prst="ellipse">
-            <a:avLst/>
-          </a:prstGeom>
-        </p:spPr>
-        <p:style>
-          <a:lnRef idx="2">
-            <a:schemeClr val="accent1">
-              <a:shade val="50000"/>
-            </a:schemeClr>
-          </a:lnRef>
-          <a:fillRef idx="1">
-            <a:schemeClr val="accent1"/>
-          </a:fillRef>
-          <a:effectRef idx="0">
-            <a:schemeClr val="accent1"/>
-          </a:effectRef>
-          <a:fontRef idx="minor">
-            <a:schemeClr val="lt1"/>
-          </a:fontRef>
-        </p:style>
-        <p:txBody>
-          <a:bodyPr rtlCol="0" anchor="ctr"/>
-          <a:lstStyle/>
-          <a:p>
-            <a:pPr algn="ctr"/>
-            <a:r>
-              <a:rPr lang="en-US" dirty="0"/>
-              <a:t>Linear Actuator</a:t>
-            </a:r>
-          </a:p>
-        </p:txBody>
-      </p:sp>
-      <p:sp>
-        <p:nvSpPr>
-          <p:cNvPr id="3" name="Oval 2"/>
-          <p:cNvSpPr/>
-          <p:nvPr/>
-        </p:nvSpPr>
-        <p:spPr>
-          <a:xfrm>
-            <a:off x="5351100" y="3408038"/>
-            <a:ext cx="2455589" cy="1446028"/>
-          </a:xfrm>
-          <a:prstGeom prst="ellipse">
-            <a:avLst/>
-          </a:prstGeom>
-        </p:spPr>
-        <p:style>
-          <a:lnRef idx="2">
-            <a:schemeClr val="accent1">
-              <a:shade val="50000"/>
-            </a:schemeClr>
-          </a:lnRef>
-          <a:fillRef idx="1">
-            <a:schemeClr val="accent1"/>
-          </a:fillRef>
-          <a:effectRef idx="0">
-            <a:schemeClr val="accent1"/>
-          </a:effectRef>
-          <a:fontRef idx="minor">
-            <a:schemeClr val="lt1"/>
-          </a:fontRef>
-        </p:style>
-        <p:txBody>
-          <a:bodyPr rtlCol="0" anchor="ctr"/>
-          <a:lstStyle/>
-          <a:p>
-            <a:pPr algn="ctr"/>
-            <a:r>
-              <a:rPr lang="en-US" dirty="0"/>
-              <a:t>Analog Potentiometer</a:t>
-            </a:r>
-          </a:p>
-        </p:txBody>
-      </p:sp>
-      <p:sp>
-        <p:nvSpPr>
-          <p:cNvPr id="4" name="Oval 3"/>
-          <p:cNvSpPr/>
-          <p:nvPr/>
-        </p:nvSpPr>
-        <p:spPr>
-          <a:xfrm>
-            <a:off x="2828260" y="659218"/>
-            <a:ext cx="6422066" cy="5890171"/>
-          </a:xfrm>
-          <a:prstGeom prst="ellipse">
-            <a:avLst/>
-          </a:prstGeom>
-          <a:noFill/>
-        </p:spPr>
-        <p:style>
-          <a:lnRef idx="2">
-            <a:schemeClr val="accent1">
-              <a:shade val="50000"/>
-            </a:schemeClr>
-          </a:lnRef>
-          <a:fillRef idx="1">
-            <a:schemeClr val="accent1"/>
-          </a:fillRef>
-          <a:effectRef idx="0">
-            <a:schemeClr val="accent1"/>
-          </a:effectRef>
-          <a:fontRef idx="minor">
-            <a:schemeClr val="lt1"/>
-          </a:fontRef>
-        </p:style>
-        <p:txBody>
-          <a:bodyPr rtlCol="0" anchor="ctr"/>
-          <a:lstStyle/>
-          <a:p>
-            <a:r>
-              <a:rPr lang="en-US" sz="4800" dirty="0" err="1">
-                <a:solidFill>
-                  <a:srgbClr val="002060"/>
-                </a:solidFill>
-              </a:rPr>
-              <a:t>ArmSystem</a:t>
-            </a:r>
-            <a:endParaRPr lang="en-US" sz="4800" dirty="0">
-              <a:solidFill>
-                <a:srgbClr val="002060"/>
-              </a:solidFill>
-            </a:endParaRPr>
-          </a:p>
-          <a:p>
-            <a:endParaRPr lang="en-US" sz="4800" dirty="0">
-              <a:solidFill>
-                <a:srgbClr val="002060"/>
-              </a:solidFill>
-            </a:endParaRPr>
-          </a:p>
-        </p:txBody>
-      </p:sp>
-      <p:sp>
-        <p:nvSpPr>
-          <p:cNvPr id="5" name="Oval 4"/>
-          <p:cNvSpPr/>
-          <p:nvPr/>
-        </p:nvSpPr>
-        <p:spPr>
-          <a:xfrm>
-            <a:off x="6039293" y="5157854"/>
-            <a:ext cx="1527899" cy="1106849"/>
-          </a:xfrm>
-          <a:prstGeom prst="ellipse">
-            <a:avLst/>
-          </a:prstGeom>
-        </p:spPr>
-        <p:style>
-          <a:lnRef idx="2">
-            <a:schemeClr val="accent1">
-              <a:shade val="50000"/>
-            </a:schemeClr>
-          </a:lnRef>
-          <a:fillRef idx="1">
-            <a:schemeClr val="accent1"/>
-          </a:fillRef>
-          <a:effectRef idx="0">
-            <a:schemeClr val="accent1"/>
-          </a:effectRef>
-          <a:fontRef idx="minor">
-            <a:schemeClr val="lt1"/>
-          </a:fontRef>
-        </p:style>
-        <p:txBody>
-          <a:bodyPr rtlCol="0" anchor="ctr"/>
-          <a:lstStyle/>
-          <a:p>
-            <a:pPr algn="ctr"/>
-            <a:r>
-              <a:rPr lang="en-US" dirty="0"/>
-              <a:t>Home Limit Switch</a:t>
-            </a:r>
-          </a:p>
-        </p:txBody>
-      </p:sp>
-      <p:sp>
-        <p:nvSpPr>
-          <p:cNvPr id="6" name="TextBox 5"/>
-          <p:cNvSpPr txBox="1"/>
-          <p:nvPr/>
-        </p:nvSpPr>
-        <p:spPr>
-          <a:xfrm>
-            <a:off x="9509760" y="1268730"/>
-            <a:ext cx="2102755" cy="4524315"/>
-          </a:xfrm>
-          <a:prstGeom prst="rect">
-            <a:avLst/>
-          </a:prstGeom>
-          <a:noFill/>
-        </p:spPr>
-        <p:txBody>
-          <a:bodyPr wrap="none" rtlCol="0">
-            <a:spAutoFit/>
-          </a:bodyPr>
-          <a:lstStyle/>
-          <a:p>
-            <a:r>
-              <a:rPr lang="en-US" dirty="0" err="1"/>
-              <a:t>moveArm</a:t>
-            </a:r>
-            <a:r>
-              <a:rPr lang="en-US" dirty="0"/>
-              <a:t>(speed)</a:t>
-            </a:r>
-          </a:p>
-          <a:p>
-            <a:r>
-              <a:rPr lang="en-US" dirty="0" err="1"/>
-              <a:t>moveArmUp</a:t>
-            </a:r>
-            <a:r>
-              <a:rPr lang="en-US" dirty="0"/>
-              <a:t>()</a:t>
-            </a:r>
-          </a:p>
-          <a:p>
-            <a:r>
-              <a:rPr lang="en-US" dirty="0" err="1"/>
-              <a:t>moveArmDown</a:t>
-            </a:r>
-            <a:r>
-              <a:rPr lang="en-US" dirty="0"/>
-              <a:t>()</a:t>
-            </a:r>
-          </a:p>
-          <a:p>
-            <a:r>
-              <a:rPr lang="en-US" dirty="0" err="1"/>
-              <a:t>moveArmTop</a:t>
-            </a:r>
-            <a:r>
-              <a:rPr lang="en-US" dirty="0"/>
-              <a:t>()</a:t>
-            </a:r>
-          </a:p>
-          <a:p>
-            <a:r>
-              <a:rPr lang="en-US" dirty="0" err="1"/>
-              <a:t>moveArmBottom</a:t>
-            </a:r>
-            <a:r>
-              <a:rPr lang="en-US" dirty="0"/>
-              <a:t>()</a:t>
-            </a:r>
-          </a:p>
-          <a:p>
-            <a:r>
-              <a:rPr lang="en-US" dirty="0" err="1"/>
-              <a:t>moveArmHome</a:t>
-            </a:r>
-            <a:r>
-              <a:rPr lang="en-US" dirty="0"/>
-              <a:t>()</a:t>
-            </a:r>
-          </a:p>
-          <a:p>
-            <a:r>
-              <a:rPr lang="en-US" dirty="0" err="1"/>
-              <a:t>moveArmOffHome</a:t>
-            </a:r>
-            <a:r>
-              <a:rPr lang="en-US" dirty="0"/>
-              <a:t>()</a:t>
-            </a:r>
-          </a:p>
-          <a:p>
-            <a:r>
-              <a:rPr lang="en-US" dirty="0" err="1"/>
-              <a:t>saveHomeSetpoint</a:t>
-            </a:r>
-            <a:r>
-              <a:rPr lang="en-US" dirty="0"/>
-              <a:t>()</a:t>
-            </a:r>
-          </a:p>
-          <a:p>
-            <a:r>
-              <a:rPr lang="en-US" dirty="0" err="1"/>
-              <a:t>setArmSetpoint</a:t>
-            </a:r>
-            <a:r>
-              <a:rPr lang="en-US" dirty="0"/>
-              <a:t>(ix)</a:t>
-            </a:r>
-          </a:p>
-          <a:p>
-            <a:r>
-              <a:rPr lang="en-US" dirty="0" err="1"/>
-              <a:t>moveArmSetpoint</a:t>
-            </a:r>
-            <a:r>
-              <a:rPr lang="en-US" dirty="0"/>
-              <a:t>()</a:t>
-            </a:r>
-          </a:p>
-          <a:p>
-            <a:r>
-              <a:rPr lang="en-US" dirty="0" err="1"/>
-              <a:t>isOnTarget</a:t>
-            </a:r>
-            <a:r>
-              <a:rPr lang="en-US" dirty="0"/>
-              <a:t>()</a:t>
-            </a:r>
-          </a:p>
-          <a:p>
-            <a:r>
-              <a:rPr lang="en-US" dirty="0" err="1"/>
-              <a:t>isTop</a:t>
-            </a:r>
-            <a:r>
-              <a:rPr lang="en-US" dirty="0"/>
-              <a:t>()</a:t>
-            </a:r>
-          </a:p>
-          <a:p>
-            <a:r>
-              <a:rPr lang="en-US" dirty="0" err="1"/>
-              <a:t>isBottom</a:t>
-            </a:r>
-            <a:r>
-              <a:rPr lang="en-US" dirty="0"/>
-              <a:t>()</a:t>
-            </a:r>
-          </a:p>
-          <a:p>
-            <a:r>
-              <a:rPr lang="en-US" dirty="0" err="1"/>
-              <a:t>isHome</a:t>
-            </a:r>
-            <a:r>
-              <a:rPr lang="en-US" dirty="0"/>
-              <a:t>()</a:t>
-            </a:r>
-          </a:p>
-          <a:p>
-            <a:r>
-              <a:rPr lang="en-US" dirty="0" err="1"/>
-              <a:t>initArmPID</a:t>
-            </a:r>
-            <a:r>
-              <a:rPr lang="en-US" dirty="0"/>
-              <a:t>()</a:t>
-            </a:r>
-          </a:p>
-          <a:p>
-            <a:r>
-              <a:rPr lang="en-US" dirty="0"/>
-              <a:t>Etc.</a:t>
-            </a:r>
-          </a:p>
-        </p:txBody>
-      </p:sp>
-    </p:spTree>
-    <p:extLst>
-      <p:ext uri="{BB962C8B-B14F-4D97-AF65-F5344CB8AC3E}">
-        <p14:creationId xmlns:p14="http://schemas.microsoft.com/office/powerpoint/2010/main" val="3031675649"/>
-      </p:ext>
-    </p:extLst>
-  </p:cSld>
-  <p:clrMapOvr>
-    <a:masterClrMapping/>
-  </p:clrMapOvr>
-  <p:timing>
-    <p:tnLst>
-      <p:par>
-        <p:cTn id="1" dur="indefinite" restart="never" nodeType="tmRoot">
-          <p:childTnLst>
-            <p:seq concurrent="1" nextAc="seek">
-              <p:cTn id="2" dur="indefinite" nodeType="mainSeq">
-                <p:childTnLst>
-                  <p:par>
-                    <p:cTn id="3" fill="hold">
-                      <p:stCondLst>
-                        <p:cond delay="indefinite"/>
-                      </p:stCondLst>
-                      <p:childTnLst>
-                        <p:par>
-                          <p:cTn id="4" fill="hold">
-                            <p:stCondLst>
-                              <p:cond delay="0"/>
-                            </p:stCondLst>
-                            <p:childTnLst>
-                              <p:par>
-                                <p:cTn id="5" presetID="6" presetClass="entr" presetSubtype="16" fill="hold" grpId="0" nodeType="clickEffect">
-                                  <p:stCondLst>
-                                    <p:cond delay="0"/>
-                                  </p:stCondLst>
-                                  <p:childTnLst>
-                                    <p:set>
-                                      <p:cBhvr>
-                                        <p:cTn id="6" dur="1" fill="hold">
-                                          <p:stCondLst>
-                                            <p:cond delay="0"/>
-                                          </p:stCondLst>
-                                        </p:cTn>
-                                        <p:tgtEl>
-                                          <p:spTgt spid="7"/>
-                                        </p:tgtEl>
-                                        <p:attrNameLst>
-                                          <p:attrName>style.visibility</p:attrName>
-                                        </p:attrNameLst>
-                                      </p:cBhvr>
-                                      <p:to>
-                                        <p:strVal val="visible"/>
-                                      </p:to>
-                                    </p:set>
-                                    <p:animEffect transition="in" filter="circle(in)">
-                                      <p:cBhvr>
-                                        <p:cTn id="7" dur="2000"/>
-                                        <p:tgtEl>
-                                          <p:spTgt spid="7"/>
-                                        </p:tgtEl>
-                                      </p:cBhvr>
-                                    </p:animEffect>
-                                  </p:childTnLst>
-                                </p:cTn>
-                              </p:par>
-                            </p:childTnLst>
-                          </p:cTn>
-                        </p:par>
-                      </p:childTnLst>
-                    </p:cTn>
-                  </p:par>
-                  <p:par>
-                    <p:cTn id="8" fill="hold">
-                      <p:stCondLst>
-                        <p:cond delay="indefinite"/>
-                      </p:stCondLst>
-                      <p:childTnLst>
-                        <p:par>
-                          <p:cTn id="9" fill="hold">
-                            <p:stCondLst>
-                              <p:cond delay="0"/>
-                            </p:stCondLst>
-                            <p:childTnLst>
-                              <p:par>
-                                <p:cTn id="10" presetID="6" presetClass="entr" presetSubtype="16" fill="hold" grpId="0" nodeType="clickEffect">
-                                  <p:stCondLst>
-                                    <p:cond delay="0"/>
-                                  </p:stCondLst>
-                                  <p:childTnLst>
-                                    <p:set>
-                                      <p:cBhvr>
-                                        <p:cTn id="11" dur="1" fill="hold">
-                                          <p:stCondLst>
-                                            <p:cond delay="0"/>
-                                          </p:stCondLst>
-                                        </p:cTn>
-                                        <p:tgtEl>
-                                          <p:spTgt spid="4"/>
-                                        </p:tgtEl>
-                                        <p:attrNameLst>
-                                          <p:attrName>style.visibility</p:attrName>
-                                        </p:attrNameLst>
-                                      </p:cBhvr>
-                                      <p:to>
-                                        <p:strVal val="visible"/>
-                                      </p:to>
-                                    </p:set>
-                                    <p:animEffect transition="in" filter="circle(in)">
-                                      <p:cBhvr>
-                                        <p:cTn id="12" dur="2000"/>
-                                        <p:tgtEl>
-                                          <p:spTgt spid="4"/>
-                                        </p:tgtEl>
-                                      </p:cBhvr>
-                                    </p:animEffect>
-                                  </p:childTnLst>
-                                </p:cTn>
-                              </p:par>
-                            </p:childTnLst>
-                          </p:cTn>
-                        </p:par>
-                      </p:childTnLst>
-                    </p:cTn>
-                  </p:par>
-                  <p:par>
-                    <p:cTn id="13" fill="hold">
-                      <p:stCondLst>
-                        <p:cond delay="indefinite"/>
-                      </p:stCondLst>
-                      <p:childTnLst>
-                        <p:par>
-                          <p:cTn id="14" fill="hold">
-                            <p:stCondLst>
-                              <p:cond delay="0"/>
-                            </p:stCondLst>
-                            <p:childTnLst>
-                              <p:par>
-                                <p:cTn id="15" presetID="6" presetClass="entr" presetSubtype="16" fill="hold" grpId="0" nodeType="clickEffect">
-                                  <p:stCondLst>
-                                    <p:cond delay="0"/>
-                                  </p:stCondLst>
-                                  <p:childTnLst>
-                                    <p:set>
-                                      <p:cBhvr>
-                                        <p:cTn id="16" dur="1" fill="hold">
-                                          <p:stCondLst>
-                                            <p:cond delay="0"/>
-                                          </p:stCondLst>
-                                        </p:cTn>
-                                        <p:tgtEl>
-                                          <p:spTgt spid="6"/>
-                                        </p:tgtEl>
-                                        <p:attrNameLst>
-                                          <p:attrName>style.visibility</p:attrName>
-                                        </p:attrNameLst>
-                                      </p:cBhvr>
-                                      <p:to>
-                                        <p:strVal val="visible"/>
-                                      </p:to>
-                                    </p:set>
-                                    <p:animEffect transition="in" filter="circle(in)">
-                                      <p:cBhvr>
-                                        <p:cTn id="17" dur="2000"/>
-                                        <p:tgtEl>
-                                          <p:spTgt spid="6"/>
-                                        </p:tgtEl>
-                                      </p:cBhvr>
-                                    </p:animEffect>
-                                  </p:childTnLst>
-                                </p:cTn>
-                              </p:par>
-                            </p:childTnLst>
-                          </p:cTn>
-                        </p:par>
-                      </p:childTnLst>
-                    </p:cTn>
-                  </p:par>
-                </p:childTnLst>
-              </p:cTn>
-              <p:prevCondLst>
-                <p:cond evt="onPrev" delay="0">
-                  <p:tgtEl>
-                    <p:sldTgt/>
-                  </p:tgtEl>
-                </p:cond>
-              </p:prevCondLst>
-              <p:nextCondLst>
-                <p:cond evt="onNext" delay="0">
-                  <p:tgtEl>
-                    <p:sldTgt/>
-                  </p:tgtEl>
-                </p:cond>
-              </p:nextCondLst>
-            </p:seq>
-          </p:childTnLst>
-        </p:cTn>
-      </p:par>
-    </p:tnLst>
-    <p:bldLst>
-      <p:bldP spid="7" grpId="0" animBg="1"/>
-      <p:bldP spid="4" grpId="0" animBg="1"/>
-      <p:bldP spid="6" grpId="0"/>
-    </p:bldLst>
-  </p:timing>
-</p:sld>
-</file>
-
-<file path=ppt/slides/slide6.xml><?xml version="1.0" encoding="utf-8"?>
-<p:sld xmlns:a="http://schemas.openxmlformats.org/drawingml/2006/main" xmlns:r="http://schemas.openxmlformats.org/officeDocument/2006/relationships" xmlns:p="http://schemas.openxmlformats.org/presentationml/2006/main">
-  <p:cSld>
-    <p:spTree>
-      <p:nvGrpSpPr>
-        <p:cNvPr id="1" name=""/>
-        <p:cNvGrpSpPr/>
-        <p:nvPr/>
-      </p:nvGrpSpPr>
-      <p:grpSpPr>
-        <a:xfrm>
-          <a:off x="0" y="0"/>
-          <a:ext cx="0" cy="0"/>
-          <a:chOff x="0" y="0"/>
-          <a:chExt cx="0" cy="0"/>
-        </a:xfrm>
-      </p:grpSpPr>
-      <p:sp>
-        <p:nvSpPr>
           <p:cNvPr id="2" name="Rectangle: Rounded Corners 1"/>
           <p:cNvSpPr/>
           <p:nvPr/>
@@ -10569,164 +11058,6 @@
       </p:sp>
       <p:sp>
         <p:nvSpPr>
-          <p:cNvPr id="10" name="Oval 9"/>
-          <p:cNvSpPr/>
-          <p:nvPr/>
-        </p:nvSpPr>
-        <p:spPr>
-          <a:xfrm>
-            <a:off x="4901429" y="4983230"/>
-            <a:ext cx="2468596" cy="554665"/>
-          </a:xfrm>
-          <a:prstGeom prst="ellipse">
-            <a:avLst/>
-          </a:prstGeom>
-          <a:solidFill>
-            <a:schemeClr val="accent6">
-              <a:lumMod val="50000"/>
-            </a:schemeClr>
-          </a:solidFill>
-        </p:spPr>
-        <p:style>
-          <a:lnRef idx="2">
-            <a:schemeClr val="accent1">
-              <a:shade val="50000"/>
-            </a:schemeClr>
-          </a:lnRef>
-          <a:fillRef idx="1">
-            <a:schemeClr val="accent1"/>
-          </a:fillRef>
-          <a:effectRef idx="0">
-            <a:schemeClr val="accent1"/>
-          </a:effectRef>
-          <a:fontRef idx="minor">
-            <a:schemeClr val="lt1"/>
-          </a:fontRef>
-        </p:style>
-        <p:txBody>
-          <a:bodyPr rtlCol="0" anchor="ctr"/>
-          <a:lstStyle/>
-          <a:p>
-            <a:pPr marL="0" marR="0" lvl="0" indent="0" algn="ctr" defTabSz="914400" eaLnBrk="1" fontAlgn="auto" latinLnBrk="0" hangingPunct="1">
-              <a:lnSpc>
-                <a:spcPct val="100000"/>
-              </a:lnSpc>
-              <a:spcBef>
-                <a:spcPts val="0"/>
-              </a:spcBef>
-              <a:spcAft>
-                <a:spcPts val="0"/>
-              </a:spcAft>
-              <a:buClrTx/>
-              <a:buSzTx/>
-              <a:buFontTx/>
-              <a:buNone/>
-              <a:tabLst/>
-              <a:defRPr/>
-            </a:pPr>
-            <a:r>
-              <a:rPr lang="en-US" kern="0" noProof="0" dirty="0" err="1">
-                <a:solidFill>
-                  <a:sysClr val="windowText" lastClr="000000"/>
-                </a:solidFill>
-              </a:rPr>
-              <a:t>enableSetpoint</a:t>
-            </a:r>
-            <a:endParaRPr kumimoji="0" lang="en-US" sz="1800" b="0" i="0" u="none" strike="noStrike" kern="0" cap="none" spc="0" normalizeH="0" baseline="0" noProof="0" dirty="0">
-              <a:ln>
-                <a:noFill/>
-              </a:ln>
-              <a:solidFill>
-                <a:sysClr val="windowText" lastClr="000000"/>
-              </a:solidFill>
-              <a:effectLst/>
-              <a:uLnTx/>
-              <a:uFillTx/>
-            </a:endParaRPr>
-          </a:p>
-        </p:txBody>
-      </p:sp>
-      <p:sp>
-        <p:nvSpPr>
-          <p:cNvPr id="12" name="Oval 11"/>
-          <p:cNvSpPr/>
-          <p:nvPr/>
-        </p:nvSpPr>
-        <p:spPr>
-          <a:xfrm>
-            <a:off x="5052166" y="4339838"/>
-            <a:ext cx="2520767" cy="618744"/>
-          </a:xfrm>
-          <a:prstGeom prst="ellipse">
-            <a:avLst/>
-          </a:prstGeom>
-          <a:solidFill>
-            <a:schemeClr val="accent6">
-              <a:lumMod val="50000"/>
-            </a:schemeClr>
-          </a:solidFill>
-        </p:spPr>
-        <p:style>
-          <a:lnRef idx="2">
-            <a:schemeClr val="accent1">
-              <a:shade val="50000"/>
-            </a:schemeClr>
-          </a:lnRef>
-          <a:fillRef idx="1">
-            <a:schemeClr val="accent1"/>
-          </a:fillRef>
-          <a:effectRef idx="0">
-            <a:schemeClr val="accent1"/>
-          </a:effectRef>
-          <a:fontRef idx="minor">
-            <a:schemeClr val="lt1"/>
-          </a:fontRef>
-        </p:style>
-        <p:txBody>
-          <a:bodyPr rtlCol="0" anchor="ctr"/>
-          <a:lstStyle/>
-          <a:p>
-            <a:pPr marL="0" marR="0" lvl="0" indent="0" algn="ctr" defTabSz="914400" eaLnBrk="1" fontAlgn="auto" latinLnBrk="0" hangingPunct="1">
-              <a:lnSpc>
-                <a:spcPct val="100000"/>
-              </a:lnSpc>
-              <a:spcBef>
-                <a:spcPts val="0"/>
-              </a:spcBef>
-              <a:spcAft>
-                <a:spcPts val="0"/>
-              </a:spcAft>
-              <a:buClrTx/>
-              <a:buSzTx/>
-              <a:buFontTx/>
-              <a:buNone/>
-              <a:tabLst/>
-              <a:defRPr/>
-            </a:pPr>
-            <a:r>
-              <a:rPr lang="en-US" kern="0" noProof="0" dirty="0" err="1">
-                <a:solidFill>
-                  <a:sysClr val="windowText" lastClr="000000"/>
-                </a:solidFill>
-              </a:rPr>
-              <a:t>upSetpointTable</a:t>
-            </a:r>
-            <a:endParaRPr kumimoji="0" lang="en-US" sz="1800" b="0" i="0" u="none" strike="noStrike" kern="0" cap="none" spc="0" normalizeH="0" baseline="0" noProof="0" dirty="0">
-              <a:ln>
-                <a:noFill/>
-              </a:ln>
-              <a:solidFill>
-                <a:sysClr val="windowText" lastClr="000000"/>
-              </a:solidFill>
-              <a:effectLst/>
-              <a:uLnTx/>
-              <a:uFillTx/>
-            </a:endParaRPr>
-          </a:p>
-        </p:txBody>
-      </p:sp>
-      <p:sp>
-        <p:nvSpPr>
           <p:cNvPr id="9" name="Oval 8"/>
           <p:cNvSpPr/>
           <p:nvPr/>
@@ -10947,399 +11278,7 @@
 </p:sld>
 </file>
 
-<file path=ppt/slides/slide7.xml><?xml version="1.0" encoding="utf-8"?>
-<p:sld xmlns:a="http://schemas.openxmlformats.org/drawingml/2006/main" xmlns:r="http://schemas.openxmlformats.org/officeDocument/2006/relationships" xmlns:p="http://schemas.openxmlformats.org/presentationml/2006/main">
-  <p:cSld>
-    <p:spTree>
-      <p:nvGrpSpPr>
-        <p:cNvPr id="1" name=""/>
-        <p:cNvGrpSpPr/>
-        <p:nvPr/>
-      </p:nvGrpSpPr>
-      <p:grpSpPr>
-        <a:xfrm>
-          <a:off x="0" y="0"/>
-          <a:ext cx="0" cy="0"/>
-          <a:chOff x="0" y="0"/>
-          <a:chExt cx="0" cy="0"/>
-        </a:xfrm>
-      </p:grpSpPr>
-      <p:sp>
-        <p:nvSpPr>
-          <p:cNvPr id="2" name="TextBox 1"/>
-          <p:cNvSpPr txBox="1"/>
-          <p:nvPr/>
-        </p:nvSpPr>
-        <p:spPr>
-          <a:xfrm>
-            <a:off x="966906" y="596080"/>
-            <a:ext cx="6100131" cy="5355312"/>
-          </a:xfrm>
-          <a:prstGeom prst="rect">
-            <a:avLst/>
-          </a:prstGeom>
-          <a:noFill/>
-        </p:spPr>
-        <p:txBody>
-          <a:bodyPr wrap="none" rtlCol="0">
-            <a:spAutoFit/>
-          </a:bodyPr>
-          <a:lstStyle/>
-          <a:p>
-            <a:r>
-              <a:rPr lang="en-US" dirty="0"/>
-              <a:t>Java Basic</a:t>
-            </a:r>
-          </a:p>
-          <a:p>
-            <a:r>
-              <a:rPr lang="en-US" dirty="0"/>
-              <a:t>Tutorial</a:t>
-            </a:r>
-          </a:p>
-          <a:p>
-            <a:r>
-              <a:rPr lang="en-US" dirty="0"/>
-              <a:t>http://docs.oracle.com/javase/tutorial/</a:t>
-            </a:r>
-          </a:p>
-          <a:p>
-            <a:endParaRPr lang="en-US" dirty="0"/>
-          </a:p>
-          <a:p>
-            <a:r>
-              <a:rPr lang="en-US" dirty="0">
-                <a:hlinkClick r:id="rId2"/>
-              </a:rPr>
-              <a:t>http://docs.oracle.com/javase/tutorial/java/concepts/index.html</a:t>
-            </a:r>
-            <a:endParaRPr lang="en-US" dirty="0"/>
-          </a:p>
-          <a:p>
-            <a:endParaRPr lang="en-US" dirty="0"/>
-          </a:p>
-          <a:p>
-            <a:r>
-              <a:rPr lang="en-US" dirty="0"/>
-              <a:t>Java Doc</a:t>
-            </a:r>
-          </a:p>
-          <a:p>
-            <a:r>
-              <a:rPr lang="en-US" dirty="0">
-                <a:hlinkClick r:id="rId3"/>
-              </a:rPr>
-              <a:t>http://docs.oracle.com/javase/8/docs/api/index.html</a:t>
-            </a:r>
-            <a:endParaRPr lang="en-US" dirty="0"/>
-          </a:p>
-          <a:p>
-            <a:endParaRPr lang="en-US" dirty="0"/>
-          </a:p>
-          <a:p>
-            <a:r>
-              <a:rPr lang="en-US" dirty="0"/>
-              <a:t>FRC Java</a:t>
-            </a:r>
-          </a:p>
-          <a:p>
-            <a:r>
-              <a:rPr lang="en-US" dirty="0">
-                <a:hlinkClick r:id="rId4"/>
-              </a:rPr>
-              <a:t>https://wpilib.screenstepslive.com/s/4485/m/13809</a:t>
-            </a:r>
-            <a:endParaRPr lang="en-US" dirty="0"/>
-          </a:p>
-          <a:p>
-            <a:endParaRPr lang="en-US" dirty="0"/>
-          </a:p>
-          <a:p>
-            <a:r>
-              <a:rPr lang="en-US" dirty="0" err="1"/>
-              <a:t>RobotBuilder</a:t>
-            </a:r>
-            <a:endParaRPr lang="en-US" dirty="0"/>
-          </a:p>
-          <a:p>
-            <a:r>
-              <a:rPr lang="en-US" dirty="0">
-                <a:hlinkClick r:id="rId5"/>
-              </a:rPr>
-              <a:t>https://wpilib.screenstepslive.com/s/4485/m/26402</a:t>
-            </a:r>
-            <a:endParaRPr lang="en-US" dirty="0"/>
-          </a:p>
-          <a:p>
-            <a:endParaRPr lang="en-US" dirty="0"/>
-          </a:p>
-          <a:p>
-            <a:r>
-              <a:rPr lang="en-US" dirty="0" err="1"/>
-              <a:t>WPILib</a:t>
-            </a:r>
-            <a:endParaRPr lang="en-US" dirty="0"/>
-          </a:p>
-          <a:p>
-            <a:r>
-              <a:rPr lang="en-US" dirty="0">
-                <a:hlinkClick r:id="rId6"/>
-              </a:rPr>
-              <a:t>http://first.wpi.edu/FRC/roborio/release/docs/java/</a:t>
-            </a:r>
-            <a:endParaRPr lang="en-US" dirty="0"/>
-          </a:p>
-          <a:p>
-            <a:endParaRPr lang="en-US" dirty="0"/>
-          </a:p>
-          <a:p>
-            <a:endParaRPr lang="en-US" dirty="0"/>
-          </a:p>
-        </p:txBody>
-      </p:sp>
-    </p:spTree>
-    <p:extLst>
-      <p:ext uri="{BB962C8B-B14F-4D97-AF65-F5344CB8AC3E}">
-        <p14:creationId xmlns:p14="http://schemas.microsoft.com/office/powerpoint/2010/main" val="788375277"/>
-      </p:ext>
-    </p:extLst>
-  </p:cSld>
-  <p:clrMapOvr>
-    <a:masterClrMapping/>
-  </p:clrMapOvr>
-</p:sld>
-</file>
-
-<file path=ppt/slides/slide8.xml><?xml version="1.0" encoding="utf-8"?>
-<p:sld xmlns:a="http://schemas.openxmlformats.org/drawingml/2006/main" xmlns:r="http://schemas.openxmlformats.org/officeDocument/2006/relationships" xmlns:p="http://schemas.openxmlformats.org/presentationml/2006/main">
-  <p:cSld>
-    <p:spTree>
-      <p:nvGrpSpPr>
-        <p:cNvPr id="1" name=""/>
-        <p:cNvGrpSpPr/>
-        <p:nvPr/>
-      </p:nvGrpSpPr>
-      <p:grpSpPr>
-        <a:xfrm>
-          <a:off x="0" y="0"/>
-          <a:ext cx="0" cy="0"/>
-          <a:chOff x="0" y="0"/>
-          <a:chExt cx="0" cy="0"/>
-        </a:xfrm>
-      </p:grpSpPr>
-      <p:pic>
-        <p:nvPicPr>
-          <p:cNvPr id="2" name="Picture 1"/>
-          <p:cNvPicPr>
-            <a:picLocks noChangeAspect="1"/>
-          </p:cNvPicPr>
-          <p:nvPr/>
-        </p:nvPicPr>
-        <p:blipFill>
-          <a:blip r:embed="rId3"/>
-          <a:stretch>
-            <a:fillRect/>
-          </a:stretch>
-        </p:blipFill>
-        <p:spPr>
-          <a:xfrm>
-            <a:off x="3936666" y="228761"/>
-            <a:ext cx="7765340" cy="6258849"/>
-          </a:xfrm>
-          <a:prstGeom prst="rect">
-            <a:avLst/>
-          </a:prstGeom>
-        </p:spPr>
-      </p:pic>
-      <p:sp>
-        <p:nvSpPr>
-          <p:cNvPr id="3" name="TextBox 2"/>
-          <p:cNvSpPr txBox="1"/>
-          <p:nvPr/>
-        </p:nvSpPr>
-        <p:spPr>
-          <a:xfrm>
-            <a:off x="417689" y="372533"/>
-            <a:ext cx="3548215" cy="6186309"/>
-          </a:xfrm>
-          <a:prstGeom prst="rect">
-            <a:avLst/>
-          </a:prstGeom>
-          <a:noFill/>
-        </p:spPr>
-        <p:txBody>
-          <a:bodyPr wrap="none" rtlCol="0">
-            <a:spAutoFit/>
-          </a:bodyPr>
-          <a:lstStyle/>
-          <a:p>
-            <a:pPr algn="ctr"/>
-            <a:r>
-              <a:rPr lang="en-US" dirty="0"/>
-              <a:t>FRC </a:t>
-            </a:r>
-            <a:r>
-              <a:rPr lang="en-US" dirty="0" err="1"/>
-              <a:t>RobotBuilder</a:t>
-            </a:r>
-            <a:endParaRPr lang="en-US" dirty="0"/>
-          </a:p>
-          <a:p>
-            <a:endParaRPr lang="en-US" dirty="0"/>
-          </a:p>
-          <a:p>
-            <a:pPr algn="ctr"/>
-            <a:r>
-              <a:rPr lang="en-US" dirty="0"/>
-              <a:t>Drag-n-drop icons to build </a:t>
-            </a:r>
-          </a:p>
-          <a:p>
-            <a:pPr algn="ctr"/>
-            <a:r>
-              <a:rPr lang="en-US" dirty="0"/>
-              <a:t>basic structure</a:t>
-            </a:r>
-          </a:p>
-          <a:p>
-            <a:pPr algn="ctr"/>
-            <a:endParaRPr lang="en-US" dirty="0"/>
-          </a:p>
-          <a:p>
-            <a:pPr algn="ctr"/>
-            <a:r>
-              <a:rPr lang="en-US" dirty="0"/>
-              <a:t>Generates C++ and Java</a:t>
-            </a:r>
-          </a:p>
-          <a:p>
-            <a:pPr algn="ctr"/>
-            <a:r>
-              <a:rPr lang="en-US" dirty="0"/>
-              <a:t>In Command Based structure</a:t>
-            </a:r>
-          </a:p>
-          <a:p>
-            <a:pPr algn="ctr"/>
-            <a:endParaRPr lang="en-US" dirty="0"/>
-          </a:p>
-          <a:p>
-            <a:pPr algn="ctr"/>
-            <a:r>
-              <a:rPr lang="en-US" dirty="0"/>
-              <a:t>Code Generators are a common</a:t>
-            </a:r>
-          </a:p>
-          <a:p>
-            <a:pPr algn="ctr"/>
-            <a:r>
-              <a:rPr lang="en-US" dirty="0"/>
-              <a:t>Get-</a:t>
-            </a:r>
-            <a:r>
-              <a:rPr lang="en-US" dirty="0" err="1"/>
-              <a:t>em</a:t>
-            </a:r>
-            <a:r>
-              <a:rPr lang="en-US" dirty="0"/>
-              <a:t>-up quick tool</a:t>
-            </a:r>
-          </a:p>
-          <a:p>
-            <a:pPr algn="ctr"/>
-            <a:r>
-              <a:rPr lang="en-US" dirty="0"/>
-              <a:t>But there are limitations</a:t>
-            </a:r>
-          </a:p>
-          <a:p>
-            <a:pPr algn="ctr"/>
-            <a:r>
-              <a:rPr lang="en-US" dirty="0"/>
-              <a:t>Class Names = Object Names</a:t>
-            </a:r>
-          </a:p>
-          <a:p>
-            <a:pPr algn="ctr"/>
-            <a:r>
-              <a:rPr lang="en-US" dirty="0"/>
-              <a:t>	not always true</a:t>
-            </a:r>
-          </a:p>
-          <a:p>
-            <a:pPr algn="ctr"/>
-            <a:endParaRPr lang="en-US" dirty="0"/>
-          </a:p>
-          <a:p>
-            <a:pPr algn="ctr"/>
-            <a:r>
-              <a:rPr lang="en-US" dirty="0"/>
-              <a:t>Cannot do more complex structures</a:t>
-            </a:r>
-          </a:p>
-          <a:p>
-            <a:pPr algn="ctr"/>
-            <a:endParaRPr lang="en-US" dirty="0"/>
-          </a:p>
-          <a:p>
-            <a:pPr algn="ctr"/>
-            <a:r>
-              <a:rPr lang="en-US" dirty="0"/>
-              <a:t>Violates some concepts of </a:t>
-            </a:r>
-          </a:p>
-          <a:p>
-            <a:pPr algn="ctr"/>
-            <a:r>
-              <a:rPr lang="en-US" dirty="0"/>
-              <a:t>Encapsulation (especially in</a:t>
-            </a:r>
-          </a:p>
-          <a:p>
-            <a:pPr algn="ctr"/>
-            <a:r>
-              <a:rPr lang="en-US" dirty="0" err="1"/>
-              <a:t>Robotmap</a:t>
-            </a:r>
-            <a:r>
-              <a:rPr lang="en-US" dirty="0"/>
-              <a:t>)</a:t>
-            </a:r>
-          </a:p>
-          <a:p>
-            <a:pPr algn="ctr"/>
-            <a:endParaRPr lang="en-US" dirty="0"/>
-          </a:p>
-          <a:p>
-            <a:pPr algn="ctr"/>
-            <a:r>
-              <a:rPr lang="en-US" dirty="0"/>
-              <a:t>Got us going the last two seasons</a:t>
-            </a:r>
-          </a:p>
-          <a:p>
-            <a:pPr algn="ctr"/>
-            <a:r>
-              <a:rPr lang="en-US" dirty="0"/>
-              <a:t>Is it Time to move on?</a:t>
-            </a:r>
-          </a:p>
-        </p:txBody>
-      </p:sp>
-    </p:spTree>
-    <p:extLst>
-      <p:ext uri="{BB962C8B-B14F-4D97-AF65-F5344CB8AC3E}">
-        <p14:creationId xmlns:p14="http://schemas.microsoft.com/office/powerpoint/2010/main" val="1799670289"/>
-      </p:ext>
-    </p:extLst>
-  </p:cSld>
-  <p:clrMapOvr>
-    <a:masterClrMapping/>
-  </p:clrMapOvr>
-</p:sld>
-</file>
-
-<file path=ppt/slides/slide9.xml><?xml version="1.0" encoding="utf-8"?>
+<file path=ppt/slides/slide6.xml><?xml version="1.0" encoding="utf-8"?>
 <p:sld xmlns:a="http://schemas.openxmlformats.org/drawingml/2006/main" xmlns:r="http://schemas.openxmlformats.org/officeDocument/2006/relationships" xmlns:p="http://schemas.openxmlformats.org/presentationml/2006/main">
   <p:cSld>
     <p:spTree>
@@ -11738,6 +11677,861 @@
 </p:sld>
 </file>
 
+<file path=ppt/slides/slide7.xml><?xml version="1.0" encoding="utf-8"?>
+<p:sld xmlns:a="http://schemas.openxmlformats.org/drawingml/2006/main" xmlns:r="http://schemas.openxmlformats.org/officeDocument/2006/relationships" xmlns:p="http://schemas.openxmlformats.org/presentationml/2006/main">
+  <p:cSld>
+    <p:spTree>
+      <p:nvGrpSpPr>
+        <p:cNvPr id="1" name=""/>
+        <p:cNvGrpSpPr/>
+        <p:nvPr/>
+      </p:nvGrpSpPr>
+      <p:grpSpPr>
+        <a:xfrm>
+          <a:off x="0" y="0"/>
+          <a:ext cx="0" cy="0"/>
+          <a:chOff x="0" y="0"/>
+          <a:chExt cx="0" cy="0"/>
+        </a:xfrm>
+      </p:grpSpPr>
+      <p:sp>
+        <p:nvSpPr>
+          <p:cNvPr id="2" name="TextBox 1"/>
+          <p:cNvSpPr txBox="1"/>
+          <p:nvPr/>
+        </p:nvSpPr>
+        <p:spPr>
+          <a:xfrm>
+            <a:off x="993423" y="1659467"/>
+            <a:ext cx="5192888" cy="3139321"/>
+          </a:xfrm>
+          <a:prstGeom prst="rect">
+            <a:avLst/>
+          </a:prstGeom>
+          <a:noFill/>
+          <a:ln>
+            <a:solidFill>
+              <a:schemeClr val="accent1"/>
+            </a:solidFill>
+          </a:ln>
+        </p:spPr>
+        <p:txBody>
+          <a:bodyPr wrap="square" rtlCol="0">
+            <a:spAutoFit/>
+          </a:bodyPr>
+          <a:lstStyle/>
+          <a:p>
+            <a:r>
+              <a:rPr lang="en-US" b="1" dirty="0"/>
+              <a:t>public class OI {</a:t>
+            </a:r>
+          </a:p>
+          <a:p>
+            <a:endParaRPr lang="en-US" dirty="0"/>
+          </a:p>
+          <a:p>
+            <a:r>
+              <a:rPr lang="en-US" dirty="0"/>
+              <a:t>    </a:t>
+            </a:r>
+            <a:r>
+              <a:rPr lang="en-US" b="1" dirty="0"/>
+              <a:t>public Joystick joystick1;</a:t>
+            </a:r>
+          </a:p>
+          <a:p>
+            <a:r>
+              <a:rPr lang="en-US" dirty="0"/>
+              <a:t>    </a:t>
+            </a:r>
+          </a:p>
+          <a:p>
+            <a:r>
+              <a:rPr lang="en-US" dirty="0"/>
+              <a:t>    </a:t>
+            </a:r>
+            <a:r>
+              <a:rPr lang="en-US" b="1" dirty="0"/>
+              <a:t>public OI() {</a:t>
+            </a:r>
+          </a:p>
+          <a:p>
+            <a:endParaRPr lang="en-US" dirty="0"/>
+          </a:p>
+          <a:p>
+            <a:r>
+              <a:rPr lang="en-US" dirty="0"/>
+              <a:t>        joystick1 = </a:t>
+            </a:r>
+            <a:r>
+              <a:rPr lang="en-US" b="1" dirty="0"/>
+              <a:t>new Joystick(0);</a:t>
+            </a:r>
+          </a:p>
+          <a:p>
+            <a:r>
+              <a:rPr lang="en-US" dirty="0"/>
+              <a:t>       </a:t>
+            </a:r>
+          </a:p>
+          <a:p>
+            <a:r>
+              <a:rPr lang="en-US" dirty="0"/>
+              <a:t>    }</a:t>
+            </a:r>
+          </a:p>
+          <a:p>
+            <a:r>
+              <a:rPr lang="en-US" dirty="0"/>
+              <a:t>}</a:t>
+            </a:r>
+          </a:p>
+          <a:p>
+            <a:endParaRPr lang="en-US" dirty="0"/>
+          </a:p>
+        </p:txBody>
+      </p:sp>
+      <p:sp>
+        <p:nvSpPr>
+          <p:cNvPr id="3" name="TextBox 2"/>
+          <p:cNvSpPr txBox="1"/>
+          <p:nvPr/>
+        </p:nvSpPr>
+        <p:spPr>
+          <a:xfrm>
+            <a:off x="6581423" y="1659467"/>
+            <a:ext cx="4594578" cy="2585323"/>
+          </a:xfrm>
+          <a:prstGeom prst="rect">
+            <a:avLst/>
+          </a:prstGeom>
+          <a:noFill/>
+        </p:spPr>
+        <p:txBody>
+          <a:bodyPr wrap="square" rtlCol="0">
+            <a:spAutoFit/>
+          </a:bodyPr>
+          <a:lstStyle/>
+          <a:p>
+            <a:r>
+              <a:rPr lang="en-US" dirty="0"/>
+              <a:t>OI – Operator Interface</a:t>
+            </a:r>
+          </a:p>
+          <a:p>
+            <a:r>
+              <a:rPr lang="en-US" dirty="0"/>
+              <a:t>A standard class in the command based structure that defines the driver’s station objects (joystick, gamepad, buttons) and relationship to commands</a:t>
+            </a:r>
+          </a:p>
+          <a:p>
+            <a:endParaRPr lang="en-US" dirty="0"/>
+          </a:p>
+          <a:p>
+            <a:r>
+              <a:rPr lang="en-US" dirty="0"/>
+              <a:t>The port and button numbers relate to the USB port assignment through the Driver’s Station software, and the button numbers on each model joystick/gamepad.</a:t>
+            </a:r>
+          </a:p>
+        </p:txBody>
+      </p:sp>
+    </p:spTree>
+    <p:extLst>
+      <p:ext uri="{BB962C8B-B14F-4D97-AF65-F5344CB8AC3E}">
+        <p14:creationId xmlns:p14="http://schemas.microsoft.com/office/powerpoint/2010/main" val="3703019735"/>
+      </p:ext>
+    </p:extLst>
+  </p:cSld>
+  <p:clrMapOvr>
+    <a:masterClrMapping/>
+  </p:clrMapOvr>
+</p:sld>
+</file>
+
+<file path=ppt/slides/slide8.xml><?xml version="1.0" encoding="utf-8"?>
+<p:sld xmlns:a="http://schemas.openxmlformats.org/drawingml/2006/main" xmlns:r="http://schemas.openxmlformats.org/officeDocument/2006/relationships" xmlns:p="http://schemas.openxmlformats.org/presentationml/2006/main">
+  <p:cSld>
+    <p:spTree>
+      <p:nvGrpSpPr>
+        <p:cNvPr id="1" name=""/>
+        <p:cNvGrpSpPr/>
+        <p:nvPr/>
+      </p:nvGrpSpPr>
+      <p:grpSpPr>
+        <a:xfrm>
+          <a:off x="0" y="0"/>
+          <a:ext cx="0" cy="0"/>
+          <a:chOff x="0" y="0"/>
+          <a:chExt cx="0" cy="0"/>
+        </a:xfrm>
+      </p:grpSpPr>
+      <p:sp>
+        <p:nvSpPr>
+          <p:cNvPr id="2" name="TextBox 1"/>
+          <p:cNvSpPr txBox="1"/>
+          <p:nvPr/>
+        </p:nvSpPr>
+        <p:spPr>
+          <a:xfrm>
+            <a:off x="903112" y="1004711"/>
+            <a:ext cx="7615856" cy="5078313"/>
+          </a:xfrm>
+          <a:prstGeom prst="rect">
+            <a:avLst/>
+          </a:prstGeom>
+          <a:noFill/>
+          <a:ln>
+            <a:solidFill>
+              <a:schemeClr val="accent1"/>
+            </a:solidFill>
+          </a:ln>
+        </p:spPr>
+        <p:txBody>
+          <a:bodyPr wrap="square" rtlCol="0">
+            <a:spAutoFit/>
+          </a:bodyPr>
+          <a:lstStyle/>
+          <a:p>
+            <a:r>
+              <a:rPr lang="en-US" dirty="0"/>
+              <a:t>/**</a:t>
+            </a:r>
+          </a:p>
+          <a:p>
+            <a:r>
+              <a:rPr lang="en-US" dirty="0"/>
+              <a:t> * The </a:t>
+            </a:r>
+            <a:r>
+              <a:rPr lang="en-US" dirty="0" err="1"/>
+              <a:t>RobotMap</a:t>
+            </a:r>
+            <a:r>
+              <a:rPr lang="en-US" dirty="0"/>
+              <a:t> is a mapping from the ports sensors and actuators are wired into</a:t>
+            </a:r>
+          </a:p>
+          <a:p>
+            <a:r>
+              <a:rPr lang="en-US" dirty="0"/>
+              <a:t> * to a variable name. This provides flexibility changing wiring, makes checking</a:t>
+            </a:r>
+          </a:p>
+          <a:p>
+            <a:r>
+              <a:rPr lang="en-US" dirty="0"/>
+              <a:t> * the wiring easier and significantly reduces the number of magic numbers</a:t>
+            </a:r>
+          </a:p>
+          <a:p>
+            <a:r>
+              <a:rPr lang="en-US" dirty="0"/>
+              <a:t> * floating around.</a:t>
+            </a:r>
+          </a:p>
+          <a:p>
+            <a:r>
+              <a:rPr lang="en-US" dirty="0"/>
+              <a:t> */</a:t>
+            </a:r>
+          </a:p>
+          <a:p>
+            <a:r>
+              <a:rPr lang="en-US" b="1" dirty="0"/>
+              <a:t>public class </a:t>
+            </a:r>
+            <a:r>
+              <a:rPr lang="en-US" b="1" dirty="0" err="1"/>
+              <a:t>RobotMap</a:t>
+            </a:r>
+            <a:r>
+              <a:rPr lang="en-US" b="1" dirty="0"/>
+              <a:t> {</a:t>
+            </a:r>
+          </a:p>
+          <a:p>
+            <a:endParaRPr lang="en-US" dirty="0"/>
+          </a:p>
+          <a:p>
+            <a:r>
+              <a:rPr lang="en-US" dirty="0"/>
+              <a:t>    </a:t>
+            </a:r>
+            <a:r>
+              <a:rPr lang="en-US" b="1" dirty="0"/>
+              <a:t>public static </a:t>
+            </a:r>
+            <a:r>
+              <a:rPr lang="en-US" b="1" dirty="0" err="1"/>
+              <a:t>int</a:t>
+            </a:r>
+            <a:r>
+              <a:rPr lang="en-US" b="1" dirty="0"/>
+              <a:t> </a:t>
+            </a:r>
+            <a:r>
+              <a:rPr lang="en-US" b="1" i="1" dirty="0" err="1"/>
+              <a:t>iArmHomeLocSw</a:t>
+            </a:r>
+            <a:r>
+              <a:rPr lang="en-US" b="1" i="1" dirty="0"/>
+              <a:t> = 2;</a:t>
+            </a:r>
+          </a:p>
+          <a:p>
+            <a:r>
+              <a:rPr lang="en-US" dirty="0"/>
+              <a:t>    </a:t>
+            </a:r>
+            <a:r>
+              <a:rPr lang="en-US" b="1" dirty="0"/>
+              <a:t>public static </a:t>
+            </a:r>
+            <a:r>
+              <a:rPr lang="en-US" b="1" dirty="0" err="1"/>
+              <a:t>int</a:t>
+            </a:r>
+            <a:r>
+              <a:rPr lang="en-US" b="1" dirty="0"/>
+              <a:t> </a:t>
+            </a:r>
+            <a:r>
+              <a:rPr lang="en-US" b="1" i="1" dirty="0" err="1"/>
+              <a:t>iArmBotLimSw</a:t>
+            </a:r>
+            <a:r>
+              <a:rPr lang="en-US" b="1" i="1" dirty="0"/>
+              <a:t> = 1;</a:t>
+            </a:r>
+          </a:p>
+          <a:p>
+            <a:r>
+              <a:rPr lang="en-US" dirty="0"/>
+              <a:t>    </a:t>
+            </a:r>
+            <a:r>
+              <a:rPr lang="en-US" b="1" dirty="0"/>
+              <a:t>public static </a:t>
+            </a:r>
+            <a:r>
+              <a:rPr lang="en-US" b="1" dirty="0" err="1"/>
+              <a:t>int</a:t>
+            </a:r>
+            <a:r>
+              <a:rPr lang="en-US" b="1" dirty="0"/>
+              <a:t> </a:t>
+            </a:r>
+            <a:r>
+              <a:rPr lang="en-US" b="1" i="1" dirty="0" err="1"/>
+              <a:t>iArmTopLimSw</a:t>
+            </a:r>
+            <a:r>
+              <a:rPr lang="en-US" b="1" i="1" dirty="0"/>
+              <a:t> = 0;</a:t>
+            </a:r>
+          </a:p>
+          <a:p>
+            <a:r>
+              <a:rPr lang="en-US" dirty="0"/>
+              <a:t>    </a:t>
+            </a:r>
+            <a:r>
+              <a:rPr lang="en-US" b="1" dirty="0"/>
+              <a:t>public static </a:t>
+            </a:r>
+            <a:r>
+              <a:rPr lang="en-US" b="1" dirty="0" err="1"/>
+              <a:t>int</a:t>
+            </a:r>
+            <a:r>
+              <a:rPr lang="en-US" b="1" dirty="0"/>
+              <a:t> </a:t>
+            </a:r>
+            <a:r>
+              <a:rPr lang="en-US" b="1" i="1" dirty="0" err="1"/>
+              <a:t>iArmPosPot</a:t>
+            </a:r>
+            <a:r>
+              <a:rPr lang="en-US" b="1" i="1" dirty="0"/>
+              <a:t> = 1;</a:t>
+            </a:r>
+          </a:p>
+          <a:p>
+            <a:r>
+              <a:rPr lang="en-US" dirty="0"/>
+              <a:t>    </a:t>
+            </a:r>
+            <a:r>
+              <a:rPr lang="en-US" b="1" dirty="0"/>
+              <a:t>public static </a:t>
+            </a:r>
+            <a:r>
+              <a:rPr lang="en-US" b="1" dirty="0" err="1"/>
+              <a:t>int</a:t>
+            </a:r>
+            <a:r>
+              <a:rPr lang="en-US" b="1" dirty="0"/>
+              <a:t> </a:t>
+            </a:r>
+            <a:r>
+              <a:rPr lang="en-US" b="1" i="1" dirty="0" err="1"/>
+              <a:t>iArmMotor</a:t>
+            </a:r>
+            <a:r>
+              <a:rPr lang="en-US" b="1" i="1" dirty="0"/>
+              <a:t> = 0;</a:t>
+            </a:r>
+          </a:p>
+          <a:p>
+            <a:r>
+              <a:rPr lang="en-US" dirty="0"/>
+              <a:t> </a:t>
+            </a:r>
+          </a:p>
+          <a:p>
+            <a:r>
+              <a:rPr lang="en-US" dirty="0"/>
+              <a:t>    </a:t>
+            </a:r>
+            <a:r>
+              <a:rPr lang="en-US" b="1" dirty="0"/>
+              <a:t>public static void </a:t>
+            </a:r>
+            <a:r>
+              <a:rPr lang="en-US" b="1" dirty="0" err="1"/>
+              <a:t>init</a:t>
+            </a:r>
+            <a:r>
+              <a:rPr lang="en-US" b="1" dirty="0"/>
+              <a:t>() {</a:t>
+            </a:r>
+          </a:p>
+          <a:p>
+            <a:endParaRPr lang="en-US" dirty="0"/>
+          </a:p>
+          <a:p>
+            <a:r>
+              <a:rPr lang="en-US" dirty="0"/>
+              <a:t>    }</a:t>
+            </a:r>
+          </a:p>
+          <a:p>
+            <a:r>
+              <a:rPr lang="en-US" dirty="0"/>
+              <a:t>}</a:t>
+            </a:r>
+          </a:p>
+        </p:txBody>
+      </p:sp>
+      <p:sp>
+        <p:nvSpPr>
+          <p:cNvPr id="3" name="TextBox 2"/>
+          <p:cNvSpPr txBox="1"/>
+          <p:nvPr/>
+        </p:nvSpPr>
+        <p:spPr>
+          <a:xfrm>
+            <a:off x="8669868" y="1693333"/>
+            <a:ext cx="2650174" cy="4247317"/>
+          </a:xfrm>
+          <a:prstGeom prst="rect">
+            <a:avLst/>
+          </a:prstGeom>
+          <a:noFill/>
+        </p:spPr>
+        <p:txBody>
+          <a:bodyPr wrap="square" rtlCol="0">
+            <a:spAutoFit/>
+          </a:bodyPr>
+          <a:lstStyle/>
+          <a:p>
+            <a:r>
+              <a:rPr lang="en-US" dirty="0"/>
+              <a:t>This version of </a:t>
+            </a:r>
+            <a:r>
+              <a:rPr lang="en-US" dirty="0" err="1"/>
+              <a:t>RobotMap</a:t>
+            </a:r>
+            <a:r>
+              <a:rPr lang="en-US" dirty="0"/>
+              <a:t> is used to define the port numbers for each object.</a:t>
+            </a:r>
+          </a:p>
+          <a:p>
+            <a:endParaRPr lang="en-US" dirty="0"/>
+          </a:p>
+          <a:p>
+            <a:r>
+              <a:rPr lang="en-US" dirty="0"/>
+              <a:t>This information needs to be documented and communicated with the Electrical Team.  It is the map for where things plug in to the </a:t>
+            </a:r>
+            <a:r>
+              <a:rPr lang="en-US" dirty="0" err="1"/>
+              <a:t>RoboRIO</a:t>
+            </a:r>
+            <a:r>
+              <a:rPr lang="en-US" dirty="0"/>
+              <a:t>.</a:t>
+            </a:r>
+          </a:p>
+          <a:p>
+            <a:endParaRPr lang="en-US" dirty="0"/>
+          </a:p>
+          <a:p>
+            <a:r>
+              <a:rPr lang="en-US" dirty="0"/>
+              <a:t>Missing here are comments on what TYPES of ports each needs.  E.g. </a:t>
+            </a:r>
+            <a:r>
+              <a:rPr lang="en-US" dirty="0" err="1"/>
+              <a:t>iArmPosPot</a:t>
+            </a:r>
+            <a:r>
+              <a:rPr lang="en-US" dirty="0"/>
+              <a:t> is for Analog.</a:t>
+            </a:r>
+          </a:p>
+        </p:txBody>
+      </p:sp>
+    </p:spTree>
+    <p:extLst>
+      <p:ext uri="{BB962C8B-B14F-4D97-AF65-F5344CB8AC3E}">
+        <p14:creationId xmlns:p14="http://schemas.microsoft.com/office/powerpoint/2010/main" val="968147560"/>
+      </p:ext>
+    </p:extLst>
+  </p:cSld>
+  <p:clrMapOvr>
+    <a:masterClrMapping/>
+  </p:clrMapOvr>
+</p:sld>
+</file>
+
+<file path=ppt/slides/slide9.xml><?xml version="1.0" encoding="utf-8"?>
+<p:sld xmlns:a="http://schemas.openxmlformats.org/drawingml/2006/main" xmlns:r="http://schemas.openxmlformats.org/officeDocument/2006/relationships" xmlns:p="http://schemas.openxmlformats.org/presentationml/2006/main">
+  <p:cSld>
+    <p:spTree>
+      <p:nvGrpSpPr>
+        <p:cNvPr id="1" name=""/>
+        <p:cNvGrpSpPr/>
+        <p:nvPr/>
+      </p:nvGrpSpPr>
+      <p:grpSpPr>
+        <a:xfrm>
+          <a:off x="0" y="0"/>
+          <a:ext cx="0" cy="0"/>
+          <a:chOff x="0" y="0"/>
+          <a:chExt cx="0" cy="0"/>
+        </a:xfrm>
+      </p:grpSpPr>
+      <p:sp>
+        <p:nvSpPr>
+          <p:cNvPr id="3" name="TextBox 2"/>
+          <p:cNvSpPr txBox="1"/>
+          <p:nvPr/>
+        </p:nvSpPr>
+        <p:spPr>
+          <a:xfrm>
+            <a:off x="1401374" y="2682240"/>
+            <a:ext cx="9188669" cy="3139321"/>
+          </a:xfrm>
+          <a:prstGeom prst="rect">
+            <a:avLst/>
+          </a:prstGeom>
+          <a:noFill/>
+          <a:ln>
+            <a:solidFill>
+              <a:schemeClr val="accent1"/>
+            </a:solidFill>
+          </a:ln>
+        </p:spPr>
+        <p:txBody>
+          <a:bodyPr wrap="none" rtlCol="0">
+            <a:spAutoFit/>
+          </a:bodyPr>
+          <a:lstStyle/>
+          <a:p>
+            <a:r>
+              <a:rPr lang="en-US" b="1" dirty="0"/>
+              <a:t>public class </a:t>
+            </a:r>
+            <a:r>
+              <a:rPr lang="en-US" b="1" dirty="0" err="1"/>
+              <a:t>ArmLinearActuator</a:t>
+            </a:r>
+            <a:r>
+              <a:rPr lang="en-US" b="1" dirty="0"/>
+              <a:t> extends Subsystem {</a:t>
+            </a:r>
+          </a:p>
+          <a:p>
+            <a:endParaRPr lang="en-US" dirty="0"/>
+          </a:p>
+          <a:p>
+            <a:r>
+              <a:rPr lang="en-US" dirty="0"/>
+              <a:t>    </a:t>
+            </a:r>
+            <a:r>
+              <a:rPr lang="en-US" b="1" dirty="0"/>
+              <a:t>private final </a:t>
+            </a:r>
+            <a:r>
+              <a:rPr lang="en-US" b="1" dirty="0" err="1"/>
+              <a:t>DigitalInput</a:t>
+            </a:r>
+            <a:r>
+              <a:rPr lang="en-US" b="1" dirty="0"/>
+              <a:t> </a:t>
+            </a:r>
+            <a:r>
+              <a:rPr lang="en-US" b="1" dirty="0" err="1"/>
+              <a:t>homeLocSw</a:t>
+            </a:r>
+            <a:r>
+              <a:rPr lang="en-US" b="1" dirty="0"/>
+              <a:t> = new </a:t>
+            </a:r>
+            <a:r>
+              <a:rPr lang="en-US" b="1" dirty="0" err="1"/>
+              <a:t>DigitalInput</a:t>
+            </a:r>
+            <a:r>
+              <a:rPr lang="en-US" b="1" dirty="0"/>
+              <a:t>(</a:t>
+            </a:r>
+            <a:r>
+              <a:rPr lang="en-US" b="1" dirty="0" err="1"/>
+              <a:t>RobotMap.</a:t>
+            </a:r>
+            <a:r>
+              <a:rPr lang="en-US" b="1" i="1" dirty="0" err="1"/>
+              <a:t>iArmHomeLocSw</a:t>
+            </a:r>
+            <a:r>
+              <a:rPr lang="en-US" b="1" i="1" dirty="0"/>
+              <a:t>);</a:t>
+            </a:r>
+          </a:p>
+          <a:p>
+            <a:r>
+              <a:rPr lang="en-US" dirty="0"/>
+              <a:t>    </a:t>
+            </a:r>
+            <a:r>
+              <a:rPr lang="en-US" b="1" dirty="0"/>
+              <a:t>private final </a:t>
+            </a:r>
+            <a:r>
+              <a:rPr lang="en-US" b="1" dirty="0" err="1"/>
+              <a:t>DigitalInput</a:t>
+            </a:r>
+            <a:r>
+              <a:rPr lang="en-US" b="1" dirty="0"/>
+              <a:t> </a:t>
+            </a:r>
+            <a:r>
+              <a:rPr lang="en-US" b="1" dirty="0" err="1"/>
+              <a:t>scoopLimSw</a:t>
+            </a:r>
+            <a:r>
+              <a:rPr lang="en-US" b="1" dirty="0"/>
+              <a:t> = new </a:t>
+            </a:r>
+            <a:r>
+              <a:rPr lang="en-US" b="1" dirty="0" err="1"/>
+              <a:t>DigitalInput</a:t>
+            </a:r>
+            <a:r>
+              <a:rPr lang="en-US" b="1" dirty="0"/>
+              <a:t>(</a:t>
+            </a:r>
+            <a:r>
+              <a:rPr lang="en-US" b="1" dirty="0" err="1"/>
+              <a:t>RobotMap.</a:t>
+            </a:r>
+            <a:r>
+              <a:rPr lang="en-US" b="1" i="1" dirty="0" err="1"/>
+              <a:t>iArmBotLimSw</a:t>
+            </a:r>
+            <a:r>
+              <a:rPr lang="en-US" b="1" i="1" dirty="0"/>
+              <a:t>);</a:t>
+            </a:r>
+          </a:p>
+          <a:p>
+            <a:r>
+              <a:rPr lang="en-US" dirty="0"/>
+              <a:t>    </a:t>
+            </a:r>
+            <a:r>
+              <a:rPr lang="en-US" b="1" dirty="0"/>
+              <a:t>private final </a:t>
+            </a:r>
+            <a:r>
+              <a:rPr lang="en-US" b="1" dirty="0" err="1"/>
+              <a:t>DigitalInput</a:t>
+            </a:r>
+            <a:r>
+              <a:rPr lang="en-US" b="1" dirty="0"/>
+              <a:t> </a:t>
+            </a:r>
+            <a:r>
+              <a:rPr lang="en-US" b="1" dirty="0" err="1"/>
+              <a:t>topLimSw</a:t>
+            </a:r>
+            <a:r>
+              <a:rPr lang="en-US" b="1" dirty="0"/>
+              <a:t> = new </a:t>
+            </a:r>
+            <a:r>
+              <a:rPr lang="en-US" b="1" dirty="0" err="1"/>
+              <a:t>DigitalInput</a:t>
+            </a:r>
+            <a:r>
+              <a:rPr lang="en-US" b="1" dirty="0"/>
+              <a:t>(</a:t>
+            </a:r>
+            <a:r>
+              <a:rPr lang="en-US" b="1" dirty="0" err="1"/>
+              <a:t>RobotMap.</a:t>
+            </a:r>
+            <a:r>
+              <a:rPr lang="en-US" b="1" i="1" dirty="0" err="1"/>
+              <a:t>iArmTopLimSw</a:t>
+            </a:r>
+            <a:r>
+              <a:rPr lang="en-US" b="1" i="1" dirty="0"/>
+              <a:t>);</a:t>
+            </a:r>
+          </a:p>
+          <a:p>
+            <a:r>
+              <a:rPr lang="en-US" dirty="0"/>
+              <a:t>    </a:t>
+            </a:r>
+          </a:p>
+          <a:p>
+            <a:r>
+              <a:rPr lang="en-US" dirty="0"/>
+              <a:t>    </a:t>
+            </a:r>
+            <a:r>
+              <a:rPr lang="en-US" b="1" dirty="0"/>
+              <a:t>private final </a:t>
+            </a:r>
+            <a:r>
+              <a:rPr lang="en-US" b="1" dirty="0" err="1"/>
+              <a:t>SpeedController</a:t>
+            </a:r>
+            <a:r>
+              <a:rPr lang="en-US" b="1" dirty="0"/>
+              <a:t> </a:t>
+            </a:r>
+            <a:r>
+              <a:rPr lang="en-US" b="1" dirty="0" err="1"/>
+              <a:t>armLiftMotor</a:t>
+            </a:r>
+            <a:r>
+              <a:rPr lang="en-US" b="1" dirty="0"/>
+              <a:t> = new Talon(</a:t>
+            </a:r>
+            <a:r>
+              <a:rPr lang="en-US" b="1" dirty="0" err="1"/>
+              <a:t>RobotMap.</a:t>
+            </a:r>
+            <a:r>
+              <a:rPr lang="en-US" b="1" i="1" dirty="0" err="1"/>
+              <a:t>iArmMotor</a:t>
+            </a:r>
+            <a:r>
+              <a:rPr lang="en-US" b="1" i="1" dirty="0"/>
+              <a:t>);</a:t>
+            </a:r>
+          </a:p>
+          <a:p>
+            <a:r>
+              <a:rPr lang="en-US" dirty="0"/>
+              <a:t> </a:t>
+            </a:r>
+          </a:p>
+          <a:p>
+            <a:r>
+              <a:rPr lang="en-US" b="1" dirty="0"/>
+              <a:t>    private final Boolean </a:t>
+            </a:r>
+            <a:r>
+              <a:rPr lang="en-US" b="1" dirty="0" err="1"/>
+              <a:t>invMotor</a:t>
+            </a:r>
+            <a:r>
+              <a:rPr lang="en-US" b="1" dirty="0"/>
+              <a:t> = true;</a:t>
+            </a:r>
+            <a:endParaRPr lang="en-US" b="1" i="1" dirty="0"/>
+          </a:p>
+          <a:p>
+            <a:endParaRPr lang="en-US" b="1" dirty="0"/>
+          </a:p>
+          <a:p>
+            <a:r>
+              <a:rPr lang="en-US" b="1" dirty="0"/>
+              <a:t>Lots more stuff</a:t>
+            </a:r>
+          </a:p>
+        </p:txBody>
+      </p:sp>
+      <p:sp>
+        <p:nvSpPr>
+          <p:cNvPr id="4" name="TextBox 3"/>
+          <p:cNvSpPr txBox="1"/>
+          <p:nvPr/>
+        </p:nvSpPr>
+        <p:spPr>
+          <a:xfrm>
+            <a:off x="1401374" y="765810"/>
+            <a:ext cx="9297106" cy="1754326"/>
+          </a:xfrm>
+          <a:prstGeom prst="rect">
+            <a:avLst/>
+          </a:prstGeom>
+          <a:noFill/>
+        </p:spPr>
+        <p:txBody>
+          <a:bodyPr wrap="square" rtlCol="0">
+            <a:spAutoFit/>
+          </a:bodyPr>
+          <a:lstStyle/>
+          <a:p>
+            <a:r>
+              <a:rPr lang="en-US" dirty="0"/>
+              <a:t>This is a Subsystem Class – it defines the Arm elevation mechanism on the test robot and all the functions or processes that can be done to move the Arm.</a:t>
+            </a:r>
+          </a:p>
+          <a:p>
+            <a:endParaRPr lang="en-US" dirty="0"/>
+          </a:p>
+          <a:p>
+            <a:r>
+              <a:rPr lang="en-US" dirty="0"/>
+              <a:t>Listed here are the definitions for the component objects, along with a Boolean that tells us “logically” what direction the motor has to spin to move the arm Up or Down, relative to the speed from a Joystick (which IMHO is backwards!)</a:t>
+            </a:r>
+          </a:p>
+        </p:txBody>
+      </p:sp>
+    </p:spTree>
+    <p:extLst>
+      <p:ext uri="{BB962C8B-B14F-4D97-AF65-F5344CB8AC3E}">
+        <p14:creationId xmlns:p14="http://schemas.microsoft.com/office/powerpoint/2010/main" val="3067949633"/>
+      </p:ext>
+    </p:extLst>
+  </p:cSld>
+  <p:clrMapOvr>
+    <a:masterClrMapping/>
+  </p:clrMapOvr>
+</p:sld>
+</file>
+
 <file path=ppt/theme/theme1.xml><?xml version="1.0" encoding="utf-8"?>
 <a:theme xmlns:a="http://schemas.openxmlformats.org/drawingml/2006/main" name="Organic">
   <a:themeElements>
@@ -11755,28 +12549,28 @@
         <a:srgbClr val="DADADA"/>
       </a:lt2>
       <a:accent1>
-        <a:srgbClr val="AB946B"/>
+        <a:srgbClr val="83992A"/>
       </a:accent1>
       <a:accent2>
-        <a:srgbClr val="C04F32"/>
+        <a:srgbClr val="3C9770"/>
       </a:accent2>
       <a:accent3>
-        <a:srgbClr val="DD8C3C"/>
+        <a:srgbClr val="44709D"/>
       </a:accent3>
       <a:accent4>
-        <a:srgbClr val="8E684C"/>
+        <a:srgbClr val="A23C33"/>
       </a:accent4>
       <a:accent5>
-        <a:srgbClr val="CBAF62"/>
+        <a:srgbClr val="D97828"/>
       </a:accent5>
       <a:accent6>
-        <a:srgbClr val="803348"/>
+        <a:srgbClr val="DEB340"/>
       </a:accent6>
       <a:hlink>
-        <a:srgbClr val="86724D"/>
+        <a:srgbClr val="A8BF4D"/>
       </a:hlink>
       <a:folHlink>
-        <a:srgbClr val="B99E84"/>
+        <a:srgbClr val="B4CA80"/>
       </a:folHlink>
     </a:clrScheme>
     <a:fontScheme name="Organic">
@@ -11965,7 +12759,7 @@
   <a:extraClrSchemeLst/>
   <a:extLst>
     <a:ext uri="{05A4C25C-085E-4340-85A3-A5531E510DB2}">
-      <thm15:themeFamily xmlns:thm15="http://schemas.microsoft.com/office/thememl/2012/main" name="Organic" id="{28CDC826-8792-45C0-861B-85EB3ADEDA33}" vid="{A2BEDC8B-F191-493B-BA33-0F4F800A89D3}"/>
+      <thm15:themeFamily xmlns:thm15="http://schemas.microsoft.com/office/thememl/2012/main" name="Organic" id="{28CDC826-8792-45C0-861B-85EB3ADEDA33}" vid="{7DAC20F1-423D-49E2-BD0B-50532748BAD0}"/>
     </a:ext>
   </a:extLst>
 </a:theme>

--- a/Object Oriented Programming FRC Context ArmSystem.pptx
+++ b/Object Oriented Programming FRC Context ArmSystem.pptx
@@ -213,7 +213,7 @@
           <a:p>
             <a:fld id="{F9C1B0B9-684F-45F6-91B4-DADBEF26290F}" type="datetimeFigureOut">
               <a:rPr lang="en-US" smtClean="0"/>
-              <a:t>11/12/2016</a:t>
+              <a:t>11/14/2016</a:t>
             </a:fld>
             <a:endParaRPr lang="en-US"/>
           </a:p>
@@ -1849,7 +1849,7 @@
           <a:p>
             <a:fld id="{5661C814-0C51-44D7-BAA9-105AE0B6C1A4}" type="datetimeFigureOut">
               <a:rPr lang="en-US" smtClean="0"/>
-              <a:t>11/12/2016</a:t>
+              <a:t>11/14/2016</a:t>
             </a:fld>
             <a:endParaRPr lang="en-US"/>
           </a:p>
@@ -2173,7 +2173,7 @@
           <a:p>
             <a:fld id="{5661C814-0C51-44D7-BAA9-105AE0B6C1A4}" type="datetimeFigureOut">
               <a:rPr lang="en-US" smtClean="0"/>
-              <a:t>11/12/2016</a:t>
+              <a:t>11/14/2016</a:t>
             </a:fld>
             <a:endParaRPr lang="en-US"/>
           </a:p>
@@ -2421,7 +2421,7 @@
           <a:p>
             <a:fld id="{5661C814-0C51-44D7-BAA9-105AE0B6C1A4}" type="datetimeFigureOut">
               <a:rPr lang="en-US" smtClean="0"/>
-              <a:t>11/12/2016</a:t>
+              <a:t>11/14/2016</a:t>
             </a:fld>
             <a:endParaRPr lang="en-US"/>
           </a:p>
@@ -2760,7 +2760,7 @@
           <a:p>
             <a:fld id="{5661C814-0C51-44D7-BAA9-105AE0B6C1A4}" type="datetimeFigureOut">
               <a:rPr lang="en-US" smtClean="0"/>
-              <a:t>11/12/2016</a:t>
+              <a:t>11/14/2016</a:t>
             </a:fld>
             <a:endParaRPr lang="en-US"/>
           </a:p>
@@ -3107,7 +3107,7 @@
           <a:p>
             <a:fld id="{5661C814-0C51-44D7-BAA9-105AE0B6C1A4}" type="datetimeFigureOut">
               <a:rPr lang="en-US" smtClean="0"/>
-              <a:t>11/12/2016</a:t>
+              <a:t>11/14/2016</a:t>
             </a:fld>
             <a:endParaRPr lang="en-US"/>
           </a:p>
@@ -3481,7 +3481,7 @@
           <a:p>
             <a:fld id="{5661C814-0C51-44D7-BAA9-105AE0B6C1A4}" type="datetimeFigureOut">
               <a:rPr lang="en-US" smtClean="0"/>
-              <a:t>11/12/2016</a:t>
+              <a:t>11/14/2016</a:t>
             </a:fld>
             <a:endParaRPr lang="en-US"/>
           </a:p>
@@ -3951,7 +3951,7 @@
           <a:p>
             <a:fld id="{5661C814-0C51-44D7-BAA9-105AE0B6C1A4}" type="datetimeFigureOut">
               <a:rPr lang="en-US" smtClean="0"/>
-              <a:t>11/12/2016</a:t>
+              <a:t>11/14/2016</a:t>
             </a:fld>
             <a:endParaRPr lang="en-US"/>
           </a:p>
@@ -4156,7 +4156,7 @@
           <a:p>
             <a:fld id="{5661C814-0C51-44D7-BAA9-105AE0B6C1A4}" type="datetimeFigureOut">
               <a:rPr lang="en-US" smtClean="0"/>
-              <a:t>11/12/2016</a:t>
+              <a:t>11/14/2016</a:t>
             </a:fld>
             <a:endParaRPr lang="en-US"/>
           </a:p>
@@ -4367,7 +4367,7 @@
           <a:p>
             <a:fld id="{5661C814-0C51-44D7-BAA9-105AE0B6C1A4}" type="datetimeFigureOut">
               <a:rPr lang="en-US" smtClean="0"/>
-              <a:t>11/12/2016</a:t>
+              <a:t>11/14/2016</a:t>
             </a:fld>
             <a:endParaRPr lang="en-US"/>
           </a:p>
@@ -4599,7 +4599,7 @@
           <a:p>
             <a:fld id="{5661C814-0C51-44D7-BAA9-105AE0B6C1A4}" type="datetimeFigureOut">
               <a:rPr lang="en-US" smtClean="0"/>
-              <a:t>11/12/2016</a:t>
+              <a:t>11/14/2016</a:t>
             </a:fld>
             <a:endParaRPr lang="en-US"/>
           </a:p>
@@ -4847,7 +4847,7 @@
           <a:p>
             <a:fld id="{5661C814-0C51-44D7-BAA9-105AE0B6C1A4}" type="datetimeFigureOut">
               <a:rPr lang="en-US" smtClean="0"/>
-              <a:t>11/12/2016</a:t>
+              <a:t>11/14/2016</a:t>
             </a:fld>
             <a:endParaRPr lang="en-US"/>
           </a:p>
@@ -5145,7 +5145,7 @@
           <a:p>
             <a:fld id="{5661C814-0C51-44D7-BAA9-105AE0B6C1A4}" type="datetimeFigureOut">
               <a:rPr lang="en-US" smtClean="0"/>
-              <a:t>11/12/2016</a:t>
+              <a:t>11/14/2016</a:t>
             </a:fld>
             <a:endParaRPr lang="en-US"/>
           </a:p>
@@ -5539,7 +5539,7 @@
           <a:p>
             <a:fld id="{5661C814-0C51-44D7-BAA9-105AE0B6C1A4}" type="datetimeFigureOut">
               <a:rPr lang="en-US" smtClean="0"/>
-              <a:t>11/12/2016</a:t>
+              <a:t>11/14/2016</a:t>
             </a:fld>
             <a:endParaRPr lang="en-US"/>
           </a:p>
@@ -5688,7 +5688,7 @@
           <a:p>
             <a:fld id="{5661C814-0C51-44D7-BAA9-105AE0B6C1A4}" type="datetimeFigureOut">
               <a:rPr lang="en-US" smtClean="0"/>
-              <a:t>11/12/2016</a:t>
+              <a:t>11/14/2016</a:t>
             </a:fld>
             <a:endParaRPr lang="en-US"/>
           </a:p>
@@ -5814,7 +5814,7 @@
           <a:p>
             <a:fld id="{5661C814-0C51-44D7-BAA9-105AE0B6C1A4}" type="datetimeFigureOut">
               <a:rPr lang="en-US" smtClean="0"/>
-              <a:t>11/12/2016</a:t>
+              <a:t>11/14/2016</a:t>
             </a:fld>
             <a:endParaRPr lang="en-US"/>
           </a:p>
@@ -6069,7 +6069,7 @@
           <a:p>
             <a:fld id="{5661C814-0C51-44D7-BAA9-105AE0B6C1A4}" type="datetimeFigureOut">
               <a:rPr lang="en-US" smtClean="0"/>
-              <a:t>11/12/2016</a:t>
+              <a:t>11/14/2016</a:t>
             </a:fld>
             <a:endParaRPr lang="en-US"/>
           </a:p>
@@ -6384,7 +6384,7 @@
           <a:p>
             <a:fld id="{5661C814-0C51-44D7-BAA9-105AE0B6C1A4}" type="datetimeFigureOut">
               <a:rPr lang="en-US" smtClean="0"/>
-              <a:t>11/12/2016</a:t>
+              <a:t>11/14/2016</a:t>
             </a:fld>
             <a:endParaRPr lang="en-US"/>
           </a:p>
@@ -6735,7 +6735,7 @@
           <a:p>
             <a:fld id="{5661C814-0C51-44D7-BAA9-105AE0B6C1A4}" type="datetimeFigureOut">
               <a:rPr lang="en-US" smtClean="0"/>
-              <a:t>11/12/2016</a:t>
+              <a:t>11/14/2016</a:t>
             </a:fld>
             <a:endParaRPr lang="en-US"/>
           </a:p>
@@ -7341,7 +7341,7 @@
             </a:r>
             <a:r>
               <a:rPr lang="en-US" dirty="0"/>
-              <a:t> Example</a:t>
+              <a:t> Part 1 – Basic Movement</a:t>
             </a:r>
           </a:p>
         </p:txBody>
@@ -9922,7 +9922,7 @@
         <p:spPr>
           <a:xfrm>
             <a:off x="6400006" y="1640892"/>
-            <a:ext cx="1170898" cy="369332"/>
+            <a:ext cx="2062168" cy="646331"/>
           </a:xfrm>
           <a:prstGeom prst="rect">
             <a:avLst/>
@@ -9937,7 +9937,17 @@
           <a:p>
             <a:r>
               <a:rPr lang="en-US" dirty="0"/>
-              <a:t>set(speed)</a:t>
+              <a:t>set(double)</a:t>
+            </a:r>
+          </a:p>
+          <a:p>
+            <a:r>
+              <a:rPr lang="en-US" dirty="0" err="1"/>
+              <a:t>setInverted</a:t>
+            </a:r>
+            <a:r>
+              <a:rPr lang="en-US" dirty="0"/>
+              <a:t>(Boolean)</a:t>
             </a:r>
           </a:p>
         </p:txBody>
@@ -9951,107 +9961,6 @@
         <p:spPr>
           <a:xfrm>
             <a:off x="7581546" y="3353197"/>
-            <a:ext cx="623953" cy="369332"/>
-          </a:xfrm>
-          <a:prstGeom prst="rect">
-            <a:avLst/>
-          </a:prstGeom>
-          <a:noFill/>
-        </p:spPr>
-        <p:txBody>
-          <a:bodyPr wrap="none" rtlCol="0">
-            <a:spAutoFit/>
-          </a:bodyPr>
-          <a:lstStyle/>
-          <a:p>
-            <a:r>
-              <a:rPr lang="en-US" dirty="0"/>
-              <a:t>get()</a:t>
-            </a:r>
-          </a:p>
-        </p:txBody>
-      </p:sp>
-      <p:sp>
-        <p:nvSpPr>
-          <p:cNvPr id="9" name="Oval 8"/>
-          <p:cNvSpPr/>
-          <p:nvPr/>
-        </p:nvSpPr>
-        <p:spPr>
-          <a:xfrm>
-            <a:off x="5315484" y="4727768"/>
-            <a:ext cx="1722474" cy="1414131"/>
-          </a:xfrm>
-          <a:prstGeom prst="ellipse">
-            <a:avLst/>
-          </a:prstGeom>
-        </p:spPr>
-        <p:style>
-          <a:lnRef idx="2">
-            <a:schemeClr val="accent1">
-              <a:shade val="50000"/>
-            </a:schemeClr>
-          </a:lnRef>
-          <a:fillRef idx="1">
-            <a:schemeClr val="accent1"/>
-          </a:fillRef>
-          <a:effectRef idx="0">
-            <a:schemeClr val="accent1"/>
-          </a:effectRef>
-          <a:fontRef idx="minor">
-            <a:schemeClr val="lt1"/>
-          </a:fontRef>
-        </p:style>
-        <p:txBody>
-          <a:bodyPr rtlCol="0" anchor="ctr"/>
-          <a:lstStyle/>
-          <a:p>
-            <a:pPr algn="ctr"/>
-            <a:r>
-              <a:rPr lang="en-US" dirty="0"/>
-              <a:t>Sensor</a:t>
-            </a:r>
-          </a:p>
-        </p:txBody>
-      </p:sp>
-      <p:sp>
-        <p:nvSpPr>
-          <p:cNvPr id="10" name="TextBox 9"/>
-          <p:cNvSpPr txBox="1"/>
-          <p:nvPr/>
-        </p:nvSpPr>
-        <p:spPr>
-          <a:xfrm>
-            <a:off x="7227353" y="4814875"/>
-            <a:ext cx="577594" cy="369332"/>
-          </a:xfrm>
-          <a:prstGeom prst="rect">
-            <a:avLst/>
-          </a:prstGeom>
-          <a:noFill/>
-        </p:spPr>
-        <p:txBody>
-          <a:bodyPr wrap="none" rtlCol="0">
-            <a:spAutoFit/>
-          </a:bodyPr>
-          <a:lstStyle/>
-          <a:p>
-            <a:r>
-              <a:rPr lang="en-US" i="1" dirty="0"/>
-              <a:t>Port</a:t>
-            </a:r>
-          </a:p>
-        </p:txBody>
-      </p:sp>
-      <p:sp>
-        <p:nvSpPr>
-          <p:cNvPr id="11" name="TextBox 10"/>
-          <p:cNvSpPr txBox="1"/>
-          <p:nvPr/>
-        </p:nvSpPr>
-        <p:spPr>
-          <a:xfrm>
-            <a:off x="7269569" y="5121545"/>
             <a:ext cx="623953" cy="369332"/>
           </a:xfrm>
           <a:prstGeom prst="rect">
@@ -10601,7 +10510,29 @@
                 <a:uLnTx/>
                 <a:uFillTx/>
               </a:rPr>
-              <a:t>FRC “Shell”</a:t>
+              <a:t>FRC “</a:t>
+            </a:r>
+            <a:r>
+              <a:rPr lang="en-US" b="1" kern="0" dirty="0">
+                <a:solidFill>
+                  <a:schemeClr val="tx1"/>
+                </a:solidFill>
+              </a:rPr>
+              <a:t>Main</a:t>
+            </a:r>
+            <a:r>
+              <a:rPr kumimoji="0" lang="en-US" sz="1800" b="1" i="0" u="none" strike="noStrike" kern="0" cap="none" spc="0" normalizeH="0" baseline="0" noProof="0" dirty="0">
+                <a:ln>
+                  <a:noFill/>
+                </a:ln>
+                <a:solidFill>
+                  <a:schemeClr val="tx1"/>
+                </a:solidFill>
+                <a:effectLst/>
+                <a:uLnTx/>
+                <a:uFillTx/>
+              </a:rPr>
+              <a:t>”</a:t>
             </a:r>
           </a:p>
         </p:txBody>
@@ -10697,7 +10628,7 @@
           </a:prstGeom>
           <a:solidFill>
             <a:schemeClr val="accent6">
-              <a:lumMod val="75000"/>
+              <a:lumMod val="50000"/>
             </a:schemeClr>
           </a:solidFill>
         </p:spPr>
@@ -11121,7 +11052,7 @@
           </a:prstGeom>
           <a:solidFill>
             <a:schemeClr val="accent6">
-              <a:lumMod val="75000"/>
+              <a:lumMod val="50000"/>
             </a:schemeClr>
           </a:solidFill>
         </p:spPr>
